--- a/presentation/Transformer_Udemy/Udemy_P0_Introduction to the course.pptx
+++ b/presentation/Transformer_Udemy/Udemy_P0_Introduction to the course.pptx
@@ -5,11 +5,21 @@
     <p:sldMasterId id="2147483648" r:id="rId1"/>
   </p:sldMasterIdLst>
   <p:notesMasterIdLst>
-    <p:notesMasterId r:id="rId4"/>
+    <p:notesMasterId r:id="rId14"/>
   </p:notesMasterIdLst>
   <p:sldIdLst>
-    <p:sldId id="710" r:id="rId2"/>
-    <p:sldId id="709" r:id="rId3"/>
+    <p:sldId id="717" r:id="rId2"/>
+    <p:sldId id="719" r:id="rId3"/>
+    <p:sldId id="716" r:id="rId4"/>
+    <p:sldId id="720" r:id="rId5"/>
+    <p:sldId id="729" r:id="rId6"/>
+    <p:sldId id="724" r:id="rId7"/>
+    <p:sldId id="725" r:id="rId8"/>
+    <p:sldId id="726" r:id="rId9"/>
+    <p:sldId id="727" r:id="rId10"/>
+    <p:sldId id="730" r:id="rId11"/>
+    <p:sldId id="728" r:id="rId12"/>
+    <p:sldId id="714" r:id="rId13"/>
   </p:sldIdLst>
   <p:sldSz cx="12192000" cy="6858000"/>
   <p:notesSz cx="6858000" cy="9144000"/>
@@ -198,7 +208,7 @@
           <a:p>
             <a:fld id="{83E62246-8680-4D4D-A3BD-0C5BFD468F61}" type="datetimeFigureOut">
               <a:rPr lang="en-US" smtClean="0"/>
-              <a:t>6/25/2024</a:t>
+              <a:t>6/30/2024</a:t>
             </a:fld>
             <a:endParaRPr lang="en-US"/>
           </a:p>
@@ -530,7 +540,7 @@
           <a:p>
             <a:fld id="{B4A55CF2-256D-44FD-9430-5B63A079CF51}" type="slidenum">
               <a:rPr lang="en-US" smtClean="0"/>
-              <a:t>2</a:t>
+              <a:t>5</a:t>
             </a:fld>
             <a:endParaRPr lang="en-US" dirty="0"/>
           </a:p>
@@ -539,7 +549,595 @@
     </p:spTree>
     <p:extLst>
       <p:ext uri="{BB962C8B-B14F-4D97-AF65-F5344CB8AC3E}">
-        <p14:creationId xmlns:p14="http://schemas.microsoft.com/office/powerpoint/2010/main" val="1052428551"/>
+        <p14:creationId xmlns:p14="http://schemas.microsoft.com/office/powerpoint/2010/main" val="1032633204"/>
+      </p:ext>
+    </p:extLst>
+  </p:cSld>
+  <p:clrMapOvr>
+    <a:masterClrMapping/>
+  </p:clrMapOvr>
+</p:notes>
+</file>
+
+<file path=ppt/notesSlides/notesSlide2.xml><?xml version="1.0" encoding="utf-8"?>
+<p:notes xmlns:a="http://schemas.openxmlformats.org/drawingml/2006/main" xmlns:r="http://schemas.openxmlformats.org/officeDocument/2006/relationships" xmlns:p="http://schemas.openxmlformats.org/presentationml/2006/main">
+  <p:cSld>
+    <p:spTree>
+      <p:nvGrpSpPr>
+        <p:cNvPr id="1" name=""/>
+        <p:cNvGrpSpPr/>
+        <p:nvPr/>
+      </p:nvGrpSpPr>
+      <p:grpSpPr>
+        <a:xfrm>
+          <a:off x="0" y="0"/>
+          <a:ext cx="0" cy="0"/>
+          <a:chOff x="0" y="0"/>
+          <a:chExt cx="0" cy="0"/>
+        </a:xfrm>
+      </p:grpSpPr>
+      <p:sp>
+        <p:nvSpPr>
+          <p:cNvPr id="2" name="Espace réservé de l'image des diapositives 1"/>
+          <p:cNvSpPr>
+            <a:spLocks noGrp="1" noRot="1" noChangeAspect="1"/>
+          </p:cNvSpPr>
+          <p:nvPr>
+            <p:ph type="sldImg"/>
+          </p:nvPr>
+        </p:nvSpPr>
+        <p:spPr/>
+      </p:sp>
+      <p:sp>
+        <p:nvSpPr>
+          <p:cNvPr id="3" name="Espace réservé des commentaires 2"/>
+          <p:cNvSpPr>
+            <a:spLocks noGrp="1"/>
+          </p:cNvSpPr>
+          <p:nvPr>
+            <p:ph type="body" idx="1"/>
+          </p:nvPr>
+        </p:nvSpPr>
+        <p:spPr/>
+        <p:txBody>
+          <a:bodyPr/>
+          <a:lstStyle/>
+          <a:p>
+            <a:endParaRPr lang="en-US" dirty="0"/>
+          </a:p>
+        </p:txBody>
+      </p:sp>
+      <p:sp>
+        <p:nvSpPr>
+          <p:cNvPr id="4" name="Espace réservé du numéro de diapositive 3"/>
+          <p:cNvSpPr>
+            <a:spLocks noGrp="1"/>
+          </p:cNvSpPr>
+          <p:nvPr>
+            <p:ph type="sldNum" sz="quarter" idx="10"/>
+          </p:nvPr>
+        </p:nvSpPr>
+        <p:spPr/>
+        <p:txBody>
+          <a:bodyPr/>
+          <a:lstStyle/>
+          <a:p>
+            <a:fld id="{B4A55CF2-256D-44FD-9430-5B63A079CF51}" type="slidenum">
+              <a:rPr lang="en-US" smtClean="0"/>
+              <a:t>6</a:t>
+            </a:fld>
+            <a:endParaRPr lang="en-US" dirty="0"/>
+          </a:p>
+        </p:txBody>
+      </p:sp>
+    </p:spTree>
+    <p:extLst>
+      <p:ext uri="{BB962C8B-B14F-4D97-AF65-F5344CB8AC3E}">
+        <p14:creationId xmlns:p14="http://schemas.microsoft.com/office/powerpoint/2010/main" val="3968101867"/>
+      </p:ext>
+    </p:extLst>
+  </p:cSld>
+  <p:clrMapOvr>
+    <a:masterClrMapping/>
+  </p:clrMapOvr>
+</p:notes>
+</file>
+
+<file path=ppt/notesSlides/notesSlide3.xml><?xml version="1.0" encoding="utf-8"?>
+<p:notes xmlns:a="http://schemas.openxmlformats.org/drawingml/2006/main" xmlns:r="http://schemas.openxmlformats.org/officeDocument/2006/relationships" xmlns:p="http://schemas.openxmlformats.org/presentationml/2006/main">
+  <p:cSld>
+    <p:spTree>
+      <p:nvGrpSpPr>
+        <p:cNvPr id="1" name=""/>
+        <p:cNvGrpSpPr/>
+        <p:nvPr/>
+      </p:nvGrpSpPr>
+      <p:grpSpPr>
+        <a:xfrm>
+          <a:off x="0" y="0"/>
+          <a:ext cx="0" cy="0"/>
+          <a:chOff x="0" y="0"/>
+          <a:chExt cx="0" cy="0"/>
+        </a:xfrm>
+      </p:grpSpPr>
+      <p:sp>
+        <p:nvSpPr>
+          <p:cNvPr id="2" name="Espace réservé de l'image des diapositives 1"/>
+          <p:cNvSpPr>
+            <a:spLocks noGrp="1" noRot="1" noChangeAspect="1"/>
+          </p:cNvSpPr>
+          <p:nvPr>
+            <p:ph type="sldImg"/>
+          </p:nvPr>
+        </p:nvSpPr>
+        <p:spPr/>
+      </p:sp>
+      <p:sp>
+        <p:nvSpPr>
+          <p:cNvPr id="3" name="Espace réservé des commentaires 2"/>
+          <p:cNvSpPr>
+            <a:spLocks noGrp="1"/>
+          </p:cNvSpPr>
+          <p:nvPr>
+            <p:ph type="body" idx="1"/>
+          </p:nvPr>
+        </p:nvSpPr>
+        <p:spPr/>
+        <p:txBody>
+          <a:bodyPr/>
+          <a:lstStyle/>
+          <a:p>
+            <a:endParaRPr lang="en-US" dirty="0"/>
+          </a:p>
+        </p:txBody>
+      </p:sp>
+      <p:sp>
+        <p:nvSpPr>
+          <p:cNvPr id="4" name="Espace réservé du numéro de diapositive 3"/>
+          <p:cNvSpPr>
+            <a:spLocks noGrp="1"/>
+          </p:cNvSpPr>
+          <p:nvPr>
+            <p:ph type="sldNum" sz="quarter" idx="10"/>
+          </p:nvPr>
+        </p:nvSpPr>
+        <p:spPr/>
+        <p:txBody>
+          <a:bodyPr/>
+          <a:lstStyle/>
+          <a:p>
+            <a:fld id="{B4A55CF2-256D-44FD-9430-5B63A079CF51}" type="slidenum">
+              <a:rPr lang="en-US" smtClean="0"/>
+              <a:t>7</a:t>
+            </a:fld>
+            <a:endParaRPr lang="en-US" dirty="0"/>
+          </a:p>
+        </p:txBody>
+      </p:sp>
+    </p:spTree>
+    <p:extLst>
+      <p:ext uri="{BB962C8B-B14F-4D97-AF65-F5344CB8AC3E}">
+        <p14:creationId xmlns:p14="http://schemas.microsoft.com/office/powerpoint/2010/main" val="1360396324"/>
+      </p:ext>
+    </p:extLst>
+  </p:cSld>
+  <p:clrMapOvr>
+    <a:masterClrMapping/>
+  </p:clrMapOvr>
+</p:notes>
+</file>
+
+<file path=ppt/notesSlides/notesSlide4.xml><?xml version="1.0" encoding="utf-8"?>
+<p:notes xmlns:a="http://schemas.openxmlformats.org/drawingml/2006/main" xmlns:r="http://schemas.openxmlformats.org/officeDocument/2006/relationships" xmlns:p="http://schemas.openxmlformats.org/presentationml/2006/main">
+  <p:cSld>
+    <p:spTree>
+      <p:nvGrpSpPr>
+        <p:cNvPr id="1" name=""/>
+        <p:cNvGrpSpPr/>
+        <p:nvPr/>
+      </p:nvGrpSpPr>
+      <p:grpSpPr>
+        <a:xfrm>
+          <a:off x="0" y="0"/>
+          <a:ext cx="0" cy="0"/>
+          <a:chOff x="0" y="0"/>
+          <a:chExt cx="0" cy="0"/>
+        </a:xfrm>
+      </p:grpSpPr>
+      <p:sp>
+        <p:nvSpPr>
+          <p:cNvPr id="2" name="Espace réservé de l'image des diapositives 1"/>
+          <p:cNvSpPr>
+            <a:spLocks noGrp="1" noRot="1" noChangeAspect="1"/>
+          </p:cNvSpPr>
+          <p:nvPr>
+            <p:ph type="sldImg"/>
+          </p:nvPr>
+        </p:nvSpPr>
+        <p:spPr/>
+      </p:sp>
+      <p:sp>
+        <p:nvSpPr>
+          <p:cNvPr id="3" name="Espace réservé des commentaires 2"/>
+          <p:cNvSpPr>
+            <a:spLocks noGrp="1"/>
+          </p:cNvSpPr>
+          <p:nvPr>
+            <p:ph type="body" idx="1"/>
+          </p:nvPr>
+        </p:nvSpPr>
+        <p:spPr/>
+        <p:txBody>
+          <a:bodyPr/>
+          <a:lstStyle/>
+          <a:p>
+            <a:endParaRPr lang="en-US" dirty="0"/>
+          </a:p>
+        </p:txBody>
+      </p:sp>
+      <p:sp>
+        <p:nvSpPr>
+          <p:cNvPr id="4" name="Espace réservé du numéro de diapositive 3"/>
+          <p:cNvSpPr>
+            <a:spLocks noGrp="1"/>
+          </p:cNvSpPr>
+          <p:nvPr>
+            <p:ph type="sldNum" sz="quarter" idx="10"/>
+          </p:nvPr>
+        </p:nvSpPr>
+        <p:spPr/>
+        <p:txBody>
+          <a:bodyPr/>
+          <a:lstStyle/>
+          <a:p>
+            <a:fld id="{B4A55CF2-256D-44FD-9430-5B63A079CF51}" type="slidenum">
+              <a:rPr lang="en-US" smtClean="0"/>
+              <a:t>8</a:t>
+            </a:fld>
+            <a:endParaRPr lang="en-US" dirty="0"/>
+          </a:p>
+        </p:txBody>
+      </p:sp>
+    </p:spTree>
+    <p:extLst>
+      <p:ext uri="{BB962C8B-B14F-4D97-AF65-F5344CB8AC3E}">
+        <p14:creationId xmlns:p14="http://schemas.microsoft.com/office/powerpoint/2010/main" val="2260413336"/>
+      </p:ext>
+    </p:extLst>
+  </p:cSld>
+  <p:clrMapOvr>
+    <a:masterClrMapping/>
+  </p:clrMapOvr>
+</p:notes>
+</file>
+
+<file path=ppt/notesSlides/notesSlide5.xml><?xml version="1.0" encoding="utf-8"?>
+<p:notes xmlns:a="http://schemas.openxmlformats.org/drawingml/2006/main" xmlns:r="http://schemas.openxmlformats.org/officeDocument/2006/relationships" xmlns:p="http://schemas.openxmlformats.org/presentationml/2006/main">
+  <p:cSld>
+    <p:spTree>
+      <p:nvGrpSpPr>
+        <p:cNvPr id="1" name=""/>
+        <p:cNvGrpSpPr/>
+        <p:nvPr/>
+      </p:nvGrpSpPr>
+      <p:grpSpPr>
+        <a:xfrm>
+          <a:off x="0" y="0"/>
+          <a:ext cx="0" cy="0"/>
+          <a:chOff x="0" y="0"/>
+          <a:chExt cx="0" cy="0"/>
+        </a:xfrm>
+      </p:grpSpPr>
+      <p:sp>
+        <p:nvSpPr>
+          <p:cNvPr id="2" name="Espace réservé de l'image des diapositives 1"/>
+          <p:cNvSpPr>
+            <a:spLocks noGrp="1" noRot="1" noChangeAspect="1"/>
+          </p:cNvSpPr>
+          <p:nvPr>
+            <p:ph type="sldImg"/>
+          </p:nvPr>
+        </p:nvSpPr>
+        <p:spPr/>
+      </p:sp>
+      <p:sp>
+        <p:nvSpPr>
+          <p:cNvPr id="3" name="Espace réservé des commentaires 2"/>
+          <p:cNvSpPr>
+            <a:spLocks noGrp="1"/>
+          </p:cNvSpPr>
+          <p:nvPr>
+            <p:ph type="body" idx="1"/>
+          </p:nvPr>
+        </p:nvSpPr>
+        <p:spPr/>
+        <p:txBody>
+          <a:bodyPr/>
+          <a:lstStyle/>
+          <a:p>
+            <a:endParaRPr lang="en-US" dirty="0"/>
+          </a:p>
+        </p:txBody>
+      </p:sp>
+      <p:sp>
+        <p:nvSpPr>
+          <p:cNvPr id="4" name="Espace réservé du numéro de diapositive 3"/>
+          <p:cNvSpPr>
+            <a:spLocks noGrp="1"/>
+          </p:cNvSpPr>
+          <p:nvPr>
+            <p:ph type="sldNum" sz="quarter" idx="10"/>
+          </p:nvPr>
+        </p:nvSpPr>
+        <p:spPr/>
+        <p:txBody>
+          <a:bodyPr/>
+          <a:lstStyle/>
+          <a:p>
+            <a:fld id="{B4A55CF2-256D-44FD-9430-5B63A079CF51}" type="slidenum">
+              <a:rPr lang="en-US" smtClean="0"/>
+              <a:t>9</a:t>
+            </a:fld>
+            <a:endParaRPr lang="en-US" dirty="0"/>
+          </a:p>
+        </p:txBody>
+      </p:sp>
+    </p:spTree>
+    <p:extLst>
+      <p:ext uri="{BB962C8B-B14F-4D97-AF65-F5344CB8AC3E}">
+        <p14:creationId xmlns:p14="http://schemas.microsoft.com/office/powerpoint/2010/main" val="97027541"/>
+      </p:ext>
+    </p:extLst>
+  </p:cSld>
+  <p:clrMapOvr>
+    <a:masterClrMapping/>
+  </p:clrMapOvr>
+</p:notes>
+</file>
+
+<file path=ppt/notesSlides/notesSlide6.xml><?xml version="1.0" encoding="utf-8"?>
+<p:notes xmlns:a="http://schemas.openxmlformats.org/drawingml/2006/main" xmlns:r="http://schemas.openxmlformats.org/officeDocument/2006/relationships" xmlns:p="http://schemas.openxmlformats.org/presentationml/2006/main">
+  <p:cSld>
+    <p:spTree>
+      <p:nvGrpSpPr>
+        <p:cNvPr id="1" name=""/>
+        <p:cNvGrpSpPr/>
+        <p:nvPr/>
+      </p:nvGrpSpPr>
+      <p:grpSpPr>
+        <a:xfrm>
+          <a:off x="0" y="0"/>
+          <a:ext cx="0" cy="0"/>
+          <a:chOff x="0" y="0"/>
+          <a:chExt cx="0" cy="0"/>
+        </a:xfrm>
+      </p:grpSpPr>
+      <p:sp>
+        <p:nvSpPr>
+          <p:cNvPr id="2" name="Espace réservé de l'image des diapositives 1"/>
+          <p:cNvSpPr>
+            <a:spLocks noGrp="1" noRot="1" noChangeAspect="1"/>
+          </p:cNvSpPr>
+          <p:nvPr>
+            <p:ph type="sldImg"/>
+          </p:nvPr>
+        </p:nvSpPr>
+        <p:spPr/>
+      </p:sp>
+      <p:sp>
+        <p:nvSpPr>
+          <p:cNvPr id="3" name="Espace réservé des commentaires 2"/>
+          <p:cNvSpPr>
+            <a:spLocks noGrp="1"/>
+          </p:cNvSpPr>
+          <p:nvPr>
+            <p:ph type="body" idx="1"/>
+          </p:nvPr>
+        </p:nvSpPr>
+        <p:spPr/>
+        <p:txBody>
+          <a:bodyPr/>
+          <a:lstStyle/>
+          <a:p>
+            <a:endParaRPr lang="en-US" dirty="0"/>
+          </a:p>
+        </p:txBody>
+      </p:sp>
+      <p:sp>
+        <p:nvSpPr>
+          <p:cNvPr id="4" name="Espace réservé du numéro de diapositive 3"/>
+          <p:cNvSpPr>
+            <a:spLocks noGrp="1"/>
+          </p:cNvSpPr>
+          <p:nvPr>
+            <p:ph type="sldNum" sz="quarter" idx="10"/>
+          </p:nvPr>
+        </p:nvSpPr>
+        <p:spPr/>
+        <p:txBody>
+          <a:bodyPr/>
+          <a:lstStyle/>
+          <a:p>
+            <a:fld id="{B4A55CF2-256D-44FD-9430-5B63A079CF51}" type="slidenum">
+              <a:rPr lang="en-US" smtClean="0"/>
+              <a:t>10</a:t>
+            </a:fld>
+            <a:endParaRPr lang="en-US" dirty="0"/>
+          </a:p>
+        </p:txBody>
+      </p:sp>
+    </p:spTree>
+    <p:extLst>
+      <p:ext uri="{BB962C8B-B14F-4D97-AF65-F5344CB8AC3E}">
+        <p14:creationId xmlns:p14="http://schemas.microsoft.com/office/powerpoint/2010/main" val="334022091"/>
+      </p:ext>
+    </p:extLst>
+  </p:cSld>
+  <p:clrMapOvr>
+    <a:masterClrMapping/>
+  </p:clrMapOvr>
+</p:notes>
+</file>
+
+<file path=ppt/notesSlides/notesSlide7.xml><?xml version="1.0" encoding="utf-8"?>
+<p:notes xmlns:a="http://schemas.openxmlformats.org/drawingml/2006/main" xmlns:r="http://schemas.openxmlformats.org/officeDocument/2006/relationships" xmlns:p="http://schemas.openxmlformats.org/presentationml/2006/main">
+  <p:cSld>
+    <p:spTree>
+      <p:nvGrpSpPr>
+        <p:cNvPr id="1" name=""/>
+        <p:cNvGrpSpPr/>
+        <p:nvPr/>
+      </p:nvGrpSpPr>
+      <p:grpSpPr>
+        <a:xfrm>
+          <a:off x="0" y="0"/>
+          <a:ext cx="0" cy="0"/>
+          <a:chOff x="0" y="0"/>
+          <a:chExt cx="0" cy="0"/>
+        </a:xfrm>
+      </p:grpSpPr>
+      <p:sp>
+        <p:nvSpPr>
+          <p:cNvPr id="2" name="Espace réservé de l'image des diapositives 1"/>
+          <p:cNvSpPr>
+            <a:spLocks noGrp="1" noRot="1" noChangeAspect="1"/>
+          </p:cNvSpPr>
+          <p:nvPr>
+            <p:ph type="sldImg"/>
+          </p:nvPr>
+        </p:nvSpPr>
+        <p:spPr/>
+      </p:sp>
+      <p:sp>
+        <p:nvSpPr>
+          <p:cNvPr id="3" name="Espace réservé des commentaires 2"/>
+          <p:cNvSpPr>
+            <a:spLocks noGrp="1"/>
+          </p:cNvSpPr>
+          <p:nvPr>
+            <p:ph type="body" idx="1"/>
+          </p:nvPr>
+        </p:nvSpPr>
+        <p:spPr/>
+        <p:txBody>
+          <a:bodyPr/>
+          <a:lstStyle/>
+          <a:p>
+            <a:endParaRPr lang="en-US" dirty="0"/>
+          </a:p>
+        </p:txBody>
+      </p:sp>
+      <p:sp>
+        <p:nvSpPr>
+          <p:cNvPr id="4" name="Espace réservé du numéro de diapositive 3"/>
+          <p:cNvSpPr>
+            <a:spLocks noGrp="1"/>
+          </p:cNvSpPr>
+          <p:nvPr>
+            <p:ph type="sldNum" sz="quarter" idx="10"/>
+          </p:nvPr>
+        </p:nvSpPr>
+        <p:spPr/>
+        <p:txBody>
+          <a:bodyPr/>
+          <a:lstStyle/>
+          <a:p>
+            <a:fld id="{B4A55CF2-256D-44FD-9430-5B63A079CF51}" type="slidenum">
+              <a:rPr lang="en-US" smtClean="0"/>
+              <a:t>11</a:t>
+            </a:fld>
+            <a:endParaRPr lang="en-US" dirty="0"/>
+          </a:p>
+        </p:txBody>
+      </p:sp>
+    </p:spTree>
+    <p:extLst>
+      <p:ext uri="{BB962C8B-B14F-4D97-AF65-F5344CB8AC3E}">
+        <p14:creationId xmlns:p14="http://schemas.microsoft.com/office/powerpoint/2010/main" val="2611791823"/>
+      </p:ext>
+    </p:extLst>
+  </p:cSld>
+  <p:clrMapOvr>
+    <a:masterClrMapping/>
+  </p:clrMapOvr>
+</p:notes>
+</file>
+
+<file path=ppt/notesSlides/notesSlide8.xml><?xml version="1.0" encoding="utf-8"?>
+<p:notes xmlns:a="http://schemas.openxmlformats.org/drawingml/2006/main" xmlns:r="http://schemas.openxmlformats.org/officeDocument/2006/relationships" xmlns:p="http://schemas.openxmlformats.org/presentationml/2006/main">
+  <p:cSld>
+    <p:spTree>
+      <p:nvGrpSpPr>
+        <p:cNvPr id="1" name=""/>
+        <p:cNvGrpSpPr/>
+        <p:nvPr/>
+      </p:nvGrpSpPr>
+      <p:grpSpPr>
+        <a:xfrm>
+          <a:off x="0" y="0"/>
+          <a:ext cx="0" cy="0"/>
+          <a:chOff x="0" y="0"/>
+          <a:chExt cx="0" cy="0"/>
+        </a:xfrm>
+      </p:grpSpPr>
+      <p:sp>
+        <p:nvSpPr>
+          <p:cNvPr id="2" name="Espace réservé de l'image des diapositives 1"/>
+          <p:cNvSpPr>
+            <a:spLocks noGrp="1" noRot="1" noChangeAspect="1"/>
+          </p:cNvSpPr>
+          <p:nvPr>
+            <p:ph type="sldImg"/>
+          </p:nvPr>
+        </p:nvSpPr>
+        <p:spPr/>
+      </p:sp>
+      <p:sp>
+        <p:nvSpPr>
+          <p:cNvPr id="3" name="Espace réservé des commentaires 2"/>
+          <p:cNvSpPr>
+            <a:spLocks noGrp="1"/>
+          </p:cNvSpPr>
+          <p:nvPr>
+            <p:ph type="body" idx="1"/>
+          </p:nvPr>
+        </p:nvSpPr>
+        <p:spPr/>
+        <p:txBody>
+          <a:bodyPr/>
+          <a:lstStyle/>
+          <a:p>
+            <a:endParaRPr lang="en-US" dirty="0"/>
+          </a:p>
+        </p:txBody>
+      </p:sp>
+      <p:sp>
+        <p:nvSpPr>
+          <p:cNvPr id="4" name="Espace réservé du numéro de diapositive 3"/>
+          <p:cNvSpPr>
+            <a:spLocks noGrp="1"/>
+          </p:cNvSpPr>
+          <p:nvPr>
+            <p:ph type="sldNum" sz="quarter" idx="10"/>
+          </p:nvPr>
+        </p:nvSpPr>
+        <p:spPr/>
+        <p:txBody>
+          <a:bodyPr/>
+          <a:lstStyle/>
+          <a:p>
+            <a:fld id="{B4A55CF2-256D-44FD-9430-5B63A079CF51}" type="slidenum">
+              <a:rPr lang="en-US" smtClean="0"/>
+              <a:t>12</a:t>
+            </a:fld>
+            <a:endParaRPr lang="en-US" dirty="0"/>
+          </a:p>
+        </p:txBody>
+      </p:sp>
+    </p:spTree>
+    <p:extLst>
+      <p:ext uri="{BB962C8B-B14F-4D97-AF65-F5344CB8AC3E}">
+        <p14:creationId xmlns:p14="http://schemas.microsoft.com/office/powerpoint/2010/main" val="3295096551"/>
       </p:ext>
     </p:extLst>
   </p:cSld>
@@ -698,7 +1296,7 @@
           <a:p>
             <a:fld id="{DE15CBC1-10D1-4E1D-B7D3-1A6D6027583C}" type="datetimeFigureOut">
               <a:rPr lang="en-US" smtClean="0"/>
-              <a:t>6/25/2024</a:t>
+              <a:t>6/30/2024</a:t>
             </a:fld>
             <a:endParaRPr lang="en-US"/>
           </a:p>
@@ -896,7 +1494,7 @@
           <a:p>
             <a:fld id="{DE15CBC1-10D1-4E1D-B7D3-1A6D6027583C}" type="datetimeFigureOut">
               <a:rPr lang="en-US" smtClean="0"/>
-              <a:t>6/25/2024</a:t>
+              <a:t>6/30/2024</a:t>
             </a:fld>
             <a:endParaRPr lang="en-US"/>
           </a:p>
@@ -1104,7 +1702,7 @@
           <a:p>
             <a:fld id="{DE15CBC1-10D1-4E1D-B7D3-1A6D6027583C}" type="datetimeFigureOut">
               <a:rPr lang="en-US" smtClean="0"/>
-              <a:t>6/25/2024</a:t>
+              <a:t>6/30/2024</a:t>
             </a:fld>
             <a:endParaRPr lang="en-US"/>
           </a:p>
@@ -1304,7 +1902,7 @@
           <a:p>
             <a:fld id="{DE15CBC1-10D1-4E1D-B7D3-1A6D6027583C}" type="datetimeFigureOut">
               <a:rPr lang="en-US" smtClean="0"/>
-              <a:t>6/25/2024</a:t>
+              <a:t>6/30/2024</a:t>
             </a:fld>
             <a:endParaRPr lang="en-US"/>
           </a:p>
@@ -1580,7 +2178,7 @@
           <a:p>
             <a:fld id="{DE15CBC1-10D1-4E1D-B7D3-1A6D6027583C}" type="datetimeFigureOut">
               <a:rPr lang="en-US" smtClean="0"/>
-              <a:t>6/25/2024</a:t>
+              <a:t>6/30/2024</a:t>
             </a:fld>
             <a:endParaRPr lang="en-US"/>
           </a:p>
@@ -1845,7 +2443,7 @@
           <a:p>
             <a:fld id="{DE15CBC1-10D1-4E1D-B7D3-1A6D6027583C}" type="datetimeFigureOut">
               <a:rPr lang="en-US" smtClean="0"/>
-              <a:t>6/25/2024</a:t>
+              <a:t>6/30/2024</a:t>
             </a:fld>
             <a:endParaRPr lang="en-US"/>
           </a:p>
@@ -2257,7 +2855,7 @@
           <a:p>
             <a:fld id="{DE15CBC1-10D1-4E1D-B7D3-1A6D6027583C}" type="datetimeFigureOut">
               <a:rPr lang="en-US" smtClean="0"/>
-              <a:t>6/25/2024</a:t>
+              <a:t>6/30/2024</a:t>
             </a:fld>
             <a:endParaRPr lang="en-US"/>
           </a:p>
@@ -2398,7 +2996,7 @@
           <a:p>
             <a:fld id="{DE15CBC1-10D1-4E1D-B7D3-1A6D6027583C}" type="datetimeFigureOut">
               <a:rPr lang="en-US" smtClean="0"/>
-              <a:t>6/25/2024</a:t>
+              <a:t>6/30/2024</a:t>
             </a:fld>
             <a:endParaRPr lang="en-US"/>
           </a:p>
@@ -2511,7 +3109,7 @@
           <a:p>
             <a:fld id="{DE15CBC1-10D1-4E1D-B7D3-1A6D6027583C}" type="datetimeFigureOut">
               <a:rPr lang="en-US" smtClean="0"/>
-              <a:t>6/25/2024</a:t>
+              <a:t>6/30/2024</a:t>
             </a:fld>
             <a:endParaRPr lang="en-US"/>
           </a:p>
@@ -2822,7 +3420,7 @@
           <a:p>
             <a:fld id="{DE15CBC1-10D1-4E1D-B7D3-1A6D6027583C}" type="datetimeFigureOut">
               <a:rPr lang="en-US" smtClean="0"/>
-              <a:t>6/25/2024</a:t>
+              <a:t>6/30/2024</a:t>
             </a:fld>
             <a:endParaRPr lang="en-US"/>
           </a:p>
@@ -3113,7 +3711,7 @@
           <a:p>
             <a:fld id="{DE15CBC1-10D1-4E1D-B7D3-1A6D6027583C}" type="datetimeFigureOut">
               <a:rPr lang="en-US" smtClean="0"/>
-              <a:t>6/25/2024</a:t>
+              <a:t>6/30/2024</a:t>
             </a:fld>
             <a:endParaRPr lang="en-US"/>
           </a:p>
@@ -3355,7 +3953,7 @@
             <a:fld id="{DE15CBC1-10D1-4E1D-B7D3-1A6D6027583C}" type="datetimeFigureOut">
               <a:rPr lang="en-US" smtClean="0"/>
               <a:pPr/>
-              <a:t>6/25/2024</a:t>
+              <a:t>6/30/2024</a:t>
             </a:fld>
             <a:endParaRPr lang="en-US"/>
           </a:p>
@@ -3771,31 +4369,50 @@
       </p:grpSpPr>
       <p:sp>
         <p:nvSpPr>
-          <p:cNvPr id="2" name="Title 1">
-            <a:extLst>
-              <a:ext uri="{FF2B5EF4-FFF2-40B4-BE49-F238E27FC236}">
-                <a16:creationId xmlns:a16="http://schemas.microsoft.com/office/drawing/2014/main" id="{7F12D082-5364-76A3-B949-AFCDD7830B06}"/>
-              </a:ext>
-            </a:extLst>
-          </p:cNvPr>
-          <p:cNvSpPr>
-            <a:spLocks noGrp="1"/>
+          <p:cNvPr id="3" name="Title 1">
+            <a:extLst>
+              <a:ext uri="{FF2B5EF4-FFF2-40B4-BE49-F238E27FC236}">
+                <a16:creationId xmlns:a16="http://schemas.microsoft.com/office/drawing/2014/main" id="{0FBE1D26-C506-3504-97FA-3048991A4056}"/>
+              </a:ext>
+            </a:extLst>
+          </p:cNvPr>
+          <p:cNvSpPr txBox="1">
+            <a:spLocks/>
           </p:cNvSpPr>
-          <p:nvPr>
-            <p:ph type="ctrTitle"/>
-          </p:nvPr>
+          <p:nvPr/>
         </p:nvSpPr>
         <p:spPr>
           <a:xfrm>
-            <a:off x="1526744" y="891652"/>
-            <a:ext cx="9138513" cy="1796130"/>
-          </a:xfrm>
+            <a:off x="864906" y="2828593"/>
+            <a:ext cx="10462189" cy="1200814"/>
+          </a:xfrm>
+          <a:prstGeom prst="rect">
+            <a:avLst/>
+          </a:prstGeom>
         </p:spPr>
         <p:txBody>
-          <a:bodyPr anchor="b">
+          <a:bodyPr vert="horz" lIns="91440" tIns="45720" rIns="91440" bIns="45720" rtlCol="0" anchor="b">
             <a:normAutofit/>
           </a:bodyPr>
-          <a:lstStyle/>
+          <a:lstStyle>
+            <a:lvl1pPr algn="ctr" defTabSz="914400" rtl="0" eaLnBrk="1" latinLnBrk="0" hangingPunct="1">
+              <a:lnSpc>
+                <a:spcPct val="90000"/>
+              </a:lnSpc>
+              <a:spcBef>
+                <a:spcPct val="0"/>
+              </a:spcBef>
+              <a:buNone/>
+              <a:defRPr sz="6000" kern="1200">
+                <a:solidFill>
+                  <a:srgbClr val="002060"/>
+                </a:solidFill>
+                <a:latin typeface="Avenir Next LT Pro" panose="020B0504020202020204" pitchFamily="34" charset="0"/>
+                <a:ea typeface="+mj-ea"/>
+                <a:cs typeface="+mj-cs"/>
+              </a:defRPr>
+            </a:lvl1pPr>
+          </a:lstStyle>
           <a:p>
             <a:r>
               <a:rPr lang="en-US" sz="3600" b="1" dirty="0">
@@ -3812,17 +4429,17 @@
                 </a:gradFill>
                 <a:latin typeface="+mn-lt"/>
               </a:rPr>
-              <a:t>Part 0 – Introduction to the course</a:t>
-            </a:r>
-          </a:p>
-        </p:txBody>
-      </p:sp>
-      <p:sp>
-        <p:nvSpPr>
-          <p:cNvPr id="8" name="Subtitle 2">
-            <a:extLst>
-              <a:ext uri="{FF2B5EF4-FFF2-40B4-BE49-F238E27FC236}">
-                <a16:creationId xmlns:a16="http://schemas.microsoft.com/office/drawing/2014/main" id="{AF088BF9-AB07-AB82-93C3-C22A14AC0DE7}"/>
+              <a:t>Hands-on Generative AI Engineering with Large Language Models</a:t>
+            </a:r>
+          </a:p>
+        </p:txBody>
+      </p:sp>
+      <p:sp>
+        <p:nvSpPr>
+          <p:cNvPr id="2" name="Subtitle 2">
+            <a:extLst>
+              <a:ext uri="{FF2B5EF4-FFF2-40B4-BE49-F238E27FC236}">
+                <a16:creationId xmlns:a16="http://schemas.microsoft.com/office/drawing/2014/main" id="{4C9DB50D-F645-060E-FDE2-82EC2E09CB51}"/>
               </a:ext>
             </a:extLst>
           </p:cNvPr>
@@ -3833,7 +4450,7 @@
         </p:nvSpPr>
         <p:spPr>
           <a:xfrm>
-            <a:off x="4348428" y="3222771"/>
+            <a:off x="4348428" y="4504640"/>
             <a:ext cx="3495144" cy="453302"/>
           </a:xfrm>
           <a:prstGeom prst="rect">
@@ -4033,7 +4650,2662 @@
     </p:spTree>
     <p:extLst>
       <p:ext uri="{BB962C8B-B14F-4D97-AF65-F5344CB8AC3E}">
-        <p14:creationId xmlns:p14="http://schemas.microsoft.com/office/powerpoint/2010/main" val="2232756824"/>
+        <p14:creationId xmlns:p14="http://schemas.microsoft.com/office/powerpoint/2010/main" val="4107393438"/>
+      </p:ext>
+    </p:extLst>
+  </p:cSld>
+  <p:clrMapOvr>
+    <a:masterClrMapping/>
+  </p:clrMapOvr>
+</p:sld>
+</file>
+
+<file path=ppt/slides/slide10.xml><?xml version="1.0" encoding="utf-8"?>
+<p:sld xmlns:a="http://schemas.openxmlformats.org/drawingml/2006/main" xmlns:r="http://schemas.openxmlformats.org/officeDocument/2006/relationships" xmlns:p="http://schemas.openxmlformats.org/presentationml/2006/main">
+  <p:cSld>
+    <p:spTree>
+      <p:nvGrpSpPr>
+        <p:cNvPr id="1" name=""/>
+        <p:cNvGrpSpPr/>
+        <p:nvPr/>
+      </p:nvGrpSpPr>
+      <p:grpSpPr>
+        <a:xfrm>
+          <a:off x="0" y="0"/>
+          <a:ext cx="0" cy="0"/>
+          <a:chOff x="0" y="0"/>
+          <a:chExt cx="0" cy="0"/>
+        </a:xfrm>
+      </p:grpSpPr>
+      <p:sp>
+        <p:nvSpPr>
+          <p:cNvPr id="42" name="Title 1">
+            <a:extLst>
+              <a:ext uri="{FF2B5EF4-FFF2-40B4-BE49-F238E27FC236}">
+                <a16:creationId xmlns:a16="http://schemas.microsoft.com/office/drawing/2014/main" id="{53AD96E6-67B2-02CD-F910-420EA60CDC1C}"/>
+              </a:ext>
+            </a:extLst>
+          </p:cNvPr>
+          <p:cNvSpPr>
+            <a:spLocks noGrp="1"/>
+          </p:cNvSpPr>
+          <p:nvPr>
+            <p:ph type="title"/>
+          </p:nvPr>
+        </p:nvSpPr>
+        <p:spPr>
+          <a:xfrm>
+            <a:off x="838200" y="365125"/>
+            <a:ext cx="11036300" cy="1325563"/>
+          </a:xfrm>
+        </p:spPr>
+        <p:txBody>
+          <a:bodyPr/>
+          <a:lstStyle/>
+          <a:p>
+            <a:r>
+              <a:rPr lang="en-US" dirty="0"/>
+              <a:t>Course Structure</a:t>
+            </a:r>
+          </a:p>
+        </p:txBody>
+      </p:sp>
+      <p:grpSp>
+        <p:nvGrpSpPr>
+          <p:cNvPr id="5" name="Group 4">
+            <a:extLst>
+              <a:ext uri="{FF2B5EF4-FFF2-40B4-BE49-F238E27FC236}">
+                <a16:creationId xmlns:a16="http://schemas.microsoft.com/office/drawing/2014/main" id="{B8C6F809-2879-E309-DBCA-B2B02D276FE2}"/>
+              </a:ext>
+            </a:extLst>
+          </p:cNvPr>
+          <p:cNvGrpSpPr/>
+          <p:nvPr/>
+        </p:nvGrpSpPr>
+        <p:grpSpPr>
+          <a:xfrm>
+            <a:off x="7131231" y="295362"/>
+            <a:ext cx="4238403" cy="1209722"/>
+            <a:chOff x="7326908" y="365125"/>
+            <a:chExt cx="4238403" cy="1209722"/>
+          </a:xfrm>
+        </p:grpSpPr>
+        <p:sp>
+          <p:nvSpPr>
+            <p:cNvPr id="6" name="Oval 5">
+              <a:extLst>
+                <a:ext uri="{FF2B5EF4-FFF2-40B4-BE49-F238E27FC236}">
+                  <a16:creationId xmlns:a16="http://schemas.microsoft.com/office/drawing/2014/main" id="{73826B3E-B54B-61DB-7067-C234ACA1573E}"/>
+                </a:ext>
+              </a:extLst>
+            </p:cNvPr>
+            <p:cNvSpPr/>
+            <p:nvPr/>
+          </p:nvSpPr>
+          <p:spPr>
+            <a:xfrm>
+              <a:off x="7326908" y="365125"/>
+              <a:ext cx="4238403" cy="1200329"/>
+            </a:xfrm>
+            <a:prstGeom prst="ellipse">
+              <a:avLst/>
+            </a:prstGeom>
+            <a:solidFill>
+              <a:schemeClr val="accent4">
+                <a:lumMod val="40000"/>
+                <a:lumOff val="60000"/>
+              </a:schemeClr>
+            </a:solidFill>
+            <a:ln>
+              <a:noFill/>
+            </a:ln>
+          </p:spPr>
+          <p:style>
+            <a:lnRef idx="2">
+              <a:schemeClr val="accent1">
+                <a:shade val="15000"/>
+              </a:schemeClr>
+            </a:lnRef>
+            <a:fillRef idx="1">
+              <a:schemeClr val="accent1"/>
+            </a:fillRef>
+            <a:effectRef idx="0">
+              <a:schemeClr val="accent1"/>
+            </a:effectRef>
+            <a:fontRef idx="minor">
+              <a:schemeClr val="lt1"/>
+            </a:fontRef>
+          </p:style>
+          <p:txBody>
+            <a:bodyPr rtlCol="0" anchor="ctr"/>
+            <a:lstStyle/>
+            <a:p>
+              <a:pPr algn="ctr"/>
+              <a:endParaRPr lang="en-US"/>
+            </a:p>
+          </p:txBody>
+        </p:sp>
+        <p:sp>
+          <p:nvSpPr>
+            <p:cNvPr id="9" name="TextBox 8">
+              <a:extLst>
+                <a:ext uri="{FF2B5EF4-FFF2-40B4-BE49-F238E27FC236}">
+                  <a16:creationId xmlns:a16="http://schemas.microsoft.com/office/drawing/2014/main" id="{124E68D2-F78A-3457-B099-4C47587DC074}"/>
+                </a:ext>
+              </a:extLst>
+            </p:cNvPr>
+            <p:cNvSpPr txBox="1"/>
+            <p:nvPr/>
+          </p:nvSpPr>
+          <p:spPr>
+            <a:xfrm>
+              <a:off x="7550635" y="374518"/>
+              <a:ext cx="3790948" cy="1200329"/>
+            </a:xfrm>
+            <a:prstGeom prst="rect">
+              <a:avLst/>
+            </a:prstGeom>
+            <a:noFill/>
+          </p:spPr>
+          <p:txBody>
+            <a:bodyPr wrap="square" rtlCol="0">
+              <a:spAutoFit/>
+            </a:bodyPr>
+            <a:lstStyle/>
+            <a:p>
+              <a:pPr algn="ctr"/>
+              <a:r>
+                <a:rPr lang="en-US" b="1" dirty="0">
+                  <a:solidFill>
+                    <a:srgbClr val="002060"/>
+                  </a:solidFill>
+                </a:rPr>
+                <a:t>Beyond the Course</a:t>
+              </a:r>
+              <a:r>
+                <a:rPr lang="en-US" dirty="0">
+                  <a:solidFill>
+                    <a:srgbClr val="002060"/>
+                  </a:solidFill>
+                </a:rPr>
+                <a:t> </a:t>
+              </a:r>
+            </a:p>
+            <a:p>
+              <a:pPr algn="ctr"/>
+              <a:r>
+                <a:rPr lang="en-US" dirty="0">
+                  <a:solidFill>
+                    <a:srgbClr val="002060"/>
+                  </a:solidFill>
+                </a:rPr>
+                <a:t>Guidance on advanced concepts, up-to-date advancements in LLM vs Generative AI, …</a:t>
+              </a:r>
+            </a:p>
+          </p:txBody>
+        </p:sp>
+      </p:grpSp>
+    </p:spTree>
+    <p:extLst>
+      <p:ext uri="{BB962C8B-B14F-4D97-AF65-F5344CB8AC3E}">
+        <p14:creationId xmlns:p14="http://schemas.microsoft.com/office/powerpoint/2010/main" val="580608183"/>
+      </p:ext>
+    </p:extLst>
+  </p:cSld>
+  <p:clrMapOvr>
+    <a:masterClrMapping/>
+  </p:clrMapOvr>
+</p:sld>
+</file>
+
+<file path=ppt/slides/slide11.xml><?xml version="1.0" encoding="utf-8"?>
+<p:sld xmlns:a="http://schemas.openxmlformats.org/drawingml/2006/main" xmlns:r="http://schemas.openxmlformats.org/officeDocument/2006/relationships" xmlns:p="http://schemas.openxmlformats.org/presentationml/2006/main">
+  <p:cSld>
+    <p:spTree>
+      <p:nvGrpSpPr>
+        <p:cNvPr id="1" name=""/>
+        <p:cNvGrpSpPr/>
+        <p:nvPr/>
+      </p:nvGrpSpPr>
+      <p:grpSpPr>
+        <a:xfrm>
+          <a:off x="0" y="0"/>
+          <a:ext cx="0" cy="0"/>
+          <a:chOff x="0" y="0"/>
+          <a:chExt cx="0" cy="0"/>
+        </a:xfrm>
+      </p:grpSpPr>
+      <p:sp>
+        <p:nvSpPr>
+          <p:cNvPr id="42" name="Title 1">
+            <a:extLst>
+              <a:ext uri="{FF2B5EF4-FFF2-40B4-BE49-F238E27FC236}">
+                <a16:creationId xmlns:a16="http://schemas.microsoft.com/office/drawing/2014/main" id="{53AD96E6-67B2-02CD-F910-420EA60CDC1C}"/>
+              </a:ext>
+            </a:extLst>
+          </p:cNvPr>
+          <p:cNvSpPr>
+            <a:spLocks noGrp="1"/>
+          </p:cNvSpPr>
+          <p:nvPr>
+            <p:ph type="title"/>
+          </p:nvPr>
+        </p:nvSpPr>
+        <p:spPr>
+          <a:xfrm>
+            <a:off x="838200" y="365125"/>
+            <a:ext cx="11036300" cy="1325563"/>
+          </a:xfrm>
+        </p:spPr>
+        <p:txBody>
+          <a:bodyPr/>
+          <a:lstStyle/>
+          <a:p>
+            <a:r>
+              <a:rPr lang="en-US" dirty="0"/>
+              <a:t>Course Structure</a:t>
+            </a:r>
+          </a:p>
+        </p:txBody>
+      </p:sp>
+      <p:sp>
+        <p:nvSpPr>
+          <p:cNvPr id="7" name="TextBox 12">
+            <a:extLst>
+              <a:ext uri="{FF2B5EF4-FFF2-40B4-BE49-F238E27FC236}">
+                <a16:creationId xmlns:a16="http://schemas.microsoft.com/office/drawing/2014/main" id="{4AA1F1CC-4A12-03C3-C9AB-090A44D79676}"/>
+              </a:ext>
+            </a:extLst>
+          </p:cNvPr>
+          <p:cNvSpPr txBox="1"/>
+          <p:nvPr/>
+        </p:nvSpPr>
+        <p:spPr>
+          <a:xfrm>
+            <a:off x="6578547" y="5534320"/>
+            <a:ext cx="5343772" cy="338554"/>
+          </a:xfrm>
+          <a:prstGeom prst="rect">
+            <a:avLst/>
+          </a:prstGeom>
+          <a:solidFill>
+            <a:srgbClr val="002060"/>
+          </a:solidFill>
+        </p:spPr>
+        <p:txBody>
+          <a:bodyPr wrap="square" rtlCol="0">
+            <a:spAutoFit/>
+          </a:bodyPr>
+          <a:lstStyle/>
+          <a:p>
+            <a:pPr algn="ctr"/>
+            <a:r>
+              <a:rPr lang="en-US" sz="1600" dirty="0">
+                <a:solidFill>
+                  <a:schemeClr val="bg1"/>
+                </a:solidFill>
+              </a:rPr>
+              <a:t>Software Prerequisites for Python Projects</a:t>
+            </a:r>
+          </a:p>
+        </p:txBody>
+      </p:sp>
+      <p:sp>
+        <p:nvSpPr>
+          <p:cNvPr id="8" name="TextBox 12 - 1">
+            <a:extLst>
+              <a:ext uri="{FF2B5EF4-FFF2-40B4-BE49-F238E27FC236}">
+                <a16:creationId xmlns:a16="http://schemas.microsoft.com/office/drawing/2014/main" id="{0098DB3A-28AF-5690-C4A0-3C9B55E2977B}"/>
+              </a:ext>
+            </a:extLst>
+          </p:cNvPr>
+          <p:cNvSpPr txBox="1"/>
+          <p:nvPr/>
+        </p:nvSpPr>
+        <p:spPr>
+          <a:xfrm>
+            <a:off x="6578547" y="4289595"/>
+            <a:ext cx="5343772" cy="338554"/>
+          </a:xfrm>
+          <a:prstGeom prst="rect">
+            <a:avLst/>
+          </a:prstGeom>
+          <a:solidFill>
+            <a:srgbClr val="0070C0"/>
+          </a:solidFill>
+        </p:spPr>
+        <p:txBody>
+          <a:bodyPr wrap="square" rtlCol="0">
+            <a:spAutoFit/>
+          </a:bodyPr>
+          <a:lstStyle/>
+          <a:p>
+            <a:pPr algn="ctr"/>
+            <a:r>
+              <a:rPr lang="en-US" sz="1600" dirty="0">
+                <a:solidFill>
+                  <a:schemeClr val="bg1"/>
+                </a:solidFill>
+              </a:rPr>
+              <a:t>Implementing Transformer in Python and </a:t>
+            </a:r>
+            <a:r>
+              <a:rPr lang="en-US" sz="1600" dirty="0" err="1">
+                <a:solidFill>
+                  <a:schemeClr val="bg1"/>
+                </a:solidFill>
+              </a:rPr>
+              <a:t>PyTorch</a:t>
+            </a:r>
+            <a:endParaRPr lang="en-US" sz="1600" dirty="0">
+              <a:solidFill>
+                <a:schemeClr val="bg1"/>
+              </a:solidFill>
+            </a:endParaRPr>
+          </a:p>
+        </p:txBody>
+      </p:sp>
+      <p:sp>
+        <p:nvSpPr>
+          <p:cNvPr id="11" name="TextBox 12 - 2">
+            <a:extLst>
+              <a:ext uri="{FF2B5EF4-FFF2-40B4-BE49-F238E27FC236}">
+                <a16:creationId xmlns:a16="http://schemas.microsoft.com/office/drawing/2014/main" id="{3FCAAEE0-32EE-9DF9-DF4A-AC38D090663A}"/>
+              </a:ext>
+            </a:extLst>
+          </p:cNvPr>
+          <p:cNvSpPr txBox="1"/>
+          <p:nvPr/>
+        </p:nvSpPr>
+        <p:spPr>
+          <a:xfrm>
+            <a:off x="6578547" y="4911958"/>
+            <a:ext cx="5343772" cy="338554"/>
+          </a:xfrm>
+          <a:prstGeom prst="rect">
+            <a:avLst/>
+          </a:prstGeom>
+          <a:solidFill>
+            <a:srgbClr val="0070C0"/>
+          </a:solidFill>
+        </p:spPr>
+        <p:txBody>
+          <a:bodyPr wrap="square" rtlCol="0">
+            <a:spAutoFit/>
+          </a:bodyPr>
+          <a:lstStyle/>
+          <a:p>
+            <a:pPr algn="ctr"/>
+            <a:r>
+              <a:rPr lang="en-US" sz="1600" dirty="0">
+                <a:solidFill>
+                  <a:schemeClr val="bg1"/>
+                </a:solidFill>
+              </a:rPr>
+              <a:t>Introduction to Transformer – Attention Is All You Need</a:t>
+            </a:r>
+          </a:p>
+        </p:txBody>
+      </p:sp>
+      <p:sp>
+        <p:nvSpPr>
+          <p:cNvPr id="38" name="TextBox 12 - 1 - 1">
+            <a:extLst>
+              <a:ext uri="{FF2B5EF4-FFF2-40B4-BE49-F238E27FC236}">
+                <a16:creationId xmlns:a16="http://schemas.microsoft.com/office/drawing/2014/main" id="{1414E8F0-686D-121C-F3A2-B50548249B2D}"/>
+              </a:ext>
+            </a:extLst>
+          </p:cNvPr>
+          <p:cNvSpPr txBox="1"/>
+          <p:nvPr/>
+        </p:nvSpPr>
+        <p:spPr>
+          <a:xfrm>
+            <a:off x="6578547" y="3667232"/>
+            <a:ext cx="5343771" cy="338554"/>
+          </a:xfrm>
+          <a:prstGeom prst="rect">
+            <a:avLst/>
+          </a:prstGeom>
+          <a:solidFill>
+            <a:srgbClr val="FF9D00"/>
+          </a:solidFill>
+        </p:spPr>
+        <p:txBody>
+          <a:bodyPr wrap="square" rtlCol="0">
+            <a:spAutoFit/>
+          </a:bodyPr>
+          <a:lstStyle/>
+          <a:p>
+            <a:pPr algn="ctr"/>
+            <a:r>
+              <a:rPr lang="en-US" sz="1600" dirty="0">
+                <a:solidFill>
+                  <a:schemeClr val="bg1"/>
+                </a:solidFill>
+              </a:rPr>
+              <a:t>Generative AI with the Hugging Face Ecosystem</a:t>
+            </a:r>
+          </a:p>
+        </p:txBody>
+      </p:sp>
+      <p:sp>
+        <p:nvSpPr>
+          <p:cNvPr id="39" name="TextBox 12 - 1 - 2">
+            <a:extLst>
+              <a:ext uri="{FF2B5EF4-FFF2-40B4-BE49-F238E27FC236}">
+                <a16:creationId xmlns:a16="http://schemas.microsoft.com/office/drawing/2014/main" id="{36482E39-42BC-83D2-0B7A-6F22872BAD70}"/>
+              </a:ext>
+            </a:extLst>
+          </p:cNvPr>
+          <p:cNvSpPr txBox="1"/>
+          <p:nvPr/>
+        </p:nvSpPr>
+        <p:spPr>
+          <a:xfrm>
+            <a:off x="6578547" y="3044869"/>
+            <a:ext cx="5343771" cy="338554"/>
+          </a:xfrm>
+          <a:prstGeom prst="rect">
+            <a:avLst/>
+          </a:prstGeom>
+          <a:solidFill>
+            <a:schemeClr val="accent6">
+              <a:lumMod val="75000"/>
+            </a:schemeClr>
+          </a:solidFill>
+        </p:spPr>
+        <p:txBody>
+          <a:bodyPr wrap="square" rtlCol="0">
+            <a:spAutoFit/>
+          </a:bodyPr>
+          <a:lstStyle/>
+          <a:p>
+            <a:pPr algn="ctr"/>
+            <a:r>
+              <a:rPr lang="en-US" sz="1600" dirty="0">
+                <a:solidFill>
+                  <a:schemeClr val="bg1"/>
+                </a:solidFill>
+              </a:rPr>
+              <a:t>Components to Build LLM-based Web Applications </a:t>
+            </a:r>
+          </a:p>
+        </p:txBody>
+      </p:sp>
+      <p:sp>
+        <p:nvSpPr>
+          <p:cNvPr id="40" name="TextBox 12 - 1 - 3">
+            <a:extLst>
+              <a:ext uri="{FF2B5EF4-FFF2-40B4-BE49-F238E27FC236}">
+                <a16:creationId xmlns:a16="http://schemas.microsoft.com/office/drawing/2014/main" id="{8916E069-4846-5E07-58C0-57A3613C519A}"/>
+              </a:ext>
+            </a:extLst>
+          </p:cNvPr>
+          <p:cNvSpPr txBox="1"/>
+          <p:nvPr/>
+        </p:nvSpPr>
+        <p:spPr>
+          <a:xfrm>
+            <a:off x="6578547" y="2422506"/>
+            <a:ext cx="5343771" cy="338554"/>
+          </a:xfrm>
+          <a:prstGeom prst="rect">
+            <a:avLst/>
+          </a:prstGeom>
+          <a:solidFill>
+            <a:schemeClr val="accent6">
+              <a:lumMod val="75000"/>
+            </a:schemeClr>
+          </a:solidFill>
+        </p:spPr>
+        <p:txBody>
+          <a:bodyPr wrap="square" rtlCol="0">
+            <a:spAutoFit/>
+          </a:bodyPr>
+          <a:lstStyle/>
+          <a:p>
+            <a:pPr algn="ctr"/>
+            <a:r>
+              <a:rPr lang="en-US" sz="1600" dirty="0">
+                <a:solidFill>
+                  <a:schemeClr val="bg1"/>
+                </a:solidFill>
+              </a:rPr>
+              <a:t>Building LLM-based Web Applications </a:t>
+            </a:r>
+          </a:p>
+        </p:txBody>
+      </p:sp>
+      <p:sp>
+        <p:nvSpPr>
+          <p:cNvPr id="41" name="TextBox 12 - 1 - 4">
+            <a:extLst>
+              <a:ext uri="{FF2B5EF4-FFF2-40B4-BE49-F238E27FC236}">
+                <a16:creationId xmlns:a16="http://schemas.microsoft.com/office/drawing/2014/main" id="{3D39279E-10E4-CE17-837D-97141C629EF6}"/>
+              </a:ext>
+            </a:extLst>
+          </p:cNvPr>
+          <p:cNvSpPr txBox="1"/>
+          <p:nvPr/>
+        </p:nvSpPr>
+        <p:spPr>
+          <a:xfrm>
+            <a:off x="6578547" y="1800143"/>
+            <a:ext cx="5343771" cy="338554"/>
+          </a:xfrm>
+          <a:prstGeom prst="rect">
+            <a:avLst/>
+          </a:prstGeom>
+          <a:solidFill>
+            <a:schemeClr val="accent6">
+              <a:lumMod val="75000"/>
+            </a:schemeClr>
+          </a:solidFill>
+        </p:spPr>
+        <p:txBody>
+          <a:bodyPr wrap="square" rtlCol="0">
+            <a:spAutoFit/>
+          </a:bodyPr>
+          <a:lstStyle/>
+          <a:p>
+            <a:pPr algn="ctr"/>
+            <a:r>
+              <a:rPr lang="en-US" sz="1600" dirty="0">
+                <a:solidFill>
+                  <a:schemeClr val="bg1"/>
+                </a:solidFill>
+              </a:rPr>
+              <a:t>Serving LLM-based Web Applications</a:t>
+            </a:r>
+          </a:p>
+        </p:txBody>
+      </p:sp>
+      <p:sp>
+        <p:nvSpPr>
+          <p:cNvPr id="44" name="TextBox 12">
+            <a:extLst>
+              <a:ext uri="{FF2B5EF4-FFF2-40B4-BE49-F238E27FC236}">
+                <a16:creationId xmlns:a16="http://schemas.microsoft.com/office/drawing/2014/main" id="{B71FEEDD-E60F-4F94-ED29-9770C86F43C4}"/>
+              </a:ext>
+            </a:extLst>
+          </p:cNvPr>
+          <p:cNvSpPr txBox="1"/>
+          <p:nvPr/>
+        </p:nvSpPr>
+        <p:spPr>
+          <a:xfrm>
+            <a:off x="6096000" y="5534320"/>
+            <a:ext cx="457199" cy="338554"/>
+          </a:xfrm>
+          <a:prstGeom prst="rect">
+            <a:avLst/>
+          </a:prstGeom>
+          <a:solidFill>
+            <a:srgbClr val="002060"/>
+          </a:solidFill>
+        </p:spPr>
+        <p:txBody>
+          <a:bodyPr wrap="square" rtlCol="0">
+            <a:spAutoFit/>
+          </a:bodyPr>
+          <a:lstStyle/>
+          <a:p>
+            <a:pPr algn="ctr"/>
+            <a:r>
+              <a:rPr lang="en-US" sz="1600" b="1" dirty="0">
+                <a:solidFill>
+                  <a:schemeClr val="bg1"/>
+                </a:solidFill>
+              </a:rPr>
+              <a:t>1.</a:t>
+            </a:r>
+          </a:p>
+        </p:txBody>
+      </p:sp>
+      <p:sp>
+        <p:nvSpPr>
+          <p:cNvPr id="45" name="TextBox 12 - 1">
+            <a:extLst>
+              <a:ext uri="{FF2B5EF4-FFF2-40B4-BE49-F238E27FC236}">
+                <a16:creationId xmlns:a16="http://schemas.microsoft.com/office/drawing/2014/main" id="{6E448F58-0C5F-F390-5088-5BC2A2E04FEE}"/>
+              </a:ext>
+            </a:extLst>
+          </p:cNvPr>
+          <p:cNvSpPr txBox="1"/>
+          <p:nvPr/>
+        </p:nvSpPr>
+        <p:spPr>
+          <a:xfrm>
+            <a:off x="6096000" y="4911958"/>
+            <a:ext cx="457199" cy="338554"/>
+          </a:xfrm>
+          <a:prstGeom prst="rect">
+            <a:avLst/>
+          </a:prstGeom>
+          <a:solidFill>
+            <a:srgbClr val="0070C0"/>
+          </a:solidFill>
+        </p:spPr>
+        <p:txBody>
+          <a:bodyPr wrap="square" rtlCol="0">
+            <a:spAutoFit/>
+          </a:bodyPr>
+          <a:lstStyle/>
+          <a:p>
+            <a:pPr algn="ctr"/>
+            <a:r>
+              <a:rPr lang="en-US" sz="1600" b="1" dirty="0">
+                <a:solidFill>
+                  <a:schemeClr val="bg1"/>
+                </a:solidFill>
+              </a:rPr>
+              <a:t>2.</a:t>
+            </a:r>
+          </a:p>
+        </p:txBody>
+      </p:sp>
+      <p:sp>
+        <p:nvSpPr>
+          <p:cNvPr id="46" name="TextBox 12 - 2">
+            <a:extLst>
+              <a:ext uri="{FF2B5EF4-FFF2-40B4-BE49-F238E27FC236}">
+                <a16:creationId xmlns:a16="http://schemas.microsoft.com/office/drawing/2014/main" id="{A174DA72-786C-49C0-75CD-3C6B10FCEC54}"/>
+              </a:ext>
+            </a:extLst>
+          </p:cNvPr>
+          <p:cNvSpPr txBox="1"/>
+          <p:nvPr/>
+        </p:nvSpPr>
+        <p:spPr>
+          <a:xfrm>
+            <a:off x="6096000" y="4289595"/>
+            <a:ext cx="457199" cy="338554"/>
+          </a:xfrm>
+          <a:prstGeom prst="rect">
+            <a:avLst/>
+          </a:prstGeom>
+          <a:solidFill>
+            <a:srgbClr val="0070C0"/>
+          </a:solidFill>
+        </p:spPr>
+        <p:txBody>
+          <a:bodyPr wrap="square" rtlCol="0">
+            <a:spAutoFit/>
+          </a:bodyPr>
+          <a:lstStyle/>
+          <a:p>
+            <a:pPr algn="ctr"/>
+            <a:r>
+              <a:rPr lang="en-US" sz="1600" b="1" dirty="0">
+                <a:solidFill>
+                  <a:schemeClr val="bg1"/>
+                </a:solidFill>
+              </a:rPr>
+              <a:t>3.</a:t>
+            </a:r>
+          </a:p>
+        </p:txBody>
+      </p:sp>
+      <p:sp>
+        <p:nvSpPr>
+          <p:cNvPr id="47" name="TextBox 12 - 3">
+            <a:extLst>
+              <a:ext uri="{FF2B5EF4-FFF2-40B4-BE49-F238E27FC236}">
+                <a16:creationId xmlns:a16="http://schemas.microsoft.com/office/drawing/2014/main" id="{EF7D545C-C07D-BA40-8C4B-9FCA87177134}"/>
+              </a:ext>
+            </a:extLst>
+          </p:cNvPr>
+          <p:cNvSpPr txBox="1"/>
+          <p:nvPr/>
+        </p:nvSpPr>
+        <p:spPr>
+          <a:xfrm>
+            <a:off x="6096000" y="3667232"/>
+            <a:ext cx="457199" cy="338554"/>
+          </a:xfrm>
+          <a:prstGeom prst="rect">
+            <a:avLst/>
+          </a:prstGeom>
+          <a:solidFill>
+            <a:srgbClr val="FF9D00"/>
+          </a:solidFill>
+        </p:spPr>
+        <p:txBody>
+          <a:bodyPr wrap="square" rtlCol="0">
+            <a:spAutoFit/>
+          </a:bodyPr>
+          <a:lstStyle/>
+          <a:p>
+            <a:pPr algn="ctr"/>
+            <a:r>
+              <a:rPr lang="en-US" sz="1600" b="1" dirty="0">
+                <a:solidFill>
+                  <a:schemeClr val="bg1"/>
+                </a:solidFill>
+              </a:rPr>
+              <a:t>4.</a:t>
+            </a:r>
+          </a:p>
+        </p:txBody>
+      </p:sp>
+      <p:sp>
+        <p:nvSpPr>
+          <p:cNvPr id="48" name="TextBox 12 - 4">
+            <a:extLst>
+              <a:ext uri="{FF2B5EF4-FFF2-40B4-BE49-F238E27FC236}">
+                <a16:creationId xmlns:a16="http://schemas.microsoft.com/office/drawing/2014/main" id="{E17FCA62-62E6-BD25-C388-B89AF46F876A}"/>
+              </a:ext>
+            </a:extLst>
+          </p:cNvPr>
+          <p:cNvSpPr txBox="1"/>
+          <p:nvPr/>
+        </p:nvSpPr>
+        <p:spPr>
+          <a:xfrm>
+            <a:off x="6096000" y="3044869"/>
+            <a:ext cx="457199" cy="338554"/>
+          </a:xfrm>
+          <a:prstGeom prst="rect">
+            <a:avLst/>
+          </a:prstGeom>
+          <a:solidFill>
+            <a:schemeClr val="accent6">
+              <a:lumMod val="75000"/>
+            </a:schemeClr>
+          </a:solidFill>
+        </p:spPr>
+        <p:txBody>
+          <a:bodyPr wrap="square" rtlCol="0">
+            <a:spAutoFit/>
+          </a:bodyPr>
+          <a:lstStyle/>
+          <a:p>
+            <a:pPr algn="ctr"/>
+            <a:r>
+              <a:rPr lang="en-US" sz="1600" b="1" dirty="0">
+                <a:solidFill>
+                  <a:schemeClr val="bg1"/>
+                </a:solidFill>
+              </a:rPr>
+              <a:t>5.</a:t>
+            </a:r>
+          </a:p>
+        </p:txBody>
+      </p:sp>
+      <p:sp>
+        <p:nvSpPr>
+          <p:cNvPr id="49" name="TextBox 12 - 5">
+            <a:extLst>
+              <a:ext uri="{FF2B5EF4-FFF2-40B4-BE49-F238E27FC236}">
+                <a16:creationId xmlns:a16="http://schemas.microsoft.com/office/drawing/2014/main" id="{D206A93B-4978-FFAC-E581-9B90D44E705A}"/>
+              </a:ext>
+            </a:extLst>
+          </p:cNvPr>
+          <p:cNvSpPr txBox="1"/>
+          <p:nvPr/>
+        </p:nvSpPr>
+        <p:spPr>
+          <a:xfrm>
+            <a:off x="6096000" y="2422506"/>
+            <a:ext cx="457199" cy="338554"/>
+          </a:xfrm>
+          <a:prstGeom prst="rect">
+            <a:avLst/>
+          </a:prstGeom>
+          <a:solidFill>
+            <a:schemeClr val="accent6">
+              <a:lumMod val="75000"/>
+            </a:schemeClr>
+          </a:solidFill>
+        </p:spPr>
+        <p:txBody>
+          <a:bodyPr wrap="square" rtlCol="0">
+            <a:spAutoFit/>
+          </a:bodyPr>
+          <a:lstStyle/>
+          <a:p>
+            <a:pPr algn="ctr"/>
+            <a:r>
+              <a:rPr lang="en-US" sz="1600" b="1" dirty="0">
+                <a:solidFill>
+                  <a:schemeClr val="bg1"/>
+                </a:solidFill>
+              </a:rPr>
+              <a:t>6.</a:t>
+            </a:r>
+          </a:p>
+        </p:txBody>
+      </p:sp>
+      <p:sp>
+        <p:nvSpPr>
+          <p:cNvPr id="50" name="TextBox 12 - 6">
+            <a:extLst>
+              <a:ext uri="{FF2B5EF4-FFF2-40B4-BE49-F238E27FC236}">
+                <a16:creationId xmlns:a16="http://schemas.microsoft.com/office/drawing/2014/main" id="{7FD39AD7-5E64-6A09-9522-6410C4D21BAA}"/>
+              </a:ext>
+            </a:extLst>
+          </p:cNvPr>
+          <p:cNvSpPr txBox="1"/>
+          <p:nvPr/>
+        </p:nvSpPr>
+        <p:spPr>
+          <a:xfrm>
+            <a:off x="6096000" y="1800143"/>
+            <a:ext cx="457199" cy="338554"/>
+          </a:xfrm>
+          <a:prstGeom prst="rect">
+            <a:avLst/>
+          </a:prstGeom>
+          <a:solidFill>
+            <a:schemeClr val="accent6">
+              <a:lumMod val="75000"/>
+            </a:schemeClr>
+          </a:solidFill>
+        </p:spPr>
+        <p:txBody>
+          <a:bodyPr wrap="square" rtlCol="0">
+            <a:spAutoFit/>
+          </a:bodyPr>
+          <a:lstStyle/>
+          <a:p>
+            <a:pPr algn="ctr"/>
+            <a:r>
+              <a:rPr lang="en-US" sz="1600" b="1" dirty="0">
+                <a:solidFill>
+                  <a:schemeClr val="bg1"/>
+                </a:solidFill>
+              </a:rPr>
+              <a:t>7.</a:t>
+            </a:r>
+          </a:p>
+        </p:txBody>
+      </p:sp>
+      <p:grpSp>
+        <p:nvGrpSpPr>
+          <p:cNvPr id="5" name="Group 4">
+            <a:extLst>
+              <a:ext uri="{FF2B5EF4-FFF2-40B4-BE49-F238E27FC236}">
+                <a16:creationId xmlns:a16="http://schemas.microsoft.com/office/drawing/2014/main" id="{2D611637-15AC-C917-3032-A95B7F8E52F6}"/>
+              </a:ext>
+            </a:extLst>
+          </p:cNvPr>
+          <p:cNvGrpSpPr/>
+          <p:nvPr/>
+        </p:nvGrpSpPr>
+        <p:grpSpPr>
+          <a:xfrm>
+            <a:off x="7394430" y="6103599"/>
+            <a:ext cx="3712003" cy="537581"/>
+            <a:chOff x="7394430" y="6103599"/>
+            <a:chExt cx="3712003" cy="537581"/>
+          </a:xfrm>
+        </p:grpSpPr>
+        <p:sp>
+          <p:nvSpPr>
+            <p:cNvPr id="3" name="Oval 2">
+              <a:extLst>
+                <a:ext uri="{FF2B5EF4-FFF2-40B4-BE49-F238E27FC236}">
+                  <a16:creationId xmlns:a16="http://schemas.microsoft.com/office/drawing/2014/main" id="{3077E909-DECB-3BEF-B521-9430EDC96B5F}"/>
+                </a:ext>
+              </a:extLst>
+            </p:cNvPr>
+            <p:cNvSpPr/>
+            <p:nvPr/>
+          </p:nvSpPr>
+          <p:spPr>
+            <a:xfrm>
+              <a:off x="7394430" y="6103599"/>
+              <a:ext cx="3712003" cy="537581"/>
+            </a:xfrm>
+            <a:prstGeom prst="ellipse">
+              <a:avLst/>
+            </a:prstGeom>
+            <a:solidFill>
+              <a:schemeClr val="accent4">
+                <a:lumMod val="20000"/>
+                <a:lumOff val="80000"/>
+              </a:schemeClr>
+            </a:solidFill>
+            <a:ln>
+              <a:noFill/>
+            </a:ln>
+          </p:spPr>
+          <p:style>
+            <a:lnRef idx="2">
+              <a:schemeClr val="accent1">
+                <a:shade val="15000"/>
+              </a:schemeClr>
+            </a:lnRef>
+            <a:fillRef idx="1">
+              <a:schemeClr val="accent1"/>
+            </a:fillRef>
+            <a:effectRef idx="0">
+              <a:schemeClr val="accent1"/>
+            </a:effectRef>
+            <a:fontRef idx="minor">
+              <a:schemeClr val="lt1"/>
+            </a:fontRef>
+          </p:style>
+          <p:txBody>
+            <a:bodyPr rtlCol="0" anchor="ctr"/>
+            <a:lstStyle/>
+            <a:p>
+              <a:pPr algn="ctr"/>
+              <a:endParaRPr lang="en-US"/>
+            </a:p>
+          </p:txBody>
+        </p:sp>
+        <p:sp>
+          <p:nvSpPr>
+            <p:cNvPr id="4" name="TextBox 3">
+              <a:extLst>
+                <a:ext uri="{FF2B5EF4-FFF2-40B4-BE49-F238E27FC236}">
+                  <a16:creationId xmlns:a16="http://schemas.microsoft.com/office/drawing/2014/main" id="{15623510-B7AA-3E9F-0A6E-132EED3B066C}"/>
+                </a:ext>
+              </a:extLst>
+            </p:cNvPr>
+            <p:cNvSpPr txBox="1"/>
+            <p:nvPr/>
+          </p:nvSpPr>
+          <p:spPr>
+            <a:xfrm>
+              <a:off x="7657752" y="6187723"/>
+              <a:ext cx="3126562" cy="369332"/>
+            </a:xfrm>
+            <a:prstGeom prst="rect">
+              <a:avLst/>
+            </a:prstGeom>
+            <a:noFill/>
+          </p:spPr>
+          <p:txBody>
+            <a:bodyPr wrap="none" rtlCol="0">
+              <a:spAutoFit/>
+            </a:bodyPr>
+            <a:lstStyle/>
+            <a:p>
+              <a:r>
+                <a:rPr lang="en-US" b="1" dirty="0">
+                  <a:solidFill>
+                    <a:srgbClr val="002060"/>
+                  </a:solidFill>
+                </a:rPr>
+                <a:t>Introduction to the Course</a:t>
+              </a:r>
+            </a:p>
+          </p:txBody>
+        </p:sp>
+      </p:grpSp>
+      <p:cxnSp>
+        <p:nvCxnSpPr>
+          <p:cNvPr id="10" name="Straight Arrow Connector 9">
+            <a:extLst>
+              <a:ext uri="{FF2B5EF4-FFF2-40B4-BE49-F238E27FC236}">
+                <a16:creationId xmlns:a16="http://schemas.microsoft.com/office/drawing/2014/main" id="{0BE197C8-FEF2-3AC2-F14F-7AEC93F5ED2B}"/>
+              </a:ext>
+            </a:extLst>
+          </p:cNvPr>
+          <p:cNvCxnSpPr>
+            <a:cxnSpLocks/>
+            <a:stCxn id="3" idx="0"/>
+          </p:cNvCxnSpPr>
+          <p:nvPr/>
+        </p:nvCxnSpPr>
+        <p:spPr>
+          <a:xfrm flipV="1">
+            <a:off x="9250432" y="5872874"/>
+            <a:ext cx="1" cy="230725"/>
+          </a:xfrm>
+          <a:prstGeom prst="straightConnector1">
+            <a:avLst/>
+          </a:prstGeom>
+          <a:ln>
+            <a:tailEnd type="triangle"/>
+          </a:ln>
+        </p:spPr>
+        <p:style>
+          <a:lnRef idx="2">
+            <a:schemeClr val="accent1"/>
+          </a:lnRef>
+          <a:fillRef idx="0">
+            <a:schemeClr val="accent1"/>
+          </a:fillRef>
+          <a:effectRef idx="1">
+            <a:schemeClr val="accent1"/>
+          </a:effectRef>
+          <a:fontRef idx="minor">
+            <a:schemeClr val="tx1"/>
+          </a:fontRef>
+        </p:style>
+      </p:cxnSp>
+      <p:cxnSp>
+        <p:nvCxnSpPr>
+          <p:cNvPr id="12" name="Straight Arrow Connector 11">
+            <a:extLst>
+              <a:ext uri="{FF2B5EF4-FFF2-40B4-BE49-F238E27FC236}">
+                <a16:creationId xmlns:a16="http://schemas.microsoft.com/office/drawing/2014/main" id="{86DB035C-6934-964E-D2DA-B6A7F0C5BAD7}"/>
+              </a:ext>
+            </a:extLst>
+          </p:cNvPr>
+          <p:cNvCxnSpPr>
+            <a:cxnSpLocks/>
+          </p:cNvCxnSpPr>
+          <p:nvPr/>
+        </p:nvCxnSpPr>
+        <p:spPr>
+          <a:xfrm flipH="1" flipV="1">
+            <a:off x="9250432" y="5244778"/>
+            <a:ext cx="1" cy="289542"/>
+          </a:xfrm>
+          <a:prstGeom prst="straightConnector1">
+            <a:avLst/>
+          </a:prstGeom>
+          <a:ln>
+            <a:tailEnd type="triangle"/>
+          </a:ln>
+        </p:spPr>
+        <p:style>
+          <a:lnRef idx="2">
+            <a:schemeClr val="accent1"/>
+          </a:lnRef>
+          <a:fillRef idx="0">
+            <a:schemeClr val="accent1"/>
+          </a:fillRef>
+          <a:effectRef idx="1">
+            <a:schemeClr val="accent1"/>
+          </a:effectRef>
+          <a:fontRef idx="minor">
+            <a:schemeClr val="tx1"/>
+          </a:fontRef>
+        </p:style>
+      </p:cxnSp>
+      <p:cxnSp>
+        <p:nvCxnSpPr>
+          <p:cNvPr id="13" name="Straight Arrow Connector 12">
+            <a:extLst>
+              <a:ext uri="{FF2B5EF4-FFF2-40B4-BE49-F238E27FC236}">
+                <a16:creationId xmlns:a16="http://schemas.microsoft.com/office/drawing/2014/main" id="{280C98A0-73BD-9E4B-3B78-9428D07CABBF}"/>
+              </a:ext>
+            </a:extLst>
+          </p:cNvPr>
+          <p:cNvCxnSpPr>
+            <a:cxnSpLocks/>
+          </p:cNvCxnSpPr>
+          <p:nvPr/>
+        </p:nvCxnSpPr>
+        <p:spPr>
+          <a:xfrm flipH="1" flipV="1">
+            <a:off x="9252087" y="4010605"/>
+            <a:ext cx="1" cy="289542"/>
+          </a:xfrm>
+          <a:prstGeom prst="straightConnector1">
+            <a:avLst/>
+          </a:prstGeom>
+          <a:ln>
+            <a:tailEnd type="triangle"/>
+          </a:ln>
+        </p:spPr>
+        <p:style>
+          <a:lnRef idx="2">
+            <a:schemeClr val="accent1"/>
+          </a:lnRef>
+          <a:fillRef idx="0">
+            <a:schemeClr val="accent1"/>
+          </a:fillRef>
+          <a:effectRef idx="1">
+            <a:schemeClr val="accent1"/>
+          </a:effectRef>
+          <a:fontRef idx="minor">
+            <a:schemeClr val="tx1"/>
+          </a:fontRef>
+        </p:style>
+      </p:cxnSp>
+      <p:cxnSp>
+        <p:nvCxnSpPr>
+          <p:cNvPr id="14" name="Straight Arrow Connector 13">
+            <a:extLst>
+              <a:ext uri="{FF2B5EF4-FFF2-40B4-BE49-F238E27FC236}">
+                <a16:creationId xmlns:a16="http://schemas.microsoft.com/office/drawing/2014/main" id="{4EB3D517-04B9-5DD1-9685-C0CCBB4F5E85}"/>
+              </a:ext>
+            </a:extLst>
+          </p:cNvPr>
+          <p:cNvCxnSpPr>
+            <a:cxnSpLocks/>
+          </p:cNvCxnSpPr>
+          <p:nvPr/>
+        </p:nvCxnSpPr>
+        <p:spPr>
+          <a:xfrm flipH="1" flipV="1">
+            <a:off x="9250431" y="3382509"/>
+            <a:ext cx="1" cy="289542"/>
+          </a:xfrm>
+          <a:prstGeom prst="straightConnector1">
+            <a:avLst/>
+          </a:prstGeom>
+          <a:ln>
+            <a:tailEnd type="triangle"/>
+          </a:ln>
+        </p:spPr>
+        <p:style>
+          <a:lnRef idx="2">
+            <a:schemeClr val="accent1"/>
+          </a:lnRef>
+          <a:fillRef idx="0">
+            <a:schemeClr val="accent1"/>
+          </a:fillRef>
+          <a:effectRef idx="1">
+            <a:schemeClr val="accent1"/>
+          </a:effectRef>
+          <a:fontRef idx="minor">
+            <a:schemeClr val="tx1"/>
+          </a:fontRef>
+        </p:style>
+      </p:cxnSp>
+      <p:cxnSp>
+        <p:nvCxnSpPr>
+          <p:cNvPr id="15" name="Straight Arrow Connector 14">
+            <a:extLst>
+              <a:ext uri="{FF2B5EF4-FFF2-40B4-BE49-F238E27FC236}">
+                <a16:creationId xmlns:a16="http://schemas.microsoft.com/office/drawing/2014/main" id="{3663EDA4-7E62-CD7B-6E7B-E8BE59C65CD9}"/>
+              </a:ext>
+            </a:extLst>
+          </p:cNvPr>
+          <p:cNvCxnSpPr>
+            <a:cxnSpLocks/>
+          </p:cNvCxnSpPr>
+          <p:nvPr/>
+        </p:nvCxnSpPr>
+        <p:spPr>
+          <a:xfrm flipH="1" flipV="1">
+            <a:off x="9250431" y="4607656"/>
+            <a:ext cx="1" cy="289542"/>
+          </a:xfrm>
+          <a:prstGeom prst="straightConnector1">
+            <a:avLst/>
+          </a:prstGeom>
+          <a:ln>
+            <a:tailEnd type="triangle"/>
+          </a:ln>
+        </p:spPr>
+        <p:style>
+          <a:lnRef idx="2">
+            <a:schemeClr val="accent1"/>
+          </a:lnRef>
+          <a:fillRef idx="0">
+            <a:schemeClr val="accent1"/>
+          </a:fillRef>
+          <a:effectRef idx="1">
+            <a:schemeClr val="accent1"/>
+          </a:effectRef>
+          <a:fontRef idx="minor">
+            <a:schemeClr val="tx1"/>
+          </a:fontRef>
+        </p:style>
+      </p:cxnSp>
+      <p:cxnSp>
+        <p:nvCxnSpPr>
+          <p:cNvPr id="16" name="Straight Arrow Connector 15">
+            <a:extLst>
+              <a:ext uri="{FF2B5EF4-FFF2-40B4-BE49-F238E27FC236}">
+                <a16:creationId xmlns:a16="http://schemas.microsoft.com/office/drawing/2014/main" id="{4F342CBC-408C-B8EB-E31A-3813FDCB781E}"/>
+              </a:ext>
+            </a:extLst>
+          </p:cNvPr>
+          <p:cNvCxnSpPr>
+            <a:cxnSpLocks/>
+          </p:cNvCxnSpPr>
+          <p:nvPr/>
+        </p:nvCxnSpPr>
+        <p:spPr>
+          <a:xfrm flipH="1" flipV="1">
+            <a:off x="9250430" y="2770453"/>
+            <a:ext cx="1" cy="289542"/>
+          </a:xfrm>
+          <a:prstGeom prst="straightConnector1">
+            <a:avLst/>
+          </a:prstGeom>
+          <a:ln>
+            <a:tailEnd type="triangle"/>
+          </a:ln>
+        </p:spPr>
+        <p:style>
+          <a:lnRef idx="2">
+            <a:schemeClr val="accent1"/>
+          </a:lnRef>
+          <a:fillRef idx="0">
+            <a:schemeClr val="accent1"/>
+          </a:fillRef>
+          <a:effectRef idx="1">
+            <a:schemeClr val="accent1"/>
+          </a:effectRef>
+          <a:fontRef idx="minor">
+            <a:schemeClr val="tx1"/>
+          </a:fontRef>
+        </p:style>
+      </p:cxnSp>
+      <p:cxnSp>
+        <p:nvCxnSpPr>
+          <p:cNvPr id="17" name="Straight Arrow Connector 16">
+            <a:extLst>
+              <a:ext uri="{FF2B5EF4-FFF2-40B4-BE49-F238E27FC236}">
+                <a16:creationId xmlns:a16="http://schemas.microsoft.com/office/drawing/2014/main" id="{4B0C76C2-05D1-12E4-CE48-B9449774F26B}"/>
+              </a:ext>
+            </a:extLst>
+          </p:cNvPr>
+          <p:cNvCxnSpPr>
+            <a:cxnSpLocks/>
+          </p:cNvCxnSpPr>
+          <p:nvPr/>
+        </p:nvCxnSpPr>
+        <p:spPr>
+          <a:xfrm flipH="1" flipV="1">
+            <a:off x="9250179" y="2129891"/>
+            <a:ext cx="1" cy="289542"/>
+          </a:xfrm>
+          <a:prstGeom prst="straightConnector1">
+            <a:avLst/>
+          </a:prstGeom>
+          <a:ln>
+            <a:tailEnd type="triangle"/>
+          </a:ln>
+        </p:spPr>
+        <p:style>
+          <a:lnRef idx="2">
+            <a:schemeClr val="accent1"/>
+          </a:lnRef>
+          <a:fillRef idx="0">
+            <a:schemeClr val="accent1"/>
+          </a:fillRef>
+          <a:effectRef idx="1">
+            <a:schemeClr val="accent1"/>
+          </a:effectRef>
+          <a:fontRef idx="minor">
+            <a:schemeClr val="tx1"/>
+          </a:fontRef>
+        </p:style>
+      </p:cxnSp>
+      <p:sp>
+        <p:nvSpPr>
+          <p:cNvPr id="18" name="TextBox 17">
+            <a:extLst>
+              <a:ext uri="{FF2B5EF4-FFF2-40B4-BE49-F238E27FC236}">
+                <a16:creationId xmlns:a16="http://schemas.microsoft.com/office/drawing/2014/main" id="{4C17B94E-EBCD-016A-D143-61B3F6D4237A}"/>
+              </a:ext>
+            </a:extLst>
+          </p:cNvPr>
+          <p:cNvSpPr txBox="1"/>
+          <p:nvPr/>
+        </p:nvSpPr>
+        <p:spPr>
+          <a:xfrm>
+            <a:off x="5194300" y="6387912"/>
+            <a:ext cx="1527341" cy="369332"/>
+          </a:xfrm>
+          <a:prstGeom prst="rect">
+            <a:avLst/>
+          </a:prstGeom>
+          <a:noFill/>
+        </p:spPr>
+        <p:txBody>
+          <a:bodyPr wrap="none" rtlCol="0">
+            <a:spAutoFit/>
+          </a:bodyPr>
+          <a:lstStyle/>
+          <a:p>
+            <a:r>
+              <a:rPr lang="en-US" b="1" dirty="0"/>
+              <a:t>We are here</a:t>
+            </a:r>
+          </a:p>
+        </p:txBody>
+      </p:sp>
+      <p:cxnSp>
+        <p:nvCxnSpPr>
+          <p:cNvPr id="19" name="Connector: Curved 18">
+            <a:extLst>
+              <a:ext uri="{FF2B5EF4-FFF2-40B4-BE49-F238E27FC236}">
+                <a16:creationId xmlns:a16="http://schemas.microsoft.com/office/drawing/2014/main" id="{FA578DD2-7ED4-8741-699B-018548EDECAB}"/>
+              </a:ext>
+            </a:extLst>
+          </p:cNvPr>
+          <p:cNvCxnSpPr>
+            <a:cxnSpLocks/>
+            <a:stCxn id="18" idx="3"/>
+            <a:endCxn id="3" idx="2"/>
+          </p:cNvCxnSpPr>
+          <p:nvPr/>
+        </p:nvCxnSpPr>
+        <p:spPr>
+          <a:xfrm flipV="1">
+            <a:off x="6721641" y="6372390"/>
+            <a:ext cx="672789" cy="200188"/>
+          </a:xfrm>
+          <a:prstGeom prst="curvedConnector3">
+            <a:avLst>
+              <a:gd name="adj1" fmla="val 50000"/>
+            </a:avLst>
+          </a:prstGeom>
+          <a:ln>
+            <a:solidFill>
+              <a:schemeClr val="tx1"/>
+            </a:solidFill>
+            <a:prstDash val="sysDash"/>
+            <a:tailEnd type="triangle"/>
+          </a:ln>
+        </p:spPr>
+        <p:style>
+          <a:lnRef idx="2">
+            <a:schemeClr val="accent1"/>
+          </a:lnRef>
+          <a:fillRef idx="0">
+            <a:schemeClr val="accent1"/>
+          </a:fillRef>
+          <a:effectRef idx="1">
+            <a:schemeClr val="accent1"/>
+          </a:effectRef>
+          <a:fontRef idx="minor">
+            <a:schemeClr val="tx1"/>
+          </a:fontRef>
+        </p:style>
+      </p:cxnSp>
+      <p:sp>
+        <p:nvSpPr>
+          <p:cNvPr id="21" name="TextBox 20">
+            <a:extLst>
+              <a:ext uri="{FF2B5EF4-FFF2-40B4-BE49-F238E27FC236}">
+                <a16:creationId xmlns:a16="http://schemas.microsoft.com/office/drawing/2014/main" id="{F3DC80C1-1387-B58D-50CD-386234D6EB68}"/>
+              </a:ext>
+            </a:extLst>
+          </p:cNvPr>
+          <p:cNvSpPr txBox="1"/>
+          <p:nvPr/>
+        </p:nvSpPr>
+        <p:spPr>
+          <a:xfrm>
+            <a:off x="1231239" y="2842112"/>
+            <a:ext cx="3417346" cy="1015663"/>
+          </a:xfrm>
+          <a:prstGeom prst="rect">
+            <a:avLst/>
+          </a:prstGeom>
+          <a:solidFill>
+            <a:srgbClr val="002060"/>
+          </a:solidFill>
+        </p:spPr>
+        <p:txBody>
+          <a:bodyPr wrap="none" rtlCol="0">
+            <a:spAutoFit/>
+          </a:bodyPr>
+          <a:lstStyle/>
+          <a:p>
+            <a:r>
+              <a:rPr lang="en-US" sz="6000" b="1" dirty="0">
+                <a:solidFill>
+                  <a:schemeClr val="bg1"/>
+                </a:solidFill>
+              </a:rPr>
+              <a:t>7 Parts +</a:t>
+            </a:r>
+          </a:p>
+        </p:txBody>
+      </p:sp>
+      <p:sp>
+        <p:nvSpPr>
+          <p:cNvPr id="22" name="Title 1">
+            <a:extLst>
+              <a:ext uri="{FF2B5EF4-FFF2-40B4-BE49-F238E27FC236}">
+                <a16:creationId xmlns:a16="http://schemas.microsoft.com/office/drawing/2014/main" id="{D62B0938-3D61-4B77-F0F0-150E61110304}"/>
+              </a:ext>
+            </a:extLst>
+          </p:cNvPr>
+          <p:cNvSpPr txBox="1">
+            <a:spLocks/>
+          </p:cNvSpPr>
+          <p:nvPr/>
+        </p:nvSpPr>
+        <p:spPr>
+          <a:xfrm>
+            <a:off x="389398" y="3410198"/>
+            <a:ext cx="5101028" cy="1200814"/>
+          </a:xfrm>
+          <a:prstGeom prst="rect">
+            <a:avLst/>
+          </a:prstGeom>
+        </p:spPr>
+        <p:txBody>
+          <a:bodyPr vert="horz" lIns="91440" tIns="45720" rIns="91440" bIns="45720" rtlCol="0" anchor="b">
+            <a:normAutofit/>
+          </a:bodyPr>
+          <a:lstStyle>
+            <a:lvl1pPr algn="ctr" defTabSz="914400" rtl="0" eaLnBrk="1" latinLnBrk="0" hangingPunct="1">
+              <a:lnSpc>
+                <a:spcPct val="90000"/>
+              </a:lnSpc>
+              <a:spcBef>
+                <a:spcPct val="0"/>
+              </a:spcBef>
+              <a:buNone/>
+              <a:defRPr sz="6000" kern="1200">
+                <a:solidFill>
+                  <a:srgbClr val="002060"/>
+                </a:solidFill>
+                <a:latin typeface="Avenir Next LT Pro" panose="020B0504020202020204" pitchFamily="34" charset="0"/>
+                <a:ea typeface="+mj-ea"/>
+                <a:cs typeface="+mj-cs"/>
+              </a:defRPr>
+            </a:lvl1pPr>
+          </a:lstStyle>
+          <a:p>
+            <a:r>
+              <a:rPr lang="en-US" sz="1800" b="1" dirty="0">
+                <a:gradFill>
+                  <a:gsLst>
+                    <a:gs pos="29000">
+                      <a:srgbClr val="041462"/>
+                    </a:gs>
+                    <a:gs pos="85000">
+                      <a:srgbClr val="1B5CE0"/>
+                    </a:gs>
+                  </a:gsLst>
+                  <a:lin ang="2700000" scaled="0"/>
+                </a:gradFill>
+                <a:latin typeface="+mn-lt"/>
+              </a:rPr>
+              <a:t>Hands-on Generative AI Engineering with Large Language Models</a:t>
+            </a:r>
+          </a:p>
+        </p:txBody>
+      </p:sp>
+      <p:grpSp>
+        <p:nvGrpSpPr>
+          <p:cNvPr id="33" name="Group 32">
+            <a:extLst>
+              <a:ext uri="{FF2B5EF4-FFF2-40B4-BE49-F238E27FC236}">
+                <a16:creationId xmlns:a16="http://schemas.microsoft.com/office/drawing/2014/main" id="{6E2DA54A-90B5-599B-0D0A-7EF9DBAE1C6E}"/>
+              </a:ext>
+            </a:extLst>
+          </p:cNvPr>
+          <p:cNvGrpSpPr/>
+          <p:nvPr/>
+        </p:nvGrpSpPr>
+        <p:grpSpPr>
+          <a:xfrm>
+            <a:off x="7131231" y="295362"/>
+            <a:ext cx="4238403" cy="1209722"/>
+            <a:chOff x="7326908" y="365125"/>
+            <a:chExt cx="4238403" cy="1209722"/>
+          </a:xfrm>
+        </p:grpSpPr>
+        <p:sp>
+          <p:nvSpPr>
+            <p:cNvPr id="24" name="Oval 23">
+              <a:extLst>
+                <a:ext uri="{FF2B5EF4-FFF2-40B4-BE49-F238E27FC236}">
+                  <a16:creationId xmlns:a16="http://schemas.microsoft.com/office/drawing/2014/main" id="{9AEA7CF7-3D61-8681-54AF-203DDD850256}"/>
+                </a:ext>
+              </a:extLst>
+            </p:cNvPr>
+            <p:cNvSpPr/>
+            <p:nvPr/>
+          </p:nvSpPr>
+          <p:spPr>
+            <a:xfrm>
+              <a:off x="7326908" y="365125"/>
+              <a:ext cx="4238403" cy="1200329"/>
+            </a:xfrm>
+            <a:prstGeom prst="ellipse">
+              <a:avLst/>
+            </a:prstGeom>
+            <a:solidFill>
+              <a:schemeClr val="accent4">
+                <a:lumMod val="40000"/>
+                <a:lumOff val="60000"/>
+              </a:schemeClr>
+            </a:solidFill>
+            <a:ln>
+              <a:noFill/>
+            </a:ln>
+          </p:spPr>
+          <p:style>
+            <a:lnRef idx="2">
+              <a:schemeClr val="accent1">
+                <a:shade val="15000"/>
+              </a:schemeClr>
+            </a:lnRef>
+            <a:fillRef idx="1">
+              <a:schemeClr val="accent1"/>
+            </a:fillRef>
+            <a:effectRef idx="0">
+              <a:schemeClr val="accent1"/>
+            </a:effectRef>
+            <a:fontRef idx="minor">
+              <a:schemeClr val="lt1"/>
+            </a:fontRef>
+          </p:style>
+          <p:txBody>
+            <a:bodyPr rtlCol="0" anchor="ctr"/>
+            <a:lstStyle/>
+            <a:p>
+              <a:pPr algn="ctr"/>
+              <a:endParaRPr lang="en-US"/>
+            </a:p>
+          </p:txBody>
+        </p:sp>
+        <p:sp>
+          <p:nvSpPr>
+            <p:cNvPr id="25" name="TextBox 24">
+              <a:extLst>
+                <a:ext uri="{FF2B5EF4-FFF2-40B4-BE49-F238E27FC236}">
+                  <a16:creationId xmlns:a16="http://schemas.microsoft.com/office/drawing/2014/main" id="{2058A1E0-91F8-AB0B-169F-80ECE281D777}"/>
+                </a:ext>
+              </a:extLst>
+            </p:cNvPr>
+            <p:cNvSpPr txBox="1"/>
+            <p:nvPr/>
+          </p:nvSpPr>
+          <p:spPr>
+            <a:xfrm>
+              <a:off x="7550635" y="374518"/>
+              <a:ext cx="3790948" cy="1200329"/>
+            </a:xfrm>
+            <a:prstGeom prst="rect">
+              <a:avLst/>
+            </a:prstGeom>
+            <a:noFill/>
+          </p:spPr>
+          <p:txBody>
+            <a:bodyPr wrap="square" rtlCol="0">
+              <a:spAutoFit/>
+            </a:bodyPr>
+            <a:lstStyle/>
+            <a:p>
+              <a:pPr algn="ctr"/>
+              <a:r>
+                <a:rPr lang="en-US" b="1" dirty="0">
+                  <a:solidFill>
+                    <a:srgbClr val="002060"/>
+                  </a:solidFill>
+                </a:rPr>
+                <a:t>Beyond the Course</a:t>
+              </a:r>
+              <a:r>
+                <a:rPr lang="en-US" dirty="0">
+                  <a:solidFill>
+                    <a:srgbClr val="002060"/>
+                  </a:solidFill>
+                </a:rPr>
+                <a:t> </a:t>
+              </a:r>
+            </a:p>
+            <a:p>
+              <a:pPr algn="ctr"/>
+              <a:r>
+                <a:rPr lang="en-US" dirty="0">
+                  <a:solidFill>
+                    <a:srgbClr val="002060"/>
+                  </a:solidFill>
+                </a:rPr>
+                <a:t>Guidance on advanced concepts, up-to-date advancements in LLM vs Generative AI, …</a:t>
+              </a:r>
+            </a:p>
+          </p:txBody>
+        </p:sp>
+      </p:grpSp>
+      <p:cxnSp>
+        <p:nvCxnSpPr>
+          <p:cNvPr id="26" name="Straight Arrow Connector 25">
+            <a:extLst>
+              <a:ext uri="{FF2B5EF4-FFF2-40B4-BE49-F238E27FC236}">
+                <a16:creationId xmlns:a16="http://schemas.microsoft.com/office/drawing/2014/main" id="{1D237BB7-BFBC-495A-CEAE-53EA23A5D90C}"/>
+              </a:ext>
+            </a:extLst>
+          </p:cNvPr>
+          <p:cNvCxnSpPr>
+            <a:cxnSpLocks/>
+          </p:cNvCxnSpPr>
+          <p:nvPr/>
+        </p:nvCxnSpPr>
+        <p:spPr>
+          <a:xfrm flipH="1" flipV="1">
+            <a:off x="9250178" y="1501824"/>
+            <a:ext cx="1" cy="289542"/>
+          </a:xfrm>
+          <a:prstGeom prst="straightConnector1">
+            <a:avLst/>
+          </a:prstGeom>
+          <a:ln>
+            <a:tailEnd type="triangle"/>
+          </a:ln>
+        </p:spPr>
+        <p:style>
+          <a:lnRef idx="2">
+            <a:schemeClr val="accent1"/>
+          </a:lnRef>
+          <a:fillRef idx="0">
+            <a:schemeClr val="accent1"/>
+          </a:fillRef>
+          <a:effectRef idx="1">
+            <a:schemeClr val="accent1"/>
+          </a:effectRef>
+          <a:fontRef idx="minor">
+            <a:schemeClr val="tx1"/>
+          </a:fontRef>
+        </p:style>
+      </p:cxnSp>
+    </p:spTree>
+    <p:extLst>
+      <p:ext uri="{BB962C8B-B14F-4D97-AF65-F5344CB8AC3E}">
+        <p14:creationId xmlns:p14="http://schemas.microsoft.com/office/powerpoint/2010/main" val="388415499"/>
+      </p:ext>
+    </p:extLst>
+  </p:cSld>
+  <p:clrMapOvr>
+    <a:masterClrMapping/>
+  </p:clrMapOvr>
+</p:sld>
+</file>
+
+<file path=ppt/slides/slide12.xml><?xml version="1.0" encoding="utf-8"?>
+<p:sld xmlns:a="http://schemas.openxmlformats.org/drawingml/2006/main" xmlns:r="http://schemas.openxmlformats.org/officeDocument/2006/relationships" xmlns:p="http://schemas.openxmlformats.org/presentationml/2006/main">
+  <p:cSld>
+    <p:spTree>
+      <p:nvGrpSpPr>
+        <p:cNvPr id="1" name=""/>
+        <p:cNvGrpSpPr/>
+        <p:nvPr/>
+      </p:nvGrpSpPr>
+      <p:grpSpPr>
+        <a:xfrm>
+          <a:off x="0" y="0"/>
+          <a:ext cx="0" cy="0"/>
+          <a:chOff x="0" y="0"/>
+          <a:chExt cx="0" cy="0"/>
+        </a:xfrm>
+      </p:grpSpPr>
+      <p:sp>
+        <p:nvSpPr>
+          <p:cNvPr id="42" name="Title 1">
+            <a:extLst>
+              <a:ext uri="{FF2B5EF4-FFF2-40B4-BE49-F238E27FC236}">
+                <a16:creationId xmlns:a16="http://schemas.microsoft.com/office/drawing/2014/main" id="{53AD96E6-67B2-02CD-F910-420EA60CDC1C}"/>
+              </a:ext>
+            </a:extLst>
+          </p:cNvPr>
+          <p:cNvSpPr>
+            <a:spLocks noGrp="1"/>
+          </p:cNvSpPr>
+          <p:nvPr>
+            <p:ph type="title"/>
+          </p:nvPr>
+        </p:nvSpPr>
+        <p:spPr>
+          <a:xfrm>
+            <a:off x="838200" y="365125"/>
+            <a:ext cx="11036300" cy="1325563"/>
+          </a:xfrm>
+        </p:spPr>
+        <p:txBody>
+          <a:bodyPr/>
+          <a:lstStyle/>
+          <a:p>
+            <a:r>
+              <a:rPr lang="en-US" dirty="0"/>
+              <a:t>Learning Paths</a:t>
+            </a:r>
+          </a:p>
+        </p:txBody>
+      </p:sp>
+      <p:grpSp>
+        <p:nvGrpSpPr>
+          <p:cNvPr id="10" name="Group 9">
+            <a:extLst>
+              <a:ext uri="{FF2B5EF4-FFF2-40B4-BE49-F238E27FC236}">
+                <a16:creationId xmlns:a16="http://schemas.microsoft.com/office/drawing/2014/main" id="{2FE26E28-4E97-03EE-3C89-3657D20687F5}"/>
+              </a:ext>
+            </a:extLst>
+          </p:cNvPr>
+          <p:cNvGrpSpPr/>
+          <p:nvPr/>
+        </p:nvGrpSpPr>
+        <p:grpSpPr>
+          <a:xfrm>
+            <a:off x="838200" y="5559896"/>
+            <a:ext cx="5826319" cy="338554"/>
+            <a:chOff x="838200" y="5721821"/>
+            <a:chExt cx="5826319" cy="338554"/>
+          </a:xfrm>
+        </p:grpSpPr>
+        <p:sp>
+          <p:nvSpPr>
+            <p:cNvPr id="7" name="TextBox 12">
+              <a:extLst>
+                <a:ext uri="{FF2B5EF4-FFF2-40B4-BE49-F238E27FC236}">
+                  <a16:creationId xmlns:a16="http://schemas.microsoft.com/office/drawing/2014/main" id="{4AA1F1CC-4A12-03C3-C9AB-090A44D79676}"/>
+                </a:ext>
+              </a:extLst>
+            </p:cNvPr>
+            <p:cNvSpPr txBox="1"/>
+            <p:nvPr/>
+          </p:nvSpPr>
+          <p:spPr>
+            <a:xfrm>
+              <a:off x="1320747" y="5721821"/>
+              <a:ext cx="5343772" cy="338554"/>
+            </a:xfrm>
+            <a:prstGeom prst="rect">
+              <a:avLst/>
+            </a:prstGeom>
+            <a:solidFill>
+              <a:srgbClr val="002060"/>
+            </a:solidFill>
+          </p:spPr>
+          <p:txBody>
+            <a:bodyPr wrap="square" rtlCol="0">
+              <a:spAutoFit/>
+            </a:bodyPr>
+            <a:lstStyle/>
+            <a:p>
+              <a:pPr algn="ctr"/>
+              <a:r>
+                <a:rPr lang="en-US" sz="1600" dirty="0">
+                  <a:solidFill>
+                    <a:schemeClr val="bg1"/>
+                  </a:solidFill>
+                </a:rPr>
+                <a:t>Software Prerequisites for Python Projects</a:t>
+              </a:r>
+            </a:p>
+          </p:txBody>
+        </p:sp>
+        <p:sp>
+          <p:nvSpPr>
+            <p:cNvPr id="44" name="TextBox 12">
+              <a:extLst>
+                <a:ext uri="{FF2B5EF4-FFF2-40B4-BE49-F238E27FC236}">
+                  <a16:creationId xmlns:a16="http://schemas.microsoft.com/office/drawing/2014/main" id="{B71FEEDD-E60F-4F94-ED29-9770C86F43C4}"/>
+                </a:ext>
+              </a:extLst>
+            </p:cNvPr>
+            <p:cNvSpPr txBox="1"/>
+            <p:nvPr/>
+          </p:nvSpPr>
+          <p:spPr>
+            <a:xfrm>
+              <a:off x="838200" y="5721821"/>
+              <a:ext cx="457199" cy="338554"/>
+            </a:xfrm>
+            <a:prstGeom prst="rect">
+              <a:avLst/>
+            </a:prstGeom>
+            <a:solidFill>
+              <a:srgbClr val="002060"/>
+            </a:solidFill>
+          </p:spPr>
+          <p:txBody>
+            <a:bodyPr wrap="square" rtlCol="0">
+              <a:spAutoFit/>
+            </a:bodyPr>
+            <a:lstStyle/>
+            <a:p>
+              <a:pPr algn="ctr"/>
+              <a:r>
+                <a:rPr lang="en-US" sz="1600" b="1" dirty="0">
+                  <a:solidFill>
+                    <a:schemeClr val="bg1"/>
+                  </a:solidFill>
+                </a:rPr>
+                <a:t>1.</a:t>
+              </a:r>
+            </a:p>
+          </p:txBody>
+        </p:sp>
+      </p:grpSp>
+      <p:grpSp>
+        <p:nvGrpSpPr>
+          <p:cNvPr id="12" name="Group 11">
+            <a:extLst>
+              <a:ext uri="{FF2B5EF4-FFF2-40B4-BE49-F238E27FC236}">
+                <a16:creationId xmlns:a16="http://schemas.microsoft.com/office/drawing/2014/main" id="{2DF41DD5-8CED-56FA-5658-DDD4FECB1839}"/>
+              </a:ext>
+            </a:extLst>
+          </p:cNvPr>
+          <p:cNvGrpSpPr/>
+          <p:nvPr/>
+        </p:nvGrpSpPr>
+        <p:grpSpPr>
+          <a:xfrm>
+            <a:off x="2214613" y="4315171"/>
+            <a:ext cx="5826319" cy="960917"/>
+            <a:chOff x="838200" y="4477096"/>
+            <a:chExt cx="5826319" cy="960917"/>
+          </a:xfrm>
+        </p:grpSpPr>
+        <p:sp>
+          <p:nvSpPr>
+            <p:cNvPr id="8" name="TextBox 12 - 1">
+              <a:extLst>
+                <a:ext uri="{FF2B5EF4-FFF2-40B4-BE49-F238E27FC236}">
+                  <a16:creationId xmlns:a16="http://schemas.microsoft.com/office/drawing/2014/main" id="{0098DB3A-28AF-5690-C4A0-3C9B55E2977B}"/>
+                </a:ext>
+              </a:extLst>
+            </p:cNvPr>
+            <p:cNvSpPr txBox="1"/>
+            <p:nvPr/>
+          </p:nvSpPr>
+          <p:spPr>
+            <a:xfrm>
+              <a:off x="1320747" y="4477096"/>
+              <a:ext cx="5343772" cy="338554"/>
+            </a:xfrm>
+            <a:prstGeom prst="rect">
+              <a:avLst/>
+            </a:prstGeom>
+            <a:solidFill>
+              <a:srgbClr val="0070C0"/>
+            </a:solidFill>
+          </p:spPr>
+          <p:txBody>
+            <a:bodyPr wrap="square" rtlCol="0">
+              <a:spAutoFit/>
+            </a:bodyPr>
+            <a:lstStyle/>
+            <a:p>
+              <a:pPr algn="ctr"/>
+              <a:r>
+                <a:rPr lang="en-US" sz="1600" dirty="0">
+                  <a:solidFill>
+                    <a:schemeClr val="bg1"/>
+                  </a:solidFill>
+                </a:rPr>
+                <a:t>Implementing Transformer in Python and </a:t>
+              </a:r>
+              <a:r>
+                <a:rPr lang="en-US" sz="1600" dirty="0" err="1">
+                  <a:solidFill>
+                    <a:schemeClr val="bg1"/>
+                  </a:solidFill>
+                </a:rPr>
+                <a:t>PyTorch</a:t>
+              </a:r>
+              <a:endParaRPr lang="en-US" sz="1600" dirty="0">
+                <a:solidFill>
+                  <a:schemeClr val="bg1"/>
+                </a:solidFill>
+              </a:endParaRPr>
+            </a:p>
+          </p:txBody>
+        </p:sp>
+        <p:sp>
+          <p:nvSpPr>
+            <p:cNvPr id="11" name="TextBox 12 - 2">
+              <a:extLst>
+                <a:ext uri="{FF2B5EF4-FFF2-40B4-BE49-F238E27FC236}">
+                  <a16:creationId xmlns:a16="http://schemas.microsoft.com/office/drawing/2014/main" id="{3FCAAEE0-32EE-9DF9-DF4A-AC38D090663A}"/>
+                </a:ext>
+              </a:extLst>
+            </p:cNvPr>
+            <p:cNvSpPr txBox="1"/>
+            <p:nvPr/>
+          </p:nvSpPr>
+          <p:spPr>
+            <a:xfrm>
+              <a:off x="1320747" y="5099459"/>
+              <a:ext cx="5343772" cy="338554"/>
+            </a:xfrm>
+            <a:prstGeom prst="rect">
+              <a:avLst/>
+            </a:prstGeom>
+            <a:solidFill>
+              <a:srgbClr val="0070C0"/>
+            </a:solidFill>
+          </p:spPr>
+          <p:txBody>
+            <a:bodyPr wrap="square" rtlCol="0">
+              <a:spAutoFit/>
+            </a:bodyPr>
+            <a:lstStyle/>
+            <a:p>
+              <a:pPr algn="ctr"/>
+              <a:r>
+                <a:rPr lang="en-US" sz="1600" dirty="0">
+                  <a:solidFill>
+                    <a:schemeClr val="bg1"/>
+                  </a:solidFill>
+                </a:rPr>
+                <a:t>Introduction to Transformer – Attention Is All You Need</a:t>
+              </a:r>
+            </a:p>
+          </p:txBody>
+        </p:sp>
+        <p:sp>
+          <p:nvSpPr>
+            <p:cNvPr id="45" name="TextBox 12 - 1">
+              <a:extLst>
+                <a:ext uri="{FF2B5EF4-FFF2-40B4-BE49-F238E27FC236}">
+                  <a16:creationId xmlns:a16="http://schemas.microsoft.com/office/drawing/2014/main" id="{6E448F58-0C5F-F390-5088-5BC2A2E04FEE}"/>
+                </a:ext>
+              </a:extLst>
+            </p:cNvPr>
+            <p:cNvSpPr txBox="1"/>
+            <p:nvPr/>
+          </p:nvSpPr>
+          <p:spPr>
+            <a:xfrm>
+              <a:off x="838200" y="5099459"/>
+              <a:ext cx="457199" cy="338554"/>
+            </a:xfrm>
+            <a:prstGeom prst="rect">
+              <a:avLst/>
+            </a:prstGeom>
+            <a:solidFill>
+              <a:srgbClr val="0070C0"/>
+            </a:solidFill>
+          </p:spPr>
+          <p:txBody>
+            <a:bodyPr wrap="square" rtlCol="0">
+              <a:spAutoFit/>
+            </a:bodyPr>
+            <a:lstStyle/>
+            <a:p>
+              <a:pPr algn="ctr"/>
+              <a:r>
+                <a:rPr lang="en-US" sz="1600" b="1" dirty="0">
+                  <a:solidFill>
+                    <a:schemeClr val="bg1"/>
+                  </a:solidFill>
+                </a:rPr>
+                <a:t>2.</a:t>
+              </a:r>
+            </a:p>
+          </p:txBody>
+        </p:sp>
+        <p:sp>
+          <p:nvSpPr>
+            <p:cNvPr id="46" name="TextBox 12 - 2">
+              <a:extLst>
+                <a:ext uri="{FF2B5EF4-FFF2-40B4-BE49-F238E27FC236}">
+                  <a16:creationId xmlns:a16="http://schemas.microsoft.com/office/drawing/2014/main" id="{A174DA72-786C-49C0-75CD-3C6B10FCEC54}"/>
+                </a:ext>
+              </a:extLst>
+            </p:cNvPr>
+            <p:cNvSpPr txBox="1"/>
+            <p:nvPr/>
+          </p:nvSpPr>
+          <p:spPr>
+            <a:xfrm>
+              <a:off x="838200" y="4477096"/>
+              <a:ext cx="457199" cy="338554"/>
+            </a:xfrm>
+            <a:prstGeom prst="rect">
+              <a:avLst/>
+            </a:prstGeom>
+            <a:solidFill>
+              <a:srgbClr val="0070C0"/>
+            </a:solidFill>
+          </p:spPr>
+          <p:txBody>
+            <a:bodyPr wrap="square" rtlCol="0">
+              <a:spAutoFit/>
+            </a:bodyPr>
+            <a:lstStyle/>
+            <a:p>
+              <a:pPr algn="ctr"/>
+              <a:r>
+                <a:rPr lang="en-US" sz="1600" b="1" dirty="0">
+                  <a:solidFill>
+                    <a:schemeClr val="bg1"/>
+                  </a:solidFill>
+                </a:rPr>
+                <a:t>3.</a:t>
+              </a:r>
+            </a:p>
+          </p:txBody>
+        </p:sp>
+      </p:grpSp>
+      <p:grpSp>
+        <p:nvGrpSpPr>
+          <p:cNvPr id="13" name="Group 12">
+            <a:extLst>
+              <a:ext uri="{FF2B5EF4-FFF2-40B4-BE49-F238E27FC236}">
+                <a16:creationId xmlns:a16="http://schemas.microsoft.com/office/drawing/2014/main" id="{62AB7B4B-E9CB-11AF-BBE1-339311B5BF27}"/>
+              </a:ext>
+            </a:extLst>
+          </p:cNvPr>
+          <p:cNvGrpSpPr/>
+          <p:nvPr/>
+        </p:nvGrpSpPr>
+        <p:grpSpPr>
+          <a:xfrm>
+            <a:off x="3417775" y="3692808"/>
+            <a:ext cx="5826318" cy="338554"/>
+            <a:chOff x="838200" y="3854733"/>
+            <a:chExt cx="5826318" cy="338554"/>
+          </a:xfrm>
+        </p:grpSpPr>
+        <p:sp>
+          <p:nvSpPr>
+            <p:cNvPr id="38" name="TextBox 12 - 1 - 1">
+              <a:extLst>
+                <a:ext uri="{FF2B5EF4-FFF2-40B4-BE49-F238E27FC236}">
+                  <a16:creationId xmlns:a16="http://schemas.microsoft.com/office/drawing/2014/main" id="{1414E8F0-686D-121C-F3A2-B50548249B2D}"/>
+                </a:ext>
+              </a:extLst>
+            </p:cNvPr>
+            <p:cNvSpPr txBox="1"/>
+            <p:nvPr/>
+          </p:nvSpPr>
+          <p:spPr>
+            <a:xfrm>
+              <a:off x="1320747" y="3854733"/>
+              <a:ext cx="5343771" cy="338554"/>
+            </a:xfrm>
+            <a:prstGeom prst="rect">
+              <a:avLst/>
+            </a:prstGeom>
+            <a:solidFill>
+              <a:srgbClr val="FF9D00"/>
+            </a:solidFill>
+          </p:spPr>
+          <p:txBody>
+            <a:bodyPr wrap="square" rtlCol="0">
+              <a:spAutoFit/>
+            </a:bodyPr>
+            <a:lstStyle/>
+            <a:p>
+              <a:pPr algn="ctr"/>
+              <a:r>
+                <a:rPr lang="en-US" sz="1600" dirty="0">
+                  <a:solidFill>
+                    <a:schemeClr val="bg1"/>
+                  </a:solidFill>
+                </a:rPr>
+                <a:t>Generative AI with the Hugging Face Ecosystem</a:t>
+              </a:r>
+            </a:p>
+          </p:txBody>
+        </p:sp>
+        <p:sp>
+          <p:nvSpPr>
+            <p:cNvPr id="47" name="TextBox 12 - 3">
+              <a:extLst>
+                <a:ext uri="{FF2B5EF4-FFF2-40B4-BE49-F238E27FC236}">
+                  <a16:creationId xmlns:a16="http://schemas.microsoft.com/office/drawing/2014/main" id="{EF7D545C-C07D-BA40-8C4B-9FCA87177134}"/>
+                </a:ext>
+              </a:extLst>
+            </p:cNvPr>
+            <p:cNvSpPr txBox="1"/>
+            <p:nvPr/>
+          </p:nvSpPr>
+          <p:spPr>
+            <a:xfrm>
+              <a:off x="838200" y="3854733"/>
+              <a:ext cx="457199" cy="338554"/>
+            </a:xfrm>
+            <a:prstGeom prst="rect">
+              <a:avLst/>
+            </a:prstGeom>
+            <a:solidFill>
+              <a:srgbClr val="FF9D00"/>
+            </a:solidFill>
+          </p:spPr>
+          <p:txBody>
+            <a:bodyPr wrap="square" rtlCol="0">
+              <a:spAutoFit/>
+            </a:bodyPr>
+            <a:lstStyle/>
+            <a:p>
+              <a:pPr algn="ctr"/>
+              <a:r>
+                <a:rPr lang="en-US" sz="1600" b="1" dirty="0">
+                  <a:solidFill>
+                    <a:schemeClr val="bg1"/>
+                  </a:solidFill>
+                </a:rPr>
+                <a:t>4.</a:t>
+              </a:r>
+            </a:p>
+          </p:txBody>
+        </p:sp>
+      </p:grpSp>
+      <p:grpSp>
+        <p:nvGrpSpPr>
+          <p:cNvPr id="14" name="Group 13">
+            <a:extLst>
+              <a:ext uri="{FF2B5EF4-FFF2-40B4-BE49-F238E27FC236}">
+                <a16:creationId xmlns:a16="http://schemas.microsoft.com/office/drawing/2014/main" id="{51DF4B24-A090-8956-1F78-2FC3632805B2}"/>
+              </a:ext>
+            </a:extLst>
+          </p:cNvPr>
+          <p:cNvGrpSpPr/>
+          <p:nvPr/>
+        </p:nvGrpSpPr>
+        <p:grpSpPr>
+          <a:xfrm>
+            <a:off x="4871198" y="1825719"/>
+            <a:ext cx="5826318" cy="1583280"/>
+            <a:chOff x="838200" y="1987644"/>
+            <a:chExt cx="5826318" cy="1583280"/>
+          </a:xfrm>
+        </p:grpSpPr>
+        <p:sp>
+          <p:nvSpPr>
+            <p:cNvPr id="39" name="TextBox 12 - 1 - 2">
+              <a:extLst>
+                <a:ext uri="{FF2B5EF4-FFF2-40B4-BE49-F238E27FC236}">
+                  <a16:creationId xmlns:a16="http://schemas.microsoft.com/office/drawing/2014/main" id="{36482E39-42BC-83D2-0B7A-6F22872BAD70}"/>
+                </a:ext>
+              </a:extLst>
+            </p:cNvPr>
+            <p:cNvSpPr txBox="1"/>
+            <p:nvPr/>
+          </p:nvSpPr>
+          <p:spPr>
+            <a:xfrm>
+              <a:off x="1320747" y="3232370"/>
+              <a:ext cx="5343771" cy="338554"/>
+            </a:xfrm>
+            <a:prstGeom prst="rect">
+              <a:avLst/>
+            </a:prstGeom>
+            <a:solidFill>
+              <a:schemeClr val="accent6">
+                <a:lumMod val="75000"/>
+              </a:schemeClr>
+            </a:solidFill>
+          </p:spPr>
+          <p:txBody>
+            <a:bodyPr wrap="square" rtlCol="0">
+              <a:spAutoFit/>
+            </a:bodyPr>
+            <a:lstStyle/>
+            <a:p>
+              <a:pPr algn="ctr"/>
+              <a:r>
+                <a:rPr lang="en-US" sz="1600" dirty="0">
+                  <a:solidFill>
+                    <a:schemeClr val="bg1"/>
+                  </a:solidFill>
+                </a:rPr>
+                <a:t>Components to Build LLM-based Web Applications </a:t>
+              </a:r>
+            </a:p>
+          </p:txBody>
+        </p:sp>
+        <p:sp>
+          <p:nvSpPr>
+            <p:cNvPr id="40" name="TextBox 12 - 1 - 3">
+              <a:extLst>
+                <a:ext uri="{FF2B5EF4-FFF2-40B4-BE49-F238E27FC236}">
+                  <a16:creationId xmlns:a16="http://schemas.microsoft.com/office/drawing/2014/main" id="{8916E069-4846-5E07-58C0-57A3613C519A}"/>
+                </a:ext>
+              </a:extLst>
+            </p:cNvPr>
+            <p:cNvSpPr txBox="1"/>
+            <p:nvPr/>
+          </p:nvSpPr>
+          <p:spPr>
+            <a:xfrm>
+              <a:off x="1320747" y="2610007"/>
+              <a:ext cx="5343771" cy="338554"/>
+            </a:xfrm>
+            <a:prstGeom prst="rect">
+              <a:avLst/>
+            </a:prstGeom>
+            <a:solidFill>
+              <a:schemeClr val="accent6">
+                <a:lumMod val="75000"/>
+              </a:schemeClr>
+            </a:solidFill>
+          </p:spPr>
+          <p:txBody>
+            <a:bodyPr wrap="square" rtlCol="0">
+              <a:spAutoFit/>
+            </a:bodyPr>
+            <a:lstStyle/>
+            <a:p>
+              <a:pPr algn="ctr"/>
+              <a:r>
+                <a:rPr lang="en-US" sz="1600" dirty="0">
+                  <a:solidFill>
+                    <a:schemeClr val="bg1"/>
+                  </a:solidFill>
+                </a:rPr>
+                <a:t>Building LLM-based Web Applications </a:t>
+              </a:r>
+            </a:p>
+          </p:txBody>
+        </p:sp>
+        <p:sp>
+          <p:nvSpPr>
+            <p:cNvPr id="41" name="TextBox 12 - 1 - 4">
+              <a:extLst>
+                <a:ext uri="{FF2B5EF4-FFF2-40B4-BE49-F238E27FC236}">
+                  <a16:creationId xmlns:a16="http://schemas.microsoft.com/office/drawing/2014/main" id="{3D39279E-10E4-CE17-837D-97141C629EF6}"/>
+                </a:ext>
+              </a:extLst>
+            </p:cNvPr>
+            <p:cNvSpPr txBox="1"/>
+            <p:nvPr/>
+          </p:nvSpPr>
+          <p:spPr>
+            <a:xfrm>
+              <a:off x="1320747" y="1987644"/>
+              <a:ext cx="5343771" cy="338554"/>
+            </a:xfrm>
+            <a:prstGeom prst="rect">
+              <a:avLst/>
+            </a:prstGeom>
+            <a:solidFill>
+              <a:schemeClr val="accent6">
+                <a:lumMod val="75000"/>
+              </a:schemeClr>
+            </a:solidFill>
+          </p:spPr>
+          <p:txBody>
+            <a:bodyPr wrap="square" rtlCol="0">
+              <a:spAutoFit/>
+            </a:bodyPr>
+            <a:lstStyle/>
+            <a:p>
+              <a:pPr algn="ctr"/>
+              <a:r>
+                <a:rPr lang="en-US" sz="1600" dirty="0">
+                  <a:solidFill>
+                    <a:schemeClr val="bg1"/>
+                  </a:solidFill>
+                </a:rPr>
+                <a:t>Serving LLM-based Web Applications</a:t>
+              </a:r>
+            </a:p>
+          </p:txBody>
+        </p:sp>
+        <p:sp>
+          <p:nvSpPr>
+            <p:cNvPr id="48" name="TextBox 12 - 4">
+              <a:extLst>
+                <a:ext uri="{FF2B5EF4-FFF2-40B4-BE49-F238E27FC236}">
+                  <a16:creationId xmlns:a16="http://schemas.microsoft.com/office/drawing/2014/main" id="{E17FCA62-62E6-BD25-C388-B89AF46F876A}"/>
+                </a:ext>
+              </a:extLst>
+            </p:cNvPr>
+            <p:cNvSpPr txBox="1"/>
+            <p:nvPr/>
+          </p:nvSpPr>
+          <p:spPr>
+            <a:xfrm>
+              <a:off x="838200" y="3232370"/>
+              <a:ext cx="457199" cy="338554"/>
+            </a:xfrm>
+            <a:prstGeom prst="rect">
+              <a:avLst/>
+            </a:prstGeom>
+            <a:solidFill>
+              <a:schemeClr val="accent6">
+                <a:lumMod val="75000"/>
+              </a:schemeClr>
+            </a:solidFill>
+          </p:spPr>
+          <p:txBody>
+            <a:bodyPr wrap="square" rtlCol="0">
+              <a:spAutoFit/>
+            </a:bodyPr>
+            <a:lstStyle/>
+            <a:p>
+              <a:pPr algn="ctr"/>
+              <a:r>
+                <a:rPr lang="en-US" sz="1600" b="1" dirty="0">
+                  <a:solidFill>
+                    <a:schemeClr val="bg1"/>
+                  </a:solidFill>
+                </a:rPr>
+                <a:t>5.</a:t>
+              </a:r>
+            </a:p>
+          </p:txBody>
+        </p:sp>
+        <p:sp>
+          <p:nvSpPr>
+            <p:cNvPr id="49" name="TextBox 12 - 5">
+              <a:extLst>
+                <a:ext uri="{FF2B5EF4-FFF2-40B4-BE49-F238E27FC236}">
+                  <a16:creationId xmlns:a16="http://schemas.microsoft.com/office/drawing/2014/main" id="{D206A93B-4978-FFAC-E581-9B90D44E705A}"/>
+                </a:ext>
+              </a:extLst>
+            </p:cNvPr>
+            <p:cNvSpPr txBox="1"/>
+            <p:nvPr/>
+          </p:nvSpPr>
+          <p:spPr>
+            <a:xfrm>
+              <a:off x="838200" y="2610007"/>
+              <a:ext cx="457199" cy="338554"/>
+            </a:xfrm>
+            <a:prstGeom prst="rect">
+              <a:avLst/>
+            </a:prstGeom>
+            <a:solidFill>
+              <a:schemeClr val="accent6">
+                <a:lumMod val="75000"/>
+              </a:schemeClr>
+            </a:solidFill>
+          </p:spPr>
+          <p:txBody>
+            <a:bodyPr wrap="square" rtlCol="0">
+              <a:spAutoFit/>
+            </a:bodyPr>
+            <a:lstStyle/>
+            <a:p>
+              <a:pPr algn="ctr"/>
+              <a:r>
+                <a:rPr lang="en-US" sz="1600" b="1" dirty="0">
+                  <a:solidFill>
+                    <a:schemeClr val="bg1"/>
+                  </a:solidFill>
+                </a:rPr>
+                <a:t>6.</a:t>
+              </a:r>
+            </a:p>
+          </p:txBody>
+        </p:sp>
+        <p:sp>
+          <p:nvSpPr>
+            <p:cNvPr id="50" name="TextBox 12 - 6">
+              <a:extLst>
+                <a:ext uri="{FF2B5EF4-FFF2-40B4-BE49-F238E27FC236}">
+                  <a16:creationId xmlns:a16="http://schemas.microsoft.com/office/drawing/2014/main" id="{7FD39AD7-5E64-6A09-9522-6410C4D21BAA}"/>
+                </a:ext>
+              </a:extLst>
+            </p:cNvPr>
+            <p:cNvSpPr txBox="1"/>
+            <p:nvPr/>
+          </p:nvSpPr>
+          <p:spPr>
+            <a:xfrm>
+              <a:off x="838200" y="1987644"/>
+              <a:ext cx="457199" cy="338554"/>
+            </a:xfrm>
+            <a:prstGeom prst="rect">
+              <a:avLst/>
+            </a:prstGeom>
+            <a:solidFill>
+              <a:schemeClr val="accent6">
+                <a:lumMod val="75000"/>
+              </a:schemeClr>
+            </a:solidFill>
+          </p:spPr>
+          <p:txBody>
+            <a:bodyPr wrap="square" rtlCol="0">
+              <a:spAutoFit/>
+            </a:bodyPr>
+            <a:lstStyle/>
+            <a:p>
+              <a:pPr algn="ctr"/>
+              <a:r>
+                <a:rPr lang="en-US" sz="1600" b="1" dirty="0">
+                  <a:solidFill>
+                    <a:schemeClr val="bg1"/>
+                  </a:solidFill>
+                </a:rPr>
+                <a:t>7.</a:t>
+              </a:r>
+            </a:p>
+          </p:txBody>
+        </p:sp>
+      </p:grpSp>
+      <p:grpSp>
+        <p:nvGrpSpPr>
+          <p:cNvPr id="19" name="Group 18">
+            <a:extLst>
+              <a:ext uri="{FF2B5EF4-FFF2-40B4-BE49-F238E27FC236}">
+                <a16:creationId xmlns:a16="http://schemas.microsoft.com/office/drawing/2014/main" id="{8C024436-14CF-6B97-EC13-570B82B2A301}"/>
+              </a:ext>
+            </a:extLst>
+          </p:cNvPr>
+          <p:cNvGrpSpPr/>
+          <p:nvPr/>
+        </p:nvGrpSpPr>
+        <p:grpSpPr>
+          <a:xfrm>
+            <a:off x="162971" y="6182258"/>
+            <a:ext cx="3712003" cy="537581"/>
+            <a:chOff x="162971" y="6182258"/>
+            <a:chExt cx="3712003" cy="537581"/>
+          </a:xfrm>
+        </p:grpSpPr>
+        <p:sp>
+          <p:nvSpPr>
+            <p:cNvPr id="6" name="Oval 5">
+              <a:extLst>
+                <a:ext uri="{FF2B5EF4-FFF2-40B4-BE49-F238E27FC236}">
+                  <a16:creationId xmlns:a16="http://schemas.microsoft.com/office/drawing/2014/main" id="{1C6DF859-2F0B-101C-B4B4-41DD9C1F0CDE}"/>
+                </a:ext>
+              </a:extLst>
+            </p:cNvPr>
+            <p:cNvSpPr/>
+            <p:nvPr/>
+          </p:nvSpPr>
+          <p:spPr>
+            <a:xfrm>
+              <a:off x="162971" y="6182258"/>
+              <a:ext cx="3712003" cy="537581"/>
+            </a:xfrm>
+            <a:prstGeom prst="ellipse">
+              <a:avLst/>
+            </a:prstGeom>
+            <a:solidFill>
+              <a:schemeClr val="accent4">
+                <a:lumMod val="20000"/>
+                <a:lumOff val="80000"/>
+              </a:schemeClr>
+            </a:solidFill>
+            <a:ln>
+              <a:noFill/>
+            </a:ln>
+          </p:spPr>
+          <p:style>
+            <a:lnRef idx="2">
+              <a:schemeClr val="accent1">
+                <a:shade val="15000"/>
+              </a:schemeClr>
+            </a:lnRef>
+            <a:fillRef idx="1">
+              <a:schemeClr val="accent1"/>
+            </a:fillRef>
+            <a:effectRef idx="0">
+              <a:schemeClr val="accent1"/>
+            </a:effectRef>
+            <a:fontRef idx="minor">
+              <a:schemeClr val="lt1"/>
+            </a:fontRef>
+          </p:style>
+          <p:txBody>
+            <a:bodyPr rtlCol="0" anchor="ctr"/>
+            <a:lstStyle/>
+            <a:p>
+              <a:pPr algn="ctr"/>
+              <a:endParaRPr lang="en-US"/>
+            </a:p>
+          </p:txBody>
+        </p:sp>
+        <p:sp>
+          <p:nvSpPr>
+            <p:cNvPr id="9" name="TextBox 8">
+              <a:extLst>
+                <a:ext uri="{FF2B5EF4-FFF2-40B4-BE49-F238E27FC236}">
+                  <a16:creationId xmlns:a16="http://schemas.microsoft.com/office/drawing/2014/main" id="{8DE385D5-0012-D13A-F063-D5950CD4988A}"/>
+                </a:ext>
+              </a:extLst>
+            </p:cNvPr>
+            <p:cNvSpPr txBox="1"/>
+            <p:nvPr/>
+          </p:nvSpPr>
+          <p:spPr>
+            <a:xfrm>
+              <a:off x="426293" y="6266382"/>
+              <a:ext cx="3126562" cy="369332"/>
+            </a:xfrm>
+            <a:prstGeom prst="rect">
+              <a:avLst/>
+            </a:prstGeom>
+            <a:noFill/>
+          </p:spPr>
+          <p:txBody>
+            <a:bodyPr wrap="none" rtlCol="0">
+              <a:spAutoFit/>
+            </a:bodyPr>
+            <a:lstStyle/>
+            <a:p>
+              <a:r>
+                <a:rPr lang="en-US" b="1" dirty="0">
+                  <a:solidFill>
+                    <a:srgbClr val="002060"/>
+                  </a:solidFill>
+                </a:rPr>
+                <a:t>Introduction to the Course</a:t>
+              </a:r>
+            </a:p>
+          </p:txBody>
+        </p:sp>
+      </p:grpSp>
+      <p:grpSp>
+        <p:nvGrpSpPr>
+          <p:cNvPr id="15" name="Group 14">
+            <a:extLst>
+              <a:ext uri="{FF2B5EF4-FFF2-40B4-BE49-F238E27FC236}">
+                <a16:creationId xmlns:a16="http://schemas.microsoft.com/office/drawing/2014/main" id="{CC3FAA7C-51D4-7D81-8322-C378DE464815}"/>
+              </a:ext>
+            </a:extLst>
+          </p:cNvPr>
+          <p:cNvGrpSpPr/>
+          <p:nvPr/>
+        </p:nvGrpSpPr>
+        <p:grpSpPr>
+          <a:xfrm>
+            <a:off x="7724996" y="365125"/>
+            <a:ext cx="4238403" cy="1209722"/>
+            <a:chOff x="6524846" y="443099"/>
+            <a:chExt cx="4238403" cy="1209722"/>
+          </a:xfrm>
+        </p:grpSpPr>
+        <p:sp>
+          <p:nvSpPr>
+            <p:cNvPr id="16" name="Oval 15">
+              <a:extLst>
+                <a:ext uri="{FF2B5EF4-FFF2-40B4-BE49-F238E27FC236}">
+                  <a16:creationId xmlns:a16="http://schemas.microsoft.com/office/drawing/2014/main" id="{D5C1D9FC-612E-8D10-575D-F627AB8A8EE4}"/>
+                </a:ext>
+              </a:extLst>
+            </p:cNvPr>
+            <p:cNvSpPr/>
+            <p:nvPr/>
+          </p:nvSpPr>
+          <p:spPr>
+            <a:xfrm>
+              <a:off x="6524846" y="443099"/>
+              <a:ext cx="4238403" cy="1200329"/>
+            </a:xfrm>
+            <a:prstGeom prst="ellipse">
+              <a:avLst/>
+            </a:prstGeom>
+            <a:solidFill>
+              <a:schemeClr val="accent4">
+                <a:lumMod val="40000"/>
+                <a:lumOff val="60000"/>
+              </a:schemeClr>
+            </a:solidFill>
+            <a:ln>
+              <a:noFill/>
+            </a:ln>
+          </p:spPr>
+          <p:style>
+            <a:lnRef idx="2">
+              <a:schemeClr val="accent1">
+                <a:shade val="15000"/>
+              </a:schemeClr>
+            </a:lnRef>
+            <a:fillRef idx="1">
+              <a:schemeClr val="accent1"/>
+            </a:fillRef>
+            <a:effectRef idx="0">
+              <a:schemeClr val="accent1"/>
+            </a:effectRef>
+            <a:fontRef idx="minor">
+              <a:schemeClr val="lt1"/>
+            </a:fontRef>
+          </p:style>
+          <p:txBody>
+            <a:bodyPr rtlCol="0" anchor="ctr"/>
+            <a:lstStyle/>
+            <a:p>
+              <a:pPr algn="ctr"/>
+              <a:endParaRPr lang="en-US"/>
+            </a:p>
+          </p:txBody>
+        </p:sp>
+        <p:sp>
+          <p:nvSpPr>
+            <p:cNvPr id="17" name="TextBox 16">
+              <a:extLst>
+                <a:ext uri="{FF2B5EF4-FFF2-40B4-BE49-F238E27FC236}">
+                  <a16:creationId xmlns:a16="http://schemas.microsoft.com/office/drawing/2014/main" id="{24ED7292-0029-F4B1-74D2-5BB5258E1BFA}"/>
+                </a:ext>
+              </a:extLst>
+            </p:cNvPr>
+            <p:cNvSpPr txBox="1"/>
+            <p:nvPr/>
+          </p:nvSpPr>
+          <p:spPr>
+            <a:xfrm>
+              <a:off x="6748573" y="452492"/>
+              <a:ext cx="3790948" cy="1200329"/>
+            </a:xfrm>
+            <a:prstGeom prst="rect">
+              <a:avLst/>
+            </a:prstGeom>
+            <a:noFill/>
+          </p:spPr>
+          <p:txBody>
+            <a:bodyPr wrap="square" rtlCol="0">
+              <a:spAutoFit/>
+            </a:bodyPr>
+            <a:lstStyle/>
+            <a:p>
+              <a:pPr algn="ctr"/>
+              <a:r>
+                <a:rPr lang="en-US" b="1" dirty="0">
+                  <a:solidFill>
+                    <a:srgbClr val="002060"/>
+                  </a:solidFill>
+                </a:rPr>
+                <a:t>Beyond the Course</a:t>
+              </a:r>
+              <a:r>
+                <a:rPr lang="en-US" dirty="0">
+                  <a:solidFill>
+                    <a:srgbClr val="002060"/>
+                  </a:solidFill>
+                </a:rPr>
+                <a:t> </a:t>
+              </a:r>
+            </a:p>
+            <a:p>
+              <a:pPr algn="ctr"/>
+              <a:r>
+                <a:rPr lang="en-US" dirty="0">
+                  <a:solidFill>
+                    <a:srgbClr val="002060"/>
+                  </a:solidFill>
+                </a:rPr>
+                <a:t>Guidance on advanced concepts, up-to-date advancements in LLM vs Generative AI, …</a:t>
+              </a:r>
+            </a:p>
+          </p:txBody>
+        </p:sp>
+      </p:grpSp>
+    </p:spTree>
+    <p:extLst>
+      <p:ext uri="{BB962C8B-B14F-4D97-AF65-F5344CB8AC3E}">
+        <p14:creationId xmlns:p14="http://schemas.microsoft.com/office/powerpoint/2010/main" val="3883616568"/>
       </p:ext>
     </p:extLst>
   </p:cSld>
@@ -4062,10 +7334,10 @@
       </p:grpSpPr>
       <p:sp>
         <p:nvSpPr>
-          <p:cNvPr id="42" name="Title 1">
-            <a:extLst>
-              <a:ext uri="{FF2B5EF4-FFF2-40B4-BE49-F238E27FC236}">
-                <a16:creationId xmlns:a16="http://schemas.microsoft.com/office/drawing/2014/main" id="{53AD96E6-67B2-02CD-F910-420EA60CDC1C}"/>
+          <p:cNvPr id="2" name="Title 1">
+            <a:extLst>
+              <a:ext uri="{FF2B5EF4-FFF2-40B4-BE49-F238E27FC236}">
+                <a16:creationId xmlns:a16="http://schemas.microsoft.com/office/drawing/2014/main" id="{55C7AB52-8BA4-E81E-1EE0-F26F5C636D4A}"/>
               </a:ext>
             </a:extLst>
           </p:cNvPr>
@@ -4076,6 +7348,2214 @@
             <p:ph type="title"/>
           </p:nvPr>
         </p:nvSpPr>
+        <p:spPr/>
+        <p:txBody>
+          <a:bodyPr/>
+          <a:lstStyle/>
+          <a:p>
+            <a:r>
+              <a:rPr lang="en-US" dirty="0"/>
+              <a:t>Big Picture</a:t>
+            </a:r>
+          </a:p>
+        </p:txBody>
+      </p:sp>
+      <p:grpSp>
+        <p:nvGrpSpPr>
+          <p:cNvPr id="7" name="Group 6">
+            <a:extLst>
+              <a:ext uri="{FF2B5EF4-FFF2-40B4-BE49-F238E27FC236}">
+                <a16:creationId xmlns:a16="http://schemas.microsoft.com/office/drawing/2014/main" id="{F63B4366-48EC-D699-4A72-BC0C882B1EBB}"/>
+              </a:ext>
+            </a:extLst>
+          </p:cNvPr>
+          <p:cNvGrpSpPr/>
+          <p:nvPr/>
+        </p:nvGrpSpPr>
+        <p:grpSpPr>
+          <a:xfrm>
+            <a:off x="172637" y="1271588"/>
+            <a:ext cx="11846727" cy="5073508"/>
+            <a:chOff x="207594" y="1271588"/>
+            <a:chExt cx="11846727" cy="5073508"/>
+          </a:xfrm>
+        </p:grpSpPr>
+        <p:sp>
+          <p:nvSpPr>
+            <p:cNvPr id="3" name="Rectangle 2">
+              <a:extLst>
+                <a:ext uri="{FF2B5EF4-FFF2-40B4-BE49-F238E27FC236}">
+                  <a16:creationId xmlns:a16="http://schemas.microsoft.com/office/drawing/2014/main" id="{05D43A1A-60FE-F078-258E-08B7FB51F7DB}"/>
+                </a:ext>
+              </a:extLst>
+            </p:cNvPr>
+            <p:cNvSpPr/>
+            <p:nvPr/>
+          </p:nvSpPr>
+          <p:spPr>
+            <a:xfrm>
+              <a:off x="3752107" y="3604588"/>
+              <a:ext cx="8302214" cy="2615260"/>
+            </a:xfrm>
+            <a:prstGeom prst="rect">
+              <a:avLst/>
+            </a:prstGeom>
+            <a:solidFill>
+              <a:schemeClr val="accent4">
+                <a:lumMod val="20000"/>
+                <a:lumOff val="80000"/>
+              </a:schemeClr>
+            </a:solidFill>
+            <a:ln>
+              <a:prstDash val="sysDash"/>
+            </a:ln>
+          </p:spPr>
+          <p:style>
+            <a:lnRef idx="2">
+              <a:schemeClr val="accent1">
+                <a:shade val="15000"/>
+              </a:schemeClr>
+            </a:lnRef>
+            <a:fillRef idx="1">
+              <a:schemeClr val="accent1"/>
+            </a:fillRef>
+            <a:effectRef idx="0">
+              <a:schemeClr val="accent1"/>
+            </a:effectRef>
+            <a:fontRef idx="minor">
+              <a:schemeClr val="lt1"/>
+            </a:fontRef>
+          </p:style>
+          <p:txBody>
+            <a:bodyPr rtlCol="0" anchor="ctr"/>
+            <a:lstStyle/>
+            <a:p>
+              <a:pPr algn="ctr"/>
+              <a:endParaRPr lang="en-US"/>
+            </a:p>
+          </p:txBody>
+        </p:sp>
+        <p:pic>
+          <p:nvPicPr>
+            <p:cNvPr id="5" name="Graphic 4" descr="Image with solid fill">
+              <a:extLst>
+                <a:ext uri="{FF2B5EF4-FFF2-40B4-BE49-F238E27FC236}">
+                  <a16:creationId xmlns:a16="http://schemas.microsoft.com/office/drawing/2014/main" id="{2A34EA56-8C17-33AE-104E-8FEBDB729467}"/>
+                </a:ext>
+              </a:extLst>
+            </p:cNvPr>
+            <p:cNvPicPr>
+              <a:picLocks noChangeAspect="1"/>
+            </p:cNvPicPr>
+            <p:nvPr/>
+          </p:nvPicPr>
+          <p:blipFill>
+            <a:blip r:embed="rId2">
+              <a:extLst>
+                <a:ext uri="{28A0092B-C50C-407E-A947-70E740481C1C}">
+                  <a14:useLocalDpi xmlns:a14="http://schemas.microsoft.com/office/drawing/2010/main" val="0"/>
+                </a:ext>
+                <a:ext uri="{96DAC541-7B7A-43D3-8B79-37D633B846F1}">
+                  <asvg:svgBlip xmlns:asvg="http://schemas.microsoft.com/office/drawing/2016/SVG/main" r:embed="rId3"/>
+                </a:ext>
+              </a:extLst>
+            </a:blip>
+            <a:stretch>
+              <a:fillRect/>
+            </a:stretch>
+          </p:blipFill>
+          <p:spPr>
+            <a:xfrm>
+              <a:off x="7949249" y="2185988"/>
+              <a:ext cx="914400" cy="914400"/>
+            </a:xfrm>
+            <a:prstGeom prst="rect">
+              <a:avLst/>
+            </a:prstGeom>
+          </p:spPr>
+        </p:pic>
+        <p:pic>
+          <p:nvPicPr>
+            <p:cNvPr id="11" name="Graphic 10" descr="Document with solid fill">
+              <a:extLst>
+                <a:ext uri="{FF2B5EF4-FFF2-40B4-BE49-F238E27FC236}">
+                  <a16:creationId xmlns:a16="http://schemas.microsoft.com/office/drawing/2014/main" id="{B86A302F-6ADF-2D84-D35C-968B50CC0327}"/>
+                </a:ext>
+              </a:extLst>
+            </p:cNvPr>
+            <p:cNvPicPr>
+              <a:picLocks noChangeAspect="1"/>
+            </p:cNvPicPr>
+            <p:nvPr/>
+          </p:nvPicPr>
+          <p:blipFill>
+            <a:blip r:embed="rId4">
+              <a:extLst>
+                <a:ext uri="{28A0092B-C50C-407E-A947-70E740481C1C}">
+                  <a14:useLocalDpi xmlns:a14="http://schemas.microsoft.com/office/drawing/2010/main" val="0"/>
+                </a:ext>
+                <a:ext uri="{96DAC541-7B7A-43D3-8B79-37D633B846F1}">
+                  <asvg:svgBlip xmlns:asvg="http://schemas.microsoft.com/office/drawing/2016/SVG/main" r:embed="rId5"/>
+                </a:ext>
+              </a:extLst>
+            </a:blip>
+            <a:stretch>
+              <a:fillRect/>
+            </a:stretch>
+          </p:blipFill>
+          <p:spPr>
+            <a:xfrm>
+              <a:off x="7910270" y="1271588"/>
+              <a:ext cx="914400" cy="914400"/>
+            </a:xfrm>
+            <a:prstGeom prst="rect">
+              <a:avLst/>
+            </a:prstGeom>
+          </p:spPr>
+        </p:pic>
+        <p:sp>
+          <p:nvSpPr>
+            <p:cNvPr id="12" name="Rectangle 11">
+              <a:extLst>
+                <a:ext uri="{FF2B5EF4-FFF2-40B4-BE49-F238E27FC236}">
+                  <a16:creationId xmlns:a16="http://schemas.microsoft.com/office/drawing/2014/main" id="{5B6AB47B-2FD0-102F-1300-4C0788D24FEC}"/>
+                </a:ext>
+              </a:extLst>
+            </p:cNvPr>
+            <p:cNvSpPr/>
+            <p:nvPr/>
+          </p:nvSpPr>
+          <p:spPr>
+            <a:xfrm>
+              <a:off x="3690297" y="1790502"/>
+              <a:ext cx="2473231" cy="1035664"/>
+            </a:xfrm>
+            <a:prstGeom prst="rect">
+              <a:avLst/>
+            </a:prstGeom>
+            <a:solidFill>
+              <a:srgbClr val="002060"/>
+            </a:solidFill>
+          </p:spPr>
+          <p:style>
+            <a:lnRef idx="2">
+              <a:schemeClr val="accent1">
+                <a:shade val="15000"/>
+              </a:schemeClr>
+            </a:lnRef>
+            <a:fillRef idx="1">
+              <a:schemeClr val="accent1"/>
+            </a:fillRef>
+            <a:effectRef idx="0">
+              <a:schemeClr val="accent1"/>
+            </a:effectRef>
+            <a:fontRef idx="minor">
+              <a:schemeClr val="lt1"/>
+            </a:fontRef>
+          </p:style>
+          <p:txBody>
+            <a:bodyPr rtlCol="0" anchor="ctr"/>
+            <a:lstStyle/>
+            <a:p>
+              <a:pPr algn="ctr"/>
+              <a:r>
+                <a:rPr lang="en-US" dirty="0">
+                  <a:solidFill>
+                    <a:schemeClr val="bg1"/>
+                  </a:solidFill>
+                </a:rPr>
+                <a:t>Generative AI models</a:t>
+              </a:r>
+            </a:p>
+            <a:p>
+              <a:pPr algn="ctr"/>
+              <a:endParaRPr lang="en-US" dirty="0">
+                <a:solidFill>
+                  <a:schemeClr val="bg1"/>
+                </a:solidFill>
+              </a:endParaRPr>
+            </a:p>
+          </p:txBody>
+        </p:sp>
+        <p:sp>
+          <p:nvSpPr>
+            <p:cNvPr id="13" name="TextBox 12">
+              <a:extLst>
+                <a:ext uri="{FF2B5EF4-FFF2-40B4-BE49-F238E27FC236}">
+                  <a16:creationId xmlns:a16="http://schemas.microsoft.com/office/drawing/2014/main" id="{1CEADD93-917B-7610-D576-5C1850F9A591}"/>
+                </a:ext>
+              </a:extLst>
+            </p:cNvPr>
+            <p:cNvSpPr txBox="1"/>
+            <p:nvPr/>
+          </p:nvSpPr>
+          <p:spPr>
+            <a:xfrm>
+              <a:off x="3964560" y="2344638"/>
+              <a:ext cx="2058064" cy="338554"/>
+            </a:xfrm>
+            <a:prstGeom prst="rect">
+              <a:avLst/>
+            </a:prstGeom>
+            <a:solidFill>
+              <a:srgbClr val="002060"/>
+            </a:solidFill>
+          </p:spPr>
+          <p:txBody>
+            <a:bodyPr wrap="none" rtlCol="0">
+              <a:spAutoFit/>
+            </a:bodyPr>
+            <a:lstStyle/>
+            <a:p>
+              <a:r>
+                <a:rPr lang="en-US" sz="1600" i="1" dirty="0">
+                  <a:solidFill>
+                    <a:schemeClr val="bg1"/>
+                  </a:solidFill>
+                </a:rPr>
+                <a:t>Trained on vast data</a:t>
+              </a:r>
+            </a:p>
+          </p:txBody>
+        </p:sp>
+        <p:sp>
+          <p:nvSpPr>
+            <p:cNvPr id="14" name="Rectangle 13">
+              <a:extLst>
+                <a:ext uri="{FF2B5EF4-FFF2-40B4-BE49-F238E27FC236}">
+                  <a16:creationId xmlns:a16="http://schemas.microsoft.com/office/drawing/2014/main" id="{040352DC-4435-FDF4-C39C-882290F2DAA8}"/>
+                </a:ext>
+              </a:extLst>
+            </p:cNvPr>
+            <p:cNvSpPr/>
+            <p:nvPr/>
+          </p:nvSpPr>
+          <p:spPr>
+            <a:xfrm>
+              <a:off x="6148489" y="4446692"/>
+              <a:ext cx="2204815" cy="950720"/>
+            </a:xfrm>
+            <a:prstGeom prst="rect">
+              <a:avLst/>
+            </a:prstGeom>
+            <a:solidFill>
+              <a:srgbClr val="002060"/>
+            </a:solidFill>
+          </p:spPr>
+          <p:style>
+            <a:lnRef idx="2">
+              <a:schemeClr val="accent1">
+                <a:shade val="15000"/>
+              </a:schemeClr>
+            </a:lnRef>
+            <a:fillRef idx="1">
+              <a:schemeClr val="accent1"/>
+            </a:fillRef>
+            <a:effectRef idx="0">
+              <a:schemeClr val="accent1"/>
+            </a:effectRef>
+            <a:fontRef idx="minor">
+              <a:schemeClr val="lt1"/>
+            </a:fontRef>
+          </p:style>
+          <p:txBody>
+            <a:bodyPr rtlCol="0" anchor="ctr"/>
+            <a:lstStyle/>
+            <a:p>
+              <a:pPr algn="ctr"/>
+              <a:r>
+                <a:rPr lang="en-US" dirty="0">
+                  <a:solidFill>
+                    <a:schemeClr val="bg1"/>
+                  </a:solidFill>
+                </a:rPr>
+                <a:t>Large Language Models</a:t>
+              </a:r>
+            </a:p>
+          </p:txBody>
+        </p:sp>
+        <p:sp>
+          <p:nvSpPr>
+            <p:cNvPr id="22" name="Oval 21">
+              <a:extLst>
+                <a:ext uri="{FF2B5EF4-FFF2-40B4-BE49-F238E27FC236}">
+                  <a16:creationId xmlns:a16="http://schemas.microsoft.com/office/drawing/2014/main" id="{1A5A5035-607F-2750-3EC3-A42FBC7F77E1}"/>
+                </a:ext>
+              </a:extLst>
+            </p:cNvPr>
+            <p:cNvSpPr/>
+            <p:nvPr/>
+          </p:nvSpPr>
+          <p:spPr>
+            <a:xfrm>
+              <a:off x="207594" y="3213220"/>
+              <a:ext cx="2401369" cy="3131876"/>
+            </a:xfrm>
+            <a:prstGeom prst="ellipse">
+              <a:avLst/>
+            </a:prstGeom>
+            <a:solidFill>
+              <a:schemeClr val="accent4">
+                <a:lumMod val="60000"/>
+                <a:lumOff val="40000"/>
+              </a:schemeClr>
+            </a:solidFill>
+            <a:ln>
+              <a:noFill/>
+            </a:ln>
+          </p:spPr>
+          <p:style>
+            <a:lnRef idx="2">
+              <a:schemeClr val="accent1">
+                <a:shade val="15000"/>
+              </a:schemeClr>
+            </a:lnRef>
+            <a:fillRef idx="1">
+              <a:schemeClr val="accent1"/>
+            </a:fillRef>
+            <a:effectRef idx="0">
+              <a:schemeClr val="accent1"/>
+            </a:effectRef>
+            <a:fontRef idx="minor">
+              <a:schemeClr val="lt1"/>
+            </a:fontRef>
+          </p:style>
+          <p:txBody>
+            <a:bodyPr rtlCol="0" anchor="ctr"/>
+            <a:lstStyle/>
+            <a:p>
+              <a:pPr algn="ctr"/>
+              <a:endParaRPr lang="en-US"/>
+            </a:p>
+          </p:txBody>
+        </p:sp>
+        <p:sp>
+          <p:nvSpPr>
+            <p:cNvPr id="23" name="Oval 22">
+              <a:extLst>
+                <a:ext uri="{FF2B5EF4-FFF2-40B4-BE49-F238E27FC236}">
+                  <a16:creationId xmlns:a16="http://schemas.microsoft.com/office/drawing/2014/main" id="{2946513A-447B-49C8-5A10-85811039C178}"/>
+                </a:ext>
+              </a:extLst>
+            </p:cNvPr>
+            <p:cNvSpPr/>
+            <p:nvPr/>
+          </p:nvSpPr>
+          <p:spPr>
+            <a:xfrm>
+              <a:off x="600640" y="3446637"/>
+              <a:ext cx="1615277" cy="2458898"/>
+            </a:xfrm>
+            <a:prstGeom prst="ellipse">
+              <a:avLst/>
+            </a:prstGeom>
+            <a:solidFill>
+              <a:schemeClr val="accent4">
+                <a:lumMod val="75000"/>
+              </a:schemeClr>
+            </a:solidFill>
+            <a:ln>
+              <a:noFill/>
+            </a:ln>
+          </p:spPr>
+          <p:style>
+            <a:lnRef idx="2">
+              <a:schemeClr val="accent1">
+                <a:shade val="15000"/>
+              </a:schemeClr>
+            </a:lnRef>
+            <a:fillRef idx="1">
+              <a:schemeClr val="accent1"/>
+            </a:fillRef>
+            <a:effectRef idx="0">
+              <a:schemeClr val="accent1"/>
+            </a:effectRef>
+            <a:fontRef idx="minor">
+              <a:schemeClr val="lt1"/>
+            </a:fontRef>
+          </p:style>
+          <p:txBody>
+            <a:bodyPr rtlCol="0" anchor="ctr"/>
+            <a:lstStyle/>
+            <a:p>
+              <a:pPr algn="ctr"/>
+              <a:endParaRPr lang="en-US"/>
+            </a:p>
+          </p:txBody>
+        </p:sp>
+        <p:sp>
+          <p:nvSpPr>
+            <p:cNvPr id="24" name="Oval 23">
+              <a:extLst>
+                <a:ext uri="{FF2B5EF4-FFF2-40B4-BE49-F238E27FC236}">
+                  <a16:creationId xmlns:a16="http://schemas.microsoft.com/office/drawing/2014/main" id="{853D0FE1-5BDD-B3BE-5C88-64CBF60FFB85}"/>
+                </a:ext>
+              </a:extLst>
+            </p:cNvPr>
+            <p:cNvSpPr/>
+            <p:nvPr/>
+          </p:nvSpPr>
+          <p:spPr>
+            <a:xfrm>
+              <a:off x="882716" y="3625108"/>
+              <a:ext cx="1051125" cy="1843209"/>
+            </a:xfrm>
+            <a:prstGeom prst="ellipse">
+              <a:avLst/>
+            </a:prstGeom>
+            <a:solidFill>
+              <a:srgbClr val="002060"/>
+            </a:solidFill>
+            <a:ln>
+              <a:noFill/>
+            </a:ln>
+          </p:spPr>
+          <p:style>
+            <a:lnRef idx="2">
+              <a:schemeClr val="accent1">
+                <a:shade val="15000"/>
+              </a:schemeClr>
+            </a:lnRef>
+            <a:fillRef idx="1">
+              <a:schemeClr val="accent1"/>
+            </a:fillRef>
+            <a:effectRef idx="0">
+              <a:schemeClr val="accent1"/>
+            </a:effectRef>
+            <a:fontRef idx="minor">
+              <a:schemeClr val="lt1"/>
+            </a:fontRef>
+          </p:style>
+          <p:txBody>
+            <a:bodyPr rtlCol="0" anchor="ctr"/>
+            <a:lstStyle/>
+            <a:p>
+              <a:pPr algn="ctr"/>
+              <a:endParaRPr lang="en-US"/>
+            </a:p>
+          </p:txBody>
+        </p:sp>
+        <p:sp>
+          <p:nvSpPr>
+            <p:cNvPr id="15" name="TextBox 14">
+              <a:extLst>
+                <a:ext uri="{FF2B5EF4-FFF2-40B4-BE49-F238E27FC236}">
+                  <a16:creationId xmlns:a16="http://schemas.microsoft.com/office/drawing/2014/main" id="{815D7A12-D771-C5D9-CC11-6B730DE99FBB}"/>
+                </a:ext>
+              </a:extLst>
+            </p:cNvPr>
+            <p:cNvSpPr txBox="1"/>
+            <p:nvPr/>
+          </p:nvSpPr>
+          <p:spPr>
+            <a:xfrm>
+              <a:off x="1205338" y="5936376"/>
+              <a:ext cx="405880" cy="369332"/>
+            </a:xfrm>
+            <a:prstGeom prst="rect">
+              <a:avLst/>
+            </a:prstGeom>
+            <a:noFill/>
+          </p:spPr>
+          <p:txBody>
+            <a:bodyPr wrap="none" rtlCol="0">
+              <a:spAutoFit/>
+            </a:bodyPr>
+            <a:lstStyle/>
+            <a:p>
+              <a:r>
+                <a:rPr lang="en-US" dirty="0">
+                  <a:solidFill>
+                    <a:schemeClr val="bg1"/>
+                  </a:solidFill>
+                </a:rPr>
+                <a:t>AI</a:t>
+              </a:r>
+            </a:p>
+          </p:txBody>
+        </p:sp>
+        <p:sp>
+          <p:nvSpPr>
+            <p:cNvPr id="16" name="TextBox 15">
+              <a:extLst>
+                <a:ext uri="{FF2B5EF4-FFF2-40B4-BE49-F238E27FC236}">
+                  <a16:creationId xmlns:a16="http://schemas.microsoft.com/office/drawing/2014/main" id="{223FB698-4763-D06C-F9E6-20D816709F8B}"/>
+                </a:ext>
+              </a:extLst>
+            </p:cNvPr>
+            <p:cNvSpPr txBox="1"/>
+            <p:nvPr/>
+          </p:nvSpPr>
+          <p:spPr>
+            <a:xfrm>
+              <a:off x="1154843" y="5499158"/>
+              <a:ext cx="506870" cy="369332"/>
+            </a:xfrm>
+            <a:prstGeom prst="rect">
+              <a:avLst/>
+            </a:prstGeom>
+            <a:noFill/>
+          </p:spPr>
+          <p:txBody>
+            <a:bodyPr wrap="none" rtlCol="0">
+              <a:spAutoFit/>
+            </a:bodyPr>
+            <a:lstStyle/>
+            <a:p>
+              <a:r>
+                <a:rPr lang="en-US" dirty="0">
+                  <a:solidFill>
+                    <a:schemeClr val="bg1"/>
+                  </a:solidFill>
+                </a:rPr>
+                <a:t>ML</a:t>
+              </a:r>
+            </a:p>
+          </p:txBody>
+        </p:sp>
+        <p:sp>
+          <p:nvSpPr>
+            <p:cNvPr id="17" name="TextBox 16">
+              <a:extLst>
+                <a:ext uri="{FF2B5EF4-FFF2-40B4-BE49-F238E27FC236}">
+                  <a16:creationId xmlns:a16="http://schemas.microsoft.com/office/drawing/2014/main" id="{6B2614AA-118E-750F-80E6-6A92CD8985EC}"/>
+                </a:ext>
+              </a:extLst>
+            </p:cNvPr>
+            <p:cNvSpPr txBox="1"/>
+            <p:nvPr/>
+          </p:nvSpPr>
+          <p:spPr>
+            <a:xfrm>
+              <a:off x="1170072" y="4997626"/>
+              <a:ext cx="476412" cy="369332"/>
+            </a:xfrm>
+            <a:prstGeom prst="rect">
+              <a:avLst/>
+            </a:prstGeom>
+            <a:noFill/>
+          </p:spPr>
+          <p:txBody>
+            <a:bodyPr wrap="none" rtlCol="0">
+              <a:spAutoFit/>
+            </a:bodyPr>
+            <a:lstStyle/>
+            <a:p>
+              <a:r>
+                <a:rPr lang="en-US" dirty="0">
+                  <a:solidFill>
+                    <a:schemeClr val="bg1"/>
+                  </a:solidFill>
+                </a:rPr>
+                <a:t>DL</a:t>
+              </a:r>
+            </a:p>
+          </p:txBody>
+        </p:sp>
+        <p:pic>
+          <p:nvPicPr>
+            <p:cNvPr id="29" name="Graphic 28" descr="Document with solid fill">
+              <a:extLst>
+                <a:ext uri="{FF2B5EF4-FFF2-40B4-BE49-F238E27FC236}">
+                  <a16:creationId xmlns:a16="http://schemas.microsoft.com/office/drawing/2014/main" id="{CE1D17D8-1918-1206-BD3B-65831249E81B}"/>
+                </a:ext>
+              </a:extLst>
+            </p:cNvPr>
+            <p:cNvPicPr>
+              <a:picLocks noChangeAspect="1"/>
+            </p:cNvPicPr>
+            <p:nvPr/>
+          </p:nvPicPr>
+          <p:blipFill>
+            <a:blip r:embed="rId4">
+              <a:extLst>
+                <a:ext uri="{28A0092B-C50C-407E-A947-70E740481C1C}">
+                  <a14:useLocalDpi xmlns:a14="http://schemas.microsoft.com/office/drawing/2010/main" val="0"/>
+                </a:ext>
+                <a:ext uri="{96DAC541-7B7A-43D3-8B79-37D633B846F1}">
+                  <asvg:svgBlip xmlns:asvg="http://schemas.microsoft.com/office/drawing/2016/SVG/main" r:embed="rId5"/>
+                </a:ext>
+              </a:extLst>
+            </a:blip>
+            <a:stretch>
+              <a:fillRect/>
+            </a:stretch>
+          </p:blipFill>
+          <p:spPr>
+            <a:xfrm>
+              <a:off x="9371074" y="4464852"/>
+              <a:ext cx="914400" cy="914400"/>
+            </a:xfrm>
+            <a:prstGeom prst="rect">
+              <a:avLst/>
+            </a:prstGeom>
+          </p:spPr>
+        </p:pic>
+        <p:cxnSp>
+          <p:nvCxnSpPr>
+            <p:cNvPr id="31" name="Straight Connector 30">
+              <a:extLst>
+                <a:ext uri="{FF2B5EF4-FFF2-40B4-BE49-F238E27FC236}">
+                  <a16:creationId xmlns:a16="http://schemas.microsoft.com/office/drawing/2014/main" id="{512F1855-ED95-D155-0009-269FF3F1D0E2}"/>
+                </a:ext>
+              </a:extLst>
+            </p:cNvPr>
+            <p:cNvCxnSpPr/>
+            <p:nvPr/>
+          </p:nvCxnSpPr>
+          <p:spPr>
+            <a:xfrm flipV="1">
+              <a:off x="1473347" y="2687581"/>
+              <a:ext cx="2845485" cy="1388763"/>
+            </a:xfrm>
+            <a:prstGeom prst="line">
+              <a:avLst/>
+            </a:prstGeom>
+            <a:ln>
+              <a:solidFill>
+                <a:schemeClr val="bg2">
+                  <a:lumMod val="75000"/>
+                </a:schemeClr>
+              </a:solidFill>
+              <a:headEnd type="oval" w="med" len="med"/>
+              <a:tailEnd type="triangle" w="med" len="med"/>
+            </a:ln>
+          </p:spPr>
+          <p:style>
+            <a:lnRef idx="2">
+              <a:schemeClr val="accent1"/>
+            </a:lnRef>
+            <a:fillRef idx="0">
+              <a:schemeClr val="accent1"/>
+            </a:fillRef>
+            <a:effectRef idx="1">
+              <a:schemeClr val="accent1"/>
+            </a:effectRef>
+            <a:fontRef idx="minor">
+              <a:schemeClr val="tx1"/>
+            </a:fontRef>
+          </p:style>
+        </p:cxnSp>
+        <p:cxnSp>
+          <p:nvCxnSpPr>
+            <p:cNvPr id="32" name="Straight Connector 31">
+              <a:extLst>
+                <a:ext uri="{FF2B5EF4-FFF2-40B4-BE49-F238E27FC236}">
+                  <a16:creationId xmlns:a16="http://schemas.microsoft.com/office/drawing/2014/main" id="{8F4E7A15-F6F5-3A91-41E9-B084E1F7E040}"/>
+                </a:ext>
+              </a:extLst>
+            </p:cNvPr>
+            <p:cNvCxnSpPr>
+              <a:cxnSpLocks/>
+            </p:cNvCxnSpPr>
+            <p:nvPr/>
+          </p:nvCxnSpPr>
+          <p:spPr>
+            <a:xfrm>
+              <a:off x="5584585" y="2687581"/>
+              <a:ext cx="1157884" cy="1935338"/>
+            </a:xfrm>
+            <a:prstGeom prst="line">
+              <a:avLst/>
+            </a:prstGeom>
+            <a:ln>
+              <a:solidFill>
+                <a:schemeClr val="bg2">
+                  <a:lumMod val="75000"/>
+                </a:schemeClr>
+              </a:solidFill>
+              <a:headEnd type="oval" w="med" len="med"/>
+              <a:tailEnd type="triangle" w="med" len="med"/>
+            </a:ln>
+          </p:spPr>
+          <p:style>
+            <a:lnRef idx="2">
+              <a:schemeClr val="accent1"/>
+            </a:lnRef>
+            <a:fillRef idx="0">
+              <a:schemeClr val="accent1"/>
+            </a:fillRef>
+            <a:effectRef idx="1">
+              <a:schemeClr val="accent1"/>
+            </a:effectRef>
+            <a:fontRef idx="minor">
+              <a:schemeClr val="tx1"/>
+            </a:fontRef>
+          </p:style>
+        </p:cxnSp>
+        <p:sp>
+          <p:nvSpPr>
+            <p:cNvPr id="35" name="TextBox 34">
+              <a:extLst>
+                <a:ext uri="{FF2B5EF4-FFF2-40B4-BE49-F238E27FC236}">
+                  <a16:creationId xmlns:a16="http://schemas.microsoft.com/office/drawing/2014/main" id="{CBBDB651-4EB7-E08B-8B08-6EB43A27236F}"/>
+                </a:ext>
+              </a:extLst>
+            </p:cNvPr>
+            <p:cNvSpPr txBox="1"/>
+            <p:nvPr/>
+          </p:nvSpPr>
+          <p:spPr>
+            <a:xfrm>
+              <a:off x="947785" y="1816656"/>
+              <a:ext cx="2097049" cy="369332"/>
+            </a:xfrm>
+            <a:prstGeom prst="rect">
+              <a:avLst/>
+            </a:prstGeom>
+            <a:noFill/>
+          </p:spPr>
+          <p:txBody>
+            <a:bodyPr wrap="none" rtlCol="0">
+              <a:spAutoFit/>
+            </a:bodyPr>
+            <a:lstStyle/>
+            <a:p>
+              <a:r>
+                <a:rPr lang="en-US" dirty="0"/>
+                <a:t>User's instructions</a:t>
+              </a:r>
+            </a:p>
+          </p:txBody>
+        </p:sp>
+        <p:sp>
+          <p:nvSpPr>
+            <p:cNvPr id="36" name="TextBox 35">
+              <a:extLst>
+                <a:ext uri="{FF2B5EF4-FFF2-40B4-BE49-F238E27FC236}">
+                  <a16:creationId xmlns:a16="http://schemas.microsoft.com/office/drawing/2014/main" id="{309B06CB-9645-AB2D-51F7-C7BF0E6D5453}"/>
+                </a:ext>
+              </a:extLst>
+            </p:cNvPr>
+            <p:cNvSpPr txBox="1"/>
+            <p:nvPr/>
+          </p:nvSpPr>
+          <p:spPr>
+            <a:xfrm>
+              <a:off x="6188649" y="1816656"/>
+              <a:ext cx="1628972" cy="369332"/>
+            </a:xfrm>
+            <a:prstGeom prst="rect">
+              <a:avLst/>
+            </a:prstGeom>
+            <a:noFill/>
+          </p:spPr>
+          <p:txBody>
+            <a:bodyPr wrap="none" rtlCol="0">
+              <a:spAutoFit/>
+            </a:bodyPr>
+            <a:lstStyle/>
+            <a:p>
+              <a:r>
+                <a:rPr lang="en-US" dirty="0"/>
+                <a:t>New contents</a:t>
+              </a:r>
+            </a:p>
+          </p:txBody>
+        </p:sp>
+        <p:pic>
+          <p:nvPicPr>
+            <p:cNvPr id="37" name="Graphic 36" descr="Document with solid fill">
+              <a:extLst>
+                <a:ext uri="{FF2B5EF4-FFF2-40B4-BE49-F238E27FC236}">
+                  <a16:creationId xmlns:a16="http://schemas.microsoft.com/office/drawing/2014/main" id="{7C7D4402-298E-464A-55DF-3153C65D5EB9}"/>
+                </a:ext>
+              </a:extLst>
+            </p:cNvPr>
+            <p:cNvPicPr>
+              <a:picLocks noChangeAspect="1"/>
+            </p:cNvPicPr>
+            <p:nvPr/>
+          </p:nvPicPr>
+          <p:blipFill>
+            <a:blip r:embed="rId4">
+              <a:extLst>
+                <a:ext uri="{28A0092B-C50C-407E-A947-70E740481C1C}">
+                  <a14:useLocalDpi xmlns:a14="http://schemas.microsoft.com/office/drawing/2010/main" val="0"/>
+                </a:ext>
+                <a:ext uri="{96DAC541-7B7A-43D3-8B79-37D633B846F1}">
+                  <asvg:svgBlip xmlns:asvg="http://schemas.microsoft.com/office/drawing/2016/SVG/main" r:embed="rId5"/>
+                </a:ext>
+              </a:extLst>
+            </a:blip>
+            <a:stretch>
+              <a:fillRect/>
+            </a:stretch>
+          </p:blipFill>
+          <p:spPr>
+            <a:xfrm>
+              <a:off x="1302915" y="2162149"/>
+              <a:ext cx="417010" cy="417010"/>
+            </a:xfrm>
+            <a:prstGeom prst="rect">
+              <a:avLst/>
+            </a:prstGeom>
+          </p:spPr>
+        </p:pic>
+        <p:sp>
+          <p:nvSpPr>
+            <p:cNvPr id="39" name="Arrow: Right 38">
+              <a:extLst>
+                <a:ext uri="{FF2B5EF4-FFF2-40B4-BE49-F238E27FC236}">
+                  <a16:creationId xmlns:a16="http://schemas.microsoft.com/office/drawing/2014/main" id="{1E67AD79-E01C-CEC2-B341-EAC29BC10B1D}"/>
+                </a:ext>
+              </a:extLst>
+            </p:cNvPr>
+            <p:cNvSpPr/>
+            <p:nvPr/>
+          </p:nvSpPr>
+          <p:spPr>
+            <a:xfrm>
+              <a:off x="2855939" y="2211625"/>
+              <a:ext cx="667096" cy="253700"/>
+            </a:xfrm>
+            <a:prstGeom prst="rightArrow">
+              <a:avLst/>
+            </a:prstGeom>
+            <a:solidFill>
+              <a:srgbClr val="002060"/>
+            </a:solidFill>
+            <a:ln>
+              <a:noFill/>
+            </a:ln>
+          </p:spPr>
+          <p:style>
+            <a:lnRef idx="2">
+              <a:schemeClr val="accent1">
+                <a:shade val="15000"/>
+              </a:schemeClr>
+            </a:lnRef>
+            <a:fillRef idx="1">
+              <a:schemeClr val="accent1"/>
+            </a:fillRef>
+            <a:effectRef idx="0">
+              <a:schemeClr val="accent1"/>
+            </a:effectRef>
+            <a:fontRef idx="minor">
+              <a:schemeClr val="lt1"/>
+            </a:fontRef>
+          </p:style>
+          <p:txBody>
+            <a:bodyPr rtlCol="0" anchor="ctr"/>
+            <a:lstStyle/>
+            <a:p>
+              <a:pPr algn="ctr"/>
+              <a:endParaRPr lang="en-US"/>
+            </a:p>
+          </p:txBody>
+        </p:sp>
+        <p:sp>
+          <p:nvSpPr>
+            <p:cNvPr id="40" name="Arrow: Right 39">
+              <a:extLst>
+                <a:ext uri="{FF2B5EF4-FFF2-40B4-BE49-F238E27FC236}">
+                  <a16:creationId xmlns:a16="http://schemas.microsoft.com/office/drawing/2014/main" id="{A743D46C-B6A1-E5C9-4D86-29FBBE9EDF31}"/>
+                </a:ext>
+              </a:extLst>
+            </p:cNvPr>
+            <p:cNvSpPr/>
+            <p:nvPr/>
+          </p:nvSpPr>
+          <p:spPr>
+            <a:xfrm>
+              <a:off x="6727073" y="2215094"/>
+              <a:ext cx="667096" cy="253700"/>
+            </a:xfrm>
+            <a:prstGeom prst="rightArrow">
+              <a:avLst/>
+            </a:prstGeom>
+            <a:solidFill>
+              <a:srgbClr val="002060"/>
+            </a:solidFill>
+            <a:ln>
+              <a:noFill/>
+            </a:ln>
+          </p:spPr>
+          <p:style>
+            <a:lnRef idx="2">
+              <a:schemeClr val="accent1">
+                <a:shade val="15000"/>
+              </a:schemeClr>
+            </a:lnRef>
+            <a:fillRef idx="1">
+              <a:schemeClr val="accent1"/>
+            </a:fillRef>
+            <a:effectRef idx="0">
+              <a:schemeClr val="accent1"/>
+            </a:effectRef>
+            <a:fontRef idx="minor">
+              <a:schemeClr val="lt1"/>
+            </a:fontRef>
+          </p:style>
+          <p:txBody>
+            <a:bodyPr rtlCol="0" anchor="ctr"/>
+            <a:lstStyle/>
+            <a:p>
+              <a:pPr algn="ctr"/>
+              <a:endParaRPr lang="en-US"/>
+            </a:p>
+          </p:txBody>
+        </p:sp>
+        <p:pic>
+          <p:nvPicPr>
+            <p:cNvPr id="42" name="Graphic 41" descr="Radio microphone with solid fill">
+              <a:extLst>
+                <a:ext uri="{FF2B5EF4-FFF2-40B4-BE49-F238E27FC236}">
+                  <a16:creationId xmlns:a16="http://schemas.microsoft.com/office/drawing/2014/main" id="{59802C52-86D8-016D-A973-F347AD27DCCF}"/>
+                </a:ext>
+              </a:extLst>
+            </p:cNvPr>
+            <p:cNvPicPr>
+              <a:picLocks noChangeAspect="1"/>
+            </p:cNvPicPr>
+            <p:nvPr/>
+          </p:nvPicPr>
+          <p:blipFill>
+            <a:blip r:embed="rId6">
+              <a:extLst>
+                <a:ext uri="{28A0092B-C50C-407E-A947-70E740481C1C}">
+                  <a14:useLocalDpi xmlns:a14="http://schemas.microsoft.com/office/drawing/2010/main" val="0"/>
+                </a:ext>
+                <a:ext uri="{96DAC541-7B7A-43D3-8B79-37D633B846F1}">
+                  <asvg:svgBlip xmlns:asvg="http://schemas.microsoft.com/office/drawing/2016/SVG/main" r:embed="rId7"/>
+                </a:ext>
+              </a:extLst>
+            </a:blip>
+            <a:stretch>
+              <a:fillRect/>
+            </a:stretch>
+          </p:blipFill>
+          <p:spPr>
+            <a:xfrm>
+              <a:off x="1806590" y="2201912"/>
+              <a:ext cx="361322" cy="361322"/>
+            </a:xfrm>
+            <a:prstGeom prst="rect">
+              <a:avLst/>
+            </a:prstGeom>
+          </p:spPr>
+        </p:pic>
+        <p:pic>
+          <p:nvPicPr>
+            <p:cNvPr id="43" name="Graphic 42" descr="Image with solid fill">
+              <a:extLst>
+                <a:ext uri="{FF2B5EF4-FFF2-40B4-BE49-F238E27FC236}">
+                  <a16:creationId xmlns:a16="http://schemas.microsoft.com/office/drawing/2014/main" id="{AF871215-95CE-79F4-F3C7-E72C380AD446}"/>
+                </a:ext>
+              </a:extLst>
+            </p:cNvPr>
+            <p:cNvPicPr>
+              <a:picLocks noChangeAspect="1"/>
+            </p:cNvPicPr>
+            <p:nvPr/>
+          </p:nvPicPr>
+          <p:blipFill>
+            <a:blip r:embed="rId2">
+              <a:extLst>
+                <a:ext uri="{28A0092B-C50C-407E-A947-70E740481C1C}">
+                  <a14:useLocalDpi xmlns:a14="http://schemas.microsoft.com/office/drawing/2010/main" val="0"/>
+                </a:ext>
+                <a:ext uri="{96DAC541-7B7A-43D3-8B79-37D633B846F1}">
+                  <asvg:svgBlip xmlns:asvg="http://schemas.microsoft.com/office/drawing/2016/SVG/main" r:embed="rId3"/>
+                </a:ext>
+              </a:extLst>
+            </a:blip>
+            <a:stretch>
+              <a:fillRect/>
+            </a:stretch>
+          </p:blipFill>
+          <p:spPr>
+            <a:xfrm>
+              <a:off x="2247017" y="2201600"/>
+              <a:ext cx="361946" cy="361946"/>
+            </a:xfrm>
+            <a:prstGeom prst="rect">
+              <a:avLst/>
+            </a:prstGeom>
+          </p:spPr>
+        </p:pic>
+        <p:sp>
+          <p:nvSpPr>
+            <p:cNvPr id="45" name="TextBox 44">
+              <a:extLst>
+                <a:ext uri="{FF2B5EF4-FFF2-40B4-BE49-F238E27FC236}">
+                  <a16:creationId xmlns:a16="http://schemas.microsoft.com/office/drawing/2014/main" id="{0935C914-68DC-0C95-A808-A12DB0D7C9BA}"/>
+                </a:ext>
+              </a:extLst>
+            </p:cNvPr>
+            <p:cNvSpPr txBox="1"/>
+            <p:nvPr/>
+          </p:nvSpPr>
+          <p:spPr>
+            <a:xfrm>
+              <a:off x="1768298" y="2456834"/>
+              <a:ext cx="415498" cy="369332"/>
+            </a:xfrm>
+            <a:prstGeom prst="rect">
+              <a:avLst/>
+            </a:prstGeom>
+            <a:noFill/>
+          </p:spPr>
+          <p:txBody>
+            <a:bodyPr wrap="none" rtlCol="0">
+              <a:spAutoFit/>
+            </a:bodyPr>
+            <a:lstStyle/>
+            <a:p>
+              <a:r>
+                <a:rPr lang="en-US" dirty="0"/>
+                <a:t>…</a:t>
+              </a:r>
+            </a:p>
+          </p:txBody>
+        </p:sp>
+        <p:sp>
+          <p:nvSpPr>
+            <p:cNvPr id="46" name="TextBox 45">
+              <a:extLst>
+                <a:ext uri="{FF2B5EF4-FFF2-40B4-BE49-F238E27FC236}">
+                  <a16:creationId xmlns:a16="http://schemas.microsoft.com/office/drawing/2014/main" id="{74658BAD-A304-9083-61F2-774640401313}"/>
+                </a:ext>
+              </a:extLst>
+            </p:cNvPr>
+            <p:cNvSpPr txBox="1"/>
+            <p:nvPr/>
+          </p:nvSpPr>
+          <p:spPr>
+            <a:xfrm>
+              <a:off x="3752107" y="4438957"/>
+              <a:ext cx="2154757" cy="646331"/>
+            </a:xfrm>
+            <a:prstGeom prst="rect">
+              <a:avLst/>
+            </a:prstGeom>
+            <a:noFill/>
+          </p:spPr>
+          <p:txBody>
+            <a:bodyPr wrap="none" rtlCol="0">
+              <a:spAutoFit/>
+            </a:bodyPr>
+            <a:lstStyle/>
+            <a:p>
+              <a:r>
+                <a:rPr lang="en-US" dirty="0"/>
+                <a:t>User's instructions </a:t>
+              </a:r>
+            </a:p>
+            <a:p>
+              <a:r>
+                <a:rPr lang="en-US" dirty="0"/>
+                <a:t>as text</a:t>
+              </a:r>
+            </a:p>
+          </p:txBody>
+        </p:sp>
+        <p:pic>
+          <p:nvPicPr>
+            <p:cNvPr id="47" name="Graphic 46" descr="Document with solid fill">
+              <a:extLst>
+                <a:ext uri="{FF2B5EF4-FFF2-40B4-BE49-F238E27FC236}">
+                  <a16:creationId xmlns:a16="http://schemas.microsoft.com/office/drawing/2014/main" id="{2F98499A-95F2-8B58-945E-55798B84C0A5}"/>
+                </a:ext>
+              </a:extLst>
+            </p:cNvPr>
+            <p:cNvPicPr>
+              <a:picLocks noChangeAspect="1"/>
+            </p:cNvPicPr>
+            <p:nvPr/>
+          </p:nvPicPr>
+          <p:blipFill>
+            <a:blip r:embed="rId4">
+              <a:extLst>
+                <a:ext uri="{28A0092B-C50C-407E-A947-70E740481C1C}">
+                  <a14:useLocalDpi xmlns:a14="http://schemas.microsoft.com/office/drawing/2010/main" val="0"/>
+                </a:ext>
+                <a:ext uri="{96DAC541-7B7A-43D3-8B79-37D633B846F1}">
+                  <asvg:svgBlip xmlns:asvg="http://schemas.microsoft.com/office/drawing/2016/SVG/main" r:embed="rId5"/>
+                </a:ext>
+              </a:extLst>
+            </a:blip>
+            <a:stretch>
+              <a:fillRect/>
+            </a:stretch>
+          </p:blipFill>
+          <p:spPr>
+            <a:xfrm>
+              <a:off x="4616860" y="4776372"/>
+              <a:ext cx="417010" cy="417010"/>
+            </a:xfrm>
+            <a:prstGeom prst="rect">
+              <a:avLst/>
+            </a:prstGeom>
+          </p:spPr>
+        </p:pic>
+        <p:sp>
+          <p:nvSpPr>
+            <p:cNvPr id="48" name="Arrow: Right 47">
+              <a:extLst>
+                <a:ext uri="{FF2B5EF4-FFF2-40B4-BE49-F238E27FC236}">
+                  <a16:creationId xmlns:a16="http://schemas.microsoft.com/office/drawing/2014/main" id="{22B53532-A300-95FD-0039-5C9D700105D0}"/>
+                </a:ext>
+              </a:extLst>
+            </p:cNvPr>
+            <p:cNvSpPr/>
+            <p:nvPr/>
+          </p:nvSpPr>
+          <p:spPr>
+            <a:xfrm>
+              <a:off x="5168207" y="4826615"/>
+              <a:ext cx="667096" cy="253700"/>
+            </a:xfrm>
+            <a:prstGeom prst="rightArrow">
+              <a:avLst/>
+            </a:prstGeom>
+            <a:solidFill>
+              <a:srgbClr val="002060"/>
+            </a:solidFill>
+            <a:ln>
+              <a:noFill/>
+            </a:ln>
+          </p:spPr>
+          <p:style>
+            <a:lnRef idx="2">
+              <a:schemeClr val="accent1">
+                <a:shade val="15000"/>
+              </a:schemeClr>
+            </a:lnRef>
+            <a:fillRef idx="1">
+              <a:schemeClr val="accent1"/>
+            </a:fillRef>
+            <a:effectRef idx="0">
+              <a:schemeClr val="accent1"/>
+            </a:effectRef>
+            <a:fontRef idx="minor">
+              <a:schemeClr val="lt1"/>
+            </a:fontRef>
+          </p:style>
+          <p:txBody>
+            <a:bodyPr rtlCol="0" anchor="ctr"/>
+            <a:lstStyle/>
+            <a:p>
+              <a:pPr algn="ctr"/>
+              <a:endParaRPr lang="en-US"/>
+            </a:p>
+          </p:txBody>
+        </p:sp>
+        <p:sp>
+          <p:nvSpPr>
+            <p:cNvPr id="49" name="TextBox 48">
+              <a:extLst>
+                <a:ext uri="{FF2B5EF4-FFF2-40B4-BE49-F238E27FC236}">
+                  <a16:creationId xmlns:a16="http://schemas.microsoft.com/office/drawing/2014/main" id="{BED4110D-3287-BF23-E082-CDF35C6E2CEA}"/>
+                </a:ext>
+              </a:extLst>
+            </p:cNvPr>
+            <p:cNvSpPr txBox="1"/>
+            <p:nvPr/>
+          </p:nvSpPr>
+          <p:spPr>
+            <a:xfrm>
+              <a:off x="8790041" y="4153809"/>
+              <a:ext cx="2076466" cy="369332"/>
+            </a:xfrm>
+            <a:prstGeom prst="rect">
+              <a:avLst/>
+            </a:prstGeom>
+            <a:noFill/>
+          </p:spPr>
+          <p:txBody>
+            <a:bodyPr wrap="none" rtlCol="0">
+              <a:spAutoFit/>
+            </a:bodyPr>
+            <a:lstStyle/>
+            <a:p>
+              <a:r>
+                <a:rPr lang="en-US" dirty="0"/>
+                <a:t>New text contents</a:t>
+              </a:r>
+            </a:p>
+          </p:txBody>
+        </p:sp>
+        <p:sp>
+          <p:nvSpPr>
+            <p:cNvPr id="50" name="Arrow: Right 49">
+              <a:extLst>
+                <a:ext uri="{FF2B5EF4-FFF2-40B4-BE49-F238E27FC236}">
+                  <a16:creationId xmlns:a16="http://schemas.microsoft.com/office/drawing/2014/main" id="{3508063B-3632-2C5F-6F3D-D79585F699F7}"/>
+                </a:ext>
+              </a:extLst>
+            </p:cNvPr>
+            <p:cNvSpPr/>
+            <p:nvPr/>
+          </p:nvSpPr>
+          <p:spPr>
+            <a:xfrm>
+              <a:off x="8583771" y="4826615"/>
+              <a:ext cx="667096" cy="253700"/>
+            </a:xfrm>
+            <a:prstGeom prst="rightArrow">
+              <a:avLst/>
+            </a:prstGeom>
+            <a:solidFill>
+              <a:srgbClr val="002060"/>
+            </a:solidFill>
+            <a:ln>
+              <a:noFill/>
+            </a:ln>
+          </p:spPr>
+          <p:style>
+            <a:lnRef idx="2">
+              <a:schemeClr val="accent1">
+                <a:shade val="15000"/>
+              </a:schemeClr>
+            </a:lnRef>
+            <a:fillRef idx="1">
+              <a:schemeClr val="accent1"/>
+            </a:fillRef>
+            <a:effectRef idx="0">
+              <a:schemeClr val="accent1"/>
+            </a:effectRef>
+            <a:fontRef idx="minor">
+              <a:schemeClr val="lt1"/>
+            </a:fontRef>
+          </p:style>
+          <p:txBody>
+            <a:bodyPr rtlCol="0" anchor="ctr"/>
+            <a:lstStyle/>
+            <a:p>
+              <a:pPr algn="ctr"/>
+              <a:endParaRPr lang="en-US"/>
+            </a:p>
+          </p:txBody>
+        </p:sp>
+        <p:pic>
+          <p:nvPicPr>
+            <p:cNvPr id="52" name="Graphic 51" descr="Soundwave with solid fill">
+              <a:extLst>
+                <a:ext uri="{FF2B5EF4-FFF2-40B4-BE49-F238E27FC236}">
+                  <a16:creationId xmlns:a16="http://schemas.microsoft.com/office/drawing/2014/main" id="{FD37540F-D1B1-CD07-7E44-96EA1131AB4A}"/>
+                </a:ext>
+              </a:extLst>
+            </p:cNvPr>
+            <p:cNvPicPr>
+              <a:picLocks noChangeAspect="1"/>
+            </p:cNvPicPr>
+            <p:nvPr/>
+          </p:nvPicPr>
+          <p:blipFill>
+            <a:blip r:embed="rId8">
+              <a:extLst>
+                <a:ext uri="{28A0092B-C50C-407E-A947-70E740481C1C}">
+                  <a14:useLocalDpi xmlns:a14="http://schemas.microsoft.com/office/drawing/2010/main" val="0"/>
+                </a:ext>
+                <a:ext uri="{96DAC541-7B7A-43D3-8B79-37D633B846F1}">
+                  <asvg:svgBlip xmlns:asvg="http://schemas.microsoft.com/office/drawing/2016/SVG/main" r:embed="rId9"/>
+                </a:ext>
+              </a:extLst>
+            </a:blip>
+            <a:stretch>
+              <a:fillRect/>
+            </a:stretch>
+          </p:blipFill>
+          <p:spPr>
+            <a:xfrm>
+              <a:off x="8917319" y="1306711"/>
+              <a:ext cx="914400" cy="914400"/>
+            </a:xfrm>
+            <a:prstGeom prst="rect">
+              <a:avLst/>
+            </a:prstGeom>
+          </p:spPr>
+        </p:pic>
+        <p:pic>
+          <p:nvPicPr>
+            <p:cNvPr id="54" name="Graphic 53" descr="Presentation with media with solid fill">
+              <a:extLst>
+                <a:ext uri="{FF2B5EF4-FFF2-40B4-BE49-F238E27FC236}">
+                  <a16:creationId xmlns:a16="http://schemas.microsoft.com/office/drawing/2014/main" id="{FDD568E6-6A27-DADA-2997-24F0237FE7C6}"/>
+                </a:ext>
+              </a:extLst>
+            </p:cNvPr>
+            <p:cNvPicPr>
+              <a:picLocks noChangeAspect="1"/>
+            </p:cNvPicPr>
+            <p:nvPr/>
+          </p:nvPicPr>
+          <p:blipFill>
+            <a:blip r:embed="rId10">
+              <a:extLst>
+                <a:ext uri="{28A0092B-C50C-407E-A947-70E740481C1C}">
+                  <a14:useLocalDpi xmlns:a14="http://schemas.microsoft.com/office/drawing/2010/main" val="0"/>
+                </a:ext>
+                <a:ext uri="{96DAC541-7B7A-43D3-8B79-37D633B846F1}">
+                  <asvg:svgBlip xmlns:asvg="http://schemas.microsoft.com/office/drawing/2016/SVG/main" r:embed="rId11"/>
+                </a:ext>
+              </a:extLst>
+            </a:blip>
+            <a:stretch>
+              <a:fillRect/>
+            </a:stretch>
+          </p:blipFill>
+          <p:spPr>
+            <a:xfrm>
+              <a:off x="8995277" y="2238673"/>
+              <a:ext cx="914400" cy="914400"/>
+            </a:xfrm>
+            <a:prstGeom prst="rect">
+              <a:avLst/>
+            </a:prstGeom>
+          </p:spPr>
+        </p:pic>
+        <p:pic>
+          <p:nvPicPr>
+            <p:cNvPr id="56" name="Graphic 55" descr="Chat with solid fill">
+              <a:extLst>
+                <a:ext uri="{FF2B5EF4-FFF2-40B4-BE49-F238E27FC236}">
+                  <a16:creationId xmlns:a16="http://schemas.microsoft.com/office/drawing/2014/main" id="{9791279F-01D6-F1A8-77E1-AFD8059489C2}"/>
+                </a:ext>
+              </a:extLst>
+            </p:cNvPr>
+            <p:cNvPicPr>
+              <a:picLocks noChangeAspect="1"/>
+            </p:cNvPicPr>
+            <p:nvPr/>
+          </p:nvPicPr>
+          <p:blipFill>
+            <a:blip r:embed="rId12">
+              <a:extLst>
+                <a:ext uri="{28A0092B-C50C-407E-A947-70E740481C1C}">
+                  <a14:useLocalDpi xmlns:a14="http://schemas.microsoft.com/office/drawing/2010/main" val="0"/>
+                </a:ext>
+                <a:ext uri="{96DAC541-7B7A-43D3-8B79-37D633B846F1}">
+                  <asvg:svgBlip xmlns:asvg="http://schemas.microsoft.com/office/drawing/2016/SVG/main" r:embed="rId13"/>
+                </a:ext>
+              </a:extLst>
+            </a:blip>
+            <a:stretch>
+              <a:fillRect/>
+            </a:stretch>
+          </p:blipFill>
+          <p:spPr>
+            <a:xfrm>
+              <a:off x="11281935" y="3850336"/>
+              <a:ext cx="663443" cy="663443"/>
+            </a:xfrm>
+            <a:prstGeom prst="rect">
+              <a:avLst/>
+            </a:prstGeom>
+          </p:spPr>
+        </p:pic>
+        <p:pic>
+          <p:nvPicPr>
+            <p:cNvPr id="58" name="Graphic 57" descr="Astronaut female outline">
+              <a:extLst>
+                <a:ext uri="{FF2B5EF4-FFF2-40B4-BE49-F238E27FC236}">
+                  <a16:creationId xmlns:a16="http://schemas.microsoft.com/office/drawing/2014/main" id="{3CBFB5AE-A057-FD82-14E0-3CFE06DDF985}"/>
+                </a:ext>
+              </a:extLst>
+            </p:cNvPr>
+            <p:cNvPicPr>
+              <a:picLocks noChangeAspect="1"/>
+            </p:cNvPicPr>
+            <p:nvPr/>
+          </p:nvPicPr>
+          <p:blipFill>
+            <a:blip r:embed="rId14">
+              <a:extLst>
+                <a:ext uri="{28A0092B-C50C-407E-A947-70E740481C1C}">
+                  <a14:useLocalDpi xmlns:a14="http://schemas.microsoft.com/office/drawing/2010/main" val="0"/>
+                </a:ext>
+                <a:ext uri="{96DAC541-7B7A-43D3-8B79-37D633B846F1}">
+                  <asvg:svgBlip xmlns:asvg="http://schemas.microsoft.com/office/drawing/2016/SVG/main" r:embed="rId15"/>
+                </a:ext>
+              </a:extLst>
+            </a:blip>
+            <a:stretch>
+              <a:fillRect/>
+            </a:stretch>
+          </p:blipFill>
+          <p:spPr>
+            <a:xfrm>
+              <a:off x="11330908" y="4419940"/>
+              <a:ext cx="565497" cy="565497"/>
+            </a:xfrm>
+            <a:prstGeom prst="rect">
+              <a:avLst/>
+            </a:prstGeom>
+          </p:spPr>
+        </p:pic>
+        <p:sp>
+          <p:nvSpPr>
+            <p:cNvPr id="60" name="Arrow: Right 59">
+              <a:extLst>
+                <a:ext uri="{FF2B5EF4-FFF2-40B4-BE49-F238E27FC236}">
+                  <a16:creationId xmlns:a16="http://schemas.microsoft.com/office/drawing/2014/main" id="{1BF3D90E-72B4-421B-9A15-A41320B701A5}"/>
+                </a:ext>
+              </a:extLst>
+            </p:cNvPr>
+            <p:cNvSpPr/>
+            <p:nvPr/>
+          </p:nvSpPr>
+          <p:spPr>
+            <a:xfrm>
+              <a:off x="10405866" y="4826615"/>
+              <a:ext cx="667096" cy="253700"/>
+            </a:xfrm>
+            <a:prstGeom prst="rightArrow">
+              <a:avLst/>
+            </a:prstGeom>
+            <a:solidFill>
+              <a:srgbClr val="002060"/>
+            </a:solidFill>
+            <a:ln>
+              <a:noFill/>
+            </a:ln>
+          </p:spPr>
+          <p:style>
+            <a:lnRef idx="2">
+              <a:schemeClr val="accent1">
+                <a:shade val="15000"/>
+              </a:schemeClr>
+            </a:lnRef>
+            <a:fillRef idx="1">
+              <a:schemeClr val="accent1"/>
+            </a:fillRef>
+            <a:effectRef idx="0">
+              <a:schemeClr val="accent1"/>
+            </a:effectRef>
+            <a:fontRef idx="minor">
+              <a:schemeClr val="lt1"/>
+            </a:fontRef>
+          </p:style>
+          <p:txBody>
+            <a:bodyPr rtlCol="0" anchor="ctr"/>
+            <a:lstStyle/>
+            <a:p>
+              <a:pPr algn="ctr"/>
+              <a:endParaRPr lang="en-US"/>
+            </a:p>
+          </p:txBody>
+        </p:sp>
+        <p:sp>
+          <p:nvSpPr>
+            <p:cNvPr id="61" name="TextBox 60">
+              <a:extLst>
+                <a:ext uri="{FF2B5EF4-FFF2-40B4-BE49-F238E27FC236}">
+                  <a16:creationId xmlns:a16="http://schemas.microsoft.com/office/drawing/2014/main" id="{91450536-B8F2-FB72-87F6-25E0E295FB6A}"/>
+                </a:ext>
+              </a:extLst>
+            </p:cNvPr>
+            <p:cNvSpPr txBox="1"/>
+            <p:nvPr/>
+          </p:nvSpPr>
+          <p:spPr>
+            <a:xfrm>
+              <a:off x="11072962" y="3578950"/>
+              <a:ext cx="981359" cy="369332"/>
+            </a:xfrm>
+            <a:prstGeom prst="rect">
+              <a:avLst/>
+            </a:prstGeom>
+            <a:noFill/>
+          </p:spPr>
+          <p:txBody>
+            <a:bodyPr wrap="none" rtlCol="0">
+              <a:spAutoFit/>
+            </a:bodyPr>
+            <a:lstStyle/>
+            <a:p>
+              <a:r>
+                <a:rPr lang="en-US" dirty="0"/>
+                <a:t>AI apps</a:t>
+              </a:r>
+            </a:p>
+          </p:txBody>
+        </p:sp>
+        <p:pic>
+          <p:nvPicPr>
+            <p:cNvPr id="65" name="Graphic 64" descr="Artificial Intelligence with solid fill">
+              <a:extLst>
+                <a:ext uri="{FF2B5EF4-FFF2-40B4-BE49-F238E27FC236}">
+                  <a16:creationId xmlns:a16="http://schemas.microsoft.com/office/drawing/2014/main" id="{870B25C3-A619-EAEE-4281-753370FB8555}"/>
+                </a:ext>
+              </a:extLst>
+            </p:cNvPr>
+            <p:cNvPicPr>
+              <a:picLocks noChangeAspect="1"/>
+            </p:cNvPicPr>
+            <p:nvPr/>
+          </p:nvPicPr>
+          <p:blipFill>
+            <a:blip r:embed="rId16">
+              <a:extLst>
+                <a:ext uri="{28A0092B-C50C-407E-A947-70E740481C1C}">
+                  <a14:useLocalDpi xmlns:a14="http://schemas.microsoft.com/office/drawing/2010/main" val="0"/>
+                </a:ext>
+                <a:ext uri="{96DAC541-7B7A-43D3-8B79-37D633B846F1}">
+                  <asvg:svgBlip xmlns:asvg="http://schemas.microsoft.com/office/drawing/2016/SVG/main" r:embed="rId17"/>
+                </a:ext>
+              </a:extLst>
+            </a:blip>
+            <a:stretch>
+              <a:fillRect/>
+            </a:stretch>
+          </p:blipFill>
+          <p:spPr>
+            <a:xfrm>
+              <a:off x="11352979" y="4997456"/>
+              <a:ext cx="521354" cy="521354"/>
+            </a:xfrm>
+            <a:prstGeom prst="rect">
+              <a:avLst/>
+            </a:prstGeom>
+          </p:spPr>
+        </p:pic>
+        <p:pic>
+          <p:nvPicPr>
+            <p:cNvPr id="67" name="Graphic 66" descr="Research with solid fill">
+              <a:extLst>
+                <a:ext uri="{FF2B5EF4-FFF2-40B4-BE49-F238E27FC236}">
+                  <a16:creationId xmlns:a16="http://schemas.microsoft.com/office/drawing/2014/main" id="{CF3F9AC6-7F36-B7CC-9118-38B5673B98C2}"/>
+                </a:ext>
+              </a:extLst>
+            </p:cNvPr>
+            <p:cNvPicPr>
+              <a:picLocks noChangeAspect="1"/>
+            </p:cNvPicPr>
+            <p:nvPr/>
+          </p:nvPicPr>
+          <p:blipFill>
+            <a:blip r:embed="rId18">
+              <a:extLst>
+                <a:ext uri="{28A0092B-C50C-407E-A947-70E740481C1C}">
+                  <a14:useLocalDpi xmlns:a14="http://schemas.microsoft.com/office/drawing/2010/main" val="0"/>
+                </a:ext>
+                <a:ext uri="{96DAC541-7B7A-43D3-8B79-37D633B846F1}">
+                  <asvg:svgBlip xmlns:asvg="http://schemas.microsoft.com/office/drawing/2016/SVG/main" r:embed="rId19"/>
+                </a:ext>
+              </a:extLst>
+            </a:blip>
+            <a:stretch>
+              <a:fillRect/>
+            </a:stretch>
+          </p:blipFill>
+          <p:spPr>
+            <a:xfrm>
+              <a:off x="11393876" y="5573678"/>
+              <a:ext cx="439561" cy="439561"/>
+            </a:xfrm>
+            <a:prstGeom prst="rect">
+              <a:avLst/>
+            </a:prstGeom>
+          </p:spPr>
+        </p:pic>
+        <p:sp>
+          <p:nvSpPr>
+            <p:cNvPr id="69" name="Subtitle 2">
+              <a:extLst>
+                <a:ext uri="{FF2B5EF4-FFF2-40B4-BE49-F238E27FC236}">
+                  <a16:creationId xmlns:a16="http://schemas.microsoft.com/office/drawing/2014/main" id="{8F6A0D52-BD55-D6C6-AB80-DEA810533CEF}"/>
+                </a:ext>
+              </a:extLst>
+            </p:cNvPr>
+            <p:cNvSpPr txBox="1">
+              <a:spLocks/>
+            </p:cNvSpPr>
+            <p:nvPr/>
+          </p:nvSpPr>
+          <p:spPr>
+            <a:xfrm>
+              <a:off x="4729672" y="5633060"/>
+              <a:ext cx="6307485" cy="453302"/>
+            </a:xfrm>
+            <a:prstGeom prst="rect">
+              <a:avLst/>
+            </a:prstGeom>
+            <a:noFill/>
+          </p:spPr>
+          <p:txBody>
+            <a:bodyPr vert="horz" lIns="91440" tIns="45720" rIns="91440" bIns="45720" rtlCol="0">
+              <a:noAutofit/>
+            </a:bodyPr>
+            <a:lstStyle>
+              <a:lvl1pPr marL="0" indent="0" algn="ctr" defTabSz="914400" rtl="0" eaLnBrk="1" latinLnBrk="0" hangingPunct="1">
+                <a:lnSpc>
+                  <a:spcPct val="90000"/>
+                </a:lnSpc>
+                <a:spcBef>
+                  <a:spcPts val="1000"/>
+                </a:spcBef>
+                <a:buFont typeface="Wingdings" panose="05000000000000000000" pitchFamily="2" charset="2"/>
+                <a:buNone/>
+                <a:defRPr sz="2400" kern="1200">
+                  <a:solidFill>
+                    <a:srgbClr val="002060"/>
+                  </a:solidFill>
+                  <a:latin typeface="Avenir Next LT Pro Light" panose="020B0304020202020204" pitchFamily="34" charset="0"/>
+                  <a:ea typeface="+mn-ea"/>
+                  <a:cs typeface="+mn-cs"/>
+                </a:defRPr>
+              </a:lvl1pPr>
+              <a:lvl2pPr marL="457200" indent="0" algn="ctr" defTabSz="914400" rtl="0" eaLnBrk="1" latinLnBrk="0" hangingPunct="1">
+                <a:lnSpc>
+                  <a:spcPct val="90000"/>
+                </a:lnSpc>
+                <a:spcBef>
+                  <a:spcPts val="500"/>
+                </a:spcBef>
+                <a:buFont typeface="Wingdings" panose="05000000000000000000" pitchFamily="2" charset="2"/>
+                <a:buNone/>
+                <a:defRPr sz="2000" kern="1200">
+                  <a:solidFill>
+                    <a:srgbClr val="002060"/>
+                  </a:solidFill>
+                  <a:latin typeface="Avenir Next LT Pro Light" panose="020B0304020202020204" pitchFamily="34" charset="0"/>
+                  <a:ea typeface="+mn-ea"/>
+                  <a:cs typeface="+mn-cs"/>
+                </a:defRPr>
+              </a:lvl2pPr>
+              <a:lvl3pPr marL="914400" indent="0" algn="ctr" defTabSz="914400" rtl="0" eaLnBrk="1" latinLnBrk="0" hangingPunct="1">
+                <a:lnSpc>
+                  <a:spcPct val="90000"/>
+                </a:lnSpc>
+                <a:spcBef>
+                  <a:spcPts val="500"/>
+                </a:spcBef>
+                <a:buFont typeface="Wingdings" panose="05000000000000000000" pitchFamily="2" charset="2"/>
+                <a:buNone/>
+                <a:defRPr sz="1800" kern="1200">
+                  <a:solidFill>
+                    <a:srgbClr val="002060"/>
+                  </a:solidFill>
+                  <a:latin typeface="Avenir Next LT Pro Light" panose="020B0304020202020204" pitchFamily="34" charset="0"/>
+                  <a:ea typeface="+mn-ea"/>
+                  <a:cs typeface="+mn-cs"/>
+                </a:defRPr>
+              </a:lvl3pPr>
+              <a:lvl4pPr marL="1371600" indent="0" algn="ctr" defTabSz="914400" rtl="0" eaLnBrk="1" latinLnBrk="0" hangingPunct="1">
+                <a:lnSpc>
+                  <a:spcPct val="90000"/>
+                </a:lnSpc>
+                <a:spcBef>
+                  <a:spcPts val="500"/>
+                </a:spcBef>
+                <a:buFont typeface="Wingdings" panose="05000000000000000000" pitchFamily="2" charset="2"/>
+                <a:buNone/>
+                <a:defRPr sz="1600" kern="1200">
+                  <a:solidFill>
+                    <a:srgbClr val="002060"/>
+                  </a:solidFill>
+                  <a:latin typeface="Avenir Next LT Pro Light" panose="020B0304020202020204" pitchFamily="34" charset="0"/>
+                  <a:ea typeface="+mn-ea"/>
+                  <a:cs typeface="+mn-cs"/>
+                </a:defRPr>
+              </a:lvl4pPr>
+              <a:lvl5pPr marL="1828800" indent="0" algn="ctr" defTabSz="914400" rtl="0" eaLnBrk="1" latinLnBrk="0" hangingPunct="1">
+                <a:lnSpc>
+                  <a:spcPct val="90000"/>
+                </a:lnSpc>
+                <a:spcBef>
+                  <a:spcPts val="500"/>
+                </a:spcBef>
+                <a:buFont typeface="Wingdings" panose="05000000000000000000" pitchFamily="2" charset="2"/>
+                <a:buNone/>
+                <a:defRPr sz="1600" kern="1200">
+                  <a:solidFill>
+                    <a:srgbClr val="002060"/>
+                  </a:solidFill>
+                  <a:latin typeface="Avenir Next LT Pro Light" panose="020B0304020202020204" pitchFamily="34" charset="0"/>
+                  <a:ea typeface="+mn-ea"/>
+                  <a:cs typeface="+mn-cs"/>
+                </a:defRPr>
+              </a:lvl5pPr>
+              <a:lvl6pPr marL="2286000" indent="0" algn="ctr" defTabSz="914400" rtl="0" eaLnBrk="1" latinLnBrk="0" hangingPunct="1">
+                <a:lnSpc>
+                  <a:spcPct val="90000"/>
+                </a:lnSpc>
+                <a:spcBef>
+                  <a:spcPts val="500"/>
+                </a:spcBef>
+                <a:buFont typeface="Arial" panose="020B0604020202020204" pitchFamily="34" charset="0"/>
+                <a:buNone/>
+                <a:defRPr sz="1600" kern="1200">
+                  <a:solidFill>
+                    <a:schemeClr val="tx1"/>
+                  </a:solidFill>
+                  <a:latin typeface="+mn-lt"/>
+                  <a:ea typeface="+mn-ea"/>
+                  <a:cs typeface="+mn-cs"/>
+                </a:defRPr>
+              </a:lvl6pPr>
+              <a:lvl7pPr marL="2743200" indent="0" algn="ctr" defTabSz="914400" rtl="0" eaLnBrk="1" latinLnBrk="0" hangingPunct="1">
+                <a:lnSpc>
+                  <a:spcPct val="90000"/>
+                </a:lnSpc>
+                <a:spcBef>
+                  <a:spcPts val="500"/>
+                </a:spcBef>
+                <a:buFont typeface="Arial" panose="020B0604020202020204" pitchFamily="34" charset="0"/>
+                <a:buNone/>
+                <a:defRPr sz="1600" kern="1200">
+                  <a:solidFill>
+                    <a:schemeClr val="tx1"/>
+                  </a:solidFill>
+                  <a:latin typeface="+mn-lt"/>
+                  <a:ea typeface="+mn-ea"/>
+                  <a:cs typeface="+mn-cs"/>
+                </a:defRPr>
+              </a:lvl7pPr>
+              <a:lvl8pPr marL="3200400" indent="0" algn="ctr" defTabSz="914400" rtl="0" eaLnBrk="1" latinLnBrk="0" hangingPunct="1">
+                <a:lnSpc>
+                  <a:spcPct val="90000"/>
+                </a:lnSpc>
+                <a:spcBef>
+                  <a:spcPts val="500"/>
+                </a:spcBef>
+                <a:buFont typeface="Arial" panose="020B0604020202020204" pitchFamily="34" charset="0"/>
+                <a:buNone/>
+                <a:defRPr sz="1600" kern="1200">
+                  <a:solidFill>
+                    <a:schemeClr val="tx1"/>
+                  </a:solidFill>
+                  <a:latin typeface="+mn-lt"/>
+                  <a:ea typeface="+mn-ea"/>
+                  <a:cs typeface="+mn-cs"/>
+                </a:defRPr>
+              </a:lvl8pPr>
+              <a:lvl9pPr marL="3657600" indent="0" algn="ctr" defTabSz="914400" rtl="0" eaLnBrk="1" latinLnBrk="0" hangingPunct="1">
+                <a:lnSpc>
+                  <a:spcPct val="90000"/>
+                </a:lnSpc>
+                <a:spcBef>
+                  <a:spcPts val="500"/>
+                </a:spcBef>
+                <a:buFont typeface="Arial" panose="020B0604020202020204" pitchFamily="34" charset="0"/>
+                <a:buNone/>
+                <a:defRPr sz="1600" kern="1200">
+                  <a:solidFill>
+                    <a:schemeClr val="tx1"/>
+                  </a:solidFill>
+                  <a:latin typeface="+mn-lt"/>
+                  <a:ea typeface="+mn-ea"/>
+                  <a:cs typeface="+mn-cs"/>
+                </a:defRPr>
+              </a:lvl9pPr>
+            </a:lstStyle>
+            <a:p>
+              <a:r>
+                <a:rPr lang="en-US" sz="3600" spc="500" dirty="0">
+                  <a:gradFill>
+                    <a:gsLst>
+                      <a:gs pos="29000">
+                        <a:srgbClr val="041462"/>
+                      </a:gs>
+                      <a:gs pos="85000">
+                        <a:srgbClr val="1B5CE0"/>
+                      </a:gs>
+                    </a:gsLst>
+                    <a:lin ang="2700000" scaled="0"/>
+                  </a:gradFill>
+                  <a:latin typeface="+mn-lt"/>
+                </a:rPr>
+                <a:t>Hands-on Engineering</a:t>
+              </a:r>
+            </a:p>
+          </p:txBody>
+        </p:sp>
+        <p:sp>
+          <p:nvSpPr>
+            <p:cNvPr id="70" name="TextBox 69">
+              <a:extLst>
+                <a:ext uri="{FF2B5EF4-FFF2-40B4-BE49-F238E27FC236}">
+                  <a16:creationId xmlns:a16="http://schemas.microsoft.com/office/drawing/2014/main" id="{E7E5B551-5CE8-7AA3-4F01-5007645F34AD}"/>
+                </a:ext>
+              </a:extLst>
+            </p:cNvPr>
+            <p:cNvSpPr txBox="1"/>
+            <p:nvPr/>
+          </p:nvSpPr>
+          <p:spPr>
+            <a:xfrm>
+              <a:off x="9944983" y="2054768"/>
+              <a:ext cx="415498" cy="369332"/>
+            </a:xfrm>
+            <a:prstGeom prst="rect">
+              <a:avLst/>
+            </a:prstGeom>
+            <a:noFill/>
+          </p:spPr>
+          <p:txBody>
+            <a:bodyPr wrap="none" rtlCol="0">
+              <a:spAutoFit/>
+            </a:bodyPr>
+            <a:lstStyle/>
+            <a:p>
+              <a:r>
+                <a:rPr lang="en-US" dirty="0"/>
+                <a:t>…</a:t>
+              </a:r>
+            </a:p>
+          </p:txBody>
+        </p:sp>
+        <p:sp>
+          <p:nvSpPr>
+            <p:cNvPr id="71" name="TextBox 70">
+              <a:extLst>
+                <a:ext uri="{FF2B5EF4-FFF2-40B4-BE49-F238E27FC236}">
+                  <a16:creationId xmlns:a16="http://schemas.microsoft.com/office/drawing/2014/main" id="{0C69629C-2AFD-BAB6-5676-A420ED96EE02}"/>
+                </a:ext>
+              </a:extLst>
+            </p:cNvPr>
+            <p:cNvSpPr txBox="1"/>
+            <p:nvPr/>
+          </p:nvSpPr>
+          <p:spPr>
+            <a:xfrm>
+              <a:off x="11405907" y="5824878"/>
+              <a:ext cx="415498" cy="369332"/>
+            </a:xfrm>
+            <a:prstGeom prst="rect">
+              <a:avLst/>
+            </a:prstGeom>
+            <a:noFill/>
+          </p:spPr>
+          <p:txBody>
+            <a:bodyPr wrap="none" rtlCol="0">
+              <a:spAutoFit/>
+            </a:bodyPr>
+            <a:lstStyle/>
+            <a:p>
+              <a:r>
+                <a:rPr lang="en-US" dirty="0"/>
+                <a:t>…</a:t>
+              </a:r>
+            </a:p>
+          </p:txBody>
+        </p:sp>
+        <p:sp>
+          <p:nvSpPr>
+            <p:cNvPr id="6" name="TextBox 5">
+              <a:extLst>
+                <a:ext uri="{FF2B5EF4-FFF2-40B4-BE49-F238E27FC236}">
+                  <a16:creationId xmlns:a16="http://schemas.microsoft.com/office/drawing/2014/main" id="{1ACDA742-C10D-8E51-8FD9-9021F579F337}"/>
+                </a:ext>
+              </a:extLst>
+            </p:cNvPr>
+            <p:cNvSpPr txBox="1"/>
+            <p:nvPr/>
+          </p:nvSpPr>
+          <p:spPr>
+            <a:xfrm>
+              <a:off x="833449" y="4076651"/>
+              <a:ext cx="1439625" cy="338554"/>
+            </a:xfrm>
+            <a:prstGeom prst="rect">
+              <a:avLst/>
+            </a:prstGeom>
+            <a:noFill/>
+          </p:spPr>
+          <p:txBody>
+            <a:bodyPr wrap="none" rtlCol="0">
+              <a:spAutoFit/>
+            </a:bodyPr>
+            <a:lstStyle/>
+            <a:p>
+              <a:r>
+                <a:rPr lang="en-US" sz="1600" i="1" dirty="0">
+                  <a:solidFill>
+                    <a:schemeClr val="bg1"/>
+                  </a:solidFill>
+                </a:rPr>
+                <a:t>Generative AI</a:t>
+              </a:r>
+            </a:p>
+          </p:txBody>
+        </p:sp>
+      </p:grpSp>
+    </p:spTree>
+    <p:extLst>
+      <p:ext uri="{BB962C8B-B14F-4D97-AF65-F5344CB8AC3E}">
+        <p14:creationId xmlns:p14="http://schemas.microsoft.com/office/powerpoint/2010/main" val="2473317515"/>
+      </p:ext>
+    </p:extLst>
+  </p:cSld>
+  <p:clrMapOvr>
+    <a:masterClrMapping/>
+  </p:clrMapOvr>
+</p:sld>
+</file>
+
+<file path=ppt/slides/slide3.xml><?xml version="1.0" encoding="utf-8"?>
+<p:sld xmlns:a="http://schemas.openxmlformats.org/drawingml/2006/main" xmlns:r="http://schemas.openxmlformats.org/officeDocument/2006/relationships" xmlns:p="http://schemas.openxmlformats.org/presentationml/2006/main">
+  <p:cSld>
+    <p:spTree>
+      <p:nvGrpSpPr>
+        <p:cNvPr id="1" name=""/>
+        <p:cNvGrpSpPr/>
+        <p:nvPr/>
+      </p:nvGrpSpPr>
+      <p:grpSpPr>
+        <a:xfrm>
+          <a:off x="0" y="0"/>
+          <a:ext cx="0" cy="0"/>
+          <a:chOff x="0" y="0"/>
+          <a:chExt cx="0" cy="0"/>
+        </a:xfrm>
+      </p:grpSpPr>
+      <p:sp>
+        <p:nvSpPr>
+          <p:cNvPr id="2" name="Title 1">
+            <a:extLst>
+              <a:ext uri="{FF2B5EF4-FFF2-40B4-BE49-F238E27FC236}">
+                <a16:creationId xmlns:a16="http://schemas.microsoft.com/office/drawing/2014/main" id="{D518B8C7-7AF3-A4E5-7DE2-E5CD814FC0A8}"/>
+              </a:ext>
+            </a:extLst>
+          </p:cNvPr>
+          <p:cNvSpPr>
+            <a:spLocks noGrp="1"/>
+          </p:cNvSpPr>
+          <p:nvPr>
+            <p:ph type="title"/>
+          </p:nvPr>
+        </p:nvSpPr>
+        <p:spPr/>
+        <p:txBody>
+          <a:bodyPr/>
+          <a:lstStyle/>
+          <a:p>
+            <a:r>
+              <a:rPr lang="en-US" dirty="0"/>
+              <a:t>Introduction to the Course</a:t>
+            </a:r>
+          </a:p>
+        </p:txBody>
+      </p:sp>
+      <p:sp>
+        <p:nvSpPr>
+          <p:cNvPr id="3" name="Content Placeholder 2">
+            <a:extLst>
+              <a:ext uri="{FF2B5EF4-FFF2-40B4-BE49-F238E27FC236}">
+                <a16:creationId xmlns:a16="http://schemas.microsoft.com/office/drawing/2014/main" id="{1626B82E-DADD-376D-8162-966DCD3F6F11}"/>
+              </a:ext>
+            </a:extLst>
+          </p:cNvPr>
+          <p:cNvSpPr>
+            <a:spLocks noGrp="1"/>
+          </p:cNvSpPr>
+          <p:nvPr>
+            <p:ph idx="1"/>
+          </p:nvPr>
+        </p:nvSpPr>
+        <p:spPr/>
+        <p:txBody>
+          <a:bodyPr/>
+          <a:lstStyle/>
+          <a:p>
+            <a:r>
+              <a:rPr lang="en-US" dirty="0"/>
+              <a:t> Course objectives</a:t>
+            </a:r>
+          </a:p>
+          <a:p>
+            <a:r>
+              <a:rPr lang="en-US" dirty="0"/>
+              <a:t> Course structure</a:t>
+            </a:r>
+          </a:p>
+          <a:p>
+            <a:r>
+              <a:rPr lang="en-US" dirty="0"/>
+              <a:t> Learning paths</a:t>
+            </a:r>
+          </a:p>
+        </p:txBody>
+      </p:sp>
+    </p:spTree>
+    <p:extLst>
+      <p:ext uri="{BB962C8B-B14F-4D97-AF65-F5344CB8AC3E}">
+        <p14:creationId xmlns:p14="http://schemas.microsoft.com/office/powerpoint/2010/main" val="2060800065"/>
+      </p:ext>
+    </p:extLst>
+  </p:cSld>
+  <p:clrMapOvr>
+    <a:masterClrMapping/>
+  </p:clrMapOvr>
+</p:sld>
+</file>
+
+<file path=ppt/slides/slide4.xml><?xml version="1.0" encoding="utf-8"?>
+<p:sld xmlns:a="http://schemas.openxmlformats.org/drawingml/2006/main" xmlns:r="http://schemas.openxmlformats.org/officeDocument/2006/relationships" xmlns:p="http://schemas.openxmlformats.org/presentationml/2006/main">
+  <p:cSld>
+    <p:spTree>
+      <p:nvGrpSpPr>
+        <p:cNvPr id="1" name=""/>
+        <p:cNvGrpSpPr/>
+        <p:nvPr/>
+      </p:nvGrpSpPr>
+      <p:grpSpPr>
+        <a:xfrm>
+          <a:off x="0" y="0"/>
+          <a:ext cx="0" cy="0"/>
+          <a:chOff x="0" y="0"/>
+          <a:chExt cx="0" cy="0"/>
+        </a:xfrm>
+      </p:grpSpPr>
+      <p:sp>
+        <p:nvSpPr>
+          <p:cNvPr id="2" name="Title 1">
+            <a:extLst>
+              <a:ext uri="{FF2B5EF4-FFF2-40B4-BE49-F238E27FC236}">
+                <a16:creationId xmlns:a16="http://schemas.microsoft.com/office/drawing/2014/main" id="{0BFD3F2D-930B-819A-2AF4-C1FFFCD6257B}"/>
+              </a:ext>
+            </a:extLst>
+          </p:cNvPr>
+          <p:cNvSpPr>
+            <a:spLocks noGrp="1"/>
+          </p:cNvSpPr>
+          <p:nvPr>
+            <p:ph type="title"/>
+          </p:nvPr>
+        </p:nvSpPr>
+        <p:spPr/>
+        <p:txBody>
+          <a:bodyPr/>
+          <a:lstStyle/>
+          <a:p>
+            <a:r>
+              <a:rPr lang="en-US" dirty="0"/>
+              <a:t>Course Objectives</a:t>
+            </a:r>
+          </a:p>
+        </p:txBody>
+      </p:sp>
+      <p:sp>
+        <p:nvSpPr>
+          <p:cNvPr id="3" name="Content Placeholder 2">
+            <a:extLst>
+              <a:ext uri="{FF2B5EF4-FFF2-40B4-BE49-F238E27FC236}">
+                <a16:creationId xmlns:a16="http://schemas.microsoft.com/office/drawing/2014/main" id="{9E96C6B7-0735-ADDB-7F54-BB81E11866AD}"/>
+              </a:ext>
+            </a:extLst>
+          </p:cNvPr>
+          <p:cNvSpPr>
+            <a:spLocks noGrp="1"/>
+          </p:cNvSpPr>
+          <p:nvPr>
+            <p:ph idx="1"/>
+          </p:nvPr>
+        </p:nvSpPr>
+        <p:spPr/>
+        <p:txBody>
+          <a:bodyPr/>
+          <a:lstStyle/>
+          <a:p>
+            <a:pPr>
+              <a:buFont typeface="Arial" panose="020B0604020202020204" pitchFamily="34" charset="0"/>
+              <a:buChar char="•"/>
+            </a:pPr>
+            <a:r>
+              <a:rPr lang="en-US" dirty="0"/>
+              <a:t> Hands-on engineering for Generative AI with Large Language Models </a:t>
+            </a:r>
+          </a:p>
+          <a:p>
+            <a:pPr lvl="1">
+              <a:buFont typeface="Arial" panose="020B0604020202020204" pitchFamily="34" charset="0"/>
+              <a:buChar char="•"/>
+            </a:pPr>
+            <a:r>
+              <a:rPr lang="en-US" dirty="0"/>
+              <a:t>Understanding how to build, implement, train, and infer a Large Language Model, such as a Transformer</a:t>
+            </a:r>
+          </a:p>
+          <a:p>
+            <a:pPr lvl="1">
+              <a:buFont typeface="Arial" panose="020B0604020202020204" pitchFamily="34" charset="0"/>
+              <a:buChar char="•"/>
+            </a:pPr>
+            <a:r>
+              <a:rPr lang="en-US" dirty="0"/>
+              <a:t>Understanding the different components needed to build an LLM-based app</a:t>
+            </a:r>
+          </a:p>
+          <a:p>
+            <a:pPr lvl="1">
+              <a:buFont typeface="Arial" panose="020B0604020202020204" pitchFamily="34" charset="0"/>
+              <a:buChar char="•"/>
+            </a:pPr>
+            <a:r>
+              <a:rPr lang="en-US" dirty="0"/>
+              <a:t>Leveraging various tools and frameworks to build LLM-based apps</a:t>
+            </a:r>
+          </a:p>
+          <a:p>
+            <a:pPr lvl="1">
+              <a:buFont typeface="Arial" panose="020B0604020202020204" pitchFamily="34" charset="0"/>
+              <a:buChar char="•"/>
+            </a:pPr>
+            <a:r>
+              <a:rPr lang="en-US" dirty="0"/>
+              <a:t>Learning how to serve and deploy your LLM-based app</a:t>
+            </a:r>
+          </a:p>
+          <a:p>
+            <a:pPr lvl="1">
+              <a:buFont typeface="Arial" panose="020B0604020202020204" pitchFamily="34" charset="0"/>
+              <a:buChar char="•"/>
+            </a:pPr>
+            <a:r>
+              <a:rPr lang="en-US" dirty="0"/>
+              <a:t>Guidance on advanced engineering topics in Generative AI with Large Language Models</a:t>
+            </a:r>
+          </a:p>
+        </p:txBody>
+      </p:sp>
+    </p:spTree>
+    <p:extLst>
+      <p:ext uri="{BB962C8B-B14F-4D97-AF65-F5344CB8AC3E}">
+        <p14:creationId xmlns:p14="http://schemas.microsoft.com/office/powerpoint/2010/main" val="3632465605"/>
+      </p:ext>
+    </p:extLst>
+  </p:cSld>
+  <p:clrMapOvr>
+    <a:masterClrMapping/>
+  </p:clrMapOvr>
+</p:sld>
+</file>
+
+<file path=ppt/slides/slide5.xml><?xml version="1.0" encoding="utf-8"?>
+<p:sld xmlns:a="http://schemas.openxmlformats.org/drawingml/2006/main" xmlns:r="http://schemas.openxmlformats.org/officeDocument/2006/relationships" xmlns:p="http://schemas.openxmlformats.org/presentationml/2006/main">
+  <p:cSld>
+    <p:spTree>
+      <p:nvGrpSpPr>
+        <p:cNvPr id="1" name=""/>
+        <p:cNvGrpSpPr/>
+        <p:nvPr/>
+      </p:nvGrpSpPr>
+      <p:grpSpPr>
+        <a:xfrm>
+          <a:off x="0" y="0"/>
+          <a:ext cx="0" cy="0"/>
+          <a:chOff x="0" y="0"/>
+          <a:chExt cx="0" cy="0"/>
+        </a:xfrm>
+      </p:grpSpPr>
+      <p:sp>
+        <p:nvSpPr>
+          <p:cNvPr id="42" name="Title 1">
+            <a:extLst>
+              <a:ext uri="{FF2B5EF4-FFF2-40B4-BE49-F238E27FC236}">
+                <a16:creationId xmlns:a16="http://schemas.microsoft.com/office/drawing/2014/main" id="{53AD96E6-67B2-02CD-F910-420EA60CDC1C}"/>
+              </a:ext>
+            </a:extLst>
+          </p:cNvPr>
+          <p:cNvSpPr>
+            <a:spLocks noGrp="1"/>
+          </p:cNvSpPr>
+          <p:nvPr>
+            <p:ph type="title"/>
+          </p:nvPr>
+        </p:nvSpPr>
         <p:spPr>
           <a:xfrm>
             <a:off x="838200" y="365125"/>
@@ -4088,15 +9568,3246 @@
           <a:p>
             <a:r>
               <a:rPr lang="en-US" dirty="0"/>
-              <a:t>Course structure</a:t>
-            </a:r>
-          </a:p>
-        </p:txBody>
-      </p:sp>
+              <a:t>Course Structure</a:t>
+            </a:r>
+          </a:p>
+        </p:txBody>
+      </p:sp>
+      <p:sp>
+        <p:nvSpPr>
+          <p:cNvPr id="7" name="TextBox 12">
+            <a:extLst>
+              <a:ext uri="{FF2B5EF4-FFF2-40B4-BE49-F238E27FC236}">
+                <a16:creationId xmlns:a16="http://schemas.microsoft.com/office/drawing/2014/main" id="{4AA1F1CC-4A12-03C3-C9AB-090A44D79676}"/>
+              </a:ext>
+            </a:extLst>
+          </p:cNvPr>
+          <p:cNvSpPr txBox="1"/>
+          <p:nvPr/>
+        </p:nvSpPr>
+        <p:spPr>
+          <a:xfrm>
+            <a:off x="6578547" y="5534320"/>
+            <a:ext cx="5343772" cy="338554"/>
+          </a:xfrm>
+          <a:prstGeom prst="rect">
+            <a:avLst/>
+          </a:prstGeom>
+          <a:solidFill>
+            <a:srgbClr val="002060"/>
+          </a:solidFill>
+        </p:spPr>
+        <p:txBody>
+          <a:bodyPr wrap="square" rtlCol="0">
+            <a:spAutoFit/>
+          </a:bodyPr>
+          <a:lstStyle/>
+          <a:p>
+            <a:pPr algn="ctr"/>
+            <a:endParaRPr lang="en-US" sz="1600" dirty="0">
+              <a:solidFill>
+                <a:schemeClr val="bg1"/>
+              </a:solidFill>
+            </a:endParaRPr>
+          </a:p>
+        </p:txBody>
+      </p:sp>
+      <p:sp>
+        <p:nvSpPr>
+          <p:cNvPr id="8" name="TextBox 12 - 1">
+            <a:extLst>
+              <a:ext uri="{FF2B5EF4-FFF2-40B4-BE49-F238E27FC236}">
+                <a16:creationId xmlns:a16="http://schemas.microsoft.com/office/drawing/2014/main" id="{0098DB3A-28AF-5690-C4A0-3C9B55E2977B}"/>
+              </a:ext>
+            </a:extLst>
+          </p:cNvPr>
+          <p:cNvSpPr txBox="1"/>
+          <p:nvPr/>
+        </p:nvSpPr>
+        <p:spPr>
+          <a:xfrm>
+            <a:off x="6578547" y="4289595"/>
+            <a:ext cx="5343772" cy="338554"/>
+          </a:xfrm>
+          <a:prstGeom prst="rect">
+            <a:avLst/>
+          </a:prstGeom>
+          <a:solidFill>
+            <a:srgbClr val="0070C0"/>
+          </a:solidFill>
+        </p:spPr>
+        <p:txBody>
+          <a:bodyPr wrap="square" rtlCol="0">
+            <a:spAutoFit/>
+          </a:bodyPr>
+          <a:lstStyle/>
+          <a:p>
+            <a:pPr algn="ctr"/>
+            <a:endParaRPr lang="en-US" sz="1600" dirty="0">
+              <a:solidFill>
+                <a:schemeClr val="bg1"/>
+              </a:solidFill>
+            </a:endParaRPr>
+          </a:p>
+        </p:txBody>
+      </p:sp>
+      <p:sp>
+        <p:nvSpPr>
+          <p:cNvPr id="11" name="TextBox 12 - 2">
+            <a:extLst>
+              <a:ext uri="{FF2B5EF4-FFF2-40B4-BE49-F238E27FC236}">
+                <a16:creationId xmlns:a16="http://schemas.microsoft.com/office/drawing/2014/main" id="{3FCAAEE0-32EE-9DF9-DF4A-AC38D090663A}"/>
+              </a:ext>
+            </a:extLst>
+          </p:cNvPr>
+          <p:cNvSpPr txBox="1"/>
+          <p:nvPr/>
+        </p:nvSpPr>
+        <p:spPr>
+          <a:xfrm>
+            <a:off x="6578547" y="4911958"/>
+            <a:ext cx="5343772" cy="338554"/>
+          </a:xfrm>
+          <a:prstGeom prst="rect">
+            <a:avLst/>
+          </a:prstGeom>
+          <a:solidFill>
+            <a:srgbClr val="0070C0"/>
+          </a:solidFill>
+        </p:spPr>
+        <p:txBody>
+          <a:bodyPr wrap="square" rtlCol="0">
+            <a:spAutoFit/>
+          </a:bodyPr>
+          <a:lstStyle/>
+          <a:p>
+            <a:pPr algn="ctr"/>
+            <a:endParaRPr lang="en-US" sz="1600" dirty="0">
+              <a:solidFill>
+                <a:schemeClr val="bg1"/>
+              </a:solidFill>
+            </a:endParaRPr>
+          </a:p>
+        </p:txBody>
+      </p:sp>
+      <p:sp>
+        <p:nvSpPr>
+          <p:cNvPr id="38" name="TextBox 12 - 1 - 1">
+            <a:extLst>
+              <a:ext uri="{FF2B5EF4-FFF2-40B4-BE49-F238E27FC236}">
+                <a16:creationId xmlns:a16="http://schemas.microsoft.com/office/drawing/2014/main" id="{1414E8F0-686D-121C-F3A2-B50548249B2D}"/>
+              </a:ext>
+            </a:extLst>
+          </p:cNvPr>
+          <p:cNvSpPr txBox="1"/>
+          <p:nvPr/>
+        </p:nvSpPr>
+        <p:spPr>
+          <a:xfrm>
+            <a:off x="6578547" y="3667232"/>
+            <a:ext cx="5343771" cy="338554"/>
+          </a:xfrm>
+          <a:prstGeom prst="rect">
+            <a:avLst/>
+          </a:prstGeom>
+          <a:solidFill>
+            <a:srgbClr val="FF9D00"/>
+          </a:solidFill>
+        </p:spPr>
+        <p:txBody>
+          <a:bodyPr wrap="square" rtlCol="0">
+            <a:spAutoFit/>
+          </a:bodyPr>
+          <a:lstStyle/>
+          <a:p>
+            <a:pPr algn="ctr"/>
+            <a:endParaRPr lang="en-US" sz="1600" dirty="0">
+              <a:solidFill>
+                <a:schemeClr val="bg1"/>
+              </a:solidFill>
+            </a:endParaRPr>
+          </a:p>
+        </p:txBody>
+      </p:sp>
+      <p:sp>
+        <p:nvSpPr>
+          <p:cNvPr id="39" name="TextBox 12 - 1 - 2">
+            <a:extLst>
+              <a:ext uri="{FF2B5EF4-FFF2-40B4-BE49-F238E27FC236}">
+                <a16:creationId xmlns:a16="http://schemas.microsoft.com/office/drawing/2014/main" id="{36482E39-42BC-83D2-0B7A-6F22872BAD70}"/>
+              </a:ext>
+            </a:extLst>
+          </p:cNvPr>
+          <p:cNvSpPr txBox="1"/>
+          <p:nvPr/>
+        </p:nvSpPr>
+        <p:spPr>
+          <a:xfrm>
+            <a:off x="6578547" y="3044869"/>
+            <a:ext cx="5343771" cy="338554"/>
+          </a:xfrm>
+          <a:prstGeom prst="rect">
+            <a:avLst/>
+          </a:prstGeom>
+          <a:solidFill>
+            <a:schemeClr val="accent6">
+              <a:lumMod val="75000"/>
+            </a:schemeClr>
+          </a:solidFill>
+        </p:spPr>
+        <p:txBody>
+          <a:bodyPr wrap="square" rtlCol="0">
+            <a:spAutoFit/>
+          </a:bodyPr>
+          <a:lstStyle/>
+          <a:p>
+            <a:pPr algn="ctr"/>
+            <a:endParaRPr lang="en-US" sz="1600" dirty="0">
+              <a:solidFill>
+                <a:schemeClr val="bg1"/>
+              </a:solidFill>
+            </a:endParaRPr>
+          </a:p>
+        </p:txBody>
+      </p:sp>
+      <p:sp>
+        <p:nvSpPr>
+          <p:cNvPr id="40" name="TextBox 12 - 1 - 3">
+            <a:extLst>
+              <a:ext uri="{FF2B5EF4-FFF2-40B4-BE49-F238E27FC236}">
+                <a16:creationId xmlns:a16="http://schemas.microsoft.com/office/drawing/2014/main" id="{8916E069-4846-5E07-58C0-57A3613C519A}"/>
+              </a:ext>
+            </a:extLst>
+          </p:cNvPr>
+          <p:cNvSpPr txBox="1"/>
+          <p:nvPr/>
+        </p:nvSpPr>
+        <p:spPr>
+          <a:xfrm>
+            <a:off x="6578547" y="2422506"/>
+            <a:ext cx="5343771" cy="338554"/>
+          </a:xfrm>
+          <a:prstGeom prst="rect">
+            <a:avLst/>
+          </a:prstGeom>
+          <a:solidFill>
+            <a:schemeClr val="accent6">
+              <a:lumMod val="75000"/>
+            </a:schemeClr>
+          </a:solidFill>
+        </p:spPr>
+        <p:txBody>
+          <a:bodyPr wrap="square" rtlCol="0">
+            <a:spAutoFit/>
+          </a:bodyPr>
+          <a:lstStyle/>
+          <a:p>
+            <a:pPr algn="ctr"/>
+            <a:endParaRPr lang="en-US" sz="1600" dirty="0">
+              <a:solidFill>
+                <a:schemeClr val="bg1"/>
+              </a:solidFill>
+            </a:endParaRPr>
+          </a:p>
+        </p:txBody>
+      </p:sp>
+      <p:sp>
+        <p:nvSpPr>
+          <p:cNvPr id="41" name="TextBox 12 - 1 - 4">
+            <a:extLst>
+              <a:ext uri="{FF2B5EF4-FFF2-40B4-BE49-F238E27FC236}">
+                <a16:creationId xmlns:a16="http://schemas.microsoft.com/office/drawing/2014/main" id="{3D39279E-10E4-CE17-837D-97141C629EF6}"/>
+              </a:ext>
+            </a:extLst>
+          </p:cNvPr>
+          <p:cNvSpPr txBox="1"/>
+          <p:nvPr/>
+        </p:nvSpPr>
+        <p:spPr>
+          <a:xfrm>
+            <a:off x="6578547" y="1800143"/>
+            <a:ext cx="5343771" cy="338554"/>
+          </a:xfrm>
+          <a:prstGeom prst="rect">
+            <a:avLst/>
+          </a:prstGeom>
+          <a:solidFill>
+            <a:schemeClr val="accent6">
+              <a:lumMod val="75000"/>
+            </a:schemeClr>
+          </a:solidFill>
+        </p:spPr>
+        <p:txBody>
+          <a:bodyPr wrap="square" rtlCol="0">
+            <a:spAutoFit/>
+          </a:bodyPr>
+          <a:lstStyle/>
+          <a:p>
+            <a:pPr algn="ctr"/>
+            <a:endParaRPr lang="en-US" sz="1600" dirty="0">
+              <a:solidFill>
+                <a:schemeClr val="bg1"/>
+              </a:solidFill>
+            </a:endParaRPr>
+          </a:p>
+        </p:txBody>
+      </p:sp>
+      <p:sp>
+        <p:nvSpPr>
+          <p:cNvPr id="44" name="TextBox 12">
+            <a:extLst>
+              <a:ext uri="{FF2B5EF4-FFF2-40B4-BE49-F238E27FC236}">
+                <a16:creationId xmlns:a16="http://schemas.microsoft.com/office/drawing/2014/main" id="{B71FEEDD-E60F-4F94-ED29-9770C86F43C4}"/>
+              </a:ext>
+            </a:extLst>
+          </p:cNvPr>
+          <p:cNvSpPr txBox="1"/>
+          <p:nvPr/>
+        </p:nvSpPr>
+        <p:spPr>
+          <a:xfrm>
+            <a:off x="6096000" y="5534320"/>
+            <a:ext cx="457199" cy="338554"/>
+          </a:xfrm>
+          <a:prstGeom prst="rect">
+            <a:avLst/>
+          </a:prstGeom>
+          <a:solidFill>
+            <a:srgbClr val="002060"/>
+          </a:solidFill>
+        </p:spPr>
+        <p:txBody>
+          <a:bodyPr wrap="square" rtlCol="0">
+            <a:spAutoFit/>
+          </a:bodyPr>
+          <a:lstStyle/>
+          <a:p>
+            <a:pPr algn="ctr"/>
+            <a:r>
+              <a:rPr lang="en-US" sz="1600" b="1" dirty="0">
+                <a:solidFill>
+                  <a:schemeClr val="bg1"/>
+                </a:solidFill>
+              </a:rPr>
+              <a:t>1.</a:t>
+            </a:r>
+          </a:p>
+        </p:txBody>
+      </p:sp>
+      <p:sp>
+        <p:nvSpPr>
+          <p:cNvPr id="45" name="TextBox 12 - 1">
+            <a:extLst>
+              <a:ext uri="{FF2B5EF4-FFF2-40B4-BE49-F238E27FC236}">
+                <a16:creationId xmlns:a16="http://schemas.microsoft.com/office/drawing/2014/main" id="{6E448F58-0C5F-F390-5088-5BC2A2E04FEE}"/>
+              </a:ext>
+            </a:extLst>
+          </p:cNvPr>
+          <p:cNvSpPr txBox="1"/>
+          <p:nvPr/>
+        </p:nvSpPr>
+        <p:spPr>
+          <a:xfrm>
+            <a:off x="6096000" y="4911958"/>
+            <a:ext cx="457199" cy="338554"/>
+          </a:xfrm>
+          <a:prstGeom prst="rect">
+            <a:avLst/>
+          </a:prstGeom>
+          <a:solidFill>
+            <a:srgbClr val="0070C0"/>
+          </a:solidFill>
+        </p:spPr>
+        <p:txBody>
+          <a:bodyPr wrap="square" rtlCol="0">
+            <a:spAutoFit/>
+          </a:bodyPr>
+          <a:lstStyle/>
+          <a:p>
+            <a:pPr algn="ctr"/>
+            <a:r>
+              <a:rPr lang="en-US" sz="1600" b="1" dirty="0">
+                <a:solidFill>
+                  <a:schemeClr val="bg1"/>
+                </a:solidFill>
+              </a:rPr>
+              <a:t>2.</a:t>
+            </a:r>
+          </a:p>
+        </p:txBody>
+      </p:sp>
+      <p:sp>
+        <p:nvSpPr>
+          <p:cNvPr id="46" name="TextBox 12 - 2">
+            <a:extLst>
+              <a:ext uri="{FF2B5EF4-FFF2-40B4-BE49-F238E27FC236}">
+                <a16:creationId xmlns:a16="http://schemas.microsoft.com/office/drawing/2014/main" id="{A174DA72-786C-49C0-75CD-3C6B10FCEC54}"/>
+              </a:ext>
+            </a:extLst>
+          </p:cNvPr>
+          <p:cNvSpPr txBox="1"/>
+          <p:nvPr/>
+        </p:nvSpPr>
+        <p:spPr>
+          <a:xfrm>
+            <a:off x="6096000" y="4289595"/>
+            <a:ext cx="457199" cy="338554"/>
+          </a:xfrm>
+          <a:prstGeom prst="rect">
+            <a:avLst/>
+          </a:prstGeom>
+          <a:solidFill>
+            <a:srgbClr val="0070C0"/>
+          </a:solidFill>
+        </p:spPr>
+        <p:txBody>
+          <a:bodyPr wrap="square" rtlCol="0">
+            <a:spAutoFit/>
+          </a:bodyPr>
+          <a:lstStyle/>
+          <a:p>
+            <a:pPr algn="ctr"/>
+            <a:r>
+              <a:rPr lang="en-US" sz="1600" b="1" dirty="0">
+                <a:solidFill>
+                  <a:schemeClr val="bg1"/>
+                </a:solidFill>
+              </a:rPr>
+              <a:t>3.</a:t>
+            </a:r>
+          </a:p>
+        </p:txBody>
+      </p:sp>
+      <p:sp>
+        <p:nvSpPr>
+          <p:cNvPr id="47" name="TextBox 12 - 3">
+            <a:extLst>
+              <a:ext uri="{FF2B5EF4-FFF2-40B4-BE49-F238E27FC236}">
+                <a16:creationId xmlns:a16="http://schemas.microsoft.com/office/drawing/2014/main" id="{EF7D545C-C07D-BA40-8C4B-9FCA87177134}"/>
+              </a:ext>
+            </a:extLst>
+          </p:cNvPr>
+          <p:cNvSpPr txBox="1"/>
+          <p:nvPr/>
+        </p:nvSpPr>
+        <p:spPr>
+          <a:xfrm>
+            <a:off x="6096000" y="3667232"/>
+            <a:ext cx="457199" cy="338554"/>
+          </a:xfrm>
+          <a:prstGeom prst="rect">
+            <a:avLst/>
+          </a:prstGeom>
+          <a:solidFill>
+            <a:srgbClr val="FF9D00"/>
+          </a:solidFill>
+        </p:spPr>
+        <p:txBody>
+          <a:bodyPr wrap="square" rtlCol="0">
+            <a:spAutoFit/>
+          </a:bodyPr>
+          <a:lstStyle/>
+          <a:p>
+            <a:pPr algn="ctr"/>
+            <a:r>
+              <a:rPr lang="en-US" sz="1600" b="1" dirty="0">
+                <a:solidFill>
+                  <a:schemeClr val="bg1"/>
+                </a:solidFill>
+              </a:rPr>
+              <a:t>4.</a:t>
+            </a:r>
+          </a:p>
+        </p:txBody>
+      </p:sp>
+      <p:sp>
+        <p:nvSpPr>
+          <p:cNvPr id="48" name="TextBox 12 - 4">
+            <a:extLst>
+              <a:ext uri="{FF2B5EF4-FFF2-40B4-BE49-F238E27FC236}">
+                <a16:creationId xmlns:a16="http://schemas.microsoft.com/office/drawing/2014/main" id="{E17FCA62-62E6-BD25-C388-B89AF46F876A}"/>
+              </a:ext>
+            </a:extLst>
+          </p:cNvPr>
+          <p:cNvSpPr txBox="1"/>
+          <p:nvPr/>
+        </p:nvSpPr>
+        <p:spPr>
+          <a:xfrm>
+            <a:off x="6096000" y="3044869"/>
+            <a:ext cx="457199" cy="338554"/>
+          </a:xfrm>
+          <a:prstGeom prst="rect">
+            <a:avLst/>
+          </a:prstGeom>
+          <a:solidFill>
+            <a:schemeClr val="accent6">
+              <a:lumMod val="75000"/>
+            </a:schemeClr>
+          </a:solidFill>
+        </p:spPr>
+        <p:txBody>
+          <a:bodyPr wrap="square" rtlCol="0">
+            <a:spAutoFit/>
+          </a:bodyPr>
+          <a:lstStyle/>
+          <a:p>
+            <a:pPr algn="ctr"/>
+            <a:r>
+              <a:rPr lang="en-US" sz="1600" b="1" dirty="0">
+                <a:solidFill>
+                  <a:schemeClr val="bg1"/>
+                </a:solidFill>
+              </a:rPr>
+              <a:t>5.</a:t>
+            </a:r>
+          </a:p>
+        </p:txBody>
+      </p:sp>
+      <p:sp>
+        <p:nvSpPr>
+          <p:cNvPr id="49" name="TextBox 12 - 5">
+            <a:extLst>
+              <a:ext uri="{FF2B5EF4-FFF2-40B4-BE49-F238E27FC236}">
+                <a16:creationId xmlns:a16="http://schemas.microsoft.com/office/drawing/2014/main" id="{D206A93B-4978-FFAC-E581-9B90D44E705A}"/>
+              </a:ext>
+            </a:extLst>
+          </p:cNvPr>
+          <p:cNvSpPr txBox="1"/>
+          <p:nvPr/>
+        </p:nvSpPr>
+        <p:spPr>
+          <a:xfrm>
+            <a:off x="6096000" y="2422506"/>
+            <a:ext cx="457199" cy="338554"/>
+          </a:xfrm>
+          <a:prstGeom prst="rect">
+            <a:avLst/>
+          </a:prstGeom>
+          <a:solidFill>
+            <a:schemeClr val="accent6">
+              <a:lumMod val="75000"/>
+            </a:schemeClr>
+          </a:solidFill>
+        </p:spPr>
+        <p:txBody>
+          <a:bodyPr wrap="square" rtlCol="0">
+            <a:spAutoFit/>
+          </a:bodyPr>
+          <a:lstStyle/>
+          <a:p>
+            <a:pPr algn="ctr"/>
+            <a:r>
+              <a:rPr lang="en-US" sz="1600" b="1" dirty="0">
+                <a:solidFill>
+                  <a:schemeClr val="bg1"/>
+                </a:solidFill>
+              </a:rPr>
+              <a:t>6.</a:t>
+            </a:r>
+          </a:p>
+        </p:txBody>
+      </p:sp>
+      <p:sp>
+        <p:nvSpPr>
+          <p:cNvPr id="50" name="TextBox 12 - 6">
+            <a:extLst>
+              <a:ext uri="{FF2B5EF4-FFF2-40B4-BE49-F238E27FC236}">
+                <a16:creationId xmlns:a16="http://schemas.microsoft.com/office/drawing/2014/main" id="{7FD39AD7-5E64-6A09-9522-6410C4D21BAA}"/>
+              </a:ext>
+            </a:extLst>
+          </p:cNvPr>
+          <p:cNvSpPr txBox="1"/>
+          <p:nvPr/>
+        </p:nvSpPr>
+        <p:spPr>
+          <a:xfrm>
+            <a:off x="6096000" y="1800143"/>
+            <a:ext cx="457199" cy="338554"/>
+          </a:xfrm>
+          <a:prstGeom prst="rect">
+            <a:avLst/>
+          </a:prstGeom>
+          <a:solidFill>
+            <a:schemeClr val="accent6">
+              <a:lumMod val="75000"/>
+            </a:schemeClr>
+          </a:solidFill>
+        </p:spPr>
+        <p:txBody>
+          <a:bodyPr wrap="square" rtlCol="0">
+            <a:spAutoFit/>
+          </a:bodyPr>
+          <a:lstStyle/>
+          <a:p>
+            <a:pPr algn="ctr"/>
+            <a:r>
+              <a:rPr lang="en-US" sz="1600" b="1" dirty="0">
+                <a:solidFill>
+                  <a:schemeClr val="bg1"/>
+                </a:solidFill>
+              </a:rPr>
+              <a:t>7.</a:t>
+            </a:r>
+          </a:p>
+        </p:txBody>
+      </p:sp>
+      <p:grpSp>
+        <p:nvGrpSpPr>
+          <p:cNvPr id="5" name="Group 4">
+            <a:extLst>
+              <a:ext uri="{FF2B5EF4-FFF2-40B4-BE49-F238E27FC236}">
+                <a16:creationId xmlns:a16="http://schemas.microsoft.com/office/drawing/2014/main" id="{12BB58E5-D398-AABA-4985-E5FDFC3E74DA}"/>
+              </a:ext>
+            </a:extLst>
+          </p:cNvPr>
+          <p:cNvGrpSpPr/>
+          <p:nvPr/>
+        </p:nvGrpSpPr>
+        <p:grpSpPr>
+          <a:xfrm>
+            <a:off x="7394430" y="6103599"/>
+            <a:ext cx="3712003" cy="537581"/>
+            <a:chOff x="7394430" y="6103599"/>
+            <a:chExt cx="3712003" cy="537581"/>
+          </a:xfrm>
+        </p:grpSpPr>
+        <p:sp>
+          <p:nvSpPr>
+            <p:cNvPr id="3" name="Oval 2">
+              <a:extLst>
+                <a:ext uri="{FF2B5EF4-FFF2-40B4-BE49-F238E27FC236}">
+                  <a16:creationId xmlns:a16="http://schemas.microsoft.com/office/drawing/2014/main" id="{3077E909-DECB-3BEF-B521-9430EDC96B5F}"/>
+                </a:ext>
+              </a:extLst>
+            </p:cNvPr>
+            <p:cNvSpPr/>
+            <p:nvPr/>
+          </p:nvSpPr>
+          <p:spPr>
+            <a:xfrm>
+              <a:off x="7394430" y="6103599"/>
+              <a:ext cx="3712003" cy="537581"/>
+            </a:xfrm>
+            <a:prstGeom prst="ellipse">
+              <a:avLst/>
+            </a:prstGeom>
+            <a:solidFill>
+              <a:schemeClr val="accent4">
+                <a:lumMod val="20000"/>
+                <a:lumOff val="80000"/>
+              </a:schemeClr>
+            </a:solidFill>
+            <a:ln>
+              <a:noFill/>
+            </a:ln>
+          </p:spPr>
+          <p:style>
+            <a:lnRef idx="2">
+              <a:schemeClr val="accent1">
+                <a:shade val="15000"/>
+              </a:schemeClr>
+            </a:lnRef>
+            <a:fillRef idx="1">
+              <a:schemeClr val="accent1"/>
+            </a:fillRef>
+            <a:effectRef idx="0">
+              <a:schemeClr val="accent1"/>
+            </a:effectRef>
+            <a:fontRef idx="minor">
+              <a:schemeClr val="lt1"/>
+            </a:fontRef>
+          </p:style>
+          <p:txBody>
+            <a:bodyPr rtlCol="0" anchor="ctr"/>
+            <a:lstStyle/>
+            <a:p>
+              <a:pPr algn="ctr"/>
+              <a:endParaRPr lang="en-US"/>
+            </a:p>
+          </p:txBody>
+        </p:sp>
+        <p:sp>
+          <p:nvSpPr>
+            <p:cNvPr id="4" name="TextBox 3">
+              <a:extLst>
+                <a:ext uri="{FF2B5EF4-FFF2-40B4-BE49-F238E27FC236}">
+                  <a16:creationId xmlns:a16="http://schemas.microsoft.com/office/drawing/2014/main" id="{15623510-B7AA-3E9F-0A6E-132EED3B066C}"/>
+                </a:ext>
+              </a:extLst>
+            </p:cNvPr>
+            <p:cNvSpPr txBox="1"/>
+            <p:nvPr/>
+          </p:nvSpPr>
+          <p:spPr>
+            <a:xfrm>
+              <a:off x="7657752" y="6187723"/>
+              <a:ext cx="3126562" cy="369332"/>
+            </a:xfrm>
+            <a:prstGeom prst="rect">
+              <a:avLst/>
+            </a:prstGeom>
+            <a:noFill/>
+          </p:spPr>
+          <p:txBody>
+            <a:bodyPr wrap="none" rtlCol="0">
+              <a:spAutoFit/>
+            </a:bodyPr>
+            <a:lstStyle/>
+            <a:p>
+              <a:r>
+                <a:rPr lang="en-US" b="1" dirty="0">
+                  <a:solidFill>
+                    <a:srgbClr val="002060"/>
+                  </a:solidFill>
+                </a:rPr>
+                <a:t>Introduction to the Course</a:t>
+              </a:r>
+            </a:p>
+          </p:txBody>
+        </p:sp>
+      </p:grpSp>
+      <p:cxnSp>
+        <p:nvCxnSpPr>
+          <p:cNvPr id="10" name="Straight Arrow Connector 9">
+            <a:extLst>
+              <a:ext uri="{FF2B5EF4-FFF2-40B4-BE49-F238E27FC236}">
+                <a16:creationId xmlns:a16="http://schemas.microsoft.com/office/drawing/2014/main" id="{0BE197C8-FEF2-3AC2-F14F-7AEC93F5ED2B}"/>
+              </a:ext>
+            </a:extLst>
+          </p:cNvPr>
+          <p:cNvCxnSpPr>
+            <a:cxnSpLocks/>
+            <a:stCxn id="3" idx="0"/>
+          </p:cNvCxnSpPr>
+          <p:nvPr/>
+        </p:nvCxnSpPr>
+        <p:spPr>
+          <a:xfrm flipV="1">
+            <a:off x="9250432" y="5872874"/>
+            <a:ext cx="1" cy="230725"/>
+          </a:xfrm>
+          <a:prstGeom prst="straightConnector1">
+            <a:avLst/>
+          </a:prstGeom>
+          <a:ln>
+            <a:tailEnd type="triangle"/>
+          </a:ln>
+        </p:spPr>
+        <p:style>
+          <a:lnRef idx="2">
+            <a:schemeClr val="accent1"/>
+          </a:lnRef>
+          <a:fillRef idx="0">
+            <a:schemeClr val="accent1"/>
+          </a:fillRef>
+          <a:effectRef idx="1">
+            <a:schemeClr val="accent1"/>
+          </a:effectRef>
+          <a:fontRef idx="minor">
+            <a:schemeClr val="tx1"/>
+          </a:fontRef>
+        </p:style>
+      </p:cxnSp>
+      <p:cxnSp>
+        <p:nvCxnSpPr>
+          <p:cNvPr id="12" name="Straight Arrow Connector 11">
+            <a:extLst>
+              <a:ext uri="{FF2B5EF4-FFF2-40B4-BE49-F238E27FC236}">
+                <a16:creationId xmlns:a16="http://schemas.microsoft.com/office/drawing/2014/main" id="{86DB035C-6934-964E-D2DA-B6A7F0C5BAD7}"/>
+              </a:ext>
+            </a:extLst>
+          </p:cNvPr>
+          <p:cNvCxnSpPr>
+            <a:cxnSpLocks/>
+          </p:cNvCxnSpPr>
+          <p:nvPr/>
+        </p:nvCxnSpPr>
+        <p:spPr>
+          <a:xfrm flipH="1" flipV="1">
+            <a:off x="9250432" y="5244778"/>
+            <a:ext cx="1" cy="289542"/>
+          </a:xfrm>
+          <a:prstGeom prst="straightConnector1">
+            <a:avLst/>
+          </a:prstGeom>
+          <a:ln>
+            <a:tailEnd type="triangle"/>
+          </a:ln>
+        </p:spPr>
+        <p:style>
+          <a:lnRef idx="2">
+            <a:schemeClr val="accent1"/>
+          </a:lnRef>
+          <a:fillRef idx="0">
+            <a:schemeClr val="accent1"/>
+          </a:fillRef>
+          <a:effectRef idx="1">
+            <a:schemeClr val="accent1"/>
+          </a:effectRef>
+          <a:fontRef idx="minor">
+            <a:schemeClr val="tx1"/>
+          </a:fontRef>
+        </p:style>
+      </p:cxnSp>
+      <p:cxnSp>
+        <p:nvCxnSpPr>
+          <p:cNvPr id="13" name="Straight Arrow Connector 12">
+            <a:extLst>
+              <a:ext uri="{FF2B5EF4-FFF2-40B4-BE49-F238E27FC236}">
+                <a16:creationId xmlns:a16="http://schemas.microsoft.com/office/drawing/2014/main" id="{280C98A0-73BD-9E4B-3B78-9428D07CABBF}"/>
+              </a:ext>
+            </a:extLst>
+          </p:cNvPr>
+          <p:cNvCxnSpPr>
+            <a:cxnSpLocks/>
+          </p:cNvCxnSpPr>
+          <p:nvPr/>
+        </p:nvCxnSpPr>
+        <p:spPr>
+          <a:xfrm flipH="1" flipV="1">
+            <a:off x="9252087" y="4010605"/>
+            <a:ext cx="1" cy="289542"/>
+          </a:xfrm>
+          <a:prstGeom prst="straightConnector1">
+            <a:avLst/>
+          </a:prstGeom>
+          <a:ln>
+            <a:tailEnd type="triangle"/>
+          </a:ln>
+        </p:spPr>
+        <p:style>
+          <a:lnRef idx="2">
+            <a:schemeClr val="accent1"/>
+          </a:lnRef>
+          <a:fillRef idx="0">
+            <a:schemeClr val="accent1"/>
+          </a:fillRef>
+          <a:effectRef idx="1">
+            <a:schemeClr val="accent1"/>
+          </a:effectRef>
+          <a:fontRef idx="minor">
+            <a:schemeClr val="tx1"/>
+          </a:fontRef>
+        </p:style>
+      </p:cxnSp>
+      <p:cxnSp>
+        <p:nvCxnSpPr>
+          <p:cNvPr id="14" name="Straight Arrow Connector 13">
+            <a:extLst>
+              <a:ext uri="{FF2B5EF4-FFF2-40B4-BE49-F238E27FC236}">
+                <a16:creationId xmlns:a16="http://schemas.microsoft.com/office/drawing/2014/main" id="{4EB3D517-04B9-5DD1-9685-C0CCBB4F5E85}"/>
+              </a:ext>
+            </a:extLst>
+          </p:cNvPr>
+          <p:cNvCxnSpPr>
+            <a:cxnSpLocks/>
+          </p:cNvCxnSpPr>
+          <p:nvPr/>
+        </p:nvCxnSpPr>
+        <p:spPr>
+          <a:xfrm flipH="1" flipV="1">
+            <a:off x="9250431" y="3382509"/>
+            <a:ext cx="1" cy="289542"/>
+          </a:xfrm>
+          <a:prstGeom prst="straightConnector1">
+            <a:avLst/>
+          </a:prstGeom>
+          <a:ln>
+            <a:tailEnd type="triangle"/>
+          </a:ln>
+        </p:spPr>
+        <p:style>
+          <a:lnRef idx="2">
+            <a:schemeClr val="accent1"/>
+          </a:lnRef>
+          <a:fillRef idx="0">
+            <a:schemeClr val="accent1"/>
+          </a:fillRef>
+          <a:effectRef idx="1">
+            <a:schemeClr val="accent1"/>
+          </a:effectRef>
+          <a:fontRef idx="minor">
+            <a:schemeClr val="tx1"/>
+          </a:fontRef>
+        </p:style>
+      </p:cxnSp>
+      <p:cxnSp>
+        <p:nvCxnSpPr>
+          <p:cNvPr id="15" name="Straight Arrow Connector 14">
+            <a:extLst>
+              <a:ext uri="{FF2B5EF4-FFF2-40B4-BE49-F238E27FC236}">
+                <a16:creationId xmlns:a16="http://schemas.microsoft.com/office/drawing/2014/main" id="{3663EDA4-7E62-CD7B-6E7B-E8BE59C65CD9}"/>
+              </a:ext>
+            </a:extLst>
+          </p:cNvPr>
+          <p:cNvCxnSpPr>
+            <a:cxnSpLocks/>
+          </p:cNvCxnSpPr>
+          <p:nvPr/>
+        </p:nvCxnSpPr>
+        <p:spPr>
+          <a:xfrm flipH="1" flipV="1">
+            <a:off x="9250431" y="4607656"/>
+            <a:ext cx="1" cy="289542"/>
+          </a:xfrm>
+          <a:prstGeom prst="straightConnector1">
+            <a:avLst/>
+          </a:prstGeom>
+          <a:ln>
+            <a:tailEnd type="triangle"/>
+          </a:ln>
+        </p:spPr>
+        <p:style>
+          <a:lnRef idx="2">
+            <a:schemeClr val="accent1"/>
+          </a:lnRef>
+          <a:fillRef idx="0">
+            <a:schemeClr val="accent1"/>
+          </a:fillRef>
+          <a:effectRef idx="1">
+            <a:schemeClr val="accent1"/>
+          </a:effectRef>
+          <a:fontRef idx="minor">
+            <a:schemeClr val="tx1"/>
+          </a:fontRef>
+        </p:style>
+      </p:cxnSp>
+      <p:cxnSp>
+        <p:nvCxnSpPr>
+          <p:cNvPr id="16" name="Straight Arrow Connector 15">
+            <a:extLst>
+              <a:ext uri="{FF2B5EF4-FFF2-40B4-BE49-F238E27FC236}">
+                <a16:creationId xmlns:a16="http://schemas.microsoft.com/office/drawing/2014/main" id="{4F342CBC-408C-B8EB-E31A-3813FDCB781E}"/>
+              </a:ext>
+            </a:extLst>
+          </p:cNvPr>
+          <p:cNvCxnSpPr>
+            <a:cxnSpLocks/>
+          </p:cNvCxnSpPr>
+          <p:nvPr/>
+        </p:nvCxnSpPr>
+        <p:spPr>
+          <a:xfrm flipH="1" flipV="1">
+            <a:off x="9250430" y="2770453"/>
+            <a:ext cx="1" cy="289542"/>
+          </a:xfrm>
+          <a:prstGeom prst="straightConnector1">
+            <a:avLst/>
+          </a:prstGeom>
+          <a:ln>
+            <a:tailEnd type="triangle"/>
+          </a:ln>
+        </p:spPr>
+        <p:style>
+          <a:lnRef idx="2">
+            <a:schemeClr val="accent1"/>
+          </a:lnRef>
+          <a:fillRef idx="0">
+            <a:schemeClr val="accent1"/>
+          </a:fillRef>
+          <a:effectRef idx="1">
+            <a:schemeClr val="accent1"/>
+          </a:effectRef>
+          <a:fontRef idx="minor">
+            <a:schemeClr val="tx1"/>
+          </a:fontRef>
+        </p:style>
+      </p:cxnSp>
+      <p:cxnSp>
+        <p:nvCxnSpPr>
+          <p:cNvPr id="17" name="Straight Arrow Connector 16">
+            <a:extLst>
+              <a:ext uri="{FF2B5EF4-FFF2-40B4-BE49-F238E27FC236}">
+                <a16:creationId xmlns:a16="http://schemas.microsoft.com/office/drawing/2014/main" id="{4B0C76C2-05D1-12E4-CE48-B9449774F26B}"/>
+              </a:ext>
+            </a:extLst>
+          </p:cNvPr>
+          <p:cNvCxnSpPr>
+            <a:cxnSpLocks/>
+          </p:cNvCxnSpPr>
+          <p:nvPr/>
+        </p:nvCxnSpPr>
+        <p:spPr>
+          <a:xfrm flipH="1" flipV="1">
+            <a:off x="9250179" y="2129891"/>
+            <a:ext cx="1" cy="289542"/>
+          </a:xfrm>
+          <a:prstGeom prst="straightConnector1">
+            <a:avLst/>
+          </a:prstGeom>
+          <a:ln>
+            <a:tailEnd type="triangle"/>
+          </a:ln>
+        </p:spPr>
+        <p:style>
+          <a:lnRef idx="2">
+            <a:schemeClr val="accent1"/>
+          </a:lnRef>
+          <a:fillRef idx="0">
+            <a:schemeClr val="accent1"/>
+          </a:fillRef>
+          <a:effectRef idx="1">
+            <a:schemeClr val="accent1"/>
+          </a:effectRef>
+          <a:fontRef idx="minor">
+            <a:schemeClr val="tx1"/>
+          </a:fontRef>
+        </p:style>
+      </p:cxnSp>
+      <p:sp>
+        <p:nvSpPr>
+          <p:cNvPr id="18" name="TextBox 17">
+            <a:extLst>
+              <a:ext uri="{FF2B5EF4-FFF2-40B4-BE49-F238E27FC236}">
+                <a16:creationId xmlns:a16="http://schemas.microsoft.com/office/drawing/2014/main" id="{4C17B94E-EBCD-016A-D143-61B3F6D4237A}"/>
+              </a:ext>
+            </a:extLst>
+          </p:cNvPr>
+          <p:cNvSpPr txBox="1"/>
+          <p:nvPr/>
+        </p:nvSpPr>
+        <p:spPr>
+          <a:xfrm>
+            <a:off x="5194300" y="6387912"/>
+            <a:ext cx="1527341" cy="369332"/>
+          </a:xfrm>
+          <a:prstGeom prst="rect">
+            <a:avLst/>
+          </a:prstGeom>
+          <a:noFill/>
+        </p:spPr>
+        <p:txBody>
+          <a:bodyPr wrap="none" rtlCol="0">
+            <a:spAutoFit/>
+          </a:bodyPr>
+          <a:lstStyle/>
+          <a:p>
+            <a:r>
+              <a:rPr lang="en-US" b="1" dirty="0"/>
+              <a:t>We are here</a:t>
+            </a:r>
+          </a:p>
+        </p:txBody>
+      </p:sp>
+      <p:cxnSp>
+        <p:nvCxnSpPr>
+          <p:cNvPr id="19" name="Connector: Curved 18">
+            <a:extLst>
+              <a:ext uri="{FF2B5EF4-FFF2-40B4-BE49-F238E27FC236}">
+                <a16:creationId xmlns:a16="http://schemas.microsoft.com/office/drawing/2014/main" id="{FA578DD2-7ED4-8741-699B-018548EDECAB}"/>
+              </a:ext>
+            </a:extLst>
+          </p:cNvPr>
+          <p:cNvCxnSpPr>
+            <a:cxnSpLocks/>
+            <a:stCxn id="18" idx="3"/>
+            <a:endCxn id="3" idx="2"/>
+          </p:cNvCxnSpPr>
+          <p:nvPr/>
+        </p:nvCxnSpPr>
+        <p:spPr>
+          <a:xfrm flipV="1">
+            <a:off x="6721641" y="6372390"/>
+            <a:ext cx="672789" cy="200188"/>
+          </a:xfrm>
+          <a:prstGeom prst="curvedConnector3">
+            <a:avLst>
+              <a:gd name="adj1" fmla="val 50000"/>
+            </a:avLst>
+          </a:prstGeom>
+          <a:ln>
+            <a:solidFill>
+              <a:schemeClr val="tx1"/>
+            </a:solidFill>
+            <a:prstDash val="sysDash"/>
+            <a:tailEnd type="triangle"/>
+          </a:ln>
+        </p:spPr>
+        <p:style>
+          <a:lnRef idx="2">
+            <a:schemeClr val="accent1"/>
+          </a:lnRef>
+          <a:fillRef idx="0">
+            <a:schemeClr val="accent1"/>
+          </a:fillRef>
+          <a:effectRef idx="1">
+            <a:schemeClr val="accent1"/>
+          </a:effectRef>
+          <a:fontRef idx="minor">
+            <a:schemeClr val="tx1"/>
+          </a:fontRef>
+        </p:style>
+      </p:cxnSp>
+      <p:sp>
+        <p:nvSpPr>
+          <p:cNvPr id="21" name="TextBox 20">
+            <a:extLst>
+              <a:ext uri="{FF2B5EF4-FFF2-40B4-BE49-F238E27FC236}">
+                <a16:creationId xmlns:a16="http://schemas.microsoft.com/office/drawing/2014/main" id="{F3DC80C1-1387-B58D-50CD-386234D6EB68}"/>
+              </a:ext>
+            </a:extLst>
+          </p:cNvPr>
+          <p:cNvSpPr txBox="1"/>
+          <p:nvPr/>
+        </p:nvSpPr>
+        <p:spPr>
+          <a:xfrm>
+            <a:off x="1231239" y="2842112"/>
+            <a:ext cx="3417346" cy="1015663"/>
+          </a:xfrm>
+          <a:prstGeom prst="rect">
+            <a:avLst/>
+          </a:prstGeom>
+          <a:solidFill>
+            <a:srgbClr val="002060"/>
+          </a:solidFill>
+        </p:spPr>
+        <p:txBody>
+          <a:bodyPr wrap="none" rtlCol="0">
+            <a:spAutoFit/>
+          </a:bodyPr>
+          <a:lstStyle/>
+          <a:p>
+            <a:r>
+              <a:rPr lang="en-US" sz="6000" b="1" dirty="0">
+                <a:solidFill>
+                  <a:schemeClr val="bg1"/>
+                </a:solidFill>
+              </a:rPr>
+              <a:t>7 Parts +</a:t>
+            </a:r>
+          </a:p>
+        </p:txBody>
+      </p:sp>
+      <p:sp>
+        <p:nvSpPr>
+          <p:cNvPr id="22" name="Title 1">
+            <a:extLst>
+              <a:ext uri="{FF2B5EF4-FFF2-40B4-BE49-F238E27FC236}">
+                <a16:creationId xmlns:a16="http://schemas.microsoft.com/office/drawing/2014/main" id="{D62B0938-3D61-4B77-F0F0-150E61110304}"/>
+              </a:ext>
+            </a:extLst>
+          </p:cNvPr>
+          <p:cNvSpPr txBox="1">
+            <a:spLocks/>
+          </p:cNvSpPr>
+          <p:nvPr/>
+        </p:nvSpPr>
+        <p:spPr>
+          <a:xfrm>
+            <a:off x="389398" y="3410198"/>
+            <a:ext cx="5101028" cy="1200814"/>
+          </a:xfrm>
+          <a:prstGeom prst="rect">
+            <a:avLst/>
+          </a:prstGeom>
+        </p:spPr>
+        <p:txBody>
+          <a:bodyPr vert="horz" lIns="91440" tIns="45720" rIns="91440" bIns="45720" rtlCol="0" anchor="b">
+            <a:normAutofit/>
+          </a:bodyPr>
+          <a:lstStyle>
+            <a:lvl1pPr algn="ctr" defTabSz="914400" rtl="0" eaLnBrk="1" latinLnBrk="0" hangingPunct="1">
+              <a:lnSpc>
+                <a:spcPct val="90000"/>
+              </a:lnSpc>
+              <a:spcBef>
+                <a:spcPct val="0"/>
+              </a:spcBef>
+              <a:buNone/>
+              <a:defRPr sz="6000" kern="1200">
+                <a:solidFill>
+                  <a:srgbClr val="002060"/>
+                </a:solidFill>
+                <a:latin typeface="Avenir Next LT Pro" panose="020B0504020202020204" pitchFamily="34" charset="0"/>
+                <a:ea typeface="+mj-ea"/>
+                <a:cs typeface="+mj-cs"/>
+              </a:defRPr>
+            </a:lvl1pPr>
+          </a:lstStyle>
+          <a:p>
+            <a:r>
+              <a:rPr lang="en-US" sz="1800" b="1" dirty="0">
+                <a:gradFill>
+                  <a:gsLst>
+                    <a:gs pos="29000">
+                      <a:srgbClr val="041462"/>
+                    </a:gs>
+                    <a:gs pos="85000">
+                      <a:srgbClr val="1B5CE0"/>
+                    </a:gs>
+                  </a:gsLst>
+                  <a:lin ang="2700000" scaled="0"/>
+                </a:gradFill>
+                <a:latin typeface="+mn-lt"/>
+              </a:rPr>
+              <a:t>Hands-on Generative AI Engineering with Large Language Models</a:t>
+            </a:r>
+          </a:p>
+        </p:txBody>
+      </p:sp>
+      <p:sp>
+        <p:nvSpPr>
+          <p:cNvPr id="24" name="Oval 23">
+            <a:extLst>
+              <a:ext uri="{FF2B5EF4-FFF2-40B4-BE49-F238E27FC236}">
+                <a16:creationId xmlns:a16="http://schemas.microsoft.com/office/drawing/2014/main" id="{9AEA7CF7-3D61-8681-54AF-203DDD850256}"/>
+              </a:ext>
+            </a:extLst>
+          </p:cNvPr>
+          <p:cNvSpPr/>
+          <p:nvPr/>
+        </p:nvSpPr>
+        <p:spPr>
+          <a:xfrm>
+            <a:off x="7131231" y="295362"/>
+            <a:ext cx="4238403" cy="1200329"/>
+          </a:xfrm>
+          <a:prstGeom prst="ellipse">
+            <a:avLst/>
+          </a:prstGeom>
+          <a:solidFill>
+            <a:schemeClr val="accent4">
+              <a:lumMod val="40000"/>
+              <a:lumOff val="60000"/>
+            </a:schemeClr>
+          </a:solidFill>
+          <a:ln>
+            <a:noFill/>
+          </a:ln>
+        </p:spPr>
+        <p:style>
+          <a:lnRef idx="2">
+            <a:schemeClr val="accent1">
+              <a:shade val="15000"/>
+            </a:schemeClr>
+          </a:lnRef>
+          <a:fillRef idx="1">
+            <a:schemeClr val="accent1"/>
+          </a:fillRef>
+          <a:effectRef idx="0">
+            <a:schemeClr val="accent1"/>
+          </a:effectRef>
+          <a:fontRef idx="minor">
+            <a:schemeClr val="lt1"/>
+          </a:fontRef>
+        </p:style>
+        <p:txBody>
+          <a:bodyPr rtlCol="0" anchor="ctr"/>
+          <a:lstStyle/>
+          <a:p>
+            <a:pPr algn="ctr"/>
+            <a:r>
+              <a:rPr lang="en-US" b="1" dirty="0">
+                <a:solidFill>
+                  <a:srgbClr val="002060"/>
+                </a:solidFill>
+              </a:rPr>
+              <a:t>Beyond the Course</a:t>
+            </a:r>
+            <a:r>
+              <a:rPr lang="en-US" dirty="0">
+                <a:solidFill>
+                  <a:srgbClr val="002060"/>
+                </a:solidFill>
+              </a:rPr>
+              <a:t> </a:t>
+            </a:r>
+          </a:p>
+        </p:txBody>
+      </p:sp>
+      <p:cxnSp>
+        <p:nvCxnSpPr>
+          <p:cNvPr id="26" name="Straight Arrow Connector 25">
+            <a:extLst>
+              <a:ext uri="{FF2B5EF4-FFF2-40B4-BE49-F238E27FC236}">
+                <a16:creationId xmlns:a16="http://schemas.microsoft.com/office/drawing/2014/main" id="{1D237BB7-BFBC-495A-CEAE-53EA23A5D90C}"/>
+              </a:ext>
+            </a:extLst>
+          </p:cNvPr>
+          <p:cNvCxnSpPr>
+            <a:cxnSpLocks/>
+          </p:cNvCxnSpPr>
+          <p:nvPr/>
+        </p:nvCxnSpPr>
+        <p:spPr>
+          <a:xfrm flipH="1" flipV="1">
+            <a:off x="9250178" y="1501824"/>
+            <a:ext cx="1" cy="289542"/>
+          </a:xfrm>
+          <a:prstGeom prst="straightConnector1">
+            <a:avLst/>
+          </a:prstGeom>
+          <a:ln>
+            <a:tailEnd type="triangle"/>
+          </a:ln>
+        </p:spPr>
+        <p:style>
+          <a:lnRef idx="2">
+            <a:schemeClr val="accent1"/>
+          </a:lnRef>
+          <a:fillRef idx="0">
+            <a:schemeClr val="accent1"/>
+          </a:fillRef>
+          <a:effectRef idx="1">
+            <a:schemeClr val="accent1"/>
+          </a:effectRef>
+          <a:fontRef idx="minor">
+            <a:schemeClr val="tx1"/>
+          </a:fontRef>
+        </p:style>
+      </p:cxnSp>
     </p:spTree>
     <p:extLst>
       <p:ext uri="{BB962C8B-B14F-4D97-AF65-F5344CB8AC3E}">
-        <p14:creationId xmlns:p14="http://schemas.microsoft.com/office/powerpoint/2010/main" val="815458470"/>
+        <p14:creationId xmlns:p14="http://schemas.microsoft.com/office/powerpoint/2010/main" val="237894773"/>
+      </p:ext>
+    </p:extLst>
+  </p:cSld>
+  <p:clrMapOvr>
+    <a:masterClrMapping/>
+  </p:clrMapOvr>
+</p:sld>
+</file>
+
+<file path=ppt/slides/slide6.xml><?xml version="1.0" encoding="utf-8"?>
+<p:sld xmlns:a="http://schemas.openxmlformats.org/drawingml/2006/main" xmlns:r="http://schemas.openxmlformats.org/officeDocument/2006/relationships" xmlns:p="http://schemas.openxmlformats.org/presentationml/2006/main">
+  <p:cSld>
+    <p:spTree>
+      <p:nvGrpSpPr>
+        <p:cNvPr id="1" name=""/>
+        <p:cNvGrpSpPr/>
+        <p:nvPr/>
+      </p:nvGrpSpPr>
+      <p:grpSpPr>
+        <a:xfrm>
+          <a:off x="0" y="0"/>
+          <a:ext cx="0" cy="0"/>
+          <a:chOff x="0" y="0"/>
+          <a:chExt cx="0" cy="0"/>
+        </a:xfrm>
+      </p:grpSpPr>
+      <p:sp>
+        <p:nvSpPr>
+          <p:cNvPr id="42" name="Title 1">
+            <a:extLst>
+              <a:ext uri="{FF2B5EF4-FFF2-40B4-BE49-F238E27FC236}">
+                <a16:creationId xmlns:a16="http://schemas.microsoft.com/office/drawing/2014/main" id="{53AD96E6-67B2-02CD-F910-420EA60CDC1C}"/>
+              </a:ext>
+            </a:extLst>
+          </p:cNvPr>
+          <p:cNvSpPr>
+            <a:spLocks noGrp="1"/>
+          </p:cNvSpPr>
+          <p:nvPr>
+            <p:ph type="title"/>
+          </p:nvPr>
+        </p:nvSpPr>
+        <p:spPr>
+          <a:xfrm>
+            <a:off x="838200" y="365125"/>
+            <a:ext cx="11036300" cy="1325563"/>
+          </a:xfrm>
+        </p:spPr>
+        <p:txBody>
+          <a:bodyPr/>
+          <a:lstStyle/>
+          <a:p>
+            <a:r>
+              <a:rPr lang="en-US" dirty="0"/>
+              <a:t>Course Structure</a:t>
+            </a:r>
+          </a:p>
+        </p:txBody>
+      </p:sp>
+      <p:sp>
+        <p:nvSpPr>
+          <p:cNvPr id="7" name="TextBox 12">
+            <a:extLst>
+              <a:ext uri="{FF2B5EF4-FFF2-40B4-BE49-F238E27FC236}">
+                <a16:creationId xmlns:a16="http://schemas.microsoft.com/office/drawing/2014/main" id="{4AA1F1CC-4A12-03C3-C9AB-090A44D79676}"/>
+              </a:ext>
+            </a:extLst>
+          </p:cNvPr>
+          <p:cNvSpPr txBox="1"/>
+          <p:nvPr/>
+        </p:nvSpPr>
+        <p:spPr>
+          <a:xfrm>
+            <a:off x="6578547" y="5534320"/>
+            <a:ext cx="5343772" cy="338554"/>
+          </a:xfrm>
+          <a:prstGeom prst="rect">
+            <a:avLst/>
+          </a:prstGeom>
+          <a:solidFill>
+            <a:srgbClr val="002060"/>
+          </a:solidFill>
+        </p:spPr>
+        <p:txBody>
+          <a:bodyPr wrap="square" rtlCol="0">
+            <a:spAutoFit/>
+          </a:bodyPr>
+          <a:lstStyle/>
+          <a:p>
+            <a:pPr algn="ctr"/>
+            <a:r>
+              <a:rPr lang="en-US" sz="1600" dirty="0">
+                <a:solidFill>
+                  <a:schemeClr val="bg1"/>
+                </a:solidFill>
+              </a:rPr>
+              <a:t>Software Prerequisites for Python Projects</a:t>
+            </a:r>
+          </a:p>
+        </p:txBody>
+      </p:sp>
+      <p:sp>
+        <p:nvSpPr>
+          <p:cNvPr id="44" name="TextBox 12">
+            <a:extLst>
+              <a:ext uri="{FF2B5EF4-FFF2-40B4-BE49-F238E27FC236}">
+                <a16:creationId xmlns:a16="http://schemas.microsoft.com/office/drawing/2014/main" id="{B71FEEDD-E60F-4F94-ED29-9770C86F43C4}"/>
+              </a:ext>
+            </a:extLst>
+          </p:cNvPr>
+          <p:cNvSpPr txBox="1"/>
+          <p:nvPr/>
+        </p:nvSpPr>
+        <p:spPr>
+          <a:xfrm>
+            <a:off x="6096000" y="5534320"/>
+            <a:ext cx="457199" cy="338554"/>
+          </a:xfrm>
+          <a:prstGeom prst="rect">
+            <a:avLst/>
+          </a:prstGeom>
+          <a:solidFill>
+            <a:srgbClr val="002060"/>
+          </a:solidFill>
+        </p:spPr>
+        <p:txBody>
+          <a:bodyPr wrap="square" rtlCol="0">
+            <a:spAutoFit/>
+          </a:bodyPr>
+          <a:lstStyle/>
+          <a:p>
+            <a:pPr algn="ctr"/>
+            <a:r>
+              <a:rPr lang="en-US" sz="1600" b="1" dirty="0">
+                <a:solidFill>
+                  <a:schemeClr val="bg1"/>
+                </a:solidFill>
+              </a:rPr>
+              <a:t>1.</a:t>
+            </a:r>
+          </a:p>
+        </p:txBody>
+      </p:sp>
+      <p:grpSp>
+        <p:nvGrpSpPr>
+          <p:cNvPr id="27" name="Group 26">
+            <a:extLst>
+              <a:ext uri="{FF2B5EF4-FFF2-40B4-BE49-F238E27FC236}">
+                <a16:creationId xmlns:a16="http://schemas.microsoft.com/office/drawing/2014/main" id="{C883F86F-70F9-53FA-185D-6544D0A211F4}"/>
+              </a:ext>
+            </a:extLst>
+          </p:cNvPr>
+          <p:cNvGrpSpPr/>
+          <p:nvPr/>
+        </p:nvGrpSpPr>
+        <p:grpSpPr>
+          <a:xfrm>
+            <a:off x="7536782" y="2084913"/>
+            <a:ext cx="3027532" cy="2688173"/>
+            <a:chOff x="7878210" y="2291817"/>
+            <a:chExt cx="2300892" cy="2051901"/>
+          </a:xfrm>
+        </p:grpSpPr>
+        <p:pic>
+          <p:nvPicPr>
+            <p:cNvPr id="28" name="Picture 27" descr="A blue and yellow snake logo&#10;&#10;Description automatically generated">
+              <a:extLst>
+                <a:ext uri="{FF2B5EF4-FFF2-40B4-BE49-F238E27FC236}">
+                  <a16:creationId xmlns:a16="http://schemas.microsoft.com/office/drawing/2014/main" id="{7BE14942-FAB6-047A-BCFB-26291539A41B}"/>
+                </a:ext>
+              </a:extLst>
+            </p:cNvPr>
+            <p:cNvPicPr>
+              <a:picLocks noChangeAspect="1"/>
+            </p:cNvPicPr>
+            <p:nvPr/>
+          </p:nvPicPr>
+          <p:blipFill>
+            <a:blip r:embed="rId3">
+              <a:extLst>
+                <a:ext uri="{28A0092B-C50C-407E-A947-70E740481C1C}">
+                  <a14:useLocalDpi xmlns:a14="http://schemas.microsoft.com/office/drawing/2010/main" val="0"/>
+                </a:ext>
+              </a:extLst>
+            </a:blip>
+            <a:stretch>
+              <a:fillRect/>
+            </a:stretch>
+          </p:blipFill>
+          <p:spPr>
+            <a:xfrm>
+              <a:off x="8905547" y="3133542"/>
+              <a:ext cx="436313" cy="480150"/>
+            </a:xfrm>
+            <a:prstGeom prst="rect">
+              <a:avLst/>
+            </a:prstGeom>
+          </p:spPr>
+        </p:pic>
+        <p:pic>
+          <p:nvPicPr>
+            <p:cNvPr id="29" name="Picture 4" descr="Anaconda (Python distribution) - Wikipedia">
+              <a:extLst>
+                <a:ext uri="{FF2B5EF4-FFF2-40B4-BE49-F238E27FC236}">
+                  <a16:creationId xmlns:a16="http://schemas.microsoft.com/office/drawing/2014/main" id="{73E53958-DB2E-F631-EC23-6597B440C481}"/>
+                </a:ext>
+              </a:extLst>
+            </p:cNvPr>
+            <p:cNvPicPr>
+              <a:picLocks noChangeAspect="1" noChangeArrowheads="1"/>
+            </p:cNvPicPr>
+            <p:nvPr/>
+          </p:nvPicPr>
+          <p:blipFill>
+            <a:blip r:embed="rId4">
+              <a:extLst>
+                <a:ext uri="{28A0092B-C50C-407E-A947-70E740481C1C}">
+                  <a14:useLocalDpi xmlns:a14="http://schemas.microsoft.com/office/drawing/2010/main" val="0"/>
+                </a:ext>
+              </a:extLst>
+            </a:blip>
+            <a:srcRect/>
+            <a:stretch>
+              <a:fillRect/>
+            </a:stretch>
+          </p:blipFill>
+          <p:spPr bwMode="auto">
+            <a:xfrm>
+              <a:off x="9282862" y="3724458"/>
+              <a:ext cx="896240" cy="445302"/>
+            </a:xfrm>
+            <a:prstGeom prst="rect">
+              <a:avLst/>
+            </a:prstGeom>
+            <a:noFill/>
+            <a:extLst>
+              <a:ext uri="{909E8E84-426E-40DD-AFC4-6F175D3DCCD1}">
+                <a14:hiddenFill xmlns:a14="http://schemas.microsoft.com/office/drawing/2010/main">
+                  <a:solidFill>
+                    <a:srgbClr val="FFFFFF"/>
+                  </a:solidFill>
+                </a14:hiddenFill>
+              </a:ext>
+            </a:extLst>
+          </p:spPr>
+        </p:pic>
+        <p:pic>
+          <p:nvPicPr>
+            <p:cNvPr id="30" name="Picture 8" descr="pypi · GitHub Topics · GitHub">
+              <a:extLst>
+                <a:ext uri="{FF2B5EF4-FFF2-40B4-BE49-F238E27FC236}">
+                  <a16:creationId xmlns:a16="http://schemas.microsoft.com/office/drawing/2014/main" id="{ED2955E6-36B2-1624-A4BA-68C9F70EB956}"/>
+                </a:ext>
+              </a:extLst>
+            </p:cNvPr>
+            <p:cNvPicPr>
+              <a:picLocks noChangeAspect="1" noChangeArrowheads="1"/>
+            </p:cNvPicPr>
+            <p:nvPr/>
+          </p:nvPicPr>
+          <p:blipFill rotWithShape="1">
+            <a:blip r:embed="rId5">
+              <a:extLst>
+                <a:ext uri="{28A0092B-C50C-407E-A947-70E740481C1C}">
+                  <a14:useLocalDpi xmlns:a14="http://schemas.microsoft.com/office/drawing/2010/main" val="0"/>
+                </a:ext>
+              </a:extLst>
+            </a:blip>
+            <a:srcRect l="17548" t="23374" r="20524" b="22999"/>
+            <a:stretch/>
+          </p:blipFill>
+          <p:spPr bwMode="auto">
+            <a:xfrm>
+              <a:off x="8418447" y="3732999"/>
+              <a:ext cx="705257" cy="610719"/>
+            </a:xfrm>
+            <a:prstGeom prst="rect">
+              <a:avLst/>
+            </a:prstGeom>
+            <a:noFill/>
+            <a:extLst>
+              <a:ext uri="{909E8E84-426E-40DD-AFC4-6F175D3DCCD1}">
+                <a14:hiddenFill xmlns:a14="http://schemas.microsoft.com/office/drawing/2010/main">
+                  <a:solidFill>
+                    <a:srgbClr val="FFFFFF"/>
+                  </a:solidFill>
+                </a14:hiddenFill>
+              </a:ext>
+            </a:extLst>
+          </p:spPr>
+        </p:pic>
+        <p:pic>
+          <p:nvPicPr>
+            <p:cNvPr id="31" name="Picture 10" descr="PowerShell - Wikipedia">
+              <a:extLst>
+                <a:ext uri="{FF2B5EF4-FFF2-40B4-BE49-F238E27FC236}">
+                  <a16:creationId xmlns:a16="http://schemas.microsoft.com/office/drawing/2014/main" id="{16FCAC72-1D00-4E6E-6EE8-BC0922C48D07}"/>
+                </a:ext>
+              </a:extLst>
+            </p:cNvPr>
+            <p:cNvPicPr>
+              <a:picLocks noChangeAspect="1" noChangeArrowheads="1"/>
+            </p:cNvPicPr>
+            <p:nvPr/>
+          </p:nvPicPr>
+          <p:blipFill>
+            <a:blip r:embed="rId6">
+              <a:extLst>
+                <a:ext uri="{28A0092B-C50C-407E-A947-70E740481C1C}">
+                  <a14:useLocalDpi xmlns:a14="http://schemas.microsoft.com/office/drawing/2010/main" val="0"/>
+                </a:ext>
+              </a:extLst>
+            </a:blip>
+            <a:srcRect/>
+            <a:stretch>
+              <a:fillRect/>
+            </a:stretch>
+          </p:blipFill>
+          <p:spPr bwMode="auto">
+            <a:xfrm>
+              <a:off x="7878210" y="3290553"/>
+              <a:ext cx="631839" cy="631839"/>
+            </a:xfrm>
+            <a:prstGeom prst="rect">
+              <a:avLst/>
+            </a:prstGeom>
+            <a:noFill/>
+            <a:extLst>
+              <a:ext uri="{909E8E84-426E-40DD-AFC4-6F175D3DCCD1}">
+                <a14:hiddenFill xmlns:a14="http://schemas.microsoft.com/office/drawing/2010/main">
+                  <a:solidFill>
+                    <a:srgbClr val="FFFFFF"/>
+                  </a:solidFill>
+                </a14:hiddenFill>
+              </a:ext>
+            </a:extLst>
+          </p:spPr>
+        </p:pic>
+        <p:pic>
+          <p:nvPicPr>
+            <p:cNvPr id="32" name="Picture 12" descr="iTerm2 - Wikipedia">
+              <a:extLst>
+                <a:ext uri="{FF2B5EF4-FFF2-40B4-BE49-F238E27FC236}">
+                  <a16:creationId xmlns:a16="http://schemas.microsoft.com/office/drawing/2014/main" id="{789BC045-B2E0-EF3D-9C4E-DE7FB25950EB}"/>
+                </a:ext>
+              </a:extLst>
+            </p:cNvPr>
+            <p:cNvPicPr>
+              <a:picLocks noChangeAspect="1" noChangeArrowheads="1"/>
+            </p:cNvPicPr>
+            <p:nvPr/>
+          </p:nvPicPr>
+          <p:blipFill>
+            <a:blip r:embed="rId7">
+              <a:extLst>
+                <a:ext uri="{28A0092B-C50C-407E-A947-70E740481C1C}">
+                  <a14:useLocalDpi xmlns:a14="http://schemas.microsoft.com/office/drawing/2010/main" val="0"/>
+                </a:ext>
+              </a:extLst>
+            </a:blip>
+            <a:srcRect/>
+            <a:stretch>
+              <a:fillRect/>
+            </a:stretch>
+          </p:blipFill>
+          <p:spPr bwMode="auto">
+            <a:xfrm>
+              <a:off x="9568024" y="2995395"/>
+              <a:ext cx="611078" cy="611078"/>
+            </a:xfrm>
+            <a:prstGeom prst="rect">
+              <a:avLst/>
+            </a:prstGeom>
+            <a:noFill/>
+            <a:extLst>
+              <a:ext uri="{909E8E84-426E-40DD-AFC4-6F175D3DCCD1}">
+                <a14:hiddenFill xmlns:a14="http://schemas.microsoft.com/office/drawing/2010/main">
+                  <a:solidFill>
+                    <a:srgbClr val="FFFFFF"/>
+                  </a:solidFill>
+                </a14:hiddenFill>
+              </a:ext>
+            </a:extLst>
+          </p:spPr>
+        </p:pic>
+        <p:pic>
+          <p:nvPicPr>
+            <p:cNvPr id="34" name="Picture 14" descr="Visual Studio Code — Wikipédia">
+              <a:extLst>
+                <a:ext uri="{FF2B5EF4-FFF2-40B4-BE49-F238E27FC236}">
+                  <a16:creationId xmlns:a16="http://schemas.microsoft.com/office/drawing/2014/main" id="{BE8EA091-7298-4EA1-313C-C03040F3A791}"/>
+                </a:ext>
+              </a:extLst>
+            </p:cNvPr>
+            <p:cNvPicPr>
+              <a:picLocks noChangeAspect="1" noChangeArrowheads="1"/>
+            </p:cNvPicPr>
+            <p:nvPr/>
+          </p:nvPicPr>
+          <p:blipFill>
+            <a:blip r:embed="rId8">
+              <a:extLst>
+                <a:ext uri="{28A0092B-C50C-407E-A947-70E740481C1C}">
+                  <a14:useLocalDpi xmlns:a14="http://schemas.microsoft.com/office/drawing/2010/main" val="0"/>
+                </a:ext>
+              </a:extLst>
+            </a:blip>
+            <a:srcRect/>
+            <a:stretch>
+              <a:fillRect/>
+            </a:stretch>
+          </p:blipFill>
+          <p:spPr bwMode="auto">
+            <a:xfrm>
+              <a:off x="8173015" y="2481245"/>
+              <a:ext cx="584775" cy="584775"/>
+            </a:xfrm>
+            <a:prstGeom prst="rect">
+              <a:avLst/>
+            </a:prstGeom>
+            <a:noFill/>
+            <a:extLst>
+              <a:ext uri="{909E8E84-426E-40DD-AFC4-6F175D3DCCD1}">
+                <a14:hiddenFill xmlns:a14="http://schemas.microsoft.com/office/drawing/2010/main">
+                  <a:solidFill>
+                    <a:srgbClr val="FFFFFF"/>
+                  </a:solidFill>
+                </a14:hiddenFill>
+              </a:ext>
+            </a:extLst>
+          </p:spPr>
+        </p:pic>
+        <p:pic>
+          <p:nvPicPr>
+            <p:cNvPr id="35" name="Picture 16" descr="PyCharm — Wikipédia">
+              <a:extLst>
+                <a:ext uri="{FF2B5EF4-FFF2-40B4-BE49-F238E27FC236}">
+                  <a16:creationId xmlns:a16="http://schemas.microsoft.com/office/drawing/2014/main" id="{3D54602D-67A0-980D-170C-1002349AB0BD}"/>
+                </a:ext>
+              </a:extLst>
+            </p:cNvPr>
+            <p:cNvPicPr>
+              <a:picLocks noChangeAspect="1" noChangeArrowheads="1"/>
+            </p:cNvPicPr>
+            <p:nvPr/>
+          </p:nvPicPr>
+          <p:blipFill>
+            <a:blip r:embed="rId9">
+              <a:extLst>
+                <a:ext uri="{28A0092B-C50C-407E-A947-70E740481C1C}">
+                  <a14:useLocalDpi xmlns:a14="http://schemas.microsoft.com/office/drawing/2010/main" val="0"/>
+                </a:ext>
+              </a:extLst>
+            </a:blip>
+            <a:srcRect/>
+            <a:stretch>
+              <a:fillRect/>
+            </a:stretch>
+          </p:blipFill>
+          <p:spPr bwMode="auto">
+            <a:xfrm>
+              <a:off x="9123703" y="2291817"/>
+              <a:ext cx="644585" cy="644585"/>
+            </a:xfrm>
+            <a:prstGeom prst="rect">
+              <a:avLst/>
+            </a:prstGeom>
+            <a:noFill/>
+            <a:extLst>
+              <a:ext uri="{909E8E84-426E-40DD-AFC4-6F175D3DCCD1}">
+                <a14:hiddenFill xmlns:a14="http://schemas.microsoft.com/office/drawing/2010/main">
+                  <a:solidFill>
+                    <a:srgbClr val="FFFFFF"/>
+                  </a:solidFill>
+                </a14:hiddenFill>
+              </a:ext>
+            </a:extLst>
+          </p:spPr>
+        </p:pic>
+      </p:grpSp>
+    </p:spTree>
+    <p:extLst>
+      <p:ext uri="{BB962C8B-B14F-4D97-AF65-F5344CB8AC3E}">
+        <p14:creationId xmlns:p14="http://schemas.microsoft.com/office/powerpoint/2010/main" val="1548853502"/>
+      </p:ext>
+    </p:extLst>
+  </p:cSld>
+  <p:clrMapOvr>
+    <a:masterClrMapping/>
+  </p:clrMapOvr>
+</p:sld>
+</file>
+
+<file path=ppt/slides/slide7.xml><?xml version="1.0" encoding="utf-8"?>
+<p:sld xmlns:a="http://schemas.openxmlformats.org/drawingml/2006/main" xmlns:r="http://schemas.openxmlformats.org/officeDocument/2006/relationships" xmlns:p="http://schemas.openxmlformats.org/presentationml/2006/main">
+  <p:cSld>
+    <p:spTree>
+      <p:nvGrpSpPr>
+        <p:cNvPr id="1" name=""/>
+        <p:cNvGrpSpPr/>
+        <p:nvPr/>
+      </p:nvGrpSpPr>
+      <p:grpSpPr>
+        <a:xfrm>
+          <a:off x="0" y="0"/>
+          <a:ext cx="0" cy="0"/>
+          <a:chOff x="0" y="0"/>
+          <a:chExt cx="0" cy="0"/>
+        </a:xfrm>
+      </p:grpSpPr>
+      <p:sp>
+        <p:nvSpPr>
+          <p:cNvPr id="42" name="Title 1">
+            <a:extLst>
+              <a:ext uri="{FF2B5EF4-FFF2-40B4-BE49-F238E27FC236}">
+                <a16:creationId xmlns:a16="http://schemas.microsoft.com/office/drawing/2014/main" id="{53AD96E6-67B2-02CD-F910-420EA60CDC1C}"/>
+              </a:ext>
+            </a:extLst>
+          </p:cNvPr>
+          <p:cNvSpPr>
+            <a:spLocks noGrp="1"/>
+          </p:cNvSpPr>
+          <p:nvPr>
+            <p:ph type="title"/>
+          </p:nvPr>
+        </p:nvSpPr>
+        <p:spPr>
+          <a:xfrm>
+            <a:off x="838200" y="365125"/>
+            <a:ext cx="11036300" cy="1325563"/>
+          </a:xfrm>
+        </p:spPr>
+        <p:txBody>
+          <a:bodyPr/>
+          <a:lstStyle/>
+          <a:p>
+            <a:r>
+              <a:rPr lang="en-US" dirty="0"/>
+              <a:t>Course Structure</a:t>
+            </a:r>
+          </a:p>
+        </p:txBody>
+      </p:sp>
+      <p:sp>
+        <p:nvSpPr>
+          <p:cNvPr id="8" name="TextBox 12 - 1">
+            <a:extLst>
+              <a:ext uri="{FF2B5EF4-FFF2-40B4-BE49-F238E27FC236}">
+                <a16:creationId xmlns:a16="http://schemas.microsoft.com/office/drawing/2014/main" id="{0098DB3A-28AF-5690-C4A0-3C9B55E2977B}"/>
+              </a:ext>
+            </a:extLst>
+          </p:cNvPr>
+          <p:cNvSpPr txBox="1"/>
+          <p:nvPr/>
+        </p:nvSpPr>
+        <p:spPr>
+          <a:xfrm>
+            <a:off x="6578547" y="4289595"/>
+            <a:ext cx="5343772" cy="338554"/>
+          </a:xfrm>
+          <a:prstGeom prst="rect">
+            <a:avLst/>
+          </a:prstGeom>
+          <a:solidFill>
+            <a:srgbClr val="0070C0"/>
+          </a:solidFill>
+        </p:spPr>
+        <p:txBody>
+          <a:bodyPr wrap="square" rtlCol="0">
+            <a:spAutoFit/>
+          </a:bodyPr>
+          <a:lstStyle/>
+          <a:p>
+            <a:pPr algn="ctr"/>
+            <a:r>
+              <a:rPr lang="en-US" sz="1600" dirty="0">
+                <a:solidFill>
+                  <a:schemeClr val="bg1"/>
+                </a:solidFill>
+              </a:rPr>
+              <a:t>Implementing Transformer in Python and </a:t>
+            </a:r>
+            <a:r>
+              <a:rPr lang="en-US" sz="1600" dirty="0" err="1">
+                <a:solidFill>
+                  <a:schemeClr val="bg1"/>
+                </a:solidFill>
+              </a:rPr>
+              <a:t>PyTorch</a:t>
+            </a:r>
+            <a:endParaRPr lang="en-US" sz="1600" dirty="0">
+              <a:solidFill>
+                <a:schemeClr val="bg1"/>
+              </a:solidFill>
+            </a:endParaRPr>
+          </a:p>
+        </p:txBody>
+      </p:sp>
+      <p:sp>
+        <p:nvSpPr>
+          <p:cNvPr id="11" name="TextBox 12 - 2">
+            <a:extLst>
+              <a:ext uri="{FF2B5EF4-FFF2-40B4-BE49-F238E27FC236}">
+                <a16:creationId xmlns:a16="http://schemas.microsoft.com/office/drawing/2014/main" id="{3FCAAEE0-32EE-9DF9-DF4A-AC38D090663A}"/>
+              </a:ext>
+            </a:extLst>
+          </p:cNvPr>
+          <p:cNvSpPr txBox="1"/>
+          <p:nvPr/>
+        </p:nvSpPr>
+        <p:spPr>
+          <a:xfrm>
+            <a:off x="6578547" y="4911958"/>
+            <a:ext cx="5343772" cy="338554"/>
+          </a:xfrm>
+          <a:prstGeom prst="rect">
+            <a:avLst/>
+          </a:prstGeom>
+          <a:solidFill>
+            <a:srgbClr val="0070C0"/>
+          </a:solidFill>
+        </p:spPr>
+        <p:txBody>
+          <a:bodyPr wrap="square" rtlCol="0">
+            <a:spAutoFit/>
+          </a:bodyPr>
+          <a:lstStyle/>
+          <a:p>
+            <a:pPr algn="ctr"/>
+            <a:r>
+              <a:rPr lang="en-US" sz="1600" dirty="0">
+                <a:solidFill>
+                  <a:schemeClr val="bg1"/>
+                </a:solidFill>
+              </a:rPr>
+              <a:t>Introduction to Transformer – Attention Is All You Need</a:t>
+            </a:r>
+          </a:p>
+        </p:txBody>
+      </p:sp>
+      <p:sp>
+        <p:nvSpPr>
+          <p:cNvPr id="45" name="TextBox 12 - 1">
+            <a:extLst>
+              <a:ext uri="{FF2B5EF4-FFF2-40B4-BE49-F238E27FC236}">
+                <a16:creationId xmlns:a16="http://schemas.microsoft.com/office/drawing/2014/main" id="{6E448F58-0C5F-F390-5088-5BC2A2E04FEE}"/>
+              </a:ext>
+            </a:extLst>
+          </p:cNvPr>
+          <p:cNvSpPr txBox="1"/>
+          <p:nvPr/>
+        </p:nvSpPr>
+        <p:spPr>
+          <a:xfrm>
+            <a:off x="6096000" y="4911958"/>
+            <a:ext cx="457199" cy="338554"/>
+          </a:xfrm>
+          <a:prstGeom prst="rect">
+            <a:avLst/>
+          </a:prstGeom>
+          <a:solidFill>
+            <a:srgbClr val="0070C0"/>
+          </a:solidFill>
+        </p:spPr>
+        <p:txBody>
+          <a:bodyPr wrap="square" rtlCol="0">
+            <a:spAutoFit/>
+          </a:bodyPr>
+          <a:lstStyle/>
+          <a:p>
+            <a:pPr algn="ctr"/>
+            <a:r>
+              <a:rPr lang="en-US" sz="1600" b="1" dirty="0">
+                <a:solidFill>
+                  <a:schemeClr val="bg1"/>
+                </a:solidFill>
+              </a:rPr>
+              <a:t>2.</a:t>
+            </a:r>
+          </a:p>
+        </p:txBody>
+      </p:sp>
+      <p:sp>
+        <p:nvSpPr>
+          <p:cNvPr id="46" name="TextBox 12 - 2">
+            <a:extLst>
+              <a:ext uri="{FF2B5EF4-FFF2-40B4-BE49-F238E27FC236}">
+                <a16:creationId xmlns:a16="http://schemas.microsoft.com/office/drawing/2014/main" id="{A174DA72-786C-49C0-75CD-3C6B10FCEC54}"/>
+              </a:ext>
+            </a:extLst>
+          </p:cNvPr>
+          <p:cNvSpPr txBox="1"/>
+          <p:nvPr/>
+        </p:nvSpPr>
+        <p:spPr>
+          <a:xfrm>
+            <a:off x="6096000" y="4289595"/>
+            <a:ext cx="457199" cy="338554"/>
+          </a:xfrm>
+          <a:prstGeom prst="rect">
+            <a:avLst/>
+          </a:prstGeom>
+          <a:solidFill>
+            <a:srgbClr val="0070C0"/>
+          </a:solidFill>
+        </p:spPr>
+        <p:txBody>
+          <a:bodyPr wrap="square" rtlCol="0">
+            <a:spAutoFit/>
+          </a:bodyPr>
+          <a:lstStyle/>
+          <a:p>
+            <a:pPr algn="ctr"/>
+            <a:r>
+              <a:rPr lang="en-US" sz="1600" b="1" dirty="0">
+                <a:solidFill>
+                  <a:schemeClr val="bg1"/>
+                </a:solidFill>
+              </a:rPr>
+              <a:t>3.</a:t>
+            </a:r>
+          </a:p>
+        </p:txBody>
+      </p:sp>
+      <p:cxnSp>
+        <p:nvCxnSpPr>
+          <p:cNvPr id="15" name="Straight Arrow Connector 14">
+            <a:extLst>
+              <a:ext uri="{FF2B5EF4-FFF2-40B4-BE49-F238E27FC236}">
+                <a16:creationId xmlns:a16="http://schemas.microsoft.com/office/drawing/2014/main" id="{3663EDA4-7E62-CD7B-6E7B-E8BE59C65CD9}"/>
+              </a:ext>
+            </a:extLst>
+          </p:cNvPr>
+          <p:cNvCxnSpPr>
+            <a:cxnSpLocks/>
+          </p:cNvCxnSpPr>
+          <p:nvPr/>
+        </p:nvCxnSpPr>
+        <p:spPr>
+          <a:xfrm flipH="1" flipV="1">
+            <a:off x="9250431" y="4607656"/>
+            <a:ext cx="1" cy="289542"/>
+          </a:xfrm>
+          <a:prstGeom prst="straightConnector1">
+            <a:avLst/>
+          </a:prstGeom>
+          <a:ln>
+            <a:tailEnd type="triangle"/>
+          </a:ln>
+        </p:spPr>
+        <p:style>
+          <a:lnRef idx="2">
+            <a:schemeClr val="accent1"/>
+          </a:lnRef>
+          <a:fillRef idx="0">
+            <a:schemeClr val="accent1"/>
+          </a:fillRef>
+          <a:effectRef idx="1">
+            <a:schemeClr val="accent1"/>
+          </a:effectRef>
+          <a:fontRef idx="minor">
+            <a:schemeClr val="tx1"/>
+          </a:fontRef>
+        </p:style>
+      </p:cxnSp>
+      <p:pic>
+        <p:nvPicPr>
+          <p:cNvPr id="5" name="Picture 4" descr="A diagram of a software algorithm&#10;&#10;Description automatically generated">
+            <a:extLst>
+              <a:ext uri="{FF2B5EF4-FFF2-40B4-BE49-F238E27FC236}">
+                <a16:creationId xmlns:a16="http://schemas.microsoft.com/office/drawing/2014/main" id="{8F442803-535C-02A8-6C23-06F263CAB69F}"/>
+              </a:ext>
+            </a:extLst>
+          </p:cNvPr>
+          <p:cNvPicPr>
+            <a:picLocks noChangeAspect="1"/>
+          </p:cNvPicPr>
+          <p:nvPr/>
+        </p:nvPicPr>
+        <p:blipFill>
+          <a:blip r:embed="rId3"/>
+          <a:stretch>
+            <a:fillRect/>
+          </a:stretch>
+        </p:blipFill>
+        <p:spPr>
+          <a:xfrm>
+            <a:off x="1066799" y="884051"/>
+            <a:ext cx="2973951" cy="3717439"/>
+          </a:xfrm>
+          <a:prstGeom prst="rect">
+            <a:avLst/>
+          </a:prstGeom>
+          <a:solidFill>
+            <a:srgbClr val="FFFFFF">
+              <a:shade val="85000"/>
+            </a:srgbClr>
+          </a:solidFill>
+          <a:ln w="101600" cap="sq">
+            <a:solidFill>
+              <a:srgbClr val="FDFDFD"/>
+            </a:solidFill>
+            <a:miter lim="800000"/>
+          </a:ln>
+          <a:effectLst>
+            <a:outerShdw blurRad="57150" dist="37500" dir="7560000" sy="98000" kx="110000" ky="200000" algn="tl" rotWithShape="0">
+              <a:srgbClr val="000000">
+                <a:alpha val="20000"/>
+              </a:srgbClr>
+            </a:outerShdw>
+          </a:effectLst>
+          <a:scene3d>
+            <a:camera prst="perspectiveRelaxed">
+              <a:rot lat="18960000" lon="0" rev="0"/>
+            </a:camera>
+            <a:lightRig rig="twoPt" dir="t">
+              <a:rot lat="0" lon="0" rev="7200000"/>
+            </a:lightRig>
+          </a:scene3d>
+          <a:sp3d prstMaterial="matte">
+            <a:bevelT w="22860" h="12700"/>
+            <a:contourClr>
+              <a:srgbClr val="FFFFFF"/>
+            </a:contourClr>
+          </a:sp3d>
+        </p:spPr>
+      </p:pic>
+      <p:pic>
+        <p:nvPicPr>
+          <p:cNvPr id="6" name="Picture 5">
+            <a:extLst>
+              <a:ext uri="{FF2B5EF4-FFF2-40B4-BE49-F238E27FC236}">
+                <a16:creationId xmlns:a16="http://schemas.microsoft.com/office/drawing/2014/main" id="{950F7043-C41B-EB1A-8B52-9B2DAE71E454}"/>
+              </a:ext>
+            </a:extLst>
+          </p:cNvPr>
+          <p:cNvPicPr>
+            <a:picLocks noChangeAspect="1"/>
+          </p:cNvPicPr>
+          <p:nvPr/>
+        </p:nvPicPr>
+        <p:blipFill>
+          <a:blip r:embed="rId4"/>
+          <a:stretch>
+            <a:fillRect/>
+          </a:stretch>
+        </p:blipFill>
+        <p:spPr>
+          <a:xfrm>
+            <a:off x="5139243" y="1465585"/>
+            <a:ext cx="1464177" cy="2607130"/>
+          </a:xfrm>
+          <a:prstGeom prst="rect">
+            <a:avLst/>
+          </a:prstGeom>
+        </p:spPr>
+      </p:pic>
+      <p:pic>
+        <p:nvPicPr>
+          <p:cNvPr id="9" name="Picture 8">
+            <a:extLst>
+              <a:ext uri="{FF2B5EF4-FFF2-40B4-BE49-F238E27FC236}">
+                <a16:creationId xmlns:a16="http://schemas.microsoft.com/office/drawing/2014/main" id="{05F36696-8ECC-6469-E401-C28D7A88BCA3}"/>
+              </a:ext>
+            </a:extLst>
+          </p:cNvPr>
+          <p:cNvPicPr>
+            <a:picLocks noChangeAspect="1"/>
+          </p:cNvPicPr>
+          <p:nvPr/>
+        </p:nvPicPr>
+        <p:blipFill>
+          <a:blip r:embed="rId5"/>
+          <a:stretch>
+            <a:fillRect/>
+          </a:stretch>
+        </p:blipFill>
+        <p:spPr>
+          <a:xfrm>
+            <a:off x="7348245" y="1465585"/>
+            <a:ext cx="2283101" cy="2337623"/>
+          </a:xfrm>
+          <a:prstGeom prst="rect">
+            <a:avLst/>
+          </a:prstGeom>
+        </p:spPr>
+      </p:pic>
+      <p:pic>
+        <p:nvPicPr>
+          <p:cNvPr id="20" name="Picture 19" descr="A blue and yellow snake logo&#10;&#10;Description automatically generated">
+            <a:extLst>
+              <a:ext uri="{FF2B5EF4-FFF2-40B4-BE49-F238E27FC236}">
+                <a16:creationId xmlns:a16="http://schemas.microsoft.com/office/drawing/2014/main" id="{DEECD058-A913-0A6B-8929-41A5A101132F}"/>
+              </a:ext>
+            </a:extLst>
+          </p:cNvPr>
+          <p:cNvPicPr>
+            <a:picLocks noChangeAspect="1"/>
+          </p:cNvPicPr>
+          <p:nvPr/>
+        </p:nvPicPr>
+        <p:blipFill>
+          <a:blip r:embed="rId6">
+            <a:extLst>
+              <a:ext uri="{28A0092B-C50C-407E-A947-70E740481C1C}">
+                <a14:useLocalDpi xmlns:a14="http://schemas.microsoft.com/office/drawing/2010/main" val="0"/>
+              </a:ext>
+            </a:extLst>
+          </a:blip>
+          <a:stretch>
+            <a:fillRect/>
+          </a:stretch>
+        </p:blipFill>
+        <p:spPr>
+          <a:xfrm>
+            <a:off x="10287617" y="1489034"/>
+            <a:ext cx="1066183" cy="1173305"/>
+          </a:xfrm>
+          <a:prstGeom prst="rect">
+            <a:avLst/>
+          </a:prstGeom>
+        </p:spPr>
+      </p:pic>
+      <p:pic>
+        <p:nvPicPr>
+          <p:cNvPr id="23" name="Picture 22" descr="A logo with a black background&#10;&#10;Description automatically generated">
+            <a:extLst>
+              <a:ext uri="{FF2B5EF4-FFF2-40B4-BE49-F238E27FC236}">
+                <a16:creationId xmlns:a16="http://schemas.microsoft.com/office/drawing/2014/main" id="{8784E651-ED41-A142-9284-3F3DFDBD8CAF}"/>
+              </a:ext>
+            </a:extLst>
+          </p:cNvPr>
+          <p:cNvPicPr>
+            <a:picLocks noChangeAspect="1"/>
+          </p:cNvPicPr>
+          <p:nvPr/>
+        </p:nvPicPr>
+        <p:blipFill>
+          <a:blip r:embed="rId7">
+            <a:extLst>
+              <a:ext uri="{28A0092B-C50C-407E-A947-70E740481C1C}">
+                <a14:useLocalDpi xmlns:a14="http://schemas.microsoft.com/office/drawing/2010/main" val="0"/>
+              </a:ext>
+            </a:extLst>
+          </a:blip>
+          <a:stretch>
+            <a:fillRect/>
+          </a:stretch>
+        </p:blipFill>
+        <p:spPr>
+          <a:xfrm>
+            <a:off x="10376171" y="2744474"/>
+            <a:ext cx="871751" cy="1058734"/>
+          </a:xfrm>
+          <a:prstGeom prst="rect">
+            <a:avLst/>
+          </a:prstGeom>
+        </p:spPr>
+      </p:pic>
+    </p:spTree>
+    <p:extLst>
+      <p:ext uri="{BB962C8B-B14F-4D97-AF65-F5344CB8AC3E}">
+        <p14:creationId xmlns:p14="http://schemas.microsoft.com/office/powerpoint/2010/main" val="3804805471"/>
+      </p:ext>
+    </p:extLst>
+  </p:cSld>
+  <p:clrMapOvr>
+    <a:masterClrMapping/>
+  </p:clrMapOvr>
+  <p:timing>
+    <p:tnLst>
+      <p:par>
+        <p:cTn id="1" dur="indefinite" restart="never" nodeType="tmRoot">
+          <p:childTnLst>
+            <p:seq concurrent="1" nextAc="seek">
+              <p:cTn id="2" dur="indefinite" nodeType="mainSeq">
+                <p:childTnLst>
+                  <p:par>
+                    <p:cTn id="3" fill="hold">
+                      <p:stCondLst>
+                        <p:cond delay="indefinite"/>
+                        <p:cond evt="onBegin" delay="0">
+                          <p:tn val="2"/>
+                        </p:cond>
+                      </p:stCondLst>
+                      <p:childTnLst>
+                        <p:par>
+                          <p:cTn id="4" fill="hold">
+                            <p:stCondLst>
+                              <p:cond delay="0"/>
+                            </p:stCondLst>
+                            <p:childTnLst>
+                              <p:par>
+                                <p:cTn id="5" presetID="10" presetClass="entr" presetSubtype="0" fill="hold" nodeType="withEffect">
+                                  <p:stCondLst>
+                                    <p:cond delay="0"/>
+                                  </p:stCondLst>
+                                  <p:childTnLst>
+                                    <p:set>
+                                      <p:cBhvr>
+                                        <p:cTn id="6" dur="1" fill="hold">
+                                          <p:stCondLst>
+                                            <p:cond delay="0"/>
+                                          </p:stCondLst>
+                                        </p:cTn>
+                                        <p:tgtEl>
+                                          <p:spTgt spid="6"/>
+                                        </p:tgtEl>
+                                        <p:attrNameLst>
+                                          <p:attrName>style.visibility</p:attrName>
+                                        </p:attrNameLst>
+                                      </p:cBhvr>
+                                      <p:to>
+                                        <p:strVal val="visible"/>
+                                      </p:to>
+                                    </p:set>
+                                    <p:animEffect transition="in" filter="fade">
+                                      <p:cBhvr>
+                                        <p:cTn id="7" dur="500"/>
+                                        <p:tgtEl>
+                                          <p:spTgt spid="6"/>
+                                        </p:tgtEl>
+                                      </p:cBhvr>
+                                    </p:animEffect>
+                                  </p:childTnLst>
+                                </p:cTn>
+                              </p:par>
+                              <p:par>
+                                <p:cTn id="8" presetID="10" presetClass="entr" presetSubtype="0" fill="hold" nodeType="withEffect">
+                                  <p:stCondLst>
+                                    <p:cond delay="0"/>
+                                  </p:stCondLst>
+                                  <p:childTnLst>
+                                    <p:set>
+                                      <p:cBhvr>
+                                        <p:cTn id="9" dur="1" fill="hold">
+                                          <p:stCondLst>
+                                            <p:cond delay="0"/>
+                                          </p:stCondLst>
+                                        </p:cTn>
+                                        <p:tgtEl>
+                                          <p:spTgt spid="9"/>
+                                        </p:tgtEl>
+                                        <p:attrNameLst>
+                                          <p:attrName>style.visibility</p:attrName>
+                                        </p:attrNameLst>
+                                      </p:cBhvr>
+                                      <p:to>
+                                        <p:strVal val="visible"/>
+                                      </p:to>
+                                    </p:set>
+                                    <p:animEffect transition="in" filter="fade">
+                                      <p:cBhvr>
+                                        <p:cTn id="10" dur="500"/>
+                                        <p:tgtEl>
+                                          <p:spTgt spid="9"/>
+                                        </p:tgtEl>
+                                      </p:cBhvr>
+                                    </p:animEffect>
+                                  </p:childTnLst>
+                                </p:cTn>
+                              </p:par>
+                            </p:childTnLst>
+                          </p:cTn>
+                        </p:par>
+                      </p:childTnLst>
+                    </p:cTn>
+                  </p:par>
+                </p:childTnLst>
+              </p:cTn>
+              <p:prevCondLst>
+                <p:cond evt="onPrev" delay="0">
+                  <p:tgtEl>
+                    <p:sldTgt/>
+                  </p:tgtEl>
+                </p:cond>
+              </p:prevCondLst>
+              <p:nextCondLst>
+                <p:cond evt="onNext" delay="0">
+                  <p:tgtEl>
+                    <p:sldTgt/>
+                  </p:tgtEl>
+                </p:cond>
+              </p:nextCondLst>
+            </p:seq>
+          </p:childTnLst>
+        </p:cTn>
+      </p:par>
+    </p:tnLst>
+  </p:timing>
+</p:sld>
+</file>
+
+<file path=ppt/slides/slide8.xml><?xml version="1.0" encoding="utf-8"?>
+<p:sld xmlns:a="http://schemas.openxmlformats.org/drawingml/2006/main" xmlns:r="http://schemas.openxmlformats.org/officeDocument/2006/relationships" xmlns:p="http://schemas.openxmlformats.org/presentationml/2006/main">
+  <p:cSld>
+    <p:spTree>
+      <p:nvGrpSpPr>
+        <p:cNvPr id="1" name=""/>
+        <p:cNvGrpSpPr/>
+        <p:nvPr/>
+      </p:nvGrpSpPr>
+      <p:grpSpPr>
+        <a:xfrm>
+          <a:off x="0" y="0"/>
+          <a:ext cx="0" cy="0"/>
+          <a:chOff x="0" y="0"/>
+          <a:chExt cx="0" cy="0"/>
+        </a:xfrm>
+      </p:grpSpPr>
+      <p:sp>
+        <p:nvSpPr>
+          <p:cNvPr id="42" name="Title 1">
+            <a:extLst>
+              <a:ext uri="{FF2B5EF4-FFF2-40B4-BE49-F238E27FC236}">
+                <a16:creationId xmlns:a16="http://schemas.microsoft.com/office/drawing/2014/main" id="{53AD96E6-67B2-02CD-F910-420EA60CDC1C}"/>
+              </a:ext>
+            </a:extLst>
+          </p:cNvPr>
+          <p:cNvSpPr>
+            <a:spLocks noGrp="1"/>
+          </p:cNvSpPr>
+          <p:nvPr>
+            <p:ph type="title"/>
+          </p:nvPr>
+        </p:nvSpPr>
+        <p:spPr>
+          <a:xfrm>
+            <a:off x="838200" y="365125"/>
+            <a:ext cx="11036300" cy="1325563"/>
+          </a:xfrm>
+        </p:spPr>
+        <p:txBody>
+          <a:bodyPr/>
+          <a:lstStyle/>
+          <a:p>
+            <a:r>
+              <a:rPr lang="en-US" dirty="0"/>
+              <a:t>Course Structure</a:t>
+            </a:r>
+          </a:p>
+        </p:txBody>
+      </p:sp>
+      <p:sp>
+        <p:nvSpPr>
+          <p:cNvPr id="38" name="TextBox 12 - 1 - 1">
+            <a:extLst>
+              <a:ext uri="{FF2B5EF4-FFF2-40B4-BE49-F238E27FC236}">
+                <a16:creationId xmlns:a16="http://schemas.microsoft.com/office/drawing/2014/main" id="{1414E8F0-686D-121C-F3A2-B50548249B2D}"/>
+              </a:ext>
+            </a:extLst>
+          </p:cNvPr>
+          <p:cNvSpPr txBox="1"/>
+          <p:nvPr/>
+        </p:nvSpPr>
+        <p:spPr>
+          <a:xfrm>
+            <a:off x="6578547" y="3667232"/>
+            <a:ext cx="5343771" cy="338554"/>
+          </a:xfrm>
+          <a:prstGeom prst="rect">
+            <a:avLst/>
+          </a:prstGeom>
+          <a:solidFill>
+            <a:srgbClr val="FF9D00"/>
+          </a:solidFill>
+        </p:spPr>
+        <p:txBody>
+          <a:bodyPr wrap="square" rtlCol="0">
+            <a:spAutoFit/>
+          </a:bodyPr>
+          <a:lstStyle/>
+          <a:p>
+            <a:pPr algn="ctr"/>
+            <a:r>
+              <a:rPr lang="en-US" sz="1600" dirty="0">
+                <a:solidFill>
+                  <a:schemeClr val="bg1"/>
+                </a:solidFill>
+              </a:rPr>
+              <a:t>Generative AI with the Hugging Face Ecosystem</a:t>
+            </a:r>
+          </a:p>
+        </p:txBody>
+      </p:sp>
+      <p:sp>
+        <p:nvSpPr>
+          <p:cNvPr id="47" name="TextBox 12 - 3">
+            <a:extLst>
+              <a:ext uri="{FF2B5EF4-FFF2-40B4-BE49-F238E27FC236}">
+                <a16:creationId xmlns:a16="http://schemas.microsoft.com/office/drawing/2014/main" id="{EF7D545C-C07D-BA40-8C4B-9FCA87177134}"/>
+              </a:ext>
+            </a:extLst>
+          </p:cNvPr>
+          <p:cNvSpPr txBox="1"/>
+          <p:nvPr/>
+        </p:nvSpPr>
+        <p:spPr>
+          <a:xfrm>
+            <a:off x="6096000" y="3667232"/>
+            <a:ext cx="457199" cy="338554"/>
+          </a:xfrm>
+          <a:prstGeom prst="rect">
+            <a:avLst/>
+          </a:prstGeom>
+          <a:solidFill>
+            <a:srgbClr val="FF9D00"/>
+          </a:solidFill>
+        </p:spPr>
+        <p:txBody>
+          <a:bodyPr wrap="square" rtlCol="0">
+            <a:spAutoFit/>
+          </a:bodyPr>
+          <a:lstStyle/>
+          <a:p>
+            <a:pPr algn="ctr"/>
+            <a:r>
+              <a:rPr lang="en-US" sz="1600" b="1" dirty="0">
+                <a:solidFill>
+                  <a:schemeClr val="bg1"/>
+                </a:solidFill>
+              </a:rPr>
+              <a:t>4.</a:t>
+            </a:r>
+          </a:p>
+        </p:txBody>
+      </p:sp>
+      <p:pic>
+        <p:nvPicPr>
+          <p:cNvPr id="5" name="Picture 4" descr="A black background with blue text&#10;&#10;Description automatically generated">
+            <a:extLst>
+              <a:ext uri="{FF2B5EF4-FFF2-40B4-BE49-F238E27FC236}">
+                <a16:creationId xmlns:a16="http://schemas.microsoft.com/office/drawing/2014/main" id="{B93FEBD5-271F-C14B-B8F1-3B3E94E53E1F}"/>
+              </a:ext>
+            </a:extLst>
+          </p:cNvPr>
+          <p:cNvPicPr>
+            <a:picLocks noChangeAspect="1"/>
+          </p:cNvPicPr>
+          <p:nvPr/>
+        </p:nvPicPr>
+        <p:blipFill rotWithShape="1">
+          <a:blip r:embed="rId3">
+            <a:extLst>
+              <a:ext uri="{28A0092B-C50C-407E-A947-70E740481C1C}">
+                <a14:useLocalDpi xmlns:a14="http://schemas.microsoft.com/office/drawing/2010/main" val="0"/>
+              </a:ext>
+            </a:extLst>
+          </a:blip>
+          <a:srcRect l="2716" t="9768" r="72203" b="7457"/>
+          <a:stretch/>
+        </p:blipFill>
+        <p:spPr>
+          <a:xfrm>
+            <a:off x="1601744" y="1999068"/>
+            <a:ext cx="1412931" cy="1239649"/>
+          </a:xfrm>
+          <a:prstGeom prst="rect">
+            <a:avLst/>
+          </a:prstGeom>
+        </p:spPr>
+      </p:pic>
+      <p:pic>
+        <p:nvPicPr>
+          <p:cNvPr id="6" name="Picture 5">
+            <a:extLst>
+              <a:ext uri="{FF2B5EF4-FFF2-40B4-BE49-F238E27FC236}">
+                <a16:creationId xmlns:a16="http://schemas.microsoft.com/office/drawing/2014/main" id="{9AFD45CB-3D43-79E3-E80A-5225C60A36F3}"/>
+              </a:ext>
+            </a:extLst>
+          </p:cNvPr>
+          <p:cNvPicPr>
+            <a:picLocks noChangeAspect="1"/>
+          </p:cNvPicPr>
+          <p:nvPr/>
+        </p:nvPicPr>
+        <p:blipFill>
+          <a:blip r:embed="rId4"/>
+          <a:stretch>
+            <a:fillRect/>
+          </a:stretch>
+        </p:blipFill>
+        <p:spPr>
+          <a:xfrm>
+            <a:off x="8451740" y="1790150"/>
+            <a:ext cx="2819443" cy="1638850"/>
+          </a:xfrm>
+          <a:prstGeom prst="rect">
+            <a:avLst/>
+          </a:prstGeom>
+        </p:spPr>
+      </p:pic>
+      <p:pic>
+        <p:nvPicPr>
+          <p:cNvPr id="9" name="Picture 8">
+            <a:extLst>
+              <a:ext uri="{FF2B5EF4-FFF2-40B4-BE49-F238E27FC236}">
+                <a16:creationId xmlns:a16="http://schemas.microsoft.com/office/drawing/2014/main" id="{6A18170F-9854-9DFD-054F-9192E776AD36}"/>
+              </a:ext>
+            </a:extLst>
+          </p:cNvPr>
+          <p:cNvPicPr>
+            <a:picLocks noChangeAspect="1"/>
+          </p:cNvPicPr>
+          <p:nvPr/>
+        </p:nvPicPr>
+        <p:blipFill>
+          <a:blip r:embed="rId5"/>
+          <a:stretch>
+            <a:fillRect/>
+          </a:stretch>
+        </p:blipFill>
+        <p:spPr>
+          <a:xfrm>
+            <a:off x="3964076" y="1807399"/>
+            <a:ext cx="3538263" cy="1622986"/>
+          </a:xfrm>
+          <a:prstGeom prst="rect">
+            <a:avLst/>
+          </a:prstGeom>
+        </p:spPr>
+      </p:pic>
+    </p:spTree>
+    <p:extLst>
+      <p:ext uri="{BB962C8B-B14F-4D97-AF65-F5344CB8AC3E}">
+        <p14:creationId xmlns:p14="http://schemas.microsoft.com/office/powerpoint/2010/main" val="2025572487"/>
+      </p:ext>
+    </p:extLst>
+  </p:cSld>
+  <p:clrMapOvr>
+    <a:masterClrMapping/>
+  </p:clrMapOvr>
+</p:sld>
+</file>
+
+<file path=ppt/slides/slide9.xml><?xml version="1.0" encoding="utf-8"?>
+<p:sld xmlns:a="http://schemas.openxmlformats.org/drawingml/2006/main" xmlns:r="http://schemas.openxmlformats.org/officeDocument/2006/relationships" xmlns:p="http://schemas.openxmlformats.org/presentationml/2006/main">
+  <p:cSld>
+    <p:spTree>
+      <p:nvGrpSpPr>
+        <p:cNvPr id="1" name=""/>
+        <p:cNvGrpSpPr/>
+        <p:nvPr/>
+      </p:nvGrpSpPr>
+      <p:grpSpPr>
+        <a:xfrm>
+          <a:off x="0" y="0"/>
+          <a:ext cx="0" cy="0"/>
+          <a:chOff x="0" y="0"/>
+          <a:chExt cx="0" cy="0"/>
+        </a:xfrm>
+      </p:grpSpPr>
+      <p:sp>
+        <p:nvSpPr>
+          <p:cNvPr id="42" name="Title 1">
+            <a:extLst>
+              <a:ext uri="{FF2B5EF4-FFF2-40B4-BE49-F238E27FC236}">
+                <a16:creationId xmlns:a16="http://schemas.microsoft.com/office/drawing/2014/main" id="{53AD96E6-67B2-02CD-F910-420EA60CDC1C}"/>
+              </a:ext>
+            </a:extLst>
+          </p:cNvPr>
+          <p:cNvSpPr>
+            <a:spLocks noGrp="1"/>
+          </p:cNvSpPr>
+          <p:nvPr>
+            <p:ph type="title"/>
+          </p:nvPr>
+        </p:nvSpPr>
+        <p:spPr>
+          <a:xfrm>
+            <a:off x="838200" y="365125"/>
+            <a:ext cx="11036300" cy="1325563"/>
+          </a:xfrm>
+        </p:spPr>
+        <p:txBody>
+          <a:bodyPr/>
+          <a:lstStyle/>
+          <a:p>
+            <a:r>
+              <a:rPr lang="en-US" dirty="0"/>
+              <a:t>Course Structure</a:t>
+            </a:r>
+          </a:p>
+        </p:txBody>
+      </p:sp>
+      <p:sp>
+        <p:nvSpPr>
+          <p:cNvPr id="39" name="TextBox 12 - 1 - 2">
+            <a:extLst>
+              <a:ext uri="{FF2B5EF4-FFF2-40B4-BE49-F238E27FC236}">
+                <a16:creationId xmlns:a16="http://schemas.microsoft.com/office/drawing/2014/main" id="{36482E39-42BC-83D2-0B7A-6F22872BAD70}"/>
+              </a:ext>
+            </a:extLst>
+          </p:cNvPr>
+          <p:cNvSpPr txBox="1"/>
+          <p:nvPr/>
+        </p:nvSpPr>
+        <p:spPr>
+          <a:xfrm>
+            <a:off x="6578547" y="3044869"/>
+            <a:ext cx="5343771" cy="338554"/>
+          </a:xfrm>
+          <a:prstGeom prst="rect">
+            <a:avLst/>
+          </a:prstGeom>
+          <a:solidFill>
+            <a:schemeClr val="accent6">
+              <a:lumMod val="75000"/>
+            </a:schemeClr>
+          </a:solidFill>
+        </p:spPr>
+        <p:txBody>
+          <a:bodyPr wrap="square" rtlCol="0">
+            <a:spAutoFit/>
+          </a:bodyPr>
+          <a:lstStyle/>
+          <a:p>
+            <a:pPr algn="ctr"/>
+            <a:r>
+              <a:rPr lang="en-US" sz="1600" dirty="0">
+                <a:solidFill>
+                  <a:schemeClr val="bg1"/>
+                </a:solidFill>
+              </a:rPr>
+              <a:t>Components to Build LLM-based Web Applications </a:t>
+            </a:r>
+          </a:p>
+        </p:txBody>
+      </p:sp>
+      <p:sp>
+        <p:nvSpPr>
+          <p:cNvPr id="40" name="TextBox 12 - 1 - 3">
+            <a:extLst>
+              <a:ext uri="{FF2B5EF4-FFF2-40B4-BE49-F238E27FC236}">
+                <a16:creationId xmlns:a16="http://schemas.microsoft.com/office/drawing/2014/main" id="{8916E069-4846-5E07-58C0-57A3613C519A}"/>
+              </a:ext>
+            </a:extLst>
+          </p:cNvPr>
+          <p:cNvSpPr txBox="1"/>
+          <p:nvPr/>
+        </p:nvSpPr>
+        <p:spPr>
+          <a:xfrm>
+            <a:off x="6578547" y="2422506"/>
+            <a:ext cx="5343771" cy="338554"/>
+          </a:xfrm>
+          <a:prstGeom prst="rect">
+            <a:avLst/>
+          </a:prstGeom>
+          <a:solidFill>
+            <a:schemeClr val="accent6">
+              <a:lumMod val="75000"/>
+            </a:schemeClr>
+          </a:solidFill>
+        </p:spPr>
+        <p:txBody>
+          <a:bodyPr wrap="square" rtlCol="0">
+            <a:spAutoFit/>
+          </a:bodyPr>
+          <a:lstStyle/>
+          <a:p>
+            <a:pPr algn="ctr"/>
+            <a:r>
+              <a:rPr lang="en-US" sz="1600" dirty="0">
+                <a:solidFill>
+                  <a:schemeClr val="bg1"/>
+                </a:solidFill>
+              </a:rPr>
+              <a:t>Building LLM-based Web Applications </a:t>
+            </a:r>
+          </a:p>
+        </p:txBody>
+      </p:sp>
+      <p:sp>
+        <p:nvSpPr>
+          <p:cNvPr id="41" name="TextBox 12 - 1 - 4">
+            <a:extLst>
+              <a:ext uri="{FF2B5EF4-FFF2-40B4-BE49-F238E27FC236}">
+                <a16:creationId xmlns:a16="http://schemas.microsoft.com/office/drawing/2014/main" id="{3D39279E-10E4-CE17-837D-97141C629EF6}"/>
+              </a:ext>
+            </a:extLst>
+          </p:cNvPr>
+          <p:cNvSpPr txBox="1"/>
+          <p:nvPr/>
+        </p:nvSpPr>
+        <p:spPr>
+          <a:xfrm>
+            <a:off x="6578547" y="1800143"/>
+            <a:ext cx="5343771" cy="338554"/>
+          </a:xfrm>
+          <a:prstGeom prst="rect">
+            <a:avLst/>
+          </a:prstGeom>
+          <a:solidFill>
+            <a:schemeClr val="accent6">
+              <a:lumMod val="75000"/>
+            </a:schemeClr>
+          </a:solidFill>
+        </p:spPr>
+        <p:txBody>
+          <a:bodyPr wrap="square" rtlCol="0">
+            <a:spAutoFit/>
+          </a:bodyPr>
+          <a:lstStyle/>
+          <a:p>
+            <a:pPr algn="ctr"/>
+            <a:r>
+              <a:rPr lang="en-US" sz="1600" dirty="0">
+                <a:solidFill>
+                  <a:schemeClr val="bg1"/>
+                </a:solidFill>
+              </a:rPr>
+              <a:t>Serving LLM-based Web Applications</a:t>
+            </a:r>
+          </a:p>
+        </p:txBody>
+      </p:sp>
+      <p:sp>
+        <p:nvSpPr>
+          <p:cNvPr id="48" name="TextBox 12 - 4">
+            <a:extLst>
+              <a:ext uri="{FF2B5EF4-FFF2-40B4-BE49-F238E27FC236}">
+                <a16:creationId xmlns:a16="http://schemas.microsoft.com/office/drawing/2014/main" id="{E17FCA62-62E6-BD25-C388-B89AF46F876A}"/>
+              </a:ext>
+            </a:extLst>
+          </p:cNvPr>
+          <p:cNvSpPr txBox="1"/>
+          <p:nvPr/>
+        </p:nvSpPr>
+        <p:spPr>
+          <a:xfrm>
+            <a:off x="6096000" y="3044869"/>
+            <a:ext cx="457199" cy="338554"/>
+          </a:xfrm>
+          <a:prstGeom prst="rect">
+            <a:avLst/>
+          </a:prstGeom>
+          <a:solidFill>
+            <a:schemeClr val="accent6">
+              <a:lumMod val="75000"/>
+            </a:schemeClr>
+          </a:solidFill>
+        </p:spPr>
+        <p:txBody>
+          <a:bodyPr wrap="square" rtlCol="0">
+            <a:spAutoFit/>
+          </a:bodyPr>
+          <a:lstStyle/>
+          <a:p>
+            <a:pPr algn="ctr"/>
+            <a:r>
+              <a:rPr lang="en-US" sz="1600" b="1" dirty="0">
+                <a:solidFill>
+                  <a:schemeClr val="bg1"/>
+                </a:solidFill>
+              </a:rPr>
+              <a:t>5.</a:t>
+            </a:r>
+          </a:p>
+        </p:txBody>
+      </p:sp>
+      <p:sp>
+        <p:nvSpPr>
+          <p:cNvPr id="49" name="TextBox 12 - 5">
+            <a:extLst>
+              <a:ext uri="{FF2B5EF4-FFF2-40B4-BE49-F238E27FC236}">
+                <a16:creationId xmlns:a16="http://schemas.microsoft.com/office/drawing/2014/main" id="{D206A93B-4978-FFAC-E581-9B90D44E705A}"/>
+              </a:ext>
+            </a:extLst>
+          </p:cNvPr>
+          <p:cNvSpPr txBox="1"/>
+          <p:nvPr/>
+        </p:nvSpPr>
+        <p:spPr>
+          <a:xfrm>
+            <a:off x="6096000" y="2422506"/>
+            <a:ext cx="457199" cy="338554"/>
+          </a:xfrm>
+          <a:prstGeom prst="rect">
+            <a:avLst/>
+          </a:prstGeom>
+          <a:solidFill>
+            <a:schemeClr val="accent6">
+              <a:lumMod val="75000"/>
+            </a:schemeClr>
+          </a:solidFill>
+        </p:spPr>
+        <p:txBody>
+          <a:bodyPr wrap="square" rtlCol="0">
+            <a:spAutoFit/>
+          </a:bodyPr>
+          <a:lstStyle/>
+          <a:p>
+            <a:pPr algn="ctr"/>
+            <a:r>
+              <a:rPr lang="en-US" sz="1600" b="1" dirty="0">
+                <a:solidFill>
+                  <a:schemeClr val="bg1"/>
+                </a:solidFill>
+              </a:rPr>
+              <a:t>6.</a:t>
+            </a:r>
+          </a:p>
+        </p:txBody>
+      </p:sp>
+      <p:sp>
+        <p:nvSpPr>
+          <p:cNvPr id="50" name="TextBox 12 - 6">
+            <a:extLst>
+              <a:ext uri="{FF2B5EF4-FFF2-40B4-BE49-F238E27FC236}">
+                <a16:creationId xmlns:a16="http://schemas.microsoft.com/office/drawing/2014/main" id="{7FD39AD7-5E64-6A09-9522-6410C4D21BAA}"/>
+              </a:ext>
+            </a:extLst>
+          </p:cNvPr>
+          <p:cNvSpPr txBox="1"/>
+          <p:nvPr/>
+        </p:nvSpPr>
+        <p:spPr>
+          <a:xfrm>
+            <a:off x="6096000" y="1800143"/>
+            <a:ext cx="457199" cy="338554"/>
+          </a:xfrm>
+          <a:prstGeom prst="rect">
+            <a:avLst/>
+          </a:prstGeom>
+          <a:solidFill>
+            <a:schemeClr val="accent6">
+              <a:lumMod val="75000"/>
+            </a:schemeClr>
+          </a:solidFill>
+        </p:spPr>
+        <p:txBody>
+          <a:bodyPr wrap="square" rtlCol="0">
+            <a:spAutoFit/>
+          </a:bodyPr>
+          <a:lstStyle/>
+          <a:p>
+            <a:pPr algn="ctr"/>
+            <a:r>
+              <a:rPr lang="en-US" sz="1600" b="1" dirty="0">
+                <a:solidFill>
+                  <a:schemeClr val="bg1"/>
+                </a:solidFill>
+              </a:rPr>
+              <a:t>7.</a:t>
+            </a:r>
+          </a:p>
+        </p:txBody>
+      </p:sp>
+      <p:cxnSp>
+        <p:nvCxnSpPr>
+          <p:cNvPr id="16" name="Straight Arrow Connector 15">
+            <a:extLst>
+              <a:ext uri="{FF2B5EF4-FFF2-40B4-BE49-F238E27FC236}">
+                <a16:creationId xmlns:a16="http://schemas.microsoft.com/office/drawing/2014/main" id="{4F342CBC-408C-B8EB-E31A-3813FDCB781E}"/>
+              </a:ext>
+            </a:extLst>
+          </p:cNvPr>
+          <p:cNvCxnSpPr>
+            <a:cxnSpLocks/>
+          </p:cNvCxnSpPr>
+          <p:nvPr/>
+        </p:nvCxnSpPr>
+        <p:spPr>
+          <a:xfrm flipH="1" flipV="1">
+            <a:off x="9250430" y="2770453"/>
+            <a:ext cx="1" cy="289542"/>
+          </a:xfrm>
+          <a:prstGeom prst="straightConnector1">
+            <a:avLst/>
+          </a:prstGeom>
+          <a:ln>
+            <a:tailEnd type="triangle"/>
+          </a:ln>
+        </p:spPr>
+        <p:style>
+          <a:lnRef idx="2">
+            <a:schemeClr val="accent1"/>
+          </a:lnRef>
+          <a:fillRef idx="0">
+            <a:schemeClr val="accent1"/>
+          </a:fillRef>
+          <a:effectRef idx="1">
+            <a:schemeClr val="accent1"/>
+          </a:effectRef>
+          <a:fontRef idx="minor">
+            <a:schemeClr val="tx1"/>
+          </a:fontRef>
+        </p:style>
+      </p:cxnSp>
+      <p:cxnSp>
+        <p:nvCxnSpPr>
+          <p:cNvPr id="17" name="Straight Arrow Connector 16">
+            <a:extLst>
+              <a:ext uri="{FF2B5EF4-FFF2-40B4-BE49-F238E27FC236}">
+                <a16:creationId xmlns:a16="http://schemas.microsoft.com/office/drawing/2014/main" id="{4B0C76C2-05D1-12E4-CE48-B9449774F26B}"/>
+              </a:ext>
+            </a:extLst>
+          </p:cNvPr>
+          <p:cNvCxnSpPr>
+            <a:cxnSpLocks/>
+          </p:cNvCxnSpPr>
+          <p:nvPr/>
+        </p:nvCxnSpPr>
+        <p:spPr>
+          <a:xfrm flipH="1" flipV="1">
+            <a:off x="9250179" y="2129891"/>
+            <a:ext cx="1" cy="289542"/>
+          </a:xfrm>
+          <a:prstGeom prst="straightConnector1">
+            <a:avLst/>
+          </a:prstGeom>
+          <a:ln>
+            <a:tailEnd type="triangle"/>
+          </a:ln>
+        </p:spPr>
+        <p:style>
+          <a:lnRef idx="2">
+            <a:schemeClr val="accent1"/>
+          </a:lnRef>
+          <a:fillRef idx="0">
+            <a:schemeClr val="accent1"/>
+          </a:fillRef>
+          <a:effectRef idx="1">
+            <a:schemeClr val="accent1"/>
+          </a:effectRef>
+          <a:fontRef idx="minor">
+            <a:schemeClr val="tx1"/>
+          </a:fontRef>
+        </p:style>
+      </p:cxnSp>
+      <p:pic>
+        <p:nvPicPr>
+          <p:cNvPr id="5" name="Picture 4">
+            <a:extLst>
+              <a:ext uri="{FF2B5EF4-FFF2-40B4-BE49-F238E27FC236}">
+                <a16:creationId xmlns:a16="http://schemas.microsoft.com/office/drawing/2014/main" id="{2B9DF2A0-8809-DCBE-59A1-3A639531473F}"/>
+              </a:ext>
+            </a:extLst>
+          </p:cNvPr>
+          <p:cNvPicPr>
+            <a:picLocks noChangeAspect="1"/>
+          </p:cNvPicPr>
+          <p:nvPr/>
+        </p:nvPicPr>
+        <p:blipFill rotWithShape="1">
+          <a:blip r:embed="rId3"/>
+          <a:srcRect b="60956"/>
+          <a:stretch/>
+        </p:blipFill>
+        <p:spPr>
+          <a:xfrm>
+            <a:off x="1322264" y="3061223"/>
+            <a:ext cx="3561348" cy="398977"/>
+          </a:xfrm>
+          <a:prstGeom prst="rect">
+            <a:avLst/>
+          </a:prstGeom>
+        </p:spPr>
+      </p:pic>
+      <p:pic>
+        <p:nvPicPr>
+          <p:cNvPr id="6" name="Picture 5">
+            <a:extLst>
+              <a:ext uri="{FF2B5EF4-FFF2-40B4-BE49-F238E27FC236}">
+                <a16:creationId xmlns:a16="http://schemas.microsoft.com/office/drawing/2014/main" id="{F8DD914D-28BC-55B6-44B2-0394A5841A3F}"/>
+              </a:ext>
+            </a:extLst>
+          </p:cNvPr>
+          <p:cNvPicPr>
+            <a:picLocks noChangeAspect="1"/>
+          </p:cNvPicPr>
+          <p:nvPr/>
+        </p:nvPicPr>
+        <p:blipFill rotWithShape="1">
+          <a:blip r:embed="rId4"/>
+          <a:srcRect t="-1" b="63372"/>
+          <a:stretch/>
+        </p:blipFill>
+        <p:spPr>
+          <a:xfrm>
+            <a:off x="1083417" y="3540388"/>
+            <a:ext cx="4039042" cy="460814"/>
+          </a:xfrm>
+          <a:prstGeom prst="rect">
+            <a:avLst/>
+          </a:prstGeom>
+        </p:spPr>
+      </p:pic>
+      <p:pic>
+        <p:nvPicPr>
+          <p:cNvPr id="9" name="Picture 8">
+            <a:extLst>
+              <a:ext uri="{FF2B5EF4-FFF2-40B4-BE49-F238E27FC236}">
+                <a16:creationId xmlns:a16="http://schemas.microsoft.com/office/drawing/2014/main" id="{D549F450-9080-B853-2C79-F2B57877068C}"/>
+              </a:ext>
+            </a:extLst>
+          </p:cNvPr>
+          <p:cNvPicPr>
+            <a:picLocks noChangeAspect="1"/>
+          </p:cNvPicPr>
+          <p:nvPr/>
+        </p:nvPicPr>
+        <p:blipFill rotWithShape="1">
+          <a:blip r:embed="rId5"/>
+          <a:srcRect b="75793"/>
+          <a:stretch/>
+        </p:blipFill>
+        <p:spPr>
+          <a:xfrm>
+            <a:off x="801443" y="4157635"/>
+            <a:ext cx="4629518" cy="584090"/>
+          </a:xfrm>
+          <a:prstGeom prst="rect">
+            <a:avLst/>
+          </a:prstGeom>
+        </p:spPr>
+      </p:pic>
+      <p:pic>
+        <p:nvPicPr>
+          <p:cNvPr id="20" name="Picture 19">
+            <a:extLst>
+              <a:ext uri="{FF2B5EF4-FFF2-40B4-BE49-F238E27FC236}">
+                <a16:creationId xmlns:a16="http://schemas.microsoft.com/office/drawing/2014/main" id="{DEEB2A0B-FD0E-7D22-9783-E6E442FD7CCB}"/>
+              </a:ext>
+            </a:extLst>
+          </p:cNvPr>
+          <p:cNvPicPr>
+            <a:picLocks noChangeAspect="1"/>
+          </p:cNvPicPr>
+          <p:nvPr/>
+        </p:nvPicPr>
+        <p:blipFill rotWithShape="1">
+          <a:blip r:embed="rId6"/>
+          <a:srcRect b="76424"/>
+          <a:stretch/>
+        </p:blipFill>
+        <p:spPr>
+          <a:xfrm>
+            <a:off x="596300" y="4765251"/>
+            <a:ext cx="5152162" cy="584090"/>
+          </a:xfrm>
+          <a:prstGeom prst="rect">
+            <a:avLst/>
+          </a:prstGeom>
+        </p:spPr>
+      </p:pic>
+      <p:sp>
+        <p:nvSpPr>
+          <p:cNvPr id="23" name="TextBox 22">
+            <a:extLst>
+              <a:ext uri="{FF2B5EF4-FFF2-40B4-BE49-F238E27FC236}">
+                <a16:creationId xmlns:a16="http://schemas.microsoft.com/office/drawing/2014/main" id="{B9BEB45F-D088-150F-E0A2-7F2B755F5D3A}"/>
+              </a:ext>
+            </a:extLst>
+          </p:cNvPr>
+          <p:cNvSpPr txBox="1"/>
+          <p:nvPr/>
+        </p:nvSpPr>
+        <p:spPr>
+          <a:xfrm>
+            <a:off x="2835208" y="3783848"/>
+            <a:ext cx="415498" cy="369332"/>
+          </a:xfrm>
+          <a:prstGeom prst="rect">
+            <a:avLst/>
+          </a:prstGeom>
+          <a:noFill/>
+        </p:spPr>
+        <p:txBody>
+          <a:bodyPr wrap="none" rtlCol="0">
+            <a:spAutoFit/>
+          </a:bodyPr>
+          <a:lstStyle/>
+          <a:p>
+            <a:r>
+              <a:rPr lang="en-US" dirty="0"/>
+              <a:t>…</a:t>
+            </a:r>
+          </a:p>
+        </p:txBody>
+      </p:sp>
+      <p:pic>
+        <p:nvPicPr>
+          <p:cNvPr id="27" name="Picture 26">
+            <a:extLst>
+              <a:ext uri="{FF2B5EF4-FFF2-40B4-BE49-F238E27FC236}">
+                <a16:creationId xmlns:a16="http://schemas.microsoft.com/office/drawing/2014/main" id="{FC459209-DB25-30D2-3892-6029470E6E54}"/>
+              </a:ext>
+            </a:extLst>
+          </p:cNvPr>
+          <p:cNvPicPr>
+            <a:picLocks noChangeAspect="1"/>
+          </p:cNvPicPr>
+          <p:nvPr/>
+        </p:nvPicPr>
+        <p:blipFill>
+          <a:blip r:embed="rId7"/>
+          <a:stretch>
+            <a:fillRect/>
+          </a:stretch>
+        </p:blipFill>
+        <p:spPr>
+          <a:xfrm>
+            <a:off x="441979" y="5702918"/>
+            <a:ext cx="5306483" cy="926747"/>
+          </a:xfrm>
+          <a:prstGeom prst="rect">
+            <a:avLst/>
+          </a:prstGeom>
+        </p:spPr>
+      </p:pic>
+      <p:pic>
+        <p:nvPicPr>
+          <p:cNvPr id="28" name="Picture 27">
+            <a:extLst>
+              <a:ext uri="{FF2B5EF4-FFF2-40B4-BE49-F238E27FC236}">
+                <a16:creationId xmlns:a16="http://schemas.microsoft.com/office/drawing/2014/main" id="{91894272-CA34-9743-94D7-DE60A2D6FD7D}"/>
+              </a:ext>
+            </a:extLst>
+          </p:cNvPr>
+          <p:cNvPicPr>
+            <a:picLocks noChangeAspect="1"/>
+          </p:cNvPicPr>
+          <p:nvPr/>
+        </p:nvPicPr>
+        <p:blipFill>
+          <a:blip r:embed="rId8"/>
+          <a:stretch>
+            <a:fillRect/>
+          </a:stretch>
+        </p:blipFill>
+        <p:spPr>
+          <a:xfrm>
+            <a:off x="1244353" y="1690688"/>
+            <a:ext cx="3743697" cy="937667"/>
+          </a:xfrm>
+          <a:prstGeom prst="rect">
+            <a:avLst/>
+          </a:prstGeom>
+        </p:spPr>
+      </p:pic>
+    </p:spTree>
+    <p:extLst>
+      <p:ext uri="{BB962C8B-B14F-4D97-AF65-F5344CB8AC3E}">
+        <p14:creationId xmlns:p14="http://schemas.microsoft.com/office/powerpoint/2010/main" val="614099670"/>
       </p:ext>
     </p:extLst>
   </p:cSld>

--- a/presentation/Transformer_Udemy/Udemy_P0_Introduction to the course.pptx
+++ b/presentation/Transformer_Udemy/Udemy_P0_Introduction to the course.pptx
@@ -5,8 +5,11 @@
     <p:sldMasterId id="2147483648" r:id="rId1"/>
   </p:sldMasterIdLst>
   <p:notesMasterIdLst>
-    <p:notesMasterId r:id="rId14"/>
+    <p:notesMasterId r:id="rId13"/>
   </p:notesMasterIdLst>
+  <p:handoutMasterIdLst>
+    <p:handoutMasterId r:id="rId14"/>
+  </p:handoutMasterIdLst>
   <p:sldIdLst>
     <p:sldId id="717" r:id="rId2"/>
     <p:sldId id="719" r:id="rId3"/>
@@ -17,9 +20,8 @@
     <p:sldId id="725" r:id="rId8"/>
     <p:sldId id="726" r:id="rId9"/>
     <p:sldId id="727" r:id="rId10"/>
-    <p:sldId id="730" r:id="rId11"/>
-    <p:sldId id="728" r:id="rId12"/>
-    <p:sldId id="714" r:id="rId13"/>
+    <p:sldId id="728" r:id="rId11"/>
+    <p:sldId id="714" r:id="rId12"/>
   </p:sldIdLst>
   <p:sldSz cx="12192000" cy="6858000"/>
   <p:notesSz cx="6858000" cy="9144000"/>
@@ -126,6 +128,196 @@
 </p:presentation>
 </file>
 
+<file path=ppt/handoutMasters/handoutMaster1.xml><?xml version="1.0" encoding="utf-8"?>
+<p:handoutMaster xmlns:a="http://schemas.openxmlformats.org/drawingml/2006/main" xmlns:r="http://schemas.openxmlformats.org/officeDocument/2006/relationships" xmlns:p="http://schemas.openxmlformats.org/presentationml/2006/main">
+  <p:cSld>
+    <p:bg>
+      <p:bgRef idx="1001">
+        <a:schemeClr val="bg1"/>
+      </p:bgRef>
+    </p:bg>
+    <p:spTree>
+      <p:nvGrpSpPr>
+        <p:cNvPr id="1" name=""/>
+        <p:cNvGrpSpPr/>
+        <p:nvPr/>
+      </p:nvGrpSpPr>
+      <p:grpSpPr>
+        <a:xfrm>
+          <a:off x="0" y="0"/>
+          <a:ext cx="0" cy="0"/>
+          <a:chOff x="0" y="0"/>
+          <a:chExt cx="0" cy="0"/>
+        </a:xfrm>
+      </p:grpSpPr>
+      <p:sp>
+        <p:nvSpPr>
+          <p:cNvPr id="2" name="Header Placeholder 1">
+            <a:extLst>
+              <a:ext uri="{FF2B5EF4-FFF2-40B4-BE49-F238E27FC236}">
+                <a16:creationId xmlns:a16="http://schemas.microsoft.com/office/drawing/2014/main" id="{75073ACF-1C0D-B0C2-30D3-07F08A4FD38F}"/>
+              </a:ext>
+            </a:extLst>
+          </p:cNvPr>
+          <p:cNvSpPr>
+            <a:spLocks noGrp="1"/>
+          </p:cNvSpPr>
+          <p:nvPr>
+            <p:ph type="hdr" sz="quarter"/>
+          </p:nvPr>
+        </p:nvSpPr>
+        <p:spPr>
+          <a:xfrm>
+            <a:off x="0" y="0"/>
+            <a:ext cx="2971800" cy="458788"/>
+          </a:xfrm>
+          <a:prstGeom prst="rect">
+            <a:avLst/>
+          </a:prstGeom>
+        </p:spPr>
+        <p:txBody>
+          <a:bodyPr vert="horz" lIns="91440" tIns="45720" rIns="91440" bIns="45720" rtlCol="0"/>
+          <a:lstStyle>
+            <a:lvl1pPr algn="l">
+              <a:defRPr sz="1200"/>
+            </a:lvl1pPr>
+          </a:lstStyle>
+          <a:p>
+            <a:endParaRPr lang="en-US"/>
+          </a:p>
+        </p:txBody>
+      </p:sp>
+      <p:sp>
+        <p:nvSpPr>
+          <p:cNvPr id="3" name="Date Placeholder 2">
+            <a:extLst>
+              <a:ext uri="{FF2B5EF4-FFF2-40B4-BE49-F238E27FC236}">
+                <a16:creationId xmlns:a16="http://schemas.microsoft.com/office/drawing/2014/main" id="{6B07E156-9D37-8BB2-6C31-C3FBA1E2A476}"/>
+              </a:ext>
+            </a:extLst>
+          </p:cNvPr>
+          <p:cNvSpPr>
+            <a:spLocks noGrp="1"/>
+          </p:cNvSpPr>
+          <p:nvPr>
+            <p:ph type="dt" sz="quarter" idx="1"/>
+          </p:nvPr>
+        </p:nvSpPr>
+        <p:spPr>
+          <a:xfrm>
+            <a:off x="3884613" y="0"/>
+            <a:ext cx="2971800" cy="458788"/>
+          </a:xfrm>
+          <a:prstGeom prst="rect">
+            <a:avLst/>
+          </a:prstGeom>
+        </p:spPr>
+        <p:txBody>
+          <a:bodyPr vert="horz" lIns="91440" tIns="45720" rIns="91440" bIns="45720" rtlCol="0"/>
+          <a:lstStyle>
+            <a:lvl1pPr algn="r">
+              <a:defRPr sz="1200"/>
+            </a:lvl1pPr>
+          </a:lstStyle>
+          <a:p>
+            <a:fld id="{0283096C-3BB8-4BAE-953C-EB05A07C3F4B}" type="datetimeFigureOut">
+              <a:rPr lang="en-US" smtClean="0"/>
+              <a:t>7/5/2024</a:t>
+            </a:fld>
+            <a:endParaRPr lang="en-US"/>
+          </a:p>
+        </p:txBody>
+      </p:sp>
+      <p:sp>
+        <p:nvSpPr>
+          <p:cNvPr id="4" name="Footer Placeholder 3">
+            <a:extLst>
+              <a:ext uri="{FF2B5EF4-FFF2-40B4-BE49-F238E27FC236}">
+                <a16:creationId xmlns:a16="http://schemas.microsoft.com/office/drawing/2014/main" id="{00B30486-575E-67FA-7728-F1F506F2A533}"/>
+              </a:ext>
+            </a:extLst>
+          </p:cNvPr>
+          <p:cNvSpPr>
+            <a:spLocks noGrp="1"/>
+          </p:cNvSpPr>
+          <p:nvPr>
+            <p:ph type="ftr" sz="quarter" idx="2"/>
+          </p:nvPr>
+        </p:nvSpPr>
+        <p:spPr>
+          <a:xfrm>
+            <a:off x="0" y="8685213"/>
+            <a:ext cx="2971800" cy="458787"/>
+          </a:xfrm>
+          <a:prstGeom prst="rect">
+            <a:avLst/>
+          </a:prstGeom>
+        </p:spPr>
+        <p:txBody>
+          <a:bodyPr vert="horz" lIns="91440" tIns="45720" rIns="91440" bIns="45720" rtlCol="0" anchor="b"/>
+          <a:lstStyle>
+            <a:lvl1pPr algn="l">
+              <a:defRPr sz="1200"/>
+            </a:lvl1pPr>
+          </a:lstStyle>
+          <a:p>
+            <a:endParaRPr lang="en-US"/>
+          </a:p>
+        </p:txBody>
+      </p:sp>
+      <p:sp>
+        <p:nvSpPr>
+          <p:cNvPr id="5" name="Slide Number Placeholder 4">
+            <a:extLst>
+              <a:ext uri="{FF2B5EF4-FFF2-40B4-BE49-F238E27FC236}">
+                <a16:creationId xmlns:a16="http://schemas.microsoft.com/office/drawing/2014/main" id="{AF2FF599-D3EF-0013-9AA2-2E344E2EF9B2}"/>
+              </a:ext>
+            </a:extLst>
+          </p:cNvPr>
+          <p:cNvSpPr>
+            <a:spLocks noGrp="1"/>
+          </p:cNvSpPr>
+          <p:nvPr>
+            <p:ph type="sldNum" sz="quarter" idx="3"/>
+          </p:nvPr>
+        </p:nvSpPr>
+        <p:spPr>
+          <a:xfrm>
+            <a:off x="3884613" y="8685213"/>
+            <a:ext cx="2971800" cy="458787"/>
+          </a:xfrm>
+          <a:prstGeom prst="rect">
+            <a:avLst/>
+          </a:prstGeom>
+        </p:spPr>
+        <p:txBody>
+          <a:bodyPr vert="horz" lIns="91440" tIns="45720" rIns="91440" bIns="45720" rtlCol="0" anchor="b"/>
+          <a:lstStyle>
+            <a:lvl1pPr algn="r">
+              <a:defRPr sz="1200"/>
+            </a:lvl1pPr>
+          </a:lstStyle>
+          <a:p>
+            <a:fld id="{11AAFAA4-7FAC-45A6-B5B7-468EAEA2D20C}" type="slidenum">
+              <a:rPr lang="en-US" smtClean="0"/>
+              <a:t>‹#›</a:t>
+            </a:fld>
+            <a:endParaRPr lang="en-US"/>
+          </a:p>
+        </p:txBody>
+      </p:sp>
+    </p:spTree>
+    <p:extLst>
+      <p:ext uri="{BB962C8B-B14F-4D97-AF65-F5344CB8AC3E}">
+        <p14:creationId xmlns:p14="http://schemas.microsoft.com/office/powerpoint/2010/main" val="3988041982"/>
+      </p:ext>
+    </p:extLst>
+  </p:cSld>
+  <p:clrMap bg1="lt1" tx1="dk1" bg2="lt2" tx2="dk2" accent1="accent1" accent2="accent2" accent3="accent3" accent4="accent4" accent5="accent5" accent6="accent6" hlink="hlink" folHlink="folHlink"/>
+  <p:hf hdr="0" ftr="0" dt="0"/>
+</p:handoutMaster>
+</file>
+
 <file path=ppt/notesMasters/notesMaster1.xml><?xml version="1.0" encoding="utf-8"?>
 <p:notesMaster xmlns:a="http://schemas.openxmlformats.org/drawingml/2006/main" xmlns:r="http://schemas.openxmlformats.org/officeDocument/2006/relationships" xmlns:p="http://schemas.openxmlformats.org/presentationml/2006/main">
   <p:cSld>
@@ -208,7 +400,7 @@
           <a:p>
             <a:fld id="{83E62246-8680-4D4D-A3BD-0C5BFD468F61}" type="datetimeFigureOut">
               <a:rPr lang="en-US" smtClean="0"/>
-              <a:t>6/30/2024</a:t>
+              <a:t>7/5/2024</a:t>
             </a:fld>
             <a:endParaRPr lang="en-US"/>
           </a:p>
@@ -380,6 +572,7 @@
     </p:extLst>
   </p:cSld>
   <p:clrMap bg1="lt1" tx1="dk1" bg2="lt2" tx2="dk2" accent1="accent1" accent2="accent2" accent3="accent3" accent4="accent4" accent5="accent5" accent6="accent6" hlink="hlink" folHlink="folHlink"/>
+  <p:hf hdr="0" ftr="0" dt="0"/>
   <p:notesStyle>
     <a:lvl1pPr marL="0" algn="l" defTabSz="914400" rtl="0" eaLnBrk="1" latinLnBrk="0" hangingPunct="1">
       <a:defRPr sz="1200" kern="1200">
@@ -969,7 +1162,7 @@
     </p:spTree>
     <p:extLst>
       <p:ext uri="{BB962C8B-B14F-4D97-AF65-F5344CB8AC3E}">
-        <p14:creationId xmlns:p14="http://schemas.microsoft.com/office/powerpoint/2010/main" val="334022091"/>
+        <p14:creationId xmlns:p14="http://schemas.microsoft.com/office/powerpoint/2010/main" val="2611791823"/>
       </p:ext>
     </p:extLst>
   </p:cSld>
@@ -1045,90 +1238,6 @@
             <a:fld id="{B4A55CF2-256D-44FD-9430-5B63A079CF51}" type="slidenum">
               <a:rPr lang="en-US" smtClean="0"/>
               <a:t>11</a:t>
-            </a:fld>
-            <a:endParaRPr lang="en-US" dirty="0"/>
-          </a:p>
-        </p:txBody>
-      </p:sp>
-    </p:spTree>
-    <p:extLst>
-      <p:ext uri="{BB962C8B-B14F-4D97-AF65-F5344CB8AC3E}">
-        <p14:creationId xmlns:p14="http://schemas.microsoft.com/office/powerpoint/2010/main" val="2611791823"/>
-      </p:ext>
-    </p:extLst>
-  </p:cSld>
-  <p:clrMapOvr>
-    <a:masterClrMapping/>
-  </p:clrMapOvr>
-</p:notes>
-</file>
-
-<file path=ppt/notesSlides/notesSlide8.xml><?xml version="1.0" encoding="utf-8"?>
-<p:notes xmlns:a="http://schemas.openxmlformats.org/drawingml/2006/main" xmlns:r="http://schemas.openxmlformats.org/officeDocument/2006/relationships" xmlns:p="http://schemas.openxmlformats.org/presentationml/2006/main">
-  <p:cSld>
-    <p:spTree>
-      <p:nvGrpSpPr>
-        <p:cNvPr id="1" name=""/>
-        <p:cNvGrpSpPr/>
-        <p:nvPr/>
-      </p:nvGrpSpPr>
-      <p:grpSpPr>
-        <a:xfrm>
-          <a:off x="0" y="0"/>
-          <a:ext cx="0" cy="0"/>
-          <a:chOff x="0" y="0"/>
-          <a:chExt cx="0" cy="0"/>
-        </a:xfrm>
-      </p:grpSpPr>
-      <p:sp>
-        <p:nvSpPr>
-          <p:cNvPr id="2" name="Espace réservé de l'image des diapositives 1"/>
-          <p:cNvSpPr>
-            <a:spLocks noGrp="1" noRot="1" noChangeAspect="1"/>
-          </p:cNvSpPr>
-          <p:nvPr>
-            <p:ph type="sldImg"/>
-          </p:nvPr>
-        </p:nvSpPr>
-        <p:spPr/>
-      </p:sp>
-      <p:sp>
-        <p:nvSpPr>
-          <p:cNvPr id="3" name="Espace réservé des commentaires 2"/>
-          <p:cNvSpPr>
-            <a:spLocks noGrp="1"/>
-          </p:cNvSpPr>
-          <p:nvPr>
-            <p:ph type="body" idx="1"/>
-          </p:nvPr>
-        </p:nvSpPr>
-        <p:spPr/>
-        <p:txBody>
-          <a:bodyPr/>
-          <a:lstStyle/>
-          <a:p>
-            <a:endParaRPr lang="en-US" dirty="0"/>
-          </a:p>
-        </p:txBody>
-      </p:sp>
-      <p:sp>
-        <p:nvSpPr>
-          <p:cNvPr id="4" name="Espace réservé du numéro de diapositive 3"/>
-          <p:cNvSpPr>
-            <a:spLocks noGrp="1"/>
-          </p:cNvSpPr>
-          <p:nvPr>
-            <p:ph type="sldNum" sz="quarter" idx="10"/>
-          </p:nvPr>
-        </p:nvSpPr>
-        <p:spPr/>
-        <p:txBody>
-          <a:bodyPr/>
-          <a:lstStyle/>
-          <a:p>
-            <a:fld id="{B4A55CF2-256D-44FD-9430-5B63A079CF51}" type="slidenum">
-              <a:rPr lang="en-US" smtClean="0"/>
-              <a:t>12</a:t>
             </a:fld>
             <a:endParaRPr lang="en-US" dirty="0"/>
           </a:p>
@@ -1294,9 +1403,9 @@
           <a:bodyPr/>
           <a:lstStyle/>
           <a:p>
-            <a:fld id="{DE15CBC1-10D1-4E1D-B7D3-1A6D6027583C}" type="datetimeFigureOut">
+            <a:fld id="{1061F625-40BA-4DD6-8039-9660B6274C9E}" type="datetime1">
               <a:rPr lang="en-US" smtClean="0"/>
-              <a:t>6/30/2024</a:t>
+              <a:t>7/5/2024</a:t>
             </a:fld>
             <a:endParaRPr lang="en-US"/>
           </a:p>
@@ -1492,9 +1601,9 @@
           <a:bodyPr/>
           <a:lstStyle/>
           <a:p>
-            <a:fld id="{DE15CBC1-10D1-4E1D-B7D3-1A6D6027583C}" type="datetimeFigureOut">
+            <a:fld id="{5BEFBD2C-F0E4-461B-87CC-F053150B5B9F}" type="datetime1">
               <a:rPr lang="en-US" smtClean="0"/>
-              <a:t>6/30/2024</a:t>
+              <a:t>7/5/2024</a:t>
             </a:fld>
             <a:endParaRPr lang="en-US"/>
           </a:p>
@@ -1700,9 +1809,9 @@
           <a:bodyPr/>
           <a:lstStyle/>
           <a:p>
-            <a:fld id="{DE15CBC1-10D1-4E1D-B7D3-1A6D6027583C}" type="datetimeFigureOut">
+            <a:fld id="{1CAB0E7E-D850-4E40-8C67-81C4E0902CB3}" type="datetime1">
               <a:rPr lang="en-US" smtClean="0"/>
-              <a:t>6/30/2024</a:t>
+              <a:t>7/5/2024</a:t>
             </a:fld>
             <a:endParaRPr lang="en-US"/>
           </a:p>
@@ -1900,9 +2009,9 @@
           <a:bodyPr/>
           <a:lstStyle/>
           <a:p>
-            <a:fld id="{DE15CBC1-10D1-4E1D-B7D3-1A6D6027583C}" type="datetimeFigureOut">
+            <a:fld id="{93EC781D-31DC-461F-9F47-4AA0E022C132}" type="datetime1">
               <a:rPr lang="en-US" smtClean="0"/>
-              <a:t>6/30/2024</a:t>
+              <a:t>7/5/2024</a:t>
             </a:fld>
             <a:endParaRPr lang="en-US"/>
           </a:p>
@@ -2176,9 +2285,9 @@
           <a:bodyPr/>
           <a:lstStyle/>
           <a:p>
-            <a:fld id="{DE15CBC1-10D1-4E1D-B7D3-1A6D6027583C}" type="datetimeFigureOut">
+            <a:fld id="{4632B589-B18F-4595-9398-866A06D6534F}" type="datetime1">
               <a:rPr lang="en-US" smtClean="0"/>
-              <a:t>6/30/2024</a:t>
+              <a:t>7/5/2024</a:t>
             </a:fld>
             <a:endParaRPr lang="en-US"/>
           </a:p>
@@ -2441,9 +2550,9 @@
           <a:bodyPr/>
           <a:lstStyle/>
           <a:p>
-            <a:fld id="{DE15CBC1-10D1-4E1D-B7D3-1A6D6027583C}" type="datetimeFigureOut">
+            <a:fld id="{B2554038-4742-4EBF-B082-BD2473486E1B}" type="datetime1">
               <a:rPr lang="en-US" smtClean="0"/>
-              <a:t>6/30/2024</a:t>
+              <a:t>7/5/2024</a:t>
             </a:fld>
             <a:endParaRPr lang="en-US"/>
           </a:p>
@@ -2853,9 +2962,9 @@
           <a:bodyPr/>
           <a:lstStyle/>
           <a:p>
-            <a:fld id="{DE15CBC1-10D1-4E1D-B7D3-1A6D6027583C}" type="datetimeFigureOut">
+            <a:fld id="{A1AE30CA-3741-428A-8599-E97708D8B44E}" type="datetime1">
               <a:rPr lang="en-US" smtClean="0"/>
-              <a:t>6/30/2024</a:t>
+              <a:t>7/5/2024</a:t>
             </a:fld>
             <a:endParaRPr lang="en-US"/>
           </a:p>
@@ -2994,9 +3103,9 @@
           <a:bodyPr/>
           <a:lstStyle/>
           <a:p>
-            <a:fld id="{DE15CBC1-10D1-4E1D-B7D3-1A6D6027583C}" type="datetimeFigureOut">
+            <a:fld id="{230BF4B0-5939-4C95-9CBD-087FD5A3893B}" type="datetime1">
               <a:rPr lang="en-US" smtClean="0"/>
-              <a:t>6/30/2024</a:t>
+              <a:t>7/5/2024</a:t>
             </a:fld>
             <a:endParaRPr lang="en-US"/>
           </a:p>
@@ -3107,9 +3216,9 @@
           <a:bodyPr/>
           <a:lstStyle/>
           <a:p>
-            <a:fld id="{DE15CBC1-10D1-4E1D-B7D3-1A6D6027583C}" type="datetimeFigureOut">
+            <a:fld id="{FE9258EB-438D-4F52-97DE-8A39D1A44122}" type="datetime1">
               <a:rPr lang="en-US" smtClean="0"/>
-              <a:t>6/30/2024</a:t>
+              <a:t>7/5/2024</a:t>
             </a:fld>
             <a:endParaRPr lang="en-US"/>
           </a:p>
@@ -3418,9 +3527,9 @@
           <a:bodyPr/>
           <a:lstStyle/>
           <a:p>
-            <a:fld id="{DE15CBC1-10D1-4E1D-B7D3-1A6D6027583C}" type="datetimeFigureOut">
+            <a:fld id="{D7086AC9-953D-4E38-9054-7DC00FC45D44}" type="datetime1">
               <a:rPr lang="en-US" smtClean="0"/>
-              <a:t>6/30/2024</a:t>
+              <a:t>7/5/2024</a:t>
             </a:fld>
             <a:endParaRPr lang="en-US"/>
           </a:p>
@@ -3709,9 +3818,9 @@
           <a:bodyPr/>
           <a:lstStyle/>
           <a:p>
-            <a:fld id="{DE15CBC1-10D1-4E1D-B7D3-1A6D6027583C}" type="datetimeFigureOut">
+            <a:fld id="{2B926D53-B85B-4540-B3A4-CFEE09391D92}" type="datetime1">
               <a:rPr lang="en-US" smtClean="0"/>
-              <a:t>6/30/2024</a:t>
+              <a:t>7/5/2024</a:t>
             </a:fld>
             <a:endParaRPr lang="en-US"/>
           </a:p>
@@ -3950,10 +4059,9 @@
             </a:lvl1pPr>
           </a:lstStyle>
           <a:p>
-            <a:fld id="{DE15CBC1-10D1-4E1D-B7D3-1A6D6027583C}" type="datetimeFigureOut">
+            <a:fld id="{C5508EE0-FAC5-4B8F-9C26-9B82BD19EDD0}" type="datetime1">
               <a:rPr lang="en-US" smtClean="0"/>
-              <a:pPr/>
-              <a:t>6/30/2024</a:t>
+              <a:t>7/5/2024</a:t>
             </a:fld>
             <a:endParaRPr lang="en-US"/>
           </a:p>
@@ -4067,6 +4175,7 @@
     <p:sldLayoutId id="2147483658" r:id="rId10"/>
     <p:sldLayoutId id="2147483659" r:id="rId11"/>
   </p:sldLayoutIdLst>
+  <p:hf sldNum="0" hdr="0" ftr="0" dt="0"/>
   <p:txStyles>
     <p:titleStyle>
       <a:lvl1pPr algn="l" defTabSz="914400" rtl="0" eaLnBrk="1" latinLnBrk="0" hangingPunct="1">
@@ -4429,7 +4538,7 @@
                 </a:gradFill>
                 <a:latin typeface="+mn-lt"/>
               </a:rPr>
-              <a:t>Hands-on Generative AI Engineering with Large Language Models</a:t>
+              <a:t>Introduction to the Course</a:t>
             </a:r>
           </a:p>
         </p:txBody>
@@ -4450,8 +4559,8 @@
         </p:nvSpPr>
         <p:spPr>
           <a:xfrm>
-            <a:off x="4348428" y="4504640"/>
-            <a:ext cx="3495144" cy="453302"/>
+            <a:off x="3785787" y="4504640"/>
+            <a:ext cx="4057785" cy="453302"/>
           </a:xfrm>
           <a:prstGeom prst="rect">
             <a:avLst/>
@@ -4647,6 +4756,78 @@
           </a:p>
         </p:txBody>
       </p:sp>
+      <p:sp>
+        <p:nvSpPr>
+          <p:cNvPr id="5" name="Title 1">
+            <a:extLst>
+              <a:ext uri="{FF2B5EF4-FFF2-40B4-BE49-F238E27FC236}">
+                <a16:creationId xmlns:a16="http://schemas.microsoft.com/office/drawing/2014/main" id="{C0A4C4B7-B750-84BA-D318-EE187BBB8AB8}"/>
+              </a:ext>
+            </a:extLst>
+          </p:cNvPr>
+          <p:cNvSpPr txBox="1">
+            <a:spLocks/>
+          </p:cNvSpPr>
+          <p:nvPr/>
+        </p:nvSpPr>
+        <p:spPr>
+          <a:xfrm>
+            <a:off x="864905" y="863061"/>
+            <a:ext cx="10462189" cy="1200814"/>
+          </a:xfrm>
+          <a:prstGeom prst="rect">
+            <a:avLst/>
+          </a:prstGeom>
+        </p:spPr>
+        <p:txBody>
+          <a:bodyPr vert="horz" lIns="91440" tIns="45720" rIns="91440" bIns="45720" rtlCol="0" anchor="b">
+            <a:normAutofit/>
+          </a:bodyPr>
+          <a:lstStyle>
+            <a:lvl1pPr algn="ctr" defTabSz="914400" rtl="0" eaLnBrk="1" latinLnBrk="0" hangingPunct="1">
+              <a:lnSpc>
+                <a:spcPct val="90000"/>
+              </a:lnSpc>
+              <a:spcBef>
+                <a:spcPct val="0"/>
+              </a:spcBef>
+              <a:buNone/>
+              <a:defRPr sz="6000" kern="1200">
+                <a:solidFill>
+                  <a:srgbClr val="002060"/>
+                </a:solidFill>
+                <a:latin typeface="Avenir Next LT Pro" panose="020B0504020202020204" pitchFamily="34" charset="0"/>
+                <a:ea typeface="+mj-ea"/>
+                <a:cs typeface="+mj-cs"/>
+              </a:defRPr>
+            </a:lvl1pPr>
+          </a:lstStyle>
+          <a:p>
+            <a:r>
+              <a:rPr lang="en-US" sz="3600" b="1" dirty="0">
+                <a:gradFill>
+                  <a:gsLst>
+                    <a:gs pos="29000">
+                      <a:schemeClr val="accent5">
+                        <a:lumMod val="50000"/>
+                      </a:schemeClr>
+                    </a:gs>
+                    <a:gs pos="85000">
+                      <a:schemeClr val="accent5">
+                        <a:lumMod val="60000"/>
+                        <a:lumOff val="40000"/>
+                      </a:schemeClr>
+                    </a:gs>
+                  </a:gsLst>
+                  <a:lin ang="2700000" scaled="0"/>
+                </a:gradFill>
+                <a:latin typeface="+mn-lt"/>
+              </a:rPr>
+              <a:t>Hands-on Generative AI Engineering with Large Language Model</a:t>
+            </a:r>
+          </a:p>
+        </p:txBody>
+      </p:sp>
     </p:spTree>
     <p:extLst>
       <p:ext uri="{BB962C8B-B14F-4D97-AF65-F5344CB8AC3E}">
@@ -4661,204 +4842,6 @@
 </file>
 
 <file path=ppt/slides/slide10.xml><?xml version="1.0" encoding="utf-8"?>
-<p:sld xmlns:a="http://schemas.openxmlformats.org/drawingml/2006/main" xmlns:r="http://schemas.openxmlformats.org/officeDocument/2006/relationships" xmlns:p="http://schemas.openxmlformats.org/presentationml/2006/main">
-  <p:cSld>
-    <p:spTree>
-      <p:nvGrpSpPr>
-        <p:cNvPr id="1" name=""/>
-        <p:cNvGrpSpPr/>
-        <p:nvPr/>
-      </p:nvGrpSpPr>
-      <p:grpSpPr>
-        <a:xfrm>
-          <a:off x="0" y="0"/>
-          <a:ext cx="0" cy="0"/>
-          <a:chOff x="0" y="0"/>
-          <a:chExt cx="0" cy="0"/>
-        </a:xfrm>
-      </p:grpSpPr>
-      <p:sp>
-        <p:nvSpPr>
-          <p:cNvPr id="42" name="Title 1">
-            <a:extLst>
-              <a:ext uri="{FF2B5EF4-FFF2-40B4-BE49-F238E27FC236}">
-                <a16:creationId xmlns:a16="http://schemas.microsoft.com/office/drawing/2014/main" id="{53AD96E6-67B2-02CD-F910-420EA60CDC1C}"/>
-              </a:ext>
-            </a:extLst>
-          </p:cNvPr>
-          <p:cNvSpPr>
-            <a:spLocks noGrp="1"/>
-          </p:cNvSpPr>
-          <p:nvPr>
-            <p:ph type="title"/>
-          </p:nvPr>
-        </p:nvSpPr>
-        <p:spPr>
-          <a:xfrm>
-            <a:off x="838200" y="365125"/>
-            <a:ext cx="11036300" cy="1325563"/>
-          </a:xfrm>
-        </p:spPr>
-        <p:txBody>
-          <a:bodyPr/>
-          <a:lstStyle/>
-          <a:p>
-            <a:r>
-              <a:rPr lang="en-US" dirty="0"/>
-              <a:t>Course Structure</a:t>
-            </a:r>
-          </a:p>
-        </p:txBody>
-      </p:sp>
-      <p:grpSp>
-        <p:nvGrpSpPr>
-          <p:cNvPr id="5" name="Group 4">
-            <a:extLst>
-              <a:ext uri="{FF2B5EF4-FFF2-40B4-BE49-F238E27FC236}">
-                <a16:creationId xmlns:a16="http://schemas.microsoft.com/office/drawing/2014/main" id="{B8C6F809-2879-E309-DBCA-B2B02D276FE2}"/>
-              </a:ext>
-            </a:extLst>
-          </p:cNvPr>
-          <p:cNvGrpSpPr/>
-          <p:nvPr/>
-        </p:nvGrpSpPr>
-        <p:grpSpPr>
-          <a:xfrm>
-            <a:off x="7131231" y="295362"/>
-            <a:ext cx="4238403" cy="1209722"/>
-            <a:chOff x="7326908" y="365125"/>
-            <a:chExt cx="4238403" cy="1209722"/>
-          </a:xfrm>
-        </p:grpSpPr>
-        <p:sp>
-          <p:nvSpPr>
-            <p:cNvPr id="6" name="Oval 5">
-              <a:extLst>
-                <a:ext uri="{FF2B5EF4-FFF2-40B4-BE49-F238E27FC236}">
-                  <a16:creationId xmlns:a16="http://schemas.microsoft.com/office/drawing/2014/main" id="{73826B3E-B54B-61DB-7067-C234ACA1573E}"/>
-                </a:ext>
-              </a:extLst>
-            </p:cNvPr>
-            <p:cNvSpPr/>
-            <p:nvPr/>
-          </p:nvSpPr>
-          <p:spPr>
-            <a:xfrm>
-              <a:off x="7326908" y="365125"/>
-              <a:ext cx="4238403" cy="1200329"/>
-            </a:xfrm>
-            <a:prstGeom prst="ellipse">
-              <a:avLst/>
-            </a:prstGeom>
-            <a:solidFill>
-              <a:schemeClr val="accent4">
-                <a:lumMod val="40000"/>
-                <a:lumOff val="60000"/>
-              </a:schemeClr>
-            </a:solidFill>
-            <a:ln>
-              <a:noFill/>
-            </a:ln>
-          </p:spPr>
-          <p:style>
-            <a:lnRef idx="2">
-              <a:schemeClr val="accent1">
-                <a:shade val="15000"/>
-              </a:schemeClr>
-            </a:lnRef>
-            <a:fillRef idx="1">
-              <a:schemeClr val="accent1"/>
-            </a:fillRef>
-            <a:effectRef idx="0">
-              <a:schemeClr val="accent1"/>
-            </a:effectRef>
-            <a:fontRef idx="minor">
-              <a:schemeClr val="lt1"/>
-            </a:fontRef>
-          </p:style>
-          <p:txBody>
-            <a:bodyPr rtlCol="0" anchor="ctr"/>
-            <a:lstStyle/>
-            <a:p>
-              <a:pPr algn="ctr"/>
-              <a:endParaRPr lang="en-US"/>
-            </a:p>
-          </p:txBody>
-        </p:sp>
-        <p:sp>
-          <p:nvSpPr>
-            <p:cNvPr id="9" name="TextBox 8">
-              <a:extLst>
-                <a:ext uri="{FF2B5EF4-FFF2-40B4-BE49-F238E27FC236}">
-                  <a16:creationId xmlns:a16="http://schemas.microsoft.com/office/drawing/2014/main" id="{124E68D2-F78A-3457-B099-4C47587DC074}"/>
-                </a:ext>
-              </a:extLst>
-            </p:cNvPr>
-            <p:cNvSpPr txBox="1"/>
-            <p:nvPr/>
-          </p:nvSpPr>
-          <p:spPr>
-            <a:xfrm>
-              <a:off x="7550635" y="374518"/>
-              <a:ext cx="3790948" cy="1200329"/>
-            </a:xfrm>
-            <a:prstGeom prst="rect">
-              <a:avLst/>
-            </a:prstGeom>
-            <a:noFill/>
-          </p:spPr>
-          <p:txBody>
-            <a:bodyPr wrap="square" rtlCol="0">
-              <a:spAutoFit/>
-            </a:bodyPr>
-            <a:lstStyle/>
-            <a:p>
-              <a:pPr algn="ctr"/>
-              <a:r>
-                <a:rPr lang="en-US" b="1" dirty="0">
-                  <a:solidFill>
-                    <a:srgbClr val="002060"/>
-                  </a:solidFill>
-                </a:rPr>
-                <a:t>Beyond the Course</a:t>
-              </a:r>
-              <a:r>
-                <a:rPr lang="en-US" dirty="0">
-                  <a:solidFill>
-                    <a:srgbClr val="002060"/>
-                  </a:solidFill>
-                </a:rPr>
-                <a:t> </a:t>
-              </a:r>
-            </a:p>
-            <a:p>
-              <a:pPr algn="ctr"/>
-              <a:r>
-                <a:rPr lang="en-US" dirty="0">
-                  <a:solidFill>
-                    <a:srgbClr val="002060"/>
-                  </a:solidFill>
-                </a:rPr>
-                <a:t>Guidance on advanced concepts, up-to-date advancements in LLM vs Generative AI, …</a:t>
-              </a:r>
-            </a:p>
-          </p:txBody>
-        </p:sp>
-      </p:grpSp>
-    </p:spTree>
-    <p:extLst>
-      <p:ext uri="{BB962C8B-B14F-4D97-AF65-F5344CB8AC3E}">
-        <p14:creationId xmlns:p14="http://schemas.microsoft.com/office/powerpoint/2010/main" val="580608183"/>
-      </p:ext>
-    </p:extLst>
-  </p:cSld>
-  <p:clrMapOvr>
-    <a:masterClrMapping/>
-  </p:clrMapOvr>
-</p:sld>
-</file>
-
-<file path=ppt/slides/slide11.xml><?xml version="1.0" encoding="utf-8"?>
 <p:sld xmlns:a="http://schemas.openxmlformats.org/drawingml/2006/main" xmlns:r="http://schemas.openxmlformats.org/officeDocument/2006/relationships" xmlns:p="http://schemas.openxmlformats.org/presentationml/2006/main">
   <p:cSld>
     <p:spTree>
@@ -6116,182 +6099,6 @@
           </a:p>
         </p:txBody>
       </p:sp>
-      <p:grpSp>
-        <p:nvGrpSpPr>
-          <p:cNvPr id="33" name="Group 32">
-            <a:extLst>
-              <a:ext uri="{FF2B5EF4-FFF2-40B4-BE49-F238E27FC236}">
-                <a16:creationId xmlns:a16="http://schemas.microsoft.com/office/drawing/2014/main" id="{6E2DA54A-90B5-599B-0D0A-7EF9DBAE1C6E}"/>
-              </a:ext>
-            </a:extLst>
-          </p:cNvPr>
-          <p:cNvGrpSpPr/>
-          <p:nvPr/>
-        </p:nvGrpSpPr>
-        <p:grpSpPr>
-          <a:xfrm>
-            <a:off x="7131231" y="295362"/>
-            <a:ext cx="4238403" cy="1209722"/>
-            <a:chOff x="7326908" y="365125"/>
-            <a:chExt cx="4238403" cy="1209722"/>
-          </a:xfrm>
-        </p:grpSpPr>
-        <p:sp>
-          <p:nvSpPr>
-            <p:cNvPr id="24" name="Oval 23">
-              <a:extLst>
-                <a:ext uri="{FF2B5EF4-FFF2-40B4-BE49-F238E27FC236}">
-                  <a16:creationId xmlns:a16="http://schemas.microsoft.com/office/drawing/2014/main" id="{9AEA7CF7-3D61-8681-54AF-203DDD850256}"/>
-                </a:ext>
-              </a:extLst>
-            </p:cNvPr>
-            <p:cNvSpPr/>
-            <p:nvPr/>
-          </p:nvSpPr>
-          <p:spPr>
-            <a:xfrm>
-              <a:off x="7326908" y="365125"/>
-              <a:ext cx="4238403" cy="1200329"/>
-            </a:xfrm>
-            <a:prstGeom prst="ellipse">
-              <a:avLst/>
-            </a:prstGeom>
-            <a:solidFill>
-              <a:schemeClr val="accent4">
-                <a:lumMod val="40000"/>
-                <a:lumOff val="60000"/>
-              </a:schemeClr>
-            </a:solidFill>
-            <a:ln>
-              <a:noFill/>
-            </a:ln>
-          </p:spPr>
-          <p:style>
-            <a:lnRef idx="2">
-              <a:schemeClr val="accent1">
-                <a:shade val="15000"/>
-              </a:schemeClr>
-            </a:lnRef>
-            <a:fillRef idx="1">
-              <a:schemeClr val="accent1"/>
-            </a:fillRef>
-            <a:effectRef idx="0">
-              <a:schemeClr val="accent1"/>
-            </a:effectRef>
-            <a:fontRef idx="minor">
-              <a:schemeClr val="lt1"/>
-            </a:fontRef>
-          </p:style>
-          <p:txBody>
-            <a:bodyPr rtlCol="0" anchor="ctr"/>
-            <a:lstStyle/>
-            <a:p>
-              <a:pPr algn="ctr"/>
-              <a:endParaRPr lang="en-US"/>
-            </a:p>
-          </p:txBody>
-        </p:sp>
-        <p:sp>
-          <p:nvSpPr>
-            <p:cNvPr id="25" name="TextBox 24">
-              <a:extLst>
-                <a:ext uri="{FF2B5EF4-FFF2-40B4-BE49-F238E27FC236}">
-                  <a16:creationId xmlns:a16="http://schemas.microsoft.com/office/drawing/2014/main" id="{2058A1E0-91F8-AB0B-169F-80ECE281D777}"/>
-                </a:ext>
-              </a:extLst>
-            </p:cNvPr>
-            <p:cNvSpPr txBox="1"/>
-            <p:nvPr/>
-          </p:nvSpPr>
-          <p:spPr>
-            <a:xfrm>
-              <a:off x="7550635" y="374518"/>
-              <a:ext cx="3790948" cy="1200329"/>
-            </a:xfrm>
-            <a:prstGeom prst="rect">
-              <a:avLst/>
-            </a:prstGeom>
-            <a:noFill/>
-          </p:spPr>
-          <p:txBody>
-            <a:bodyPr wrap="square" rtlCol="0">
-              <a:spAutoFit/>
-            </a:bodyPr>
-            <a:lstStyle/>
-            <a:p>
-              <a:pPr algn="ctr"/>
-              <a:r>
-                <a:rPr lang="en-US" b="1" dirty="0">
-                  <a:solidFill>
-                    <a:srgbClr val="002060"/>
-                  </a:solidFill>
-                </a:rPr>
-                <a:t>Beyond the Course</a:t>
-              </a:r>
-              <a:r>
-                <a:rPr lang="en-US" dirty="0">
-                  <a:solidFill>
-                    <a:srgbClr val="002060"/>
-                  </a:solidFill>
-                </a:rPr>
-                <a:t> </a:t>
-              </a:r>
-            </a:p>
-            <a:p>
-              <a:pPr algn="ctr"/>
-              <a:r>
-                <a:rPr lang="en-US" dirty="0">
-                  <a:solidFill>
-                    <a:srgbClr val="002060"/>
-                  </a:solidFill>
-                </a:rPr>
-                <a:t>Guidance on advanced concepts, up-to-date advancements in LLM vs Generative AI, …</a:t>
-              </a:r>
-            </a:p>
-          </p:txBody>
-        </p:sp>
-      </p:grpSp>
-      <p:cxnSp>
-        <p:nvCxnSpPr>
-          <p:cNvPr id="26" name="Straight Arrow Connector 25">
-            <a:extLst>
-              <a:ext uri="{FF2B5EF4-FFF2-40B4-BE49-F238E27FC236}">
-                <a16:creationId xmlns:a16="http://schemas.microsoft.com/office/drawing/2014/main" id="{1D237BB7-BFBC-495A-CEAE-53EA23A5D90C}"/>
-              </a:ext>
-            </a:extLst>
-          </p:cNvPr>
-          <p:cNvCxnSpPr>
-            <a:cxnSpLocks/>
-          </p:cNvCxnSpPr>
-          <p:nvPr/>
-        </p:nvCxnSpPr>
-        <p:spPr>
-          <a:xfrm flipH="1" flipV="1">
-            <a:off x="9250178" y="1501824"/>
-            <a:ext cx="1" cy="289542"/>
-          </a:xfrm>
-          <a:prstGeom prst="straightConnector1">
-            <a:avLst/>
-          </a:prstGeom>
-          <a:ln>
-            <a:tailEnd type="triangle"/>
-          </a:ln>
-        </p:spPr>
-        <p:style>
-          <a:lnRef idx="2">
-            <a:schemeClr val="accent1"/>
-          </a:lnRef>
-          <a:fillRef idx="0">
-            <a:schemeClr val="accent1"/>
-          </a:fillRef>
-          <a:effectRef idx="1">
-            <a:schemeClr val="accent1"/>
-          </a:effectRef>
-          <a:fontRef idx="minor">
-            <a:schemeClr val="tx1"/>
-          </a:fontRef>
-        </p:style>
-      </p:cxnSp>
     </p:spTree>
     <p:extLst>
       <p:ext uri="{BB962C8B-B14F-4D97-AF65-F5344CB8AC3E}">
@@ -6305,7 +6112,7 @@
 </p:sld>
 </file>
 
-<file path=ppt/slides/slide12.xml><?xml version="1.0" encoding="utf-8"?>
+<file path=ppt/slides/slide11.xml><?xml version="1.0" encoding="utf-8"?>
 <p:sld xmlns:a="http://schemas.openxmlformats.org/drawingml/2006/main" xmlns:r="http://schemas.openxmlformats.org/officeDocument/2006/relationships" xmlns:p="http://schemas.openxmlformats.org/presentationml/2006/main">
   <p:cSld>
     <p:spTree>
@@ -7167,141 +6974,6 @@
           </p:txBody>
         </p:sp>
       </p:grpSp>
-      <p:grpSp>
-        <p:nvGrpSpPr>
-          <p:cNvPr id="15" name="Group 14">
-            <a:extLst>
-              <a:ext uri="{FF2B5EF4-FFF2-40B4-BE49-F238E27FC236}">
-                <a16:creationId xmlns:a16="http://schemas.microsoft.com/office/drawing/2014/main" id="{CC3FAA7C-51D4-7D81-8322-C378DE464815}"/>
-              </a:ext>
-            </a:extLst>
-          </p:cNvPr>
-          <p:cNvGrpSpPr/>
-          <p:nvPr/>
-        </p:nvGrpSpPr>
-        <p:grpSpPr>
-          <a:xfrm>
-            <a:off x="7724996" y="365125"/>
-            <a:ext cx="4238403" cy="1209722"/>
-            <a:chOff x="6524846" y="443099"/>
-            <a:chExt cx="4238403" cy="1209722"/>
-          </a:xfrm>
-        </p:grpSpPr>
-        <p:sp>
-          <p:nvSpPr>
-            <p:cNvPr id="16" name="Oval 15">
-              <a:extLst>
-                <a:ext uri="{FF2B5EF4-FFF2-40B4-BE49-F238E27FC236}">
-                  <a16:creationId xmlns:a16="http://schemas.microsoft.com/office/drawing/2014/main" id="{D5C1D9FC-612E-8D10-575D-F627AB8A8EE4}"/>
-                </a:ext>
-              </a:extLst>
-            </p:cNvPr>
-            <p:cNvSpPr/>
-            <p:nvPr/>
-          </p:nvSpPr>
-          <p:spPr>
-            <a:xfrm>
-              <a:off x="6524846" y="443099"/>
-              <a:ext cx="4238403" cy="1200329"/>
-            </a:xfrm>
-            <a:prstGeom prst="ellipse">
-              <a:avLst/>
-            </a:prstGeom>
-            <a:solidFill>
-              <a:schemeClr val="accent4">
-                <a:lumMod val="40000"/>
-                <a:lumOff val="60000"/>
-              </a:schemeClr>
-            </a:solidFill>
-            <a:ln>
-              <a:noFill/>
-            </a:ln>
-          </p:spPr>
-          <p:style>
-            <a:lnRef idx="2">
-              <a:schemeClr val="accent1">
-                <a:shade val="15000"/>
-              </a:schemeClr>
-            </a:lnRef>
-            <a:fillRef idx="1">
-              <a:schemeClr val="accent1"/>
-            </a:fillRef>
-            <a:effectRef idx="0">
-              <a:schemeClr val="accent1"/>
-            </a:effectRef>
-            <a:fontRef idx="minor">
-              <a:schemeClr val="lt1"/>
-            </a:fontRef>
-          </p:style>
-          <p:txBody>
-            <a:bodyPr rtlCol="0" anchor="ctr"/>
-            <a:lstStyle/>
-            <a:p>
-              <a:pPr algn="ctr"/>
-              <a:endParaRPr lang="en-US"/>
-            </a:p>
-          </p:txBody>
-        </p:sp>
-        <p:sp>
-          <p:nvSpPr>
-            <p:cNvPr id="17" name="TextBox 16">
-              <a:extLst>
-                <a:ext uri="{FF2B5EF4-FFF2-40B4-BE49-F238E27FC236}">
-                  <a16:creationId xmlns:a16="http://schemas.microsoft.com/office/drawing/2014/main" id="{24ED7292-0029-F4B1-74D2-5BB5258E1BFA}"/>
-                </a:ext>
-              </a:extLst>
-            </p:cNvPr>
-            <p:cNvSpPr txBox="1"/>
-            <p:nvPr/>
-          </p:nvSpPr>
-          <p:spPr>
-            <a:xfrm>
-              <a:off x="6748573" y="452492"/>
-              <a:ext cx="3790948" cy="1200329"/>
-            </a:xfrm>
-            <a:prstGeom prst="rect">
-              <a:avLst/>
-            </a:prstGeom>
-            <a:noFill/>
-          </p:spPr>
-          <p:txBody>
-            <a:bodyPr wrap="square" rtlCol="0">
-              <a:spAutoFit/>
-            </a:bodyPr>
-            <a:lstStyle/>
-            <a:p>
-              <a:pPr algn="ctr"/>
-              <a:r>
-                <a:rPr lang="en-US" b="1" dirty="0">
-                  <a:solidFill>
-                    <a:srgbClr val="002060"/>
-                  </a:solidFill>
-                </a:rPr>
-                <a:t>Beyond the Course</a:t>
-              </a:r>
-              <a:r>
-                <a:rPr lang="en-US" dirty="0">
-                  <a:solidFill>
-                    <a:srgbClr val="002060"/>
-                  </a:solidFill>
-                </a:rPr>
-                <a:t> </a:t>
-              </a:r>
-            </a:p>
-            <a:p>
-              <a:pPr algn="ctr"/>
-              <a:r>
-                <a:rPr lang="en-US" dirty="0">
-                  <a:solidFill>
-                    <a:srgbClr val="002060"/>
-                  </a:solidFill>
-                </a:rPr>
-                <a:t>Guidance on advanced concepts, up-to-date advancements in LLM vs Generative AI, …</a:t>
-              </a:r>
-            </a:p>
-          </p:txBody>
-        </p:sp>
-      </p:grpSp>
     </p:spTree>
     <p:extLst>
       <p:ext uri="{BB962C8B-B14F-4D97-AF65-F5344CB8AC3E}">
@@ -7360,1918 +7032,1918 @@
           </a:p>
         </p:txBody>
       </p:sp>
-      <p:grpSp>
-        <p:nvGrpSpPr>
-          <p:cNvPr id="7" name="Group 6">
-            <a:extLst>
-              <a:ext uri="{FF2B5EF4-FFF2-40B4-BE49-F238E27FC236}">
-                <a16:creationId xmlns:a16="http://schemas.microsoft.com/office/drawing/2014/main" id="{F63B4366-48EC-D699-4A72-BC0C882B1EBB}"/>
-              </a:ext>
-            </a:extLst>
-          </p:cNvPr>
-          <p:cNvGrpSpPr/>
+      <p:sp>
+        <p:nvSpPr>
+          <p:cNvPr id="3" name="Rectangle 2">
+            <a:extLst>
+              <a:ext uri="{FF2B5EF4-FFF2-40B4-BE49-F238E27FC236}">
+                <a16:creationId xmlns:a16="http://schemas.microsoft.com/office/drawing/2014/main" id="{05D43A1A-60FE-F078-258E-08B7FB51F7DB}"/>
+              </a:ext>
+            </a:extLst>
+          </p:cNvPr>
+          <p:cNvSpPr/>
           <p:nvPr/>
-        </p:nvGrpSpPr>
-        <p:grpSpPr>
-          <a:xfrm>
-            <a:off x="172637" y="1271588"/>
-            <a:ext cx="11846727" cy="5073508"/>
-            <a:chOff x="207594" y="1271588"/>
-            <a:chExt cx="11846727" cy="5073508"/>
-          </a:xfrm>
-        </p:grpSpPr>
-        <p:sp>
-          <p:nvSpPr>
-            <p:cNvPr id="3" name="Rectangle 2">
-              <a:extLst>
-                <a:ext uri="{FF2B5EF4-FFF2-40B4-BE49-F238E27FC236}">
-                  <a16:creationId xmlns:a16="http://schemas.microsoft.com/office/drawing/2014/main" id="{05D43A1A-60FE-F078-258E-08B7FB51F7DB}"/>
-                </a:ext>
-              </a:extLst>
-            </p:cNvPr>
-            <p:cNvSpPr/>
-            <p:nvPr/>
-          </p:nvSpPr>
-          <p:spPr>
-            <a:xfrm>
-              <a:off x="3752107" y="3604588"/>
-              <a:ext cx="8302214" cy="2615260"/>
-            </a:xfrm>
-            <a:prstGeom prst="rect">
-              <a:avLst/>
-            </a:prstGeom>
+        </p:nvSpPr>
+        <p:spPr>
+          <a:xfrm>
+            <a:off x="3717150" y="3604588"/>
+            <a:ext cx="8302214" cy="2615260"/>
+          </a:xfrm>
+          <a:prstGeom prst="rect">
+            <a:avLst/>
+          </a:prstGeom>
+          <a:solidFill>
+            <a:schemeClr val="accent4">
+              <a:lumMod val="20000"/>
+              <a:lumOff val="80000"/>
+            </a:schemeClr>
+          </a:solidFill>
+          <a:ln>
+            <a:prstDash val="sysDash"/>
+          </a:ln>
+        </p:spPr>
+        <p:style>
+          <a:lnRef idx="2">
+            <a:schemeClr val="accent1">
+              <a:shade val="15000"/>
+            </a:schemeClr>
+          </a:lnRef>
+          <a:fillRef idx="1">
+            <a:schemeClr val="accent1"/>
+          </a:fillRef>
+          <a:effectRef idx="0">
+            <a:schemeClr val="accent1"/>
+          </a:effectRef>
+          <a:fontRef idx="minor">
+            <a:schemeClr val="lt1"/>
+          </a:fontRef>
+        </p:style>
+        <p:txBody>
+          <a:bodyPr rtlCol="0" anchor="ctr"/>
+          <a:lstStyle/>
+          <a:p>
+            <a:pPr algn="ctr"/>
+            <a:endParaRPr lang="en-US"/>
+          </a:p>
+        </p:txBody>
+      </p:sp>
+      <p:pic>
+        <p:nvPicPr>
+          <p:cNvPr id="5" name="Graphic 4" descr="Image with solid fill">
+            <a:extLst>
+              <a:ext uri="{FF2B5EF4-FFF2-40B4-BE49-F238E27FC236}">
+                <a16:creationId xmlns:a16="http://schemas.microsoft.com/office/drawing/2014/main" id="{2A34EA56-8C17-33AE-104E-8FEBDB729467}"/>
+              </a:ext>
+            </a:extLst>
+          </p:cNvPr>
+          <p:cNvPicPr>
+            <a:picLocks noChangeAspect="1"/>
+          </p:cNvPicPr>
+          <p:nvPr/>
+        </p:nvPicPr>
+        <p:blipFill>
+          <a:blip r:embed="rId2">
+            <a:extLst>
+              <a:ext uri="{28A0092B-C50C-407E-A947-70E740481C1C}">
+                <a14:useLocalDpi xmlns:a14="http://schemas.microsoft.com/office/drawing/2010/main" val="0"/>
+              </a:ext>
+              <a:ext uri="{96DAC541-7B7A-43D3-8B79-37D633B846F1}">
+                <asvg:svgBlip xmlns:asvg="http://schemas.microsoft.com/office/drawing/2016/SVG/main" r:embed="rId3"/>
+              </a:ext>
+            </a:extLst>
+          </a:blip>
+          <a:stretch>
+            <a:fillRect/>
+          </a:stretch>
+        </p:blipFill>
+        <p:spPr>
+          <a:xfrm>
+            <a:off x="7914292" y="2185988"/>
+            <a:ext cx="914400" cy="914400"/>
+          </a:xfrm>
+          <a:prstGeom prst="rect">
+            <a:avLst/>
+          </a:prstGeom>
+        </p:spPr>
+      </p:pic>
+      <p:pic>
+        <p:nvPicPr>
+          <p:cNvPr id="11" name="Graphic 10" descr="Document with solid fill">
+            <a:extLst>
+              <a:ext uri="{FF2B5EF4-FFF2-40B4-BE49-F238E27FC236}">
+                <a16:creationId xmlns:a16="http://schemas.microsoft.com/office/drawing/2014/main" id="{B86A302F-6ADF-2D84-D35C-968B50CC0327}"/>
+              </a:ext>
+            </a:extLst>
+          </p:cNvPr>
+          <p:cNvPicPr>
+            <a:picLocks noChangeAspect="1"/>
+          </p:cNvPicPr>
+          <p:nvPr/>
+        </p:nvPicPr>
+        <p:blipFill>
+          <a:blip r:embed="rId4">
+            <a:extLst>
+              <a:ext uri="{28A0092B-C50C-407E-A947-70E740481C1C}">
+                <a14:useLocalDpi xmlns:a14="http://schemas.microsoft.com/office/drawing/2010/main" val="0"/>
+              </a:ext>
+              <a:ext uri="{96DAC541-7B7A-43D3-8B79-37D633B846F1}">
+                <asvg:svgBlip xmlns:asvg="http://schemas.microsoft.com/office/drawing/2016/SVG/main" r:embed="rId5"/>
+              </a:ext>
+            </a:extLst>
+          </a:blip>
+          <a:stretch>
+            <a:fillRect/>
+          </a:stretch>
+        </p:blipFill>
+        <p:spPr>
+          <a:xfrm>
+            <a:off x="7875313" y="1271588"/>
+            <a:ext cx="914400" cy="914400"/>
+          </a:xfrm>
+          <a:prstGeom prst="rect">
+            <a:avLst/>
+          </a:prstGeom>
+        </p:spPr>
+      </p:pic>
+      <p:sp>
+        <p:nvSpPr>
+          <p:cNvPr id="12" name="Rectangle 11">
+            <a:extLst>
+              <a:ext uri="{FF2B5EF4-FFF2-40B4-BE49-F238E27FC236}">
+                <a16:creationId xmlns:a16="http://schemas.microsoft.com/office/drawing/2014/main" id="{5B6AB47B-2FD0-102F-1300-4C0788D24FEC}"/>
+              </a:ext>
+            </a:extLst>
+          </p:cNvPr>
+          <p:cNvSpPr/>
+          <p:nvPr/>
+        </p:nvSpPr>
+        <p:spPr>
+          <a:xfrm>
+            <a:off x="3655340" y="1790502"/>
+            <a:ext cx="2473231" cy="1035664"/>
+          </a:xfrm>
+          <a:prstGeom prst="rect">
+            <a:avLst/>
+          </a:prstGeom>
+          <a:solidFill>
+            <a:srgbClr val="002060"/>
+          </a:solidFill>
+        </p:spPr>
+        <p:style>
+          <a:lnRef idx="2">
+            <a:schemeClr val="accent1">
+              <a:shade val="15000"/>
+            </a:schemeClr>
+          </a:lnRef>
+          <a:fillRef idx="1">
+            <a:schemeClr val="accent1"/>
+          </a:fillRef>
+          <a:effectRef idx="0">
+            <a:schemeClr val="accent1"/>
+          </a:effectRef>
+          <a:fontRef idx="minor">
+            <a:schemeClr val="lt1"/>
+          </a:fontRef>
+        </p:style>
+        <p:txBody>
+          <a:bodyPr rtlCol="0" anchor="ctr"/>
+          <a:lstStyle/>
+          <a:p>
+            <a:pPr algn="ctr"/>
+            <a:r>
+              <a:rPr lang="en-US" dirty="0">
+                <a:solidFill>
+                  <a:schemeClr val="bg1"/>
+                </a:solidFill>
+              </a:rPr>
+              <a:t>Generative AI models</a:t>
+            </a:r>
+          </a:p>
+          <a:p>
+            <a:pPr algn="ctr"/>
+            <a:endParaRPr lang="en-US" dirty="0">
+              <a:solidFill>
+                <a:schemeClr val="bg1"/>
+              </a:solidFill>
+            </a:endParaRPr>
+          </a:p>
+        </p:txBody>
+      </p:sp>
+      <p:sp>
+        <p:nvSpPr>
+          <p:cNvPr id="13" name="TextBox 12">
+            <a:extLst>
+              <a:ext uri="{FF2B5EF4-FFF2-40B4-BE49-F238E27FC236}">
+                <a16:creationId xmlns:a16="http://schemas.microsoft.com/office/drawing/2014/main" id="{1CEADD93-917B-7610-D576-5C1850F9A591}"/>
+              </a:ext>
+            </a:extLst>
+          </p:cNvPr>
+          <p:cNvSpPr txBox="1"/>
+          <p:nvPr/>
+        </p:nvSpPr>
+        <p:spPr>
+          <a:xfrm>
+            <a:off x="3929603" y="2344638"/>
+            <a:ext cx="2058064" cy="338554"/>
+          </a:xfrm>
+          <a:prstGeom prst="rect">
+            <a:avLst/>
+          </a:prstGeom>
+          <a:solidFill>
+            <a:srgbClr val="002060"/>
+          </a:solidFill>
+        </p:spPr>
+        <p:txBody>
+          <a:bodyPr wrap="none" rtlCol="0">
+            <a:spAutoFit/>
+          </a:bodyPr>
+          <a:lstStyle/>
+          <a:p>
+            <a:r>
+              <a:rPr lang="en-US" sz="1600" i="1" dirty="0">
+                <a:solidFill>
+                  <a:schemeClr val="bg1"/>
+                </a:solidFill>
+              </a:rPr>
+              <a:t>Trained on vast data</a:t>
+            </a:r>
+          </a:p>
+        </p:txBody>
+      </p:sp>
+      <p:sp>
+        <p:nvSpPr>
+          <p:cNvPr id="14" name="Rectangle 13">
+            <a:extLst>
+              <a:ext uri="{FF2B5EF4-FFF2-40B4-BE49-F238E27FC236}">
+                <a16:creationId xmlns:a16="http://schemas.microsoft.com/office/drawing/2014/main" id="{040352DC-4435-FDF4-C39C-882290F2DAA8}"/>
+              </a:ext>
+            </a:extLst>
+          </p:cNvPr>
+          <p:cNvSpPr/>
+          <p:nvPr/>
+        </p:nvSpPr>
+        <p:spPr>
+          <a:xfrm>
+            <a:off x="6113532" y="4446692"/>
+            <a:ext cx="2204815" cy="950720"/>
+          </a:xfrm>
+          <a:prstGeom prst="rect">
+            <a:avLst/>
+          </a:prstGeom>
+          <a:solidFill>
+            <a:srgbClr val="002060"/>
+          </a:solidFill>
+        </p:spPr>
+        <p:style>
+          <a:lnRef idx="2">
+            <a:schemeClr val="accent1">
+              <a:shade val="15000"/>
+            </a:schemeClr>
+          </a:lnRef>
+          <a:fillRef idx="1">
+            <a:schemeClr val="accent1"/>
+          </a:fillRef>
+          <a:effectRef idx="0">
+            <a:schemeClr val="accent1"/>
+          </a:effectRef>
+          <a:fontRef idx="minor">
+            <a:schemeClr val="lt1"/>
+          </a:fontRef>
+        </p:style>
+        <p:txBody>
+          <a:bodyPr rtlCol="0" anchor="ctr"/>
+          <a:lstStyle/>
+          <a:p>
+            <a:pPr algn="ctr"/>
+            <a:r>
+              <a:rPr lang="en-US" dirty="0">
+                <a:solidFill>
+                  <a:schemeClr val="bg1"/>
+                </a:solidFill>
+              </a:rPr>
+              <a:t>Large Language Models</a:t>
+            </a:r>
+          </a:p>
+        </p:txBody>
+      </p:sp>
+      <p:sp>
+        <p:nvSpPr>
+          <p:cNvPr id="22" name="Oval 21">
+            <a:extLst>
+              <a:ext uri="{FF2B5EF4-FFF2-40B4-BE49-F238E27FC236}">
+                <a16:creationId xmlns:a16="http://schemas.microsoft.com/office/drawing/2014/main" id="{1A5A5035-607F-2750-3EC3-A42FBC7F77E1}"/>
+              </a:ext>
+            </a:extLst>
+          </p:cNvPr>
+          <p:cNvSpPr/>
+          <p:nvPr/>
+        </p:nvSpPr>
+        <p:spPr>
+          <a:xfrm>
+            <a:off x="172637" y="3213220"/>
+            <a:ext cx="2401369" cy="3131876"/>
+          </a:xfrm>
+          <a:prstGeom prst="ellipse">
+            <a:avLst/>
+          </a:prstGeom>
+          <a:solidFill>
+            <a:schemeClr val="accent4">
+              <a:lumMod val="60000"/>
+              <a:lumOff val="40000"/>
+            </a:schemeClr>
+          </a:solidFill>
+          <a:ln>
+            <a:noFill/>
+          </a:ln>
+        </p:spPr>
+        <p:style>
+          <a:lnRef idx="2">
+            <a:schemeClr val="accent1">
+              <a:shade val="15000"/>
+            </a:schemeClr>
+          </a:lnRef>
+          <a:fillRef idx="1">
+            <a:schemeClr val="accent1"/>
+          </a:fillRef>
+          <a:effectRef idx="0">
+            <a:schemeClr val="accent1"/>
+          </a:effectRef>
+          <a:fontRef idx="minor">
+            <a:schemeClr val="lt1"/>
+          </a:fontRef>
+        </p:style>
+        <p:txBody>
+          <a:bodyPr rtlCol="0" anchor="ctr"/>
+          <a:lstStyle/>
+          <a:p>
+            <a:pPr algn="ctr"/>
+            <a:endParaRPr lang="en-US"/>
+          </a:p>
+        </p:txBody>
+      </p:sp>
+      <p:sp>
+        <p:nvSpPr>
+          <p:cNvPr id="23" name="Oval 22">
+            <a:extLst>
+              <a:ext uri="{FF2B5EF4-FFF2-40B4-BE49-F238E27FC236}">
+                <a16:creationId xmlns:a16="http://schemas.microsoft.com/office/drawing/2014/main" id="{2946513A-447B-49C8-5A10-85811039C178}"/>
+              </a:ext>
+            </a:extLst>
+          </p:cNvPr>
+          <p:cNvSpPr/>
+          <p:nvPr/>
+        </p:nvSpPr>
+        <p:spPr>
+          <a:xfrm>
+            <a:off x="565683" y="3446637"/>
+            <a:ext cx="1615277" cy="2458898"/>
+          </a:xfrm>
+          <a:prstGeom prst="ellipse">
+            <a:avLst/>
+          </a:prstGeom>
+          <a:solidFill>
+            <a:schemeClr val="accent4">
+              <a:lumMod val="75000"/>
+            </a:schemeClr>
+          </a:solidFill>
+          <a:ln>
+            <a:noFill/>
+          </a:ln>
+        </p:spPr>
+        <p:style>
+          <a:lnRef idx="2">
+            <a:schemeClr val="accent1">
+              <a:shade val="15000"/>
+            </a:schemeClr>
+          </a:lnRef>
+          <a:fillRef idx="1">
+            <a:schemeClr val="accent1"/>
+          </a:fillRef>
+          <a:effectRef idx="0">
+            <a:schemeClr val="accent1"/>
+          </a:effectRef>
+          <a:fontRef idx="minor">
+            <a:schemeClr val="lt1"/>
+          </a:fontRef>
+        </p:style>
+        <p:txBody>
+          <a:bodyPr rtlCol="0" anchor="ctr"/>
+          <a:lstStyle/>
+          <a:p>
+            <a:pPr algn="ctr"/>
+            <a:endParaRPr lang="en-US"/>
+          </a:p>
+        </p:txBody>
+      </p:sp>
+      <p:sp>
+        <p:nvSpPr>
+          <p:cNvPr id="24" name="Oval 23">
+            <a:extLst>
+              <a:ext uri="{FF2B5EF4-FFF2-40B4-BE49-F238E27FC236}">
+                <a16:creationId xmlns:a16="http://schemas.microsoft.com/office/drawing/2014/main" id="{853D0FE1-5BDD-B3BE-5C88-64CBF60FFB85}"/>
+              </a:ext>
+            </a:extLst>
+          </p:cNvPr>
+          <p:cNvSpPr/>
+          <p:nvPr/>
+        </p:nvSpPr>
+        <p:spPr>
+          <a:xfrm>
+            <a:off x="847759" y="3625108"/>
+            <a:ext cx="1051125" cy="1843209"/>
+          </a:xfrm>
+          <a:prstGeom prst="ellipse">
+            <a:avLst/>
+          </a:prstGeom>
+          <a:solidFill>
+            <a:srgbClr val="002060"/>
+          </a:solidFill>
+          <a:ln>
+            <a:noFill/>
+          </a:ln>
+        </p:spPr>
+        <p:style>
+          <a:lnRef idx="2">
+            <a:schemeClr val="accent1">
+              <a:shade val="15000"/>
+            </a:schemeClr>
+          </a:lnRef>
+          <a:fillRef idx="1">
+            <a:schemeClr val="accent1"/>
+          </a:fillRef>
+          <a:effectRef idx="0">
+            <a:schemeClr val="accent1"/>
+          </a:effectRef>
+          <a:fontRef idx="minor">
+            <a:schemeClr val="lt1"/>
+          </a:fontRef>
+        </p:style>
+        <p:txBody>
+          <a:bodyPr rtlCol="0" anchor="ctr"/>
+          <a:lstStyle/>
+          <a:p>
+            <a:pPr algn="ctr"/>
+            <a:endParaRPr lang="en-US"/>
+          </a:p>
+        </p:txBody>
+      </p:sp>
+      <p:sp>
+        <p:nvSpPr>
+          <p:cNvPr id="15" name="TextBox 14">
+            <a:extLst>
+              <a:ext uri="{FF2B5EF4-FFF2-40B4-BE49-F238E27FC236}">
+                <a16:creationId xmlns:a16="http://schemas.microsoft.com/office/drawing/2014/main" id="{815D7A12-D771-C5D9-CC11-6B730DE99FBB}"/>
+              </a:ext>
+            </a:extLst>
+          </p:cNvPr>
+          <p:cNvSpPr txBox="1"/>
+          <p:nvPr/>
+        </p:nvSpPr>
+        <p:spPr>
+          <a:xfrm>
+            <a:off x="1170381" y="5936376"/>
+            <a:ext cx="405880" cy="369332"/>
+          </a:xfrm>
+          <a:prstGeom prst="rect">
+            <a:avLst/>
+          </a:prstGeom>
+          <a:noFill/>
+        </p:spPr>
+        <p:txBody>
+          <a:bodyPr wrap="none" rtlCol="0">
+            <a:spAutoFit/>
+          </a:bodyPr>
+          <a:lstStyle/>
+          <a:p>
+            <a:r>
+              <a:rPr lang="en-US" dirty="0">
+                <a:solidFill>
+                  <a:schemeClr val="bg1"/>
+                </a:solidFill>
+              </a:rPr>
+              <a:t>AI</a:t>
+            </a:r>
+          </a:p>
+        </p:txBody>
+      </p:sp>
+      <p:sp>
+        <p:nvSpPr>
+          <p:cNvPr id="16" name="TextBox 15">
+            <a:extLst>
+              <a:ext uri="{FF2B5EF4-FFF2-40B4-BE49-F238E27FC236}">
+                <a16:creationId xmlns:a16="http://schemas.microsoft.com/office/drawing/2014/main" id="{223FB698-4763-D06C-F9E6-20D816709F8B}"/>
+              </a:ext>
+            </a:extLst>
+          </p:cNvPr>
+          <p:cNvSpPr txBox="1"/>
+          <p:nvPr/>
+        </p:nvSpPr>
+        <p:spPr>
+          <a:xfrm>
+            <a:off x="1119886" y="5499158"/>
+            <a:ext cx="506870" cy="369332"/>
+          </a:xfrm>
+          <a:prstGeom prst="rect">
+            <a:avLst/>
+          </a:prstGeom>
+          <a:noFill/>
+        </p:spPr>
+        <p:txBody>
+          <a:bodyPr wrap="none" rtlCol="0">
+            <a:spAutoFit/>
+          </a:bodyPr>
+          <a:lstStyle/>
+          <a:p>
+            <a:r>
+              <a:rPr lang="en-US" dirty="0">
+                <a:solidFill>
+                  <a:schemeClr val="bg1"/>
+                </a:solidFill>
+              </a:rPr>
+              <a:t>ML</a:t>
+            </a:r>
+          </a:p>
+        </p:txBody>
+      </p:sp>
+      <p:sp>
+        <p:nvSpPr>
+          <p:cNvPr id="17" name="TextBox 16">
+            <a:extLst>
+              <a:ext uri="{FF2B5EF4-FFF2-40B4-BE49-F238E27FC236}">
+                <a16:creationId xmlns:a16="http://schemas.microsoft.com/office/drawing/2014/main" id="{6B2614AA-118E-750F-80E6-6A92CD8985EC}"/>
+              </a:ext>
+            </a:extLst>
+          </p:cNvPr>
+          <p:cNvSpPr txBox="1"/>
+          <p:nvPr/>
+        </p:nvSpPr>
+        <p:spPr>
+          <a:xfrm>
+            <a:off x="1135115" y="4997626"/>
+            <a:ext cx="476412" cy="369332"/>
+          </a:xfrm>
+          <a:prstGeom prst="rect">
+            <a:avLst/>
+          </a:prstGeom>
+          <a:noFill/>
+        </p:spPr>
+        <p:txBody>
+          <a:bodyPr wrap="none" rtlCol="0">
+            <a:spAutoFit/>
+          </a:bodyPr>
+          <a:lstStyle/>
+          <a:p>
+            <a:r>
+              <a:rPr lang="en-US" dirty="0">
+                <a:solidFill>
+                  <a:schemeClr val="bg1"/>
+                </a:solidFill>
+              </a:rPr>
+              <a:t>DL</a:t>
+            </a:r>
+          </a:p>
+        </p:txBody>
+      </p:sp>
+      <p:pic>
+        <p:nvPicPr>
+          <p:cNvPr id="29" name="Graphic 28" descr="Document with solid fill">
+            <a:extLst>
+              <a:ext uri="{FF2B5EF4-FFF2-40B4-BE49-F238E27FC236}">
+                <a16:creationId xmlns:a16="http://schemas.microsoft.com/office/drawing/2014/main" id="{CE1D17D8-1918-1206-BD3B-65831249E81B}"/>
+              </a:ext>
+            </a:extLst>
+          </p:cNvPr>
+          <p:cNvPicPr>
+            <a:picLocks noChangeAspect="1"/>
+          </p:cNvPicPr>
+          <p:nvPr/>
+        </p:nvPicPr>
+        <p:blipFill>
+          <a:blip r:embed="rId4">
+            <a:extLst>
+              <a:ext uri="{28A0092B-C50C-407E-A947-70E740481C1C}">
+                <a14:useLocalDpi xmlns:a14="http://schemas.microsoft.com/office/drawing/2010/main" val="0"/>
+              </a:ext>
+              <a:ext uri="{96DAC541-7B7A-43D3-8B79-37D633B846F1}">
+                <asvg:svgBlip xmlns:asvg="http://schemas.microsoft.com/office/drawing/2016/SVG/main" r:embed="rId5"/>
+              </a:ext>
+            </a:extLst>
+          </a:blip>
+          <a:stretch>
+            <a:fillRect/>
+          </a:stretch>
+        </p:blipFill>
+        <p:spPr>
+          <a:xfrm>
+            <a:off x="9336117" y="4464852"/>
+            <a:ext cx="914400" cy="914400"/>
+          </a:xfrm>
+          <a:prstGeom prst="rect">
+            <a:avLst/>
+          </a:prstGeom>
+        </p:spPr>
+      </p:pic>
+      <p:cxnSp>
+        <p:nvCxnSpPr>
+          <p:cNvPr id="31" name="Straight Connector 30">
+            <a:extLst>
+              <a:ext uri="{FF2B5EF4-FFF2-40B4-BE49-F238E27FC236}">
+                <a16:creationId xmlns:a16="http://schemas.microsoft.com/office/drawing/2014/main" id="{512F1855-ED95-D155-0009-269FF3F1D0E2}"/>
+              </a:ext>
+            </a:extLst>
+          </p:cNvPr>
+          <p:cNvCxnSpPr/>
+          <p:nvPr/>
+        </p:nvCxnSpPr>
+        <p:spPr>
+          <a:xfrm flipV="1">
+            <a:off x="1438390" y="2687581"/>
+            <a:ext cx="2845485" cy="1388763"/>
+          </a:xfrm>
+          <a:prstGeom prst="line">
+            <a:avLst/>
+          </a:prstGeom>
+          <a:ln>
             <a:solidFill>
-              <a:schemeClr val="accent4">
-                <a:lumMod val="20000"/>
-                <a:lumOff val="80000"/>
+              <a:schemeClr val="bg2">
+                <a:lumMod val="75000"/>
               </a:schemeClr>
             </a:solidFill>
-            <a:ln>
-              <a:prstDash val="sysDash"/>
-            </a:ln>
-          </p:spPr>
-          <p:style>
-            <a:lnRef idx="2">
-              <a:schemeClr val="accent1">
-                <a:shade val="15000"/>
+            <a:headEnd type="oval" w="med" len="med"/>
+            <a:tailEnd type="triangle" w="med" len="med"/>
+          </a:ln>
+        </p:spPr>
+        <p:style>
+          <a:lnRef idx="2">
+            <a:schemeClr val="accent1"/>
+          </a:lnRef>
+          <a:fillRef idx="0">
+            <a:schemeClr val="accent1"/>
+          </a:fillRef>
+          <a:effectRef idx="1">
+            <a:schemeClr val="accent1"/>
+          </a:effectRef>
+          <a:fontRef idx="minor">
+            <a:schemeClr val="tx1"/>
+          </a:fontRef>
+        </p:style>
+      </p:cxnSp>
+      <p:cxnSp>
+        <p:nvCxnSpPr>
+          <p:cNvPr id="32" name="Straight Connector 31">
+            <a:extLst>
+              <a:ext uri="{FF2B5EF4-FFF2-40B4-BE49-F238E27FC236}">
+                <a16:creationId xmlns:a16="http://schemas.microsoft.com/office/drawing/2014/main" id="{8F4E7A15-F6F5-3A91-41E9-B084E1F7E040}"/>
+              </a:ext>
+            </a:extLst>
+          </p:cNvPr>
+          <p:cNvCxnSpPr>
+            <a:cxnSpLocks/>
+          </p:cNvCxnSpPr>
+          <p:nvPr/>
+        </p:nvCxnSpPr>
+        <p:spPr>
+          <a:xfrm>
+            <a:off x="5549628" y="2687581"/>
+            <a:ext cx="1157884" cy="1935338"/>
+          </a:xfrm>
+          <a:prstGeom prst="line">
+            <a:avLst/>
+          </a:prstGeom>
+          <a:ln>
+            <a:solidFill>
+              <a:schemeClr val="bg2">
+                <a:lumMod val="75000"/>
               </a:schemeClr>
-            </a:lnRef>
-            <a:fillRef idx="1">
-              <a:schemeClr val="accent1"/>
-            </a:fillRef>
-            <a:effectRef idx="0">
-              <a:schemeClr val="accent1"/>
-            </a:effectRef>
-            <a:fontRef idx="minor">
-              <a:schemeClr val="lt1"/>
-            </a:fontRef>
-          </p:style>
-          <p:txBody>
-            <a:bodyPr rtlCol="0" anchor="ctr"/>
-            <a:lstStyle/>
-            <a:p>
-              <a:pPr algn="ctr"/>
-              <a:endParaRPr lang="en-US"/>
-            </a:p>
-          </p:txBody>
-        </p:sp>
-        <p:pic>
-          <p:nvPicPr>
-            <p:cNvPr id="5" name="Graphic 4" descr="Image with solid fill">
-              <a:extLst>
-                <a:ext uri="{FF2B5EF4-FFF2-40B4-BE49-F238E27FC236}">
-                  <a16:creationId xmlns:a16="http://schemas.microsoft.com/office/drawing/2014/main" id="{2A34EA56-8C17-33AE-104E-8FEBDB729467}"/>
-                </a:ext>
-              </a:extLst>
-            </p:cNvPr>
-            <p:cNvPicPr>
-              <a:picLocks noChangeAspect="1"/>
-            </p:cNvPicPr>
-            <p:nvPr/>
-          </p:nvPicPr>
-          <p:blipFill>
-            <a:blip r:embed="rId2">
-              <a:extLst>
-                <a:ext uri="{28A0092B-C50C-407E-A947-70E740481C1C}">
-                  <a14:useLocalDpi xmlns:a14="http://schemas.microsoft.com/office/drawing/2010/main" val="0"/>
-                </a:ext>
-                <a:ext uri="{96DAC541-7B7A-43D3-8B79-37D633B846F1}">
-                  <asvg:svgBlip xmlns:asvg="http://schemas.microsoft.com/office/drawing/2016/SVG/main" r:embed="rId3"/>
-                </a:ext>
-              </a:extLst>
-            </a:blip>
-            <a:stretch>
-              <a:fillRect/>
-            </a:stretch>
-          </p:blipFill>
-          <p:spPr>
-            <a:xfrm>
-              <a:off x="7949249" y="2185988"/>
-              <a:ext cx="914400" cy="914400"/>
-            </a:xfrm>
-            <a:prstGeom prst="rect">
-              <a:avLst/>
-            </a:prstGeom>
-          </p:spPr>
-        </p:pic>
-        <p:pic>
-          <p:nvPicPr>
-            <p:cNvPr id="11" name="Graphic 10" descr="Document with solid fill">
-              <a:extLst>
-                <a:ext uri="{FF2B5EF4-FFF2-40B4-BE49-F238E27FC236}">
-                  <a16:creationId xmlns:a16="http://schemas.microsoft.com/office/drawing/2014/main" id="{B86A302F-6ADF-2D84-D35C-968B50CC0327}"/>
-                </a:ext>
-              </a:extLst>
-            </p:cNvPr>
-            <p:cNvPicPr>
-              <a:picLocks noChangeAspect="1"/>
-            </p:cNvPicPr>
-            <p:nvPr/>
-          </p:nvPicPr>
-          <p:blipFill>
-            <a:blip r:embed="rId4">
-              <a:extLst>
-                <a:ext uri="{28A0092B-C50C-407E-A947-70E740481C1C}">
-                  <a14:useLocalDpi xmlns:a14="http://schemas.microsoft.com/office/drawing/2010/main" val="0"/>
-                </a:ext>
-                <a:ext uri="{96DAC541-7B7A-43D3-8B79-37D633B846F1}">
-                  <asvg:svgBlip xmlns:asvg="http://schemas.microsoft.com/office/drawing/2016/SVG/main" r:embed="rId5"/>
-                </a:ext>
-              </a:extLst>
-            </a:blip>
-            <a:stretch>
-              <a:fillRect/>
-            </a:stretch>
-          </p:blipFill>
-          <p:spPr>
-            <a:xfrm>
-              <a:off x="7910270" y="1271588"/>
-              <a:ext cx="914400" cy="914400"/>
-            </a:xfrm>
-            <a:prstGeom prst="rect">
-              <a:avLst/>
-            </a:prstGeom>
-          </p:spPr>
-        </p:pic>
-        <p:sp>
-          <p:nvSpPr>
-            <p:cNvPr id="12" name="Rectangle 11">
-              <a:extLst>
-                <a:ext uri="{FF2B5EF4-FFF2-40B4-BE49-F238E27FC236}">
-                  <a16:creationId xmlns:a16="http://schemas.microsoft.com/office/drawing/2014/main" id="{5B6AB47B-2FD0-102F-1300-4C0788D24FEC}"/>
-                </a:ext>
-              </a:extLst>
-            </p:cNvPr>
-            <p:cNvSpPr/>
-            <p:nvPr/>
-          </p:nvSpPr>
-          <p:spPr>
-            <a:xfrm>
-              <a:off x="3690297" y="1790502"/>
-              <a:ext cx="2473231" cy="1035664"/>
-            </a:xfrm>
-            <a:prstGeom prst="rect">
-              <a:avLst/>
-            </a:prstGeom>
+            </a:solidFill>
+            <a:headEnd type="oval" w="med" len="med"/>
+            <a:tailEnd type="triangle" w="med" len="med"/>
+          </a:ln>
+        </p:spPr>
+        <p:style>
+          <a:lnRef idx="2">
+            <a:schemeClr val="accent1"/>
+          </a:lnRef>
+          <a:fillRef idx="0">
+            <a:schemeClr val="accent1"/>
+          </a:fillRef>
+          <a:effectRef idx="1">
+            <a:schemeClr val="accent1"/>
+          </a:effectRef>
+          <a:fontRef idx="minor">
+            <a:schemeClr val="tx1"/>
+          </a:fontRef>
+        </p:style>
+      </p:cxnSp>
+      <p:sp>
+        <p:nvSpPr>
+          <p:cNvPr id="35" name="TextBox 34">
+            <a:extLst>
+              <a:ext uri="{FF2B5EF4-FFF2-40B4-BE49-F238E27FC236}">
+                <a16:creationId xmlns:a16="http://schemas.microsoft.com/office/drawing/2014/main" id="{CBBDB651-4EB7-E08B-8B08-6EB43A27236F}"/>
+              </a:ext>
+            </a:extLst>
+          </p:cNvPr>
+          <p:cNvSpPr txBox="1"/>
+          <p:nvPr/>
+        </p:nvSpPr>
+        <p:spPr>
+          <a:xfrm>
+            <a:off x="912828" y="1816656"/>
+            <a:ext cx="2097049" cy="369332"/>
+          </a:xfrm>
+          <a:prstGeom prst="rect">
+            <a:avLst/>
+          </a:prstGeom>
+          <a:noFill/>
+        </p:spPr>
+        <p:txBody>
+          <a:bodyPr wrap="none" rtlCol="0">
+            <a:spAutoFit/>
+          </a:bodyPr>
+          <a:lstStyle/>
+          <a:p>
+            <a:r>
+              <a:rPr lang="en-US" dirty="0">
+                <a:solidFill>
+                  <a:srgbClr val="002060"/>
+                </a:solidFill>
+              </a:rPr>
+              <a:t>User's instructions</a:t>
+            </a:r>
+          </a:p>
+        </p:txBody>
+      </p:sp>
+      <p:sp>
+        <p:nvSpPr>
+          <p:cNvPr id="36" name="TextBox 35">
+            <a:extLst>
+              <a:ext uri="{FF2B5EF4-FFF2-40B4-BE49-F238E27FC236}">
+                <a16:creationId xmlns:a16="http://schemas.microsoft.com/office/drawing/2014/main" id="{309B06CB-9645-AB2D-51F7-C7BF0E6D5453}"/>
+              </a:ext>
+            </a:extLst>
+          </p:cNvPr>
+          <p:cNvSpPr txBox="1"/>
+          <p:nvPr/>
+        </p:nvSpPr>
+        <p:spPr>
+          <a:xfrm>
+            <a:off x="6153692" y="1816656"/>
+            <a:ext cx="1628972" cy="369332"/>
+          </a:xfrm>
+          <a:prstGeom prst="rect">
+            <a:avLst/>
+          </a:prstGeom>
+          <a:noFill/>
+        </p:spPr>
+        <p:txBody>
+          <a:bodyPr wrap="none" rtlCol="0">
+            <a:spAutoFit/>
+          </a:bodyPr>
+          <a:lstStyle/>
+          <a:p>
+            <a:r>
+              <a:rPr lang="en-US" dirty="0">
+                <a:solidFill>
+                  <a:srgbClr val="002060"/>
+                </a:solidFill>
+              </a:rPr>
+              <a:t>New contents</a:t>
+            </a:r>
+          </a:p>
+        </p:txBody>
+      </p:sp>
+      <p:pic>
+        <p:nvPicPr>
+          <p:cNvPr id="37" name="Graphic 36" descr="Document with solid fill">
+            <a:extLst>
+              <a:ext uri="{FF2B5EF4-FFF2-40B4-BE49-F238E27FC236}">
+                <a16:creationId xmlns:a16="http://schemas.microsoft.com/office/drawing/2014/main" id="{7C7D4402-298E-464A-55DF-3153C65D5EB9}"/>
+              </a:ext>
+            </a:extLst>
+          </p:cNvPr>
+          <p:cNvPicPr>
+            <a:picLocks noChangeAspect="1"/>
+          </p:cNvPicPr>
+          <p:nvPr/>
+        </p:nvPicPr>
+        <p:blipFill>
+          <a:blip r:embed="rId4">
+            <a:extLst>
+              <a:ext uri="{28A0092B-C50C-407E-A947-70E740481C1C}">
+                <a14:useLocalDpi xmlns:a14="http://schemas.microsoft.com/office/drawing/2010/main" val="0"/>
+              </a:ext>
+              <a:ext uri="{96DAC541-7B7A-43D3-8B79-37D633B846F1}">
+                <asvg:svgBlip xmlns:asvg="http://schemas.microsoft.com/office/drawing/2016/SVG/main" r:embed="rId5"/>
+              </a:ext>
+            </a:extLst>
+          </a:blip>
+          <a:stretch>
+            <a:fillRect/>
+          </a:stretch>
+        </p:blipFill>
+        <p:spPr>
+          <a:xfrm>
+            <a:off x="1267958" y="2162149"/>
+            <a:ext cx="417010" cy="417010"/>
+          </a:xfrm>
+          <a:prstGeom prst="rect">
+            <a:avLst/>
+          </a:prstGeom>
+        </p:spPr>
+      </p:pic>
+      <p:sp>
+        <p:nvSpPr>
+          <p:cNvPr id="39" name="Arrow: Right 38">
+            <a:extLst>
+              <a:ext uri="{FF2B5EF4-FFF2-40B4-BE49-F238E27FC236}">
+                <a16:creationId xmlns:a16="http://schemas.microsoft.com/office/drawing/2014/main" id="{1E67AD79-E01C-CEC2-B341-EAC29BC10B1D}"/>
+              </a:ext>
+            </a:extLst>
+          </p:cNvPr>
+          <p:cNvSpPr/>
+          <p:nvPr/>
+        </p:nvSpPr>
+        <p:spPr>
+          <a:xfrm>
+            <a:off x="2820982" y="2211625"/>
+            <a:ext cx="667096" cy="253700"/>
+          </a:xfrm>
+          <a:prstGeom prst="rightArrow">
+            <a:avLst/>
+          </a:prstGeom>
+          <a:solidFill>
+            <a:srgbClr val="002060"/>
+          </a:solidFill>
+          <a:ln>
+            <a:noFill/>
+          </a:ln>
+        </p:spPr>
+        <p:style>
+          <a:lnRef idx="2">
+            <a:schemeClr val="accent1">
+              <a:shade val="15000"/>
+            </a:schemeClr>
+          </a:lnRef>
+          <a:fillRef idx="1">
+            <a:schemeClr val="accent1"/>
+          </a:fillRef>
+          <a:effectRef idx="0">
+            <a:schemeClr val="accent1"/>
+          </a:effectRef>
+          <a:fontRef idx="minor">
+            <a:schemeClr val="lt1"/>
+          </a:fontRef>
+        </p:style>
+        <p:txBody>
+          <a:bodyPr rtlCol="0" anchor="ctr"/>
+          <a:lstStyle/>
+          <a:p>
+            <a:pPr algn="ctr"/>
+            <a:endParaRPr lang="en-US"/>
+          </a:p>
+        </p:txBody>
+      </p:sp>
+      <p:sp>
+        <p:nvSpPr>
+          <p:cNvPr id="40" name="Arrow: Right 39">
+            <a:extLst>
+              <a:ext uri="{FF2B5EF4-FFF2-40B4-BE49-F238E27FC236}">
+                <a16:creationId xmlns:a16="http://schemas.microsoft.com/office/drawing/2014/main" id="{A743D46C-B6A1-E5C9-4D86-29FBBE9EDF31}"/>
+              </a:ext>
+            </a:extLst>
+          </p:cNvPr>
+          <p:cNvSpPr/>
+          <p:nvPr/>
+        </p:nvSpPr>
+        <p:spPr>
+          <a:xfrm>
+            <a:off x="6692116" y="2215094"/>
+            <a:ext cx="667096" cy="253700"/>
+          </a:xfrm>
+          <a:prstGeom prst="rightArrow">
+            <a:avLst/>
+          </a:prstGeom>
+          <a:solidFill>
+            <a:srgbClr val="002060"/>
+          </a:solidFill>
+          <a:ln>
+            <a:noFill/>
+          </a:ln>
+        </p:spPr>
+        <p:style>
+          <a:lnRef idx="2">
+            <a:schemeClr val="accent1">
+              <a:shade val="15000"/>
+            </a:schemeClr>
+          </a:lnRef>
+          <a:fillRef idx="1">
+            <a:schemeClr val="accent1"/>
+          </a:fillRef>
+          <a:effectRef idx="0">
+            <a:schemeClr val="accent1"/>
+          </a:effectRef>
+          <a:fontRef idx="minor">
+            <a:schemeClr val="lt1"/>
+          </a:fontRef>
+        </p:style>
+        <p:txBody>
+          <a:bodyPr rtlCol="0" anchor="ctr"/>
+          <a:lstStyle/>
+          <a:p>
+            <a:pPr algn="ctr"/>
+            <a:endParaRPr lang="en-US"/>
+          </a:p>
+        </p:txBody>
+      </p:sp>
+      <p:pic>
+        <p:nvPicPr>
+          <p:cNvPr id="42" name="Graphic 41" descr="Radio microphone with solid fill">
+            <a:extLst>
+              <a:ext uri="{FF2B5EF4-FFF2-40B4-BE49-F238E27FC236}">
+                <a16:creationId xmlns:a16="http://schemas.microsoft.com/office/drawing/2014/main" id="{59802C52-86D8-016D-A973-F347AD27DCCF}"/>
+              </a:ext>
+            </a:extLst>
+          </p:cNvPr>
+          <p:cNvPicPr>
+            <a:picLocks noChangeAspect="1"/>
+          </p:cNvPicPr>
+          <p:nvPr/>
+        </p:nvPicPr>
+        <p:blipFill>
+          <a:blip r:embed="rId6">
+            <a:extLst>
+              <a:ext uri="{28A0092B-C50C-407E-A947-70E740481C1C}">
+                <a14:useLocalDpi xmlns:a14="http://schemas.microsoft.com/office/drawing/2010/main" val="0"/>
+              </a:ext>
+              <a:ext uri="{96DAC541-7B7A-43D3-8B79-37D633B846F1}">
+                <asvg:svgBlip xmlns:asvg="http://schemas.microsoft.com/office/drawing/2016/SVG/main" r:embed="rId7"/>
+              </a:ext>
+            </a:extLst>
+          </a:blip>
+          <a:stretch>
+            <a:fillRect/>
+          </a:stretch>
+        </p:blipFill>
+        <p:spPr>
+          <a:xfrm>
+            <a:off x="1771633" y="2201912"/>
+            <a:ext cx="361322" cy="361322"/>
+          </a:xfrm>
+          <a:prstGeom prst="rect">
+            <a:avLst/>
+          </a:prstGeom>
+        </p:spPr>
+      </p:pic>
+      <p:pic>
+        <p:nvPicPr>
+          <p:cNvPr id="43" name="Graphic 42" descr="Image with solid fill">
+            <a:extLst>
+              <a:ext uri="{FF2B5EF4-FFF2-40B4-BE49-F238E27FC236}">
+                <a16:creationId xmlns:a16="http://schemas.microsoft.com/office/drawing/2014/main" id="{AF871215-95CE-79F4-F3C7-E72C380AD446}"/>
+              </a:ext>
+            </a:extLst>
+          </p:cNvPr>
+          <p:cNvPicPr>
+            <a:picLocks noChangeAspect="1"/>
+          </p:cNvPicPr>
+          <p:nvPr/>
+        </p:nvPicPr>
+        <p:blipFill>
+          <a:blip r:embed="rId2">
+            <a:extLst>
+              <a:ext uri="{28A0092B-C50C-407E-A947-70E740481C1C}">
+                <a14:useLocalDpi xmlns:a14="http://schemas.microsoft.com/office/drawing/2010/main" val="0"/>
+              </a:ext>
+              <a:ext uri="{96DAC541-7B7A-43D3-8B79-37D633B846F1}">
+                <asvg:svgBlip xmlns:asvg="http://schemas.microsoft.com/office/drawing/2016/SVG/main" r:embed="rId3"/>
+              </a:ext>
+            </a:extLst>
+          </a:blip>
+          <a:stretch>
+            <a:fillRect/>
+          </a:stretch>
+        </p:blipFill>
+        <p:spPr>
+          <a:xfrm>
+            <a:off x="2212060" y="2201600"/>
+            <a:ext cx="361946" cy="361946"/>
+          </a:xfrm>
+          <a:prstGeom prst="rect">
+            <a:avLst/>
+          </a:prstGeom>
+        </p:spPr>
+      </p:pic>
+      <p:sp>
+        <p:nvSpPr>
+          <p:cNvPr id="45" name="TextBox 44">
+            <a:extLst>
+              <a:ext uri="{FF2B5EF4-FFF2-40B4-BE49-F238E27FC236}">
+                <a16:creationId xmlns:a16="http://schemas.microsoft.com/office/drawing/2014/main" id="{0935C914-68DC-0C95-A808-A12DB0D7C9BA}"/>
+              </a:ext>
+            </a:extLst>
+          </p:cNvPr>
+          <p:cNvSpPr txBox="1"/>
+          <p:nvPr/>
+        </p:nvSpPr>
+        <p:spPr>
+          <a:xfrm>
+            <a:off x="1733341" y="2456834"/>
+            <a:ext cx="415498" cy="369332"/>
+          </a:xfrm>
+          <a:prstGeom prst="rect">
+            <a:avLst/>
+          </a:prstGeom>
+          <a:noFill/>
+        </p:spPr>
+        <p:txBody>
+          <a:bodyPr wrap="none" rtlCol="0">
+            <a:spAutoFit/>
+          </a:bodyPr>
+          <a:lstStyle/>
+          <a:p>
+            <a:r>
+              <a:rPr lang="en-US" dirty="0"/>
+              <a:t>…</a:t>
+            </a:r>
+          </a:p>
+        </p:txBody>
+      </p:sp>
+      <p:sp>
+        <p:nvSpPr>
+          <p:cNvPr id="46" name="TextBox 45">
+            <a:extLst>
+              <a:ext uri="{FF2B5EF4-FFF2-40B4-BE49-F238E27FC236}">
+                <a16:creationId xmlns:a16="http://schemas.microsoft.com/office/drawing/2014/main" id="{74658BAD-A304-9083-61F2-774640401313}"/>
+              </a:ext>
+            </a:extLst>
+          </p:cNvPr>
+          <p:cNvSpPr txBox="1"/>
+          <p:nvPr/>
+        </p:nvSpPr>
+        <p:spPr>
+          <a:xfrm>
+            <a:off x="3717150" y="4438957"/>
+            <a:ext cx="2154757" cy="646331"/>
+          </a:xfrm>
+          <a:prstGeom prst="rect">
+            <a:avLst/>
+          </a:prstGeom>
+          <a:noFill/>
+        </p:spPr>
+        <p:txBody>
+          <a:bodyPr wrap="none" rtlCol="0">
+            <a:spAutoFit/>
+          </a:bodyPr>
+          <a:lstStyle/>
+          <a:p>
+            <a:r>
+              <a:rPr lang="en-US" dirty="0">
+                <a:solidFill>
+                  <a:srgbClr val="002060"/>
+                </a:solidFill>
+              </a:rPr>
+              <a:t>User's instructions </a:t>
+            </a:r>
+          </a:p>
+          <a:p>
+            <a:r>
+              <a:rPr lang="en-US" dirty="0">
+                <a:solidFill>
+                  <a:srgbClr val="002060"/>
+                </a:solidFill>
+              </a:rPr>
+              <a:t>as text</a:t>
+            </a:r>
+          </a:p>
+        </p:txBody>
+      </p:sp>
+      <p:pic>
+        <p:nvPicPr>
+          <p:cNvPr id="47" name="Graphic 46" descr="Document with solid fill">
+            <a:extLst>
+              <a:ext uri="{FF2B5EF4-FFF2-40B4-BE49-F238E27FC236}">
+                <a16:creationId xmlns:a16="http://schemas.microsoft.com/office/drawing/2014/main" id="{2F98499A-95F2-8B58-945E-55798B84C0A5}"/>
+              </a:ext>
+            </a:extLst>
+          </p:cNvPr>
+          <p:cNvPicPr>
+            <a:picLocks noChangeAspect="1"/>
+          </p:cNvPicPr>
+          <p:nvPr/>
+        </p:nvPicPr>
+        <p:blipFill>
+          <a:blip r:embed="rId4">
+            <a:extLst>
+              <a:ext uri="{28A0092B-C50C-407E-A947-70E740481C1C}">
+                <a14:useLocalDpi xmlns:a14="http://schemas.microsoft.com/office/drawing/2010/main" val="0"/>
+              </a:ext>
+              <a:ext uri="{96DAC541-7B7A-43D3-8B79-37D633B846F1}">
+                <asvg:svgBlip xmlns:asvg="http://schemas.microsoft.com/office/drawing/2016/SVG/main" r:embed="rId5"/>
+              </a:ext>
+            </a:extLst>
+          </a:blip>
+          <a:stretch>
+            <a:fillRect/>
+          </a:stretch>
+        </p:blipFill>
+        <p:spPr>
+          <a:xfrm>
+            <a:off x="4581903" y="4776372"/>
+            <a:ext cx="417010" cy="417010"/>
+          </a:xfrm>
+          <a:prstGeom prst="rect">
+            <a:avLst/>
+          </a:prstGeom>
+        </p:spPr>
+      </p:pic>
+      <p:sp>
+        <p:nvSpPr>
+          <p:cNvPr id="48" name="Arrow: Right 47">
+            <a:extLst>
+              <a:ext uri="{FF2B5EF4-FFF2-40B4-BE49-F238E27FC236}">
+                <a16:creationId xmlns:a16="http://schemas.microsoft.com/office/drawing/2014/main" id="{22B53532-A300-95FD-0039-5C9D700105D0}"/>
+              </a:ext>
+            </a:extLst>
+          </p:cNvPr>
+          <p:cNvSpPr/>
+          <p:nvPr/>
+        </p:nvSpPr>
+        <p:spPr>
+          <a:xfrm>
+            <a:off x="5133250" y="4826615"/>
+            <a:ext cx="667096" cy="253700"/>
+          </a:xfrm>
+          <a:prstGeom prst="rightArrow">
+            <a:avLst/>
+          </a:prstGeom>
+          <a:solidFill>
+            <a:srgbClr val="002060"/>
+          </a:solidFill>
+          <a:ln>
+            <a:noFill/>
+          </a:ln>
+        </p:spPr>
+        <p:style>
+          <a:lnRef idx="2">
+            <a:schemeClr val="accent1">
+              <a:shade val="15000"/>
+            </a:schemeClr>
+          </a:lnRef>
+          <a:fillRef idx="1">
+            <a:schemeClr val="accent1"/>
+          </a:fillRef>
+          <a:effectRef idx="0">
+            <a:schemeClr val="accent1"/>
+          </a:effectRef>
+          <a:fontRef idx="minor">
+            <a:schemeClr val="lt1"/>
+          </a:fontRef>
+        </p:style>
+        <p:txBody>
+          <a:bodyPr rtlCol="0" anchor="ctr"/>
+          <a:lstStyle/>
+          <a:p>
+            <a:pPr algn="ctr"/>
+            <a:endParaRPr lang="en-US"/>
+          </a:p>
+        </p:txBody>
+      </p:sp>
+      <p:sp>
+        <p:nvSpPr>
+          <p:cNvPr id="49" name="TextBox 48">
+            <a:extLst>
+              <a:ext uri="{FF2B5EF4-FFF2-40B4-BE49-F238E27FC236}">
+                <a16:creationId xmlns:a16="http://schemas.microsoft.com/office/drawing/2014/main" id="{BED4110D-3287-BF23-E082-CDF35C6E2CEA}"/>
+              </a:ext>
+            </a:extLst>
+          </p:cNvPr>
+          <p:cNvSpPr txBox="1"/>
+          <p:nvPr/>
+        </p:nvSpPr>
+        <p:spPr>
+          <a:xfrm>
+            <a:off x="8755084" y="4153809"/>
+            <a:ext cx="2076466" cy="369332"/>
+          </a:xfrm>
+          <a:prstGeom prst="rect">
+            <a:avLst/>
+          </a:prstGeom>
+          <a:noFill/>
+        </p:spPr>
+        <p:txBody>
+          <a:bodyPr wrap="none" rtlCol="0">
+            <a:spAutoFit/>
+          </a:bodyPr>
+          <a:lstStyle/>
+          <a:p>
+            <a:r>
+              <a:rPr lang="en-US" dirty="0">
+                <a:solidFill>
+                  <a:srgbClr val="002060"/>
+                </a:solidFill>
+              </a:rPr>
+              <a:t>New text contents</a:t>
+            </a:r>
+          </a:p>
+        </p:txBody>
+      </p:sp>
+      <p:sp>
+        <p:nvSpPr>
+          <p:cNvPr id="50" name="Arrow: Right 49">
+            <a:extLst>
+              <a:ext uri="{FF2B5EF4-FFF2-40B4-BE49-F238E27FC236}">
+                <a16:creationId xmlns:a16="http://schemas.microsoft.com/office/drawing/2014/main" id="{3508063B-3632-2C5F-6F3D-D79585F699F7}"/>
+              </a:ext>
+            </a:extLst>
+          </p:cNvPr>
+          <p:cNvSpPr/>
+          <p:nvPr/>
+        </p:nvSpPr>
+        <p:spPr>
+          <a:xfrm>
+            <a:off x="8548814" y="4826615"/>
+            <a:ext cx="667096" cy="253700"/>
+          </a:xfrm>
+          <a:prstGeom prst="rightArrow">
+            <a:avLst/>
+          </a:prstGeom>
+          <a:solidFill>
+            <a:srgbClr val="002060"/>
+          </a:solidFill>
+          <a:ln>
+            <a:noFill/>
+          </a:ln>
+        </p:spPr>
+        <p:style>
+          <a:lnRef idx="2">
+            <a:schemeClr val="accent1">
+              <a:shade val="15000"/>
+            </a:schemeClr>
+          </a:lnRef>
+          <a:fillRef idx="1">
+            <a:schemeClr val="accent1"/>
+          </a:fillRef>
+          <a:effectRef idx="0">
+            <a:schemeClr val="accent1"/>
+          </a:effectRef>
+          <a:fontRef idx="minor">
+            <a:schemeClr val="lt1"/>
+          </a:fontRef>
+        </p:style>
+        <p:txBody>
+          <a:bodyPr rtlCol="0" anchor="ctr"/>
+          <a:lstStyle/>
+          <a:p>
+            <a:pPr algn="ctr"/>
+            <a:endParaRPr lang="en-US"/>
+          </a:p>
+        </p:txBody>
+      </p:sp>
+      <p:pic>
+        <p:nvPicPr>
+          <p:cNvPr id="52" name="Graphic 51" descr="Soundwave with solid fill">
+            <a:extLst>
+              <a:ext uri="{FF2B5EF4-FFF2-40B4-BE49-F238E27FC236}">
+                <a16:creationId xmlns:a16="http://schemas.microsoft.com/office/drawing/2014/main" id="{FD37540F-D1B1-CD07-7E44-96EA1131AB4A}"/>
+              </a:ext>
+            </a:extLst>
+          </p:cNvPr>
+          <p:cNvPicPr>
+            <a:picLocks noChangeAspect="1"/>
+          </p:cNvPicPr>
+          <p:nvPr/>
+        </p:nvPicPr>
+        <p:blipFill>
+          <a:blip r:embed="rId8">
+            <a:extLst>
+              <a:ext uri="{28A0092B-C50C-407E-A947-70E740481C1C}">
+                <a14:useLocalDpi xmlns:a14="http://schemas.microsoft.com/office/drawing/2010/main" val="0"/>
+              </a:ext>
+              <a:ext uri="{96DAC541-7B7A-43D3-8B79-37D633B846F1}">
+                <asvg:svgBlip xmlns:asvg="http://schemas.microsoft.com/office/drawing/2016/SVG/main" r:embed="rId9"/>
+              </a:ext>
+            </a:extLst>
+          </a:blip>
+          <a:stretch>
+            <a:fillRect/>
+          </a:stretch>
+        </p:blipFill>
+        <p:spPr>
+          <a:xfrm>
+            <a:off x="8882362" y="1306711"/>
+            <a:ext cx="914400" cy="914400"/>
+          </a:xfrm>
+          <a:prstGeom prst="rect">
+            <a:avLst/>
+          </a:prstGeom>
+        </p:spPr>
+      </p:pic>
+      <p:pic>
+        <p:nvPicPr>
+          <p:cNvPr id="54" name="Graphic 53" descr="Presentation with media with solid fill">
+            <a:extLst>
+              <a:ext uri="{FF2B5EF4-FFF2-40B4-BE49-F238E27FC236}">
+                <a16:creationId xmlns:a16="http://schemas.microsoft.com/office/drawing/2014/main" id="{FDD568E6-6A27-DADA-2997-24F0237FE7C6}"/>
+              </a:ext>
+            </a:extLst>
+          </p:cNvPr>
+          <p:cNvPicPr>
+            <a:picLocks noChangeAspect="1"/>
+          </p:cNvPicPr>
+          <p:nvPr/>
+        </p:nvPicPr>
+        <p:blipFill>
+          <a:blip r:embed="rId10">
+            <a:extLst>
+              <a:ext uri="{28A0092B-C50C-407E-A947-70E740481C1C}">
+                <a14:useLocalDpi xmlns:a14="http://schemas.microsoft.com/office/drawing/2010/main" val="0"/>
+              </a:ext>
+              <a:ext uri="{96DAC541-7B7A-43D3-8B79-37D633B846F1}">
+                <asvg:svgBlip xmlns:asvg="http://schemas.microsoft.com/office/drawing/2016/SVG/main" r:embed="rId11"/>
+              </a:ext>
+            </a:extLst>
+          </a:blip>
+          <a:stretch>
+            <a:fillRect/>
+          </a:stretch>
+        </p:blipFill>
+        <p:spPr>
+          <a:xfrm>
+            <a:off x="8960320" y="2238673"/>
+            <a:ext cx="914400" cy="914400"/>
+          </a:xfrm>
+          <a:prstGeom prst="rect">
+            <a:avLst/>
+          </a:prstGeom>
+        </p:spPr>
+      </p:pic>
+      <p:pic>
+        <p:nvPicPr>
+          <p:cNvPr id="56" name="Graphic 55" descr="Chat with solid fill">
+            <a:extLst>
+              <a:ext uri="{FF2B5EF4-FFF2-40B4-BE49-F238E27FC236}">
+                <a16:creationId xmlns:a16="http://schemas.microsoft.com/office/drawing/2014/main" id="{9791279F-01D6-F1A8-77E1-AFD8059489C2}"/>
+              </a:ext>
+            </a:extLst>
+          </p:cNvPr>
+          <p:cNvPicPr>
+            <a:picLocks noChangeAspect="1"/>
+          </p:cNvPicPr>
+          <p:nvPr/>
+        </p:nvPicPr>
+        <p:blipFill>
+          <a:blip r:embed="rId12">
+            <a:extLst>
+              <a:ext uri="{28A0092B-C50C-407E-A947-70E740481C1C}">
+                <a14:useLocalDpi xmlns:a14="http://schemas.microsoft.com/office/drawing/2010/main" val="0"/>
+              </a:ext>
+              <a:ext uri="{96DAC541-7B7A-43D3-8B79-37D633B846F1}">
+                <asvg:svgBlip xmlns:asvg="http://schemas.microsoft.com/office/drawing/2016/SVG/main" r:embed="rId13"/>
+              </a:ext>
+            </a:extLst>
+          </a:blip>
+          <a:stretch>
+            <a:fillRect/>
+          </a:stretch>
+        </p:blipFill>
+        <p:spPr>
+          <a:xfrm>
+            <a:off x="11246978" y="3850336"/>
+            <a:ext cx="663443" cy="663443"/>
+          </a:xfrm>
+          <a:prstGeom prst="rect">
+            <a:avLst/>
+          </a:prstGeom>
+        </p:spPr>
+      </p:pic>
+      <p:pic>
+        <p:nvPicPr>
+          <p:cNvPr id="58" name="Graphic 57" descr="Astronaut female outline">
+            <a:extLst>
+              <a:ext uri="{FF2B5EF4-FFF2-40B4-BE49-F238E27FC236}">
+                <a16:creationId xmlns:a16="http://schemas.microsoft.com/office/drawing/2014/main" id="{3CBFB5AE-A057-FD82-14E0-3CFE06DDF985}"/>
+              </a:ext>
+            </a:extLst>
+          </p:cNvPr>
+          <p:cNvPicPr>
+            <a:picLocks noChangeAspect="1"/>
+          </p:cNvPicPr>
+          <p:nvPr/>
+        </p:nvPicPr>
+        <p:blipFill>
+          <a:blip r:embed="rId14">
+            <a:extLst>
+              <a:ext uri="{28A0092B-C50C-407E-A947-70E740481C1C}">
+                <a14:useLocalDpi xmlns:a14="http://schemas.microsoft.com/office/drawing/2010/main" val="0"/>
+              </a:ext>
+              <a:ext uri="{96DAC541-7B7A-43D3-8B79-37D633B846F1}">
+                <asvg:svgBlip xmlns:asvg="http://schemas.microsoft.com/office/drawing/2016/SVG/main" r:embed="rId15"/>
+              </a:ext>
+            </a:extLst>
+          </a:blip>
+          <a:stretch>
+            <a:fillRect/>
+          </a:stretch>
+        </p:blipFill>
+        <p:spPr>
+          <a:xfrm>
+            <a:off x="11295951" y="4419940"/>
+            <a:ext cx="565497" cy="565497"/>
+          </a:xfrm>
+          <a:prstGeom prst="rect">
+            <a:avLst/>
+          </a:prstGeom>
+        </p:spPr>
+      </p:pic>
+      <p:sp>
+        <p:nvSpPr>
+          <p:cNvPr id="61" name="TextBox 60">
+            <a:extLst>
+              <a:ext uri="{FF2B5EF4-FFF2-40B4-BE49-F238E27FC236}">
+                <a16:creationId xmlns:a16="http://schemas.microsoft.com/office/drawing/2014/main" id="{91450536-B8F2-FB72-87F6-25E0E295FB6A}"/>
+              </a:ext>
+            </a:extLst>
+          </p:cNvPr>
+          <p:cNvSpPr txBox="1"/>
+          <p:nvPr/>
+        </p:nvSpPr>
+        <p:spPr>
+          <a:xfrm>
+            <a:off x="11038005" y="3578950"/>
+            <a:ext cx="981359" cy="369332"/>
+          </a:xfrm>
+          <a:prstGeom prst="rect">
+            <a:avLst/>
+          </a:prstGeom>
+          <a:noFill/>
+        </p:spPr>
+        <p:txBody>
+          <a:bodyPr wrap="none" rtlCol="0">
+            <a:spAutoFit/>
+          </a:bodyPr>
+          <a:lstStyle/>
+          <a:p>
+            <a:r>
+              <a:rPr lang="en-US" dirty="0">
+                <a:solidFill>
+                  <a:srgbClr val="002060"/>
+                </a:solidFill>
+              </a:rPr>
+              <a:t>AI apps</a:t>
+            </a:r>
+          </a:p>
+        </p:txBody>
+      </p:sp>
+      <p:pic>
+        <p:nvPicPr>
+          <p:cNvPr id="65" name="Graphic 64" descr="Artificial Intelligence with solid fill">
+            <a:extLst>
+              <a:ext uri="{FF2B5EF4-FFF2-40B4-BE49-F238E27FC236}">
+                <a16:creationId xmlns:a16="http://schemas.microsoft.com/office/drawing/2014/main" id="{870B25C3-A619-EAEE-4281-753370FB8555}"/>
+              </a:ext>
+            </a:extLst>
+          </p:cNvPr>
+          <p:cNvPicPr>
+            <a:picLocks noChangeAspect="1"/>
+          </p:cNvPicPr>
+          <p:nvPr/>
+        </p:nvPicPr>
+        <p:blipFill>
+          <a:blip r:embed="rId16">
+            <a:extLst>
+              <a:ext uri="{28A0092B-C50C-407E-A947-70E740481C1C}">
+                <a14:useLocalDpi xmlns:a14="http://schemas.microsoft.com/office/drawing/2010/main" val="0"/>
+              </a:ext>
+              <a:ext uri="{96DAC541-7B7A-43D3-8B79-37D633B846F1}">
+                <asvg:svgBlip xmlns:asvg="http://schemas.microsoft.com/office/drawing/2016/SVG/main" r:embed="rId17"/>
+              </a:ext>
+            </a:extLst>
+          </a:blip>
+          <a:stretch>
+            <a:fillRect/>
+          </a:stretch>
+        </p:blipFill>
+        <p:spPr>
+          <a:xfrm>
+            <a:off x="11318022" y="4997456"/>
+            <a:ext cx="521354" cy="521354"/>
+          </a:xfrm>
+          <a:prstGeom prst="rect">
+            <a:avLst/>
+          </a:prstGeom>
+        </p:spPr>
+      </p:pic>
+      <p:pic>
+        <p:nvPicPr>
+          <p:cNvPr id="67" name="Graphic 66" descr="Research with solid fill">
+            <a:extLst>
+              <a:ext uri="{FF2B5EF4-FFF2-40B4-BE49-F238E27FC236}">
+                <a16:creationId xmlns:a16="http://schemas.microsoft.com/office/drawing/2014/main" id="{CF3F9AC6-7F36-B7CC-9118-38B5673B98C2}"/>
+              </a:ext>
+            </a:extLst>
+          </p:cNvPr>
+          <p:cNvPicPr>
+            <a:picLocks noChangeAspect="1"/>
+          </p:cNvPicPr>
+          <p:nvPr/>
+        </p:nvPicPr>
+        <p:blipFill>
+          <a:blip r:embed="rId18">
+            <a:extLst>
+              <a:ext uri="{28A0092B-C50C-407E-A947-70E740481C1C}">
+                <a14:useLocalDpi xmlns:a14="http://schemas.microsoft.com/office/drawing/2010/main" val="0"/>
+              </a:ext>
+              <a:ext uri="{96DAC541-7B7A-43D3-8B79-37D633B846F1}">
+                <asvg:svgBlip xmlns:asvg="http://schemas.microsoft.com/office/drawing/2016/SVG/main" r:embed="rId19"/>
+              </a:ext>
+            </a:extLst>
+          </a:blip>
+          <a:stretch>
+            <a:fillRect/>
+          </a:stretch>
+        </p:blipFill>
+        <p:spPr>
+          <a:xfrm>
+            <a:off x="11358919" y="5573678"/>
+            <a:ext cx="439561" cy="439561"/>
+          </a:xfrm>
+          <a:prstGeom prst="rect">
+            <a:avLst/>
+          </a:prstGeom>
+        </p:spPr>
+      </p:pic>
+      <p:sp>
+        <p:nvSpPr>
+          <p:cNvPr id="69" name="Subtitle 2">
+            <a:extLst>
+              <a:ext uri="{FF2B5EF4-FFF2-40B4-BE49-F238E27FC236}">
+                <a16:creationId xmlns:a16="http://schemas.microsoft.com/office/drawing/2014/main" id="{8F6A0D52-BD55-D6C6-AB80-DEA810533CEF}"/>
+              </a:ext>
+            </a:extLst>
+          </p:cNvPr>
+          <p:cNvSpPr txBox="1">
+            <a:spLocks/>
+          </p:cNvSpPr>
+          <p:nvPr/>
+        </p:nvSpPr>
+        <p:spPr>
+          <a:xfrm>
+            <a:off x="4694715" y="5633060"/>
+            <a:ext cx="6307485" cy="453302"/>
+          </a:xfrm>
+          <a:prstGeom prst="rect">
+            <a:avLst/>
+          </a:prstGeom>
+          <a:noFill/>
+        </p:spPr>
+        <p:txBody>
+          <a:bodyPr vert="horz" lIns="91440" tIns="45720" rIns="91440" bIns="45720" rtlCol="0">
+            <a:noAutofit/>
+          </a:bodyPr>
+          <a:lstStyle>
+            <a:lvl1pPr marL="0" indent="0" algn="ctr" defTabSz="914400" rtl="0" eaLnBrk="1" latinLnBrk="0" hangingPunct="1">
+              <a:lnSpc>
+                <a:spcPct val="90000"/>
+              </a:lnSpc>
+              <a:spcBef>
+                <a:spcPts val="1000"/>
+              </a:spcBef>
+              <a:buFont typeface="Wingdings" panose="05000000000000000000" pitchFamily="2" charset="2"/>
+              <a:buNone/>
+              <a:defRPr sz="2400" kern="1200">
+                <a:solidFill>
+                  <a:srgbClr val="002060"/>
+                </a:solidFill>
+                <a:latin typeface="Avenir Next LT Pro Light" panose="020B0304020202020204" pitchFamily="34" charset="0"/>
+                <a:ea typeface="+mn-ea"/>
+                <a:cs typeface="+mn-cs"/>
+              </a:defRPr>
+            </a:lvl1pPr>
+            <a:lvl2pPr marL="457200" indent="0" algn="ctr" defTabSz="914400" rtl="0" eaLnBrk="1" latinLnBrk="0" hangingPunct="1">
+              <a:lnSpc>
+                <a:spcPct val="90000"/>
+              </a:lnSpc>
+              <a:spcBef>
+                <a:spcPts val="500"/>
+              </a:spcBef>
+              <a:buFont typeface="Wingdings" panose="05000000000000000000" pitchFamily="2" charset="2"/>
+              <a:buNone/>
+              <a:defRPr sz="2000" kern="1200">
+                <a:solidFill>
+                  <a:srgbClr val="002060"/>
+                </a:solidFill>
+                <a:latin typeface="Avenir Next LT Pro Light" panose="020B0304020202020204" pitchFamily="34" charset="0"/>
+                <a:ea typeface="+mn-ea"/>
+                <a:cs typeface="+mn-cs"/>
+              </a:defRPr>
+            </a:lvl2pPr>
+            <a:lvl3pPr marL="914400" indent="0" algn="ctr" defTabSz="914400" rtl="0" eaLnBrk="1" latinLnBrk="0" hangingPunct="1">
+              <a:lnSpc>
+                <a:spcPct val="90000"/>
+              </a:lnSpc>
+              <a:spcBef>
+                <a:spcPts val="500"/>
+              </a:spcBef>
+              <a:buFont typeface="Wingdings" panose="05000000000000000000" pitchFamily="2" charset="2"/>
+              <a:buNone/>
+              <a:defRPr sz="1800" kern="1200">
+                <a:solidFill>
+                  <a:srgbClr val="002060"/>
+                </a:solidFill>
+                <a:latin typeface="Avenir Next LT Pro Light" panose="020B0304020202020204" pitchFamily="34" charset="0"/>
+                <a:ea typeface="+mn-ea"/>
+                <a:cs typeface="+mn-cs"/>
+              </a:defRPr>
+            </a:lvl3pPr>
+            <a:lvl4pPr marL="1371600" indent="0" algn="ctr" defTabSz="914400" rtl="0" eaLnBrk="1" latinLnBrk="0" hangingPunct="1">
+              <a:lnSpc>
+                <a:spcPct val="90000"/>
+              </a:lnSpc>
+              <a:spcBef>
+                <a:spcPts val="500"/>
+              </a:spcBef>
+              <a:buFont typeface="Wingdings" panose="05000000000000000000" pitchFamily="2" charset="2"/>
+              <a:buNone/>
+              <a:defRPr sz="1600" kern="1200">
+                <a:solidFill>
+                  <a:srgbClr val="002060"/>
+                </a:solidFill>
+                <a:latin typeface="Avenir Next LT Pro Light" panose="020B0304020202020204" pitchFamily="34" charset="0"/>
+                <a:ea typeface="+mn-ea"/>
+                <a:cs typeface="+mn-cs"/>
+              </a:defRPr>
+            </a:lvl4pPr>
+            <a:lvl5pPr marL="1828800" indent="0" algn="ctr" defTabSz="914400" rtl="0" eaLnBrk="1" latinLnBrk="0" hangingPunct="1">
+              <a:lnSpc>
+                <a:spcPct val="90000"/>
+              </a:lnSpc>
+              <a:spcBef>
+                <a:spcPts val="500"/>
+              </a:spcBef>
+              <a:buFont typeface="Wingdings" panose="05000000000000000000" pitchFamily="2" charset="2"/>
+              <a:buNone/>
+              <a:defRPr sz="1600" kern="1200">
+                <a:solidFill>
+                  <a:srgbClr val="002060"/>
+                </a:solidFill>
+                <a:latin typeface="Avenir Next LT Pro Light" panose="020B0304020202020204" pitchFamily="34" charset="0"/>
+                <a:ea typeface="+mn-ea"/>
+                <a:cs typeface="+mn-cs"/>
+              </a:defRPr>
+            </a:lvl5pPr>
+            <a:lvl6pPr marL="2286000" indent="0" algn="ctr" defTabSz="914400" rtl="0" eaLnBrk="1" latinLnBrk="0" hangingPunct="1">
+              <a:lnSpc>
+                <a:spcPct val="90000"/>
+              </a:lnSpc>
+              <a:spcBef>
+                <a:spcPts val="500"/>
+              </a:spcBef>
+              <a:buFont typeface="Arial" panose="020B0604020202020204" pitchFamily="34" charset="0"/>
+              <a:buNone/>
+              <a:defRPr sz="1600" kern="1200">
+                <a:solidFill>
+                  <a:schemeClr val="tx1"/>
+                </a:solidFill>
+                <a:latin typeface="+mn-lt"/>
+                <a:ea typeface="+mn-ea"/>
+                <a:cs typeface="+mn-cs"/>
+              </a:defRPr>
+            </a:lvl6pPr>
+            <a:lvl7pPr marL="2743200" indent="0" algn="ctr" defTabSz="914400" rtl="0" eaLnBrk="1" latinLnBrk="0" hangingPunct="1">
+              <a:lnSpc>
+                <a:spcPct val="90000"/>
+              </a:lnSpc>
+              <a:spcBef>
+                <a:spcPts val="500"/>
+              </a:spcBef>
+              <a:buFont typeface="Arial" panose="020B0604020202020204" pitchFamily="34" charset="0"/>
+              <a:buNone/>
+              <a:defRPr sz="1600" kern="1200">
+                <a:solidFill>
+                  <a:schemeClr val="tx1"/>
+                </a:solidFill>
+                <a:latin typeface="+mn-lt"/>
+                <a:ea typeface="+mn-ea"/>
+                <a:cs typeface="+mn-cs"/>
+              </a:defRPr>
+            </a:lvl7pPr>
+            <a:lvl8pPr marL="3200400" indent="0" algn="ctr" defTabSz="914400" rtl="0" eaLnBrk="1" latinLnBrk="0" hangingPunct="1">
+              <a:lnSpc>
+                <a:spcPct val="90000"/>
+              </a:lnSpc>
+              <a:spcBef>
+                <a:spcPts val="500"/>
+              </a:spcBef>
+              <a:buFont typeface="Arial" panose="020B0604020202020204" pitchFamily="34" charset="0"/>
+              <a:buNone/>
+              <a:defRPr sz="1600" kern="1200">
+                <a:solidFill>
+                  <a:schemeClr val="tx1"/>
+                </a:solidFill>
+                <a:latin typeface="+mn-lt"/>
+                <a:ea typeface="+mn-ea"/>
+                <a:cs typeface="+mn-cs"/>
+              </a:defRPr>
+            </a:lvl8pPr>
+            <a:lvl9pPr marL="3657600" indent="0" algn="ctr" defTabSz="914400" rtl="0" eaLnBrk="1" latinLnBrk="0" hangingPunct="1">
+              <a:lnSpc>
+                <a:spcPct val="90000"/>
+              </a:lnSpc>
+              <a:spcBef>
+                <a:spcPts val="500"/>
+              </a:spcBef>
+              <a:buFont typeface="Arial" panose="020B0604020202020204" pitchFamily="34" charset="0"/>
+              <a:buNone/>
+              <a:defRPr sz="1600" kern="1200">
+                <a:solidFill>
+                  <a:schemeClr val="tx1"/>
+                </a:solidFill>
+                <a:latin typeface="+mn-lt"/>
+                <a:ea typeface="+mn-ea"/>
+                <a:cs typeface="+mn-cs"/>
+              </a:defRPr>
+            </a:lvl9pPr>
+          </a:lstStyle>
+          <a:p>
+            <a:r>
+              <a:rPr lang="en-US" sz="3600" spc="500" dirty="0">
+                <a:gradFill>
+                  <a:gsLst>
+                    <a:gs pos="29000">
+                      <a:srgbClr val="041462"/>
+                    </a:gs>
+                    <a:gs pos="85000">
+                      <a:srgbClr val="1B5CE0"/>
+                    </a:gs>
+                  </a:gsLst>
+                  <a:lin ang="2700000" scaled="0"/>
+                </a:gradFill>
+                <a:latin typeface="+mn-lt"/>
+              </a:rPr>
+              <a:t>Hands-on Engineering</a:t>
+            </a:r>
+          </a:p>
+        </p:txBody>
+      </p:sp>
+      <p:sp>
+        <p:nvSpPr>
+          <p:cNvPr id="70" name="TextBox 69">
+            <a:extLst>
+              <a:ext uri="{FF2B5EF4-FFF2-40B4-BE49-F238E27FC236}">
+                <a16:creationId xmlns:a16="http://schemas.microsoft.com/office/drawing/2014/main" id="{E7E5B551-5CE8-7AA3-4F01-5007645F34AD}"/>
+              </a:ext>
+            </a:extLst>
+          </p:cNvPr>
+          <p:cNvSpPr txBox="1"/>
+          <p:nvPr/>
+        </p:nvSpPr>
+        <p:spPr>
+          <a:xfrm>
+            <a:off x="9910026" y="2054768"/>
+            <a:ext cx="415498" cy="369332"/>
+          </a:xfrm>
+          <a:prstGeom prst="rect">
+            <a:avLst/>
+          </a:prstGeom>
+          <a:noFill/>
+        </p:spPr>
+        <p:txBody>
+          <a:bodyPr wrap="none" rtlCol="0">
+            <a:spAutoFit/>
+          </a:bodyPr>
+          <a:lstStyle/>
+          <a:p>
+            <a:r>
+              <a:rPr lang="en-US" dirty="0"/>
+              <a:t>…</a:t>
+            </a:r>
+          </a:p>
+        </p:txBody>
+      </p:sp>
+      <p:sp>
+        <p:nvSpPr>
+          <p:cNvPr id="71" name="TextBox 70">
+            <a:extLst>
+              <a:ext uri="{FF2B5EF4-FFF2-40B4-BE49-F238E27FC236}">
+                <a16:creationId xmlns:a16="http://schemas.microsoft.com/office/drawing/2014/main" id="{0C69629C-2AFD-BAB6-5676-A420ED96EE02}"/>
+              </a:ext>
+            </a:extLst>
+          </p:cNvPr>
+          <p:cNvSpPr txBox="1"/>
+          <p:nvPr/>
+        </p:nvSpPr>
+        <p:spPr>
+          <a:xfrm>
+            <a:off x="11370950" y="5824878"/>
+            <a:ext cx="415498" cy="369332"/>
+          </a:xfrm>
+          <a:prstGeom prst="rect">
+            <a:avLst/>
+          </a:prstGeom>
+          <a:noFill/>
+        </p:spPr>
+        <p:txBody>
+          <a:bodyPr wrap="none" rtlCol="0">
+            <a:spAutoFit/>
+          </a:bodyPr>
+          <a:lstStyle/>
+          <a:p>
+            <a:r>
+              <a:rPr lang="en-US" dirty="0"/>
+              <a:t>…</a:t>
+            </a:r>
+          </a:p>
+        </p:txBody>
+      </p:sp>
+      <p:sp>
+        <p:nvSpPr>
+          <p:cNvPr id="6" name="TextBox 5">
+            <a:extLst>
+              <a:ext uri="{FF2B5EF4-FFF2-40B4-BE49-F238E27FC236}">
+                <a16:creationId xmlns:a16="http://schemas.microsoft.com/office/drawing/2014/main" id="{1ACDA742-C10D-8E51-8FD9-9021F579F337}"/>
+              </a:ext>
+            </a:extLst>
+          </p:cNvPr>
+          <p:cNvSpPr txBox="1"/>
+          <p:nvPr/>
+        </p:nvSpPr>
+        <p:spPr>
+          <a:xfrm>
+            <a:off x="798492" y="4076651"/>
+            <a:ext cx="1439625" cy="338554"/>
+          </a:xfrm>
+          <a:prstGeom prst="rect">
+            <a:avLst/>
+          </a:prstGeom>
+          <a:noFill/>
+        </p:spPr>
+        <p:txBody>
+          <a:bodyPr wrap="none" rtlCol="0">
+            <a:spAutoFit/>
+          </a:bodyPr>
+          <a:lstStyle/>
+          <a:p>
+            <a:r>
+              <a:rPr lang="en-US" sz="1600" i="1" dirty="0">
+                <a:solidFill>
+                  <a:schemeClr val="bg1"/>
+                </a:solidFill>
+              </a:rPr>
+              <a:t>Generative AI</a:t>
+            </a:r>
+          </a:p>
+        </p:txBody>
+      </p:sp>
+      <p:sp>
+        <p:nvSpPr>
+          <p:cNvPr id="9" name="Right Brace 8">
+            <a:extLst>
+              <a:ext uri="{FF2B5EF4-FFF2-40B4-BE49-F238E27FC236}">
+                <a16:creationId xmlns:a16="http://schemas.microsoft.com/office/drawing/2014/main" id="{F41E2D05-0A4A-905D-B75F-70CB173848AF}"/>
+              </a:ext>
+            </a:extLst>
+          </p:cNvPr>
+          <p:cNvSpPr/>
+          <p:nvPr/>
+        </p:nvSpPr>
+        <p:spPr>
+          <a:xfrm>
+            <a:off x="10831550" y="4016354"/>
+            <a:ext cx="366455" cy="1520035"/>
+          </a:xfrm>
+          <a:prstGeom prst="rightBrace">
+            <a:avLst/>
+          </a:prstGeom>
+          <a:ln>
             <a:solidFill>
               <a:srgbClr val="002060"/>
             </a:solidFill>
-          </p:spPr>
-          <p:style>
-            <a:lnRef idx="2">
-              <a:schemeClr val="accent1">
-                <a:shade val="15000"/>
-              </a:schemeClr>
-            </a:lnRef>
-            <a:fillRef idx="1">
-              <a:schemeClr val="accent1"/>
-            </a:fillRef>
-            <a:effectRef idx="0">
-              <a:schemeClr val="accent1"/>
-            </a:effectRef>
-            <a:fontRef idx="minor">
-              <a:schemeClr val="lt1"/>
-            </a:fontRef>
-          </p:style>
-          <p:txBody>
-            <a:bodyPr rtlCol="0" anchor="ctr"/>
-            <a:lstStyle/>
-            <a:p>
-              <a:pPr algn="ctr"/>
-              <a:r>
-                <a:rPr lang="en-US" dirty="0">
-                  <a:solidFill>
-                    <a:schemeClr val="bg1"/>
-                  </a:solidFill>
-                </a:rPr>
-                <a:t>Generative AI models</a:t>
-              </a:r>
-            </a:p>
-            <a:p>
-              <a:pPr algn="ctr"/>
-              <a:endParaRPr lang="en-US" dirty="0">
-                <a:solidFill>
-                  <a:schemeClr val="bg1"/>
-                </a:solidFill>
-              </a:endParaRPr>
-            </a:p>
-          </p:txBody>
-        </p:sp>
-        <p:sp>
-          <p:nvSpPr>
-            <p:cNvPr id="13" name="TextBox 12">
-              <a:extLst>
-                <a:ext uri="{FF2B5EF4-FFF2-40B4-BE49-F238E27FC236}">
-                  <a16:creationId xmlns:a16="http://schemas.microsoft.com/office/drawing/2014/main" id="{1CEADD93-917B-7610-D576-5C1850F9A591}"/>
-                </a:ext>
-              </a:extLst>
-            </p:cNvPr>
-            <p:cNvSpPr txBox="1"/>
-            <p:nvPr/>
-          </p:nvSpPr>
-          <p:spPr>
-            <a:xfrm>
-              <a:off x="3964560" y="2344638"/>
-              <a:ext cx="2058064" cy="338554"/>
-            </a:xfrm>
-            <a:prstGeom prst="rect">
-              <a:avLst/>
-            </a:prstGeom>
-            <a:solidFill>
-              <a:srgbClr val="002060"/>
-            </a:solidFill>
-          </p:spPr>
-          <p:txBody>
-            <a:bodyPr wrap="none" rtlCol="0">
-              <a:spAutoFit/>
-            </a:bodyPr>
-            <a:lstStyle/>
-            <a:p>
-              <a:r>
-                <a:rPr lang="en-US" sz="1600" i="1" dirty="0">
-                  <a:solidFill>
-                    <a:schemeClr val="bg1"/>
-                  </a:solidFill>
-                </a:rPr>
-                <a:t>Trained on vast data</a:t>
-              </a:r>
-            </a:p>
-          </p:txBody>
-        </p:sp>
-        <p:sp>
-          <p:nvSpPr>
-            <p:cNvPr id="14" name="Rectangle 13">
-              <a:extLst>
-                <a:ext uri="{FF2B5EF4-FFF2-40B4-BE49-F238E27FC236}">
-                  <a16:creationId xmlns:a16="http://schemas.microsoft.com/office/drawing/2014/main" id="{040352DC-4435-FDF4-C39C-882290F2DAA8}"/>
-                </a:ext>
-              </a:extLst>
-            </p:cNvPr>
-            <p:cNvSpPr/>
-            <p:nvPr/>
-          </p:nvSpPr>
-          <p:spPr>
-            <a:xfrm>
-              <a:off x="6148489" y="4446692"/>
-              <a:ext cx="2204815" cy="950720"/>
-            </a:xfrm>
-            <a:prstGeom prst="rect">
-              <a:avLst/>
-            </a:prstGeom>
-            <a:solidFill>
-              <a:srgbClr val="002060"/>
-            </a:solidFill>
-          </p:spPr>
-          <p:style>
-            <a:lnRef idx="2">
-              <a:schemeClr val="accent1">
-                <a:shade val="15000"/>
-              </a:schemeClr>
-            </a:lnRef>
-            <a:fillRef idx="1">
-              <a:schemeClr val="accent1"/>
-            </a:fillRef>
-            <a:effectRef idx="0">
-              <a:schemeClr val="accent1"/>
-            </a:effectRef>
-            <a:fontRef idx="minor">
-              <a:schemeClr val="lt1"/>
-            </a:fontRef>
-          </p:style>
-          <p:txBody>
-            <a:bodyPr rtlCol="0" anchor="ctr"/>
-            <a:lstStyle/>
-            <a:p>
-              <a:pPr algn="ctr"/>
-              <a:r>
-                <a:rPr lang="en-US" dirty="0">
-                  <a:solidFill>
-                    <a:schemeClr val="bg1"/>
-                  </a:solidFill>
-                </a:rPr>
-                <a:t>Large Language Models</a:t>
-              </a:r>
-            </a:p>
-          </p:txBody>
-        </p:sp>
-        <p:sp>
-          <p:nvSpPr>
-            <p:cNvPr id="22" name="Oval 21">
-              <a:extLst>
-                <a:ext uri="{FF2B5EF4-FFF2-40B4-BE49-F238E27FC236}">
-                  <a16:creationId xmlns:a16="http://schemas.microsoft.com/office/drawing/2014/main" id="{1A5A5035-607F-2750-3EC3-A42FBC7F77E1}"/>
-                </a:ext>
-              </a:extLst>
-            </p:cNvPr>
-            <p:cNvSpPr/>
-            <p:nvPr/>
-          </p:nvSpPr>
-          <p:spPr>
-            <a:xfrm>
-              <a:off x="207594" y="3213220"/>
-              <a:ext cx="2401369" cy="3131876"/>
-            </a:xfrm>
-            <a:prstGeom prst="ellipse">
-              <a:avLst/>
-            </a:prstGeom>
-            <a:solidFill>
-              <a:schemeClr val="accent4">
-                <a:lumMod val="60000"/>
-                <a:lumOff val="40000"/>
-              </a:schemeClr>
-            </a:solidFill>
-            <a:ln>
-              <a:noFill/>
-            </a:ln>
-          </p:spPr>
-          <p:style>
-            <a:lnRef idx="2">
-              <a:schemeClr val="accent1">
-                <a:shade val="15000"/>
-              </a:schemeClr>
-            </a:lnRef>
-            <a:fillRef idx="1">
-              <a:schemeClr val="accent1"/>
-            </a:fillRef>
-            <a:effectRef idx="0">
-              <a:schemeClr val="accent1"/>
-            </a:effectRef>
-            <a:fontRef idx="minor">
-              <a:schemeClr val="lt1"/>
-            </a:fontRef>
-          </p:style>
-          <p:txBody>
-            <a:bodyPr rtlCol="0" anchor="ctr"/>
-            <a:lstStyle/>
-            <a:p>
-              <a:pPr algn="ctr"/>
-              <a:endParaRPr lang="en-US"/>
-            </a:p>
-          </p:txBody>
-        </p:sp>
-        <p:sp>
-          <p:nvSpPr>
-            <p:cNvPr id="23" name="Oval 22">
-              <a:extLst>
-                <a:ext uri="{FF2B5EF4-FFF2-40B4-BE49-F238E27FC236}">
-                  <a16:creationId xmlns:a16="http://schemas.microsoft.com/office/drawing/2014/main" id="{2946513A-447B-49C8-5A10-85811039C178}"/>
-                </a:ext>
-              </a:extLst>
-            </p:cNvPr>
-            <p:cNvSpPr/>
-            <p:nvPr/>
-          </p:nvSpPr>
-          <p:spPr>
-            <a:xfrm>
-              <a:off x="600640" y="3446637"/>
-              <a:ext cx="1615277" cy="2458898"/>
-            </a:xfrm>
-            <a:prstGeom prst="ellipse">
-              <a:avLst/>
-            </a:prstGeom>
-            <a:solidFill>
-              <a:schemeClr val="accent4">
-                <a:lumMod val="75000"/>
-              </a:schemeClr>
-            </a:solidFill>
-            <a:ln>
-              <a:noFill/>
-            </a:ln>
-          </p:spPr>
-          <p:style>
-            <a:lnRef idx="2">
-              <a:schemeClr val="accent1">
-                <a:shade val="15000"/>
-              </a:schemeClr>
-            </a:lnRef>
-            <a:fillRef idx="1">
-              <a:schemeClr val="accent1"/>
-            </a:fillRef>
-            <a:effectRef idx="0">
-              <a:schemeClr val="accent1"/>
-            </a:effectRef>
-            <a:fontRef idx="minor">
-              <a:schemeClr val="lt1"/>
-            </a:fontRef>
-          </p:style>
-          <p:txBody>
-            <a:bodyPr rtlCol="0" anchor="ctr"/>
-            <a:lstStyle/>
-            <a:p>
-              <a:pPr algn="ctr"/>
-              <a:endParaRPr lang="en-US"/>
-            </a:p>
-          </p:txBody>
-        </p:sp>
-        <p:sp>
-          <p:nvSpPr>
-            <p:cNvPr id="24" name="Oval 23">
-              <a:extLst>
-                <a:ext uri="{FF2B5EF4-FFF2-40B4-BE49-F238E27FC236}">
-                  <a16:creationId xmlns:a16="http://schemas.microsoft.com/office/drawing/2014/main" id="{853D0FE1-5BDD-B3BE-5C88-64CBF60FFB85}"/>
-                </a:ext>
-              </a:extLst>
-            </p:cNvPr>
-            <p:cNvSpPr/>
-            <p:nvPr/>
-          </p:nvSpPr>
-          <p:spPr>
-            <a:xfrm>
-              <a:off x="882716" y="3625108"/>
-              <a:ext cx="1051125" cy="1843209"/>
-            </a:xfrm>
-            <a:prstGeom prst="ellipse">
-              <a:avLst/>
-            </a:prstGeom>
-            <a:solidFill>
-              <a:srgbClr val="002060"/>
-            </a:solidFill>
-            <a:ln>
-              <a:noFill/>
-            </a:ln>
-          </p:spPr>
-          <p:style>
-            <a:lnRef idx="2">
-              <a:schemeClr val="accent1">
-                <a:shade val="15000"/>
-              </a:schemeClr>
-            </a:lnRef>
-            <a:fillRef idx="1">
-              <a:schemeClr val="accent1"/>
-            </a:fillRef>
-            <a:effectRef idx="0">
-              <a:schemeClr val="accent1"/>
-            </a:effectRef>
-            <a:fontRef idx="minor">
-              <a:schemeClr val="lt1"/>
-            </a:fontRef>
-          </p:style>
-          <p:txBody>
-            <a:bodyPr rtlCol="0" anchor="ctr"/>
-            <a:lstStyle/>
-            <a:p>
-              <a:pPr algn="ctr"/>
-              <a:endParaRPr lang="en-US"/>
-            </a:p>
-          </p:txBody>
-        </p:sp>
-        <p:sp>
-          <p:nvSpPr>
-            <p:cNvPr id="15" name="TextBox 14">
-              <a:extLst>
-                <a:ext uri="{FF2B5EF4-FFF2-40B4-BE49-F238E27FC236}">
-                  <a16:creationId xmlns:a16="http://schemas.microsoft.com/office/drawing/2014/main" id="{815D7A12-D771-C5D9-CC11-6B730DE99FBB}"/>
-                </a:ext>
-              </a:extLst>
-            </p:cNvPr>
-            <p:cNvSpPr txBox="1"/>
-            <p:nvPr/>
-          </p:nvSpPr>
-          <p:spPr>
-            <a:xfrm>
-              <a:off x="1205338" y="5936376"/>
-              <a:ext cx="405880" cy="369332"/>
-            </a:xfrm>
-            <a:prstGeom prst="rect">
-              <a:avLst/>
-            </a:prstGeom>
-            <a:noFill/>
-          </p:spPr>
-          <p:txBody>
-            <a:bodyPr wrap="none" rtlCol="0">
-              <a:spAutoFit/>
-            </a:bodyPr>
-            <a:lstStyle/>
-            <a:p>
-              <a:r>
-                <a:rPr lang="en-US" dirty="0">
-                  <a:solidFill>
-                    <a:schemeClr val="bg1"/>
-                  </a:solidFill>
-                </a:rPr>
-                <a:t>AI</a:t>
-              </a:r>
-            </a:p>
-          </p:txBody>
-        </p:sp>
-        <p:sp>
-          <p:nvSpPr>
-            <p:cNvPr id="16" name="TextBox 15">
-              <a:extLst>
-                <a:ext uri="{FF2B5EF4-FFF2-40B4-BE49-F238E27FC236}">
-                  <a16:creationId xmlns:a16="http://schemas.microsoft.com/office/drawing/2014/main" id="{223FB698-4763-D06C-F9E6-20D816709F8B}"/>
-                </a:ext>
-              </a:extLst>
-            </p:cNvPr>
-            <p:cNvSpPr txBox="1"/>
-            <p:nvPr/>
-          </p:nvSpPr>
-          <p:spPr>
-            <a:xfrm>
-              <a:off x="1154843" y="5499158"/>
-              <a:ext cx="506870" cy="369332"/>
-            </a:xfrm>
-            <a:prstGeom prst="rect">
-              <a:avLst/>
-            </a:prstGeom>
-            <a:noFill/>
-          </p:spPr>
-          <p:txBody>
-            <a:bodyPr wrap="none" rtlCol="0">
-              <a:spAutoFit/>
-            </a:bodyPr>
-            <a:lstStyle/>
-            <a:p>
-              <a:r>
-                <a:rPr lang="en-US" dirty="0">
-                  <a:solidFill>
-                    <a:schemeClr val="bg1"/>
-                  </a:solidFill>
-                </a:rPr>
-                <a:t>ML</a:t>
-              </a:r>
-            </a:p>
-          </p:txBody>
-        </p:sp>
-        <p:sp>
-          <p:nvSpPr>
-            <p:cNvPr id="17" name="TextBox 16">
-              <a:extLst>
-                <a:ext uri="{FF2B5EF4-FFF2-40B4-BE49-F238E27FC236}">
-                  <a16:creationId xmlns:a16="http://schemas.microsoft.com/office/drawing/2014/main" id="{6B2614AA-118E-750F-80E6-6A92CD8985EC}"/>
-                </a:ext>
-              </a:extLst>
-            </p:cNvPr>
-            <p:cNvSpPr txBox="1"/>
-            <p:nvPr/>
-          </p:nvSpPr>
-          <p:spPr>
-            <a:xfrm>
-              <a:off x="1170072" y="4997626"/>
-              <a:ext cx="476412" cy="369332"/>
-            </a:xfrm>
-            <a:prstGeom prst="rect">
-              <a:avLst/>
-            </a:prstGeom>
-            <a:noFill/>
-          </p:spPr>
-          <p:txBody>
-            <a:bodyPr wrap="none" rtlCol="0">
-              <a:spAutoFit/>
-            </a:bodyPr>
-            <a:lstStyle/>
-            <a:p>
-              <a:r>
-                <a:rPr lang="en-US" dirty="0">
-                  <a:solidFill>
-                    <a:schemeClr val="bg1"/>
-                  </a:solidFill>
-                </a:rPr>
-                <a:t>DL</a:t>
-              </a:r>
-            </a:p>
-          </p:txBody>
-        </p:sp>
-        <p:pic>
-          <p:nvPicPr>
-            <p:cNvPr id="29" name="Graphic 28" descr="Document with solid fill">
-              <a:extLst>
-                <a:ext uri="{FF2B5EF4-FFF2-40B4-BE49-F238E27FC236}">
-                  <a16:creationId xmlns:a16="http://schemas.microsoft.com/office/drawing/2014/main" id="{CE1D17D8-1918-1206-BD3B-65831249E81B}"/>
-                </a:ext>
-              </a:extLst>
-            </p:cNvPr>
-            <p:cNvPicPr>
-              <a:picLocks noChangeAspect="1"/>
-            </p:cNvPicPr>
-            <p:nvPr/>
-          </p:nvPicPr>
-          <p:blipFill>
-            <a:blip r:embed="rId4">
-              <a:extLst>
-                <a:ext uri="{28A0092B-C50C-407E-A947-70E740481C1C}">
-                  <a14:useLocalDpi xmlns:a14="http://schemas.microsoft.com/office/drawing/2010/main" val="0"/>
-                </a:ext>
-                <a:ext uri="{96DAC541-7B7A-43D3-8B79-37D633B846F1}">
-                  <asvg:svgBlip xmlns:asvg="http://schemas.microsoft.com/office/drawing/2016/SVG/main" r:embed="rId5"/>
-                </a:ext>
-              </a:extLst>
-            </a:blip>
-            <a:stretch>
-              <a:fillRect/>
-            </a:stretch>
-          </p:blipFill>
-          <p:spPr>
-            <a:xfrm>
-              <a:off x="9371074" y="4464852"/>
-              <a:ext cx="914400" cy="914400"/>
-            </a:xfrm>
-            <a:prstGeom prst="rect">
-              <a:avLst/>
-            </a:prstGeom>
-          </p:spPr>
-        </p:pic>
-        <p:cxnSp>
-          <p:nvCxnSpPr>
-            <p:cNvPr id="31" name="Straight Connector 30">
-              <a:extLst>
-                <a:ext uri="{FF2B5EF4-FFF2-40B4-BE49-F238E27FC236}">
-                  <a16:creationId xmlns:a16="http://schemas.microsoft.com/office/drawing/2014/main" id="{512F1855-ED95-D155-0009-269FF3F1D0E2}"/>
-                </a:ext>
-              </a:extLst>
-            </p:cNvPr>
-            <p:cNvCxnSpPr/>
-            <p:nvPr/>
-          </p:nvCxnSpPr>
-          <p:spPr>
-            <a:xfrm flipV="1">
-              <a:off x="1473347" y="2687581"/>
-              <a:ext cx="2845485" cy="1388763"/>
-            </a:xfrm>
-            <a:prstGeom prst="line">
-              <a:avLst/>
-            </a:prstGeom>
-            <a:ln>
-              <a:solidFill>
-                <a:schemeClr val="bg2">
-                  <a:lumMod val="75000"/>
-                </a:schemeClr>
-              </a:solidFill>
-              <a:headEnd type="oval" w="med" len="med"/>
-              <a:tailEnd type="triangle" w="med" len="med"/>
-            </a:ln>
-          </p:spPr>
-          <p:style>
-            <a:lnRef idx="2">
-              <a:schemeClr val="accent1"/>
-            </a:lnRef>
-            <a:fillRef idx="0">
-              <a:schemeClr val="accent1"/>
-            </a:fillRef>
-            <a:effectRef idx="1">
-              <a:schemeClr val="accent1"/>
-            </a:effectRef>
-            <a:fontRef idx="minor">
-              <a:schemeClr val="tx1"/>
-            </a:fontRef>
-          </p:style>
-        </p:cxnSp>
-        <p:cxnSp>
-          <p:nvCxnSpPr>
-            <p:cNvPr id="32" name="Straight Connector 31">
-              <a:extLst>
-                <a:ext uri="{FF2B5EF4-FFF2-40B4-BE49-F238E27FC236}">
-                  <a16:creationId xmlns:a16="http://schemas.microsoft.com/office/drawing/2014/main" id="{8F4E7A15-F6F5-3A91-41E9-B084E1F7E040}"/>
-                </a:ext>
-              </a:extLst>
-            </p:cNvPr>
-            <p:cNvCxnSpPr>
-              <a:cxnSpLocks/>
-            </p:cNvCxnSpPr>
-            <p:nvPr/>
-          </p:nvCxnSpPr>
-          <p:spPr>
-            <a:xfrm>
-              <a:off x="5584585" y="2687581"/>
-              <a:ext cx="1157884" cy="1935338"/>
-            </a:xfrm>
-            <a:prstGeom prst="line">
-              <a:avLst/>
-            </a:prstGeom>
-            <a:ln>
-              <a:solidFill>
-                <a:schemeClr val="bg2">
-                  <a:lumMod val="75000"/>
-                </a:schemeClr>
-              </a:solidFill>
-              <a:headEnd type="oval" w="med" len="med"/>
-              <a:tailEnd type="triangle" w="med" len="med"/>
-            </a:ln>
-          </p:spPr>
-          <p:style>
-            <a:lnRef idx="2">
-              <a:schemeClr val="accent1"/>
-            </a:lnRef>
-            <a:fillRef idx="0">
-              <a:schemeClr val="accent1"/>
-            </a:fillRef>
-            <a:effectRef idx="1">
-              <a:schemeClr val="accent1"/>
-            </a:effectRef>
-            <a:fontRef idx="minor">
-              <a:schemeClr val="tx1"/>
-            </a:fontRef>
-          </p:style>
-        </p:cxnSp>
-        <p:sp>
-          <p:nvSpPr>
-            <p:cNvPr id="35" name="TextBox 34">
-              <a:extLst>
-                <a:ext uri="{FF2B5EF4-FFF2-40B4-BE49-F238E27FC236}">
-                  <a16:creationId xmlns:a16="http://schemas.microsoft.com/office/drawing/2014/main" id="{CBBDB651-4EB7-E08B-8B08-6EB43A27236F}"/>
-                </a:ext>
-              </a:extLst>
-            </p:cNvPr>
-            <p:cNvSpPr txBox="1"/>
-            <p:nvPr/>
-          </p:nvSpPr>
-          <p:spPr>
-            <a:xfrm>
-              <a:off x="947785" y="1816656"/>
-              <a:ext cx="2097049" cy="369332"/>
-            </a:xfrm>
-            <a:prstGeom prst="rect">
-              <a:avLst/>
-            </a:prstGeom>
-            <a:noFill/>
-          </p:spPr>
-          <p:txBody>
-            <a:bodyPr wrap="none" rtlCol="0">
-              <a:spAutoFit/>
-            </a:bodyPr>
-            <a:lstStyle/>
-            <a:p>
-              <a:r>
-                <a:rPr lang="en-US" dirty="0"/>
-                <a:t>User's instructions</a:t>
-              </a:r>
-            </a:p>
-          </p:txBody>
-        </p:sp>
-        <p:sp>
-          <p:nvSpPr>
-            <p:cNvPr id="36" name="TextBox 35">
-              <a:extLst>
-                <a:ext uri="{FF2B5EF4-FFF2-40B4-BE49-F238E27FC236}">
-                  <a16:creationId xmlns:a16="http://schemas.microsoft.com/office/drawing/2014/main" id="{309B06CB-9645-AB2D-51F7-C7BF0E6D5453}"/>
-                </a:ext>
-              </a:extLst>
-            </p:cNvPr>
-            <p:cNvSpPr txBox="1"/>
-            <p:nvPr/>
-          </p:nvSpPr>
-          <p:spPr>
-            <a:xfrm>
-              <a:off x="6188649" y="1816656"/>
-              <a:ext cx="1628972" cy="369332"/>
-            </a:xfrm>
-            <a:prstGeom prst="rect">
-              <a:avLst/>
-            </a:prstGeom>
-            <a:noFill/>
-          </p:spPr>
-          <p:txBody>
-            <a:bodyPr wrap="none" rtlCol="0">
-              <a:spAutoFit/>
-            </a:bodyPr>
-            <a:lstStyle/>
-            <a:p>
-              <a:r>
-                <a:rPr lang="en-US" dirty="0"/>
-                <a:t>New contents</a:t>
-              </a:r>
-            </a:p>
-          </p:txBody>
-        </p:sp>
-        <p:pic>
-          <p:nvPicPr>
-            <p:cNvPr id="37" name="Graphic 36" descr="Document with solid fill">
-              <a:extLst>
-                <a:ext uri="{FF2B5EF4-FFF2-40B4-BE49-F238E27FC236}">
-                  <a16:creationId xmlns:a16="http://schemas.microsoft.com/office/drawing/2014/main" id="{7C7D4402-298E-464A-55DF-3153C65D5EB9}"/>
-                </a:ext>
-              </a:extLst>
-            </p:cNvPr>
-            <p:cNvPicPr>
-              <a:picLocks noChangeAspect="1"/>
-            </p:cNvPicPr>
-            <p:nvPr/>
-          </p:nvPicPr>
-          <p:blipFill>
-            <a:blip r:embed="rId4">
-              <a:extLst>
-                <a:ext uri="{28A0092B-C50C-407E-A947-70E740481C1C}">
-                  <a14:useLocalDpi xmlns:a14="http://schemas.microsoft.com/office/drawing/2010/main" val="0"/>
-                </a:ext>
-                <a:ext uri="{96DAC541-7B7A-43D3-8B79-37D633B846F1}">
-                  <asvg:svgBlip xmlns:asvg="http://schemas.microsoft.com/office/drawing/2016/SVG/main" r:embed="rId5"/>
-                </a:ext>
-              </a:extLst>
-            </a:blip>
-            <a:stretch>
-              <a:fillRect/>
-            </a:stretch>
-          </p:blipFill>
-          <p:spPr>
-            <a:xfrm>
-              <a:off x="1302915" y="2162149"/>
-              <a:ext cx="417010" cy="417010"/>
-            </a:xfrm>
-            <a:prstGeom prst="rect">
-              <a:avLst/>
-            </a:prstGeom>
-          </p:spPr>
-        </p:pic>
-        <p:sp>
-          <p:nvSpPr>
-            <p:cNvPr id="39" name="Arrow: Right 38">
-              <a:extLst>
-                <a:ext uri="{FF2B5EF4-FFF2-40B4-BE49-F238E27FC236}">
-                  <a16:creationId xmlns:a16="http://schemas.microsoft.com/office/drawing/2014/main" id="{1E67AD79-E01C-CEC2-B341-EAC29BC10B1D}"/>
-                </a:ext>
-              </a:extLst>
-            </p:cNvPr>
-            <p:cNvSpPr/>
-            <p:nvPr/>
-          </p:nvSpPr>
-          <p:spPr>
-            <a:xfrm>
-              <a:off x="2855939" y="2211625"/>
-              <a:ext cx="667096" cy="253700"/>
-            </a:xfrm>
-            <a:prstGeom prst="rightArrow">
-              <a:avLst/>
-            </a:prstGeom>
-            <a:solidFill>
-              <a:srgbClr val="002060"/>
-            </a:solidFill>
-            <a:ln>
-              <a:noFill/>
-            </a:ln>
-          </p:spPr>
-          <p:style>
-            <a:lnRef idx="2">
-              <a:schemeClr val="accent1">
-                <a:shade val="15000"/>
-              </a:schemeClr>
-            </a:lnRef>
-            <a:fillRef idx="1">
-              <a:schemeClr val="accent1"/>
-            </a:fillRef>
-            <a:effectRef idx="0">
-              <a:schemeClr val="accent1"/>
-            </a:effectRef>
-            <a:fontRef idx="minor">
-              <a:schemeClr val="lt1"/>
-            </a:fontRef>
-          </p:style>
-          <p:txBody>
-            <a:bodyPr rtlCol="0" anchor="ctr"/>
-            <a:lstStyle/>
-            <a:p>
-              <a:pPr algn="ctr"/>
-              <a:endParaRPr lang="en-US"/>
-            </a:p>
-          </p:txBody>
-        </p:sp>
-        <p:sp>
-          <p:nvSpPr>
-            <p:cNvPr id="40" name="Arrow: Right 39">
-              <a:extLst>
-                <a:ext uri="{FF2B5EF4-FFF2-40B4-BE49-F238E27FC236}">
-                  <a16:creationId xmlns:a16="http://schemas.microsoft.com/office/drawing/2014/main" id="{A743D46C-B6A1-E5C9-4D86-29FBBE9EDF31}"/>
-                </a:ext>
-              </a:extLst>
-            </p:cNvPr>
-            <p:cNvSpPr/>
-            <p:nvPr/>
-          </p:nvSpPr>
-          <p:spPr>
-            <a:xfrm>
-              <a:off x="6727073" y="2215094"/>
-              <a:ext cx="667096" cy="253700"/>
-            </a:xfrm>
-            <a:prstGeom prst="rightArrow">
-              <a:avLst/>
-            </a:prstGeom>
-            <a:solidFill>
-              <a:srgbClr val="002060"/>
-            </a:solidFill>
-            <a:ln>
-              <a:noFill/>
-            </a:ln>
-          </p:spPr>
-          <p:style>
-            <a:lnRef idx="2">
-              <a:schemeClr val="accent1">
-                <a:shade val="15000"/>
-              </a:schemeClr>
-            </a:lnRef>
-            <a:fillRef idx="1">
-              <a:schemeClr val="accent1"/>
-            </a:fillRef>
-            <a:effectRef idx="0">
-              <a:schemeClr val="accent1"/>
-            </a:effectRef>
-            <a:fontRef idx="minor">
-              <a:schemeClr val="lt1"/>
-            </a:fontRef>
-          </p:style>
-          <p:txBody>
-            <a:bodyPr rtlCol="0" anchor="ctr"/>
-            <a:lstStyle/>
-            <a:p>
-              <a:pPr algn="ctr"/>
-              <a:endParaRPr lang="en-US"/>
-            </a:p>
-          </p:txBody>
-        </p:sp>
-        <p:pic>
-          <p:nvPicPr>
-            <p:cNvPr id="42" name="Graphic 41" descr="Radio microphone with solid fill">
-              <a:extLst>
-                <a:ext uri="{FF2B5EF4-FFF2-40B4-BE49-F238E27FC236}">
-                  <a16:creationId xmlns:a16="http://schemas.microsoft.com/office/drawing/2014/main" id="{59802C52-86D8-016D-A973-F347AD27DCCF}"/>
-                </a:ext>
-              </a:extLst>
-            </p:cNvPr>
-            <p:cNvPicPr>
-              <a:picLocks noChangeAspect="1"/>
-            </p:cNvPicPr>
-            <p:nvPr/>
-          </p:nvPicPr>
-          <p:blipFill>
-            <a:blip r:embed="rId6">
-              <a:extLst>
-                <a:ext uri="{28A0092B-C50C-407E-A947-70E740481C1C}">
-                  <a14:useLocalDpi xmlns:a14="http://schemas.microsoft.com/office/drawing/2010/main" val="0"/>
-                </a:ext>
-                <a:ext uri="{96DAC541-7B7A-43D3-8B79-37D633B846F1}">
-                  <asvg:svgBlip xmlns:asvg="http://schemas.microsoft.com/office/drawing/2016/SVG/main" r:embed="rId7"/>
-                </a:ext>
-              </a:extLst>
-            </a:blip>
-            <a:stretch>
-              <a:fillRect/>
-            </a:stretch>
-          </p:blipFill>
-          <p:spPr>
-            <a:xfrm>
-              <a:off x="1806590" y="2201912"/>
-              <a:ext cx="361322" cy="361322"/>
-            </a:xfrm>
-            <a:prstGeom prst="rect">
-              <a:avLst/>
-            </a:prstGeom>
-          </p:spPr>
-        </p:pic>
-        <p:pic>
-          <p:nvPicPr>
-            <p:cNvPr id="43" name="Graphic 42" descr="Image with solid fill">
-              <a:extLst>
-                <a:ext uri="{FF2B5EF4-FFF2-40B4-BE49-F238E27FC236}">
-                  <a16:creationId xmlns:a16="http://schemas.microsoft.com/office/drawing/2014/main" id="{AF871215-95CE-79F4-F3C7-E72C380AD446}"/>
-                </a:ext>
-              </a:extLst>
-            </p:cNvPr>
-            <p:cNvPicPr>
-              <a:picLocks noChangeAspect="1"/>
-            </p:cNvPicPr>
-            <p:nvPr/>
-          </p:nvPicPr>
-          <p:blipFill>
-            <a:blip r:embed="rId2">
-              <a:extLst>
-                <a:ext uri="{28A0092B-C50C-407E-A947-70E740481C1C}">
-                  <a14:useLocalDpi xmlns:a14="http://schemas.microsoft.com/office/drawing/2010/main" val="0"/>
-                </a:ext>
-                <a:ext uri="{96DAC541-7B7A-43D3-8B79-37D633B846F1}">
-                  <asvg:svgBlip xmlns:asvg="http://schemas.microsoft.com/office/drawing/2016/SVG/main" r:embed="rId3"/>
-                </a:ext>
-              </a:extLst>
-            </a:blip>
-            <a:stretch>
-              <a:fillRect/>
-            </a:stretch>
-          </p:blipFill>
-          <p:spPr>
-            <a:xfrm>
-              <a:off x="2247017" y="2201600"/>
-              <a:ext cx="361946" cy="361946"/>
-            </a:xfrm>
-            <a:prstGeom prst="rect">
-              <a:avLst/>
-            </a:prstGeom>
-          </p:spPr>
-        </p:pic>
-        <p:sp>
-          <p:nvSpPr>
-            <p:cNvPr id="45" name="TextBox 44">
-              <a:extLst>
-                <a:ext uri="{FF2B5EF4-FFF2-40B4-BE49-F238E27FC236}">
-                  <a16:creationId xmlns:a16="http://schemas.microsoft.com/office/drawing/2014/main" id="{0935C914-68DC-0C95-A808-A12DB0D7C9BA}"/>
-                </a:ext>
-              </a:extLst>
-            </p:cNvPr>
-            <p:cNvSpPr txBox="1"/>
-            <p:nvPr/>
-          </p:nvSpPr>
-          <p:spPr>
-            <a:xfrm>
-              <a:off x="1768298" y="2456834"/>
-              <a:ext cx="415498" cy="369332"/>
-            </a:xfrm>
-            <a:prstGeom prst="rect">
-              <a:avLst/>
-            </a:prstGeom>
-            <a:noFill/>
-          </p:spPr>
-          <p:txBody>
-            <a:bodyPr wrap="none" rtlCol="0">
-              <a:spAutoFit/>
-            </a:bodyPr>
-            <a:lstStyle/>
-            <a:p>
-              <a:r>
-                <a:rPr lang="en-US" dirty="0"/>
-                <a:t>…</a:t>
-              </a:r>
-            </a:p>
-          </p:txBody>
-        </p:sp>
-        <p:sp>
-          <p:nvSpPr>
-            <p:cNvPr id="46" name="TextBox 45">
-              <a:extLst>
-                <a:ext uri="{FF2B5EF4-FFF2-40B4-BE49-F238E27FC236}">
-                  <a16:creationId xmlns:a16="http://schemas.microsoft.com/office/drawing/2014/main" id="{74658BAD-A304-9083-61F2-774640401313}"/>
-                </a:ext>
-              </a:extLst>
-            </p:cNvPr>
-            <p:cNvSpPr txBox="1"/>
-            <p:nvPr/>
-          </p:nvSpPr>
-          <p:spPr>
-            <a:xfrm>
-              <a:off x="3752107" y="4438957"/>
-              <a:ext cx="2154757" cy="646331"/>
-            </a:xfrm>
-            <a:prstGeom prst="rect">
-              <a:avLst/>
-            </a:prstGeom>
-            <a:noFill/>
-          </p:spPr>
-          <p:txBody>
-            <a:bodyPr wrap="none" rtlCol="0">
-              <a:spAutoFit/>
-            </a:bodyPr>
-            <a:lstStyle/>
-            <a:p>
-              <a:r>
-                <a:rPr lang="en-US" dirty="0"/>
-                <a:t>User's instructions </a:t>
-              </a:r>
-            </a:p>
-            <a:p>
-              <a:r>
-                <a:rPr lang="en-US" dirty="0"/>
-                <a:t>as text</a:t>
-              </a:r>
-            </a:p>
-          </p:txBody>
-        </p:sp>
-        <p:pic>
-          <p:nvPicPr>
-            <p:cNvPr id="47" name="Graphic 46" descr="Document with solid fill">
-              <a:extLst>
-                <a:ext uri="{FF2B5EF4-FFF2-40B4-BE49-F238E27FC236}">
-                  <a16:creationId xmlns:a16="http://schemas.microsoft.com/office/drawing/2014/main" id="{2F98499A-95F2-8B58-945E-55798B84C0A5}"/>
-                </a:ext>
-              </a:extLst>
-            </p:cNvPr>
-            <p:cNvPicPr>
-              <a:picLocks noChangeAspect="1"/>
-            </p:cNvPicPr>
-            <p:nvPr/>
-          </p:nvPicPr>
-          <p:blipFill>
-            <a:blip r:embed="rId4">
-              <a:extLst>
-                <a:ext uri="{28A0092B-C50C-407E-A947-70E740481C1C}">
-                  <a14:useLocalDpi xmlns:a14="http://schemas.microsoft.com/office/drawing/2010/main" val="0"/>
-                </a:ext>
-                <a:ext uri="{96DAC541-7B7A-43D3-8B79-37D633B846F1}">
-                  <asvg:svgBlip xmlns:asvg="http://schemas.microsoft.com/office/drawing/2016/SVG/main" r:embed="rId5"/>
-                </a:ext>
-              </a:extLst>
-            </a:blip>
-            <a:stretch>
-              <a:fillRect/>
-            </a:stretch>
-          </p:blipFill>
-          <p:spPr>
-            <a:xfrm>
-              <a:off x="4616860" y="4776372"/>
-              <a:ext cx="417010" cy="417010"/>
-            </a:xfrm>
-            <a:prstGeom prst="rect">
-              <a:avLst/>
-            </a:prstGeom>
-          </p:spPr>
-        </p:pic>
-        <p:sp>
-          <p:nvSpPr>
-            <p:cNvPr id="48" name="Arrow: Right 47">
-              <a:extLst>
-                <a:ext uri="{FF2B5EF4-FFF2-40B4-BE49-F238E27FC236}">
-                  <a16:creationId xmlns:a16="http://schemas.microsoft.com/office/drawing/2014/main" id="{22B53532-A300-95FD-0039-5C9D700105D0}"/>
-                </a:ext>
-              </a:extLst>
-            </p:cNvPr>
-            <p:cNvSpPr/>
-            <p:nvPr/>
-          </p:nvSpPr>
-          <p:spPr>
-            <a:xfrm>
-              <a:off x="5168207" y="4826615"/>
-              <a:ext cx="667096" cy="253700"/>
-            </a:xfrm>
-            <a:prstGeom prst="rightArrow">
-              <a:avLst/>
-            </a:prstGeom>
-            <a:solidFill>
-              <a:srgbClr val="002060"/>
-            </a:solidFill>
-            <a:ln>
-              <a:noFill/>
-            </a:ln>
-          </p:spPr>
-          <p:style>
-            <a:lnRef idx="2">
-              <a:schemeClr val="accent1">
-                <a:shade val="15000"/>
-              </a:schemeClr>
-            </a:lnRef>
-            <a:fillRef idx="1">
-              <a:schemeClr val="accent1"/>
-            </a:fillRef>
-            <a:effectRef idx="0">
-              <a:schemeClr val="accent1"/>
-            </a:effectRef>
-            <a:fontRef idx="minor">
-              <a:schemeClr val="lt1"/>
-            </a:fontRef>
-          </p:style>
-          <p:txBody>
-            <a:bodyPr rtlCol="0" anchor="ctr"/>
-            <a:lstStyle/>
-            <a:p>
-              <a:pPr algn="ctr"/>
-              <a:endParaRPr lang="en-US"/>
-            </a:p>
-          </p:txBody>
-        </p:sp>
-        <p:sp>
-          <p:nvSpPr>
-            <p:cNvPr id="49" name="TextBox 48">
-              <a:extLst>
-                <a:ext uri="{FF2B5EF4-FFF2-40B4-BE49-F238E27FC236}">
-                  <a16:creationId xmlns:a16="http://schemas.microsoft.com/office/drawing/2014/main" id="{BED4110D-3287-BF23-E082-CDF35C6E2CEA}"/>
-                </a:ext>
-              </a:extLst>
-            </p:cNvPr>
-            <p:cNvSpPr txBox="1"/>
-            <p:nvPr/>
-          </p:nvSpPr>
-          <p:spPr>
-            <a:xfrm>
-              <a:off x="8790041" y="4153809"/>
-              <a:ext cx="2076466" cy="369332"/>
-            </a:xfrm>
-            <a:prstGeom prst="rect">
-              <a:avLst/>
-            </a:prstGeom>
-            <a:noFill/>
-          </p:spPr>
-          <p:txBody>
-            <a:bodyPr wrap="none" rtlCol="0">
-              <a:spAutoFit/>
-            </a:bodyPr>
-            <a:lstStyle/>
-            <a:p>
-              <a:r>
-                <a:rPr lang="en-US" dirty="0"/>
-                <a:t>New text contents</a:t>
-              </a:r>
-            </a:p>
-          </p:txBody>
-        </p:sp>
-        <p:sp>
-          <p:nvSpPr>
-            <p:cNvPr id="50" name="Arrow: Right 49">
-              <a:extLst>
-                <a:ext uri="{FF2B5EF4-FFF2-40B4-BE49-F238E27FC236}">
-                  <a16:creationId xmlns:a16="http://schemas.microsoft.com/office/drawing/2014/main" id="{3508063B-3632-2C5F-6F3D-D79585F699F7}"/>
-                </a:ext>
-              </a:extLst>
-            </p:cNvPr>
-            <p:cNvSpPr/>
-            <p:nvPr/>
-          </p:nvSpPr>
-          <p:spPr>
-            <a:xfrm>
-              <a:off x="8583771" y="4826615"/>
-              <a:ext cx="667096" cy="253700"/>
-            </a:xfrm>
-            <a:prstGeom prst="rightArrow">
-              <a:avLst/>
-            </a:prstGeom>
-            <a:solidFill>
-              <a:srgbClr val="002060"/>
-            </a:solidFill>
-            <a:ln>
-              <a:noFill/>
-            </a:ln>
-          </p:spPr>
-          <p:style>
-            <a:lnRef idx="2">
-              <a:schemeClr val="accent1">
-                <a:shade val="15000"/>
-              </a:schemeClr>
-            </a:lnRef>
-            <a:fillRef idx="1">
-              <a:schemeClr val="accent1"/>
-            </a:fillRef>
-            <a:effectRef idx="0">
-              <a:schemeClr val="accent1"/>
-            </a:effectRef>
-            <a:fontRef idx="minor">
-              <a:schemeClr val="lt1"/>
-            </a:fontRef>
-          </p:style>
-          <p:txBody>
-            <a:bodyPr rtlCol="0" anchor="ctr"/>
-            <a:lstStyle/>
-            <a:p>
-              <a:pPr algn="ctr"/>
-              <a:endParaRPr lang="en-US"/>
-            </a:p>
-          </p:txBody>
-        </p:sp>
-        <p:pic>
-          <p:nvPicPr>
-            <p:cNvPr id="52" name="Graphic 51" descr="Soundwave with solid fill">
-              <a:extLst>
-                <a:ext uri="{FF2B5EF4-FFF2-40B4-BE49-F238E27FC236}">
-                  <a16:creationId xmlns:a16="http://schemas.microsoft.com/office/drawing/2014/main" id="{FD37540F-D1B1-CD07-7E44-96EA1131AB4A}"/>
-                </a:ext>
-              </a:extLst>
-            </p:cNvPr>
-            <p:cNvPicPr>
-              <a:picLocks noChangeAspect="1"/>
-            </p:cNvPicPr>
-            <p:nvPr/>
-          </p:nvPicPr>
-          <p:blipFill>
-            <a:blip r:embed="rId8">
-              <a:extLst>
-                <a:ext uri="{28A0092B-C50C-407E-A947-70E740481C1C}">
-                  <a14:useLocalDpi xmlns:a14="http://schemas.microsoft.com/office/drawing/2010/main" val="0"/>
-                </a:ext>
-                <a:ext uri="{96DAC541-7B7A-43D3-8B79-37D633B846F1}">
-                  <asvg:svgBlip xmlns:asvg="http://schemas.microsoft.com/office/drawing/2016/SVG/main" r:embed="rId9"/>
-                </a:ext>
-              </a:extLst>
-            </a:blip>
-            <a:stretch>
-              <a:fillRect/>
-            </a:stretch>
-          </p:blipFill>
-          <p:spPr>
-            <a:xfrm>
-              <a:off x="8917319" y="1306711"/>
-              <a:ext cx="914400" cy="914400"/>
-            </a:xfrm>
-            <a:prstGeom prst="rect">
-              <a:avLst/>
-            </a:prstGeom>
-          </p:spPr>
-        </p:pic>
-        <p:pic>
-          <p:nvPicPr>
-            <p:cNvPr id="54" name="Graphic 53" descr="Presentation with media with solid fill">
-              <a:extLst>
-                <a:ext uri="{FF2B5EF4-FFF2-40B4-BE49-F238E27FC236}">
-                  <a16:creationId xmlns:a16="http://schemas.microsoft.com/office/drawing/2014/main" id="{FDD568E6-6A27-DADA-2997-24F0237FE7C6}"/>
-                </a:ext>
-              </a:extLst>
-            </p:cNvPr>
-            <p:cNvPicPr>
-              <a:picLocks noChangeAspect="1"/>
-            </p:cNvPicPr>
-            <p:nvPr/>
-          </p:nvPicPr>
-          <p:blipFill>
-            <a:blip r:embed="rId10">
-              <a:extLst>
-                <a:ext uri="{28A0092B-C50C-407E-A947-70E740481C1C}">
-                  <a14:useLocalDpi xmlns:a14="http://schemas.microsoft.com/office/drawing/2010/main" val="0"/>
-                </a:ext>
-                <a:ext uri="{96DAC541-7B7A-43D3-8B79-37D633B846F1}">
-                  <asvg:svgBlip xmlns:asvg="http://schemas.microsoft.com/office/drawing/2016/SVG/main" r:embed="rId11"/>
-                </a:ext>
-              </a:extLst>
-            </a:blip>
-            <a:stretch>
-              <a:fillRect/>
-            </a:stretch>
-          </p:blipFill>
-          <p:spPr>
-            <a:xfrm>
-              <a:off x="8995277" y="2238673"/>
-              <a:ext cx="914400" cy="914400"/>
-            </a:xfrm>
-            <a:prstGeom prst="rect">
-              <a:avLst/>
-            </a:prstGeom>
-          </p:spPr>
-        </p:pic>
-        <p:pic>
-          <p:nvPicPr>
-            <p:cNvPr id="56" name="Graphic 55" descr="Chat with solid fill">
-              <a:extLst>
-                <a:ext uri="{FF2B5EF4-FFF2-40B4-BE49-F238E27FC236}">
-                  <a16:creationId xmlns:a16="http://schemas.microsoft.com/office/drawing/2014/main" id="{9791279F-01D6-F1A8-77E1-AFD8059489C2}"/>
-                </a:ext>
-              </a:extLst>
-            </p:cNvPr>
-            <p:cNvPicPr>
-              <a:picLocks noChangeAspect="1"/>
-            </p:cNvPicPr>
-            <p:nvPr/>
-          </p:nvPicPr>
-          <p:blipFill>
-            <a:blip r:embed="rId12">
-              <a:extLst>
-                <a:ext uri="{28A0092B-C50C-407E-A947-70E740481C1C}">
-                  <a14:useLocalDpi xmlns:a14="http://schemas.microsoft.com/office/drawing/2010/main" val="0"/>
-                </a:ext>
-                <a:ext uri="{96DAC541-7B7A-43D3-8B79-37D633B846F1}">
-                  <asvg:svgBlip xmlns:asvg="http://schemas.microsoft.com/office/drawing/2016/SVG/main" r:embed="rId13"/>
-                </a:ext>
-              </a:extLst>
-            </a:blip>
-            <a:stretch>
-              <a:fillRect/>
-            </a:stretch>
-          </p:blipFill>
-          <p:spPr>
-            <a:xfrm>
-              <a:off x="11281935" y="3850336"/>
-              <a:ext cx="663443" cy="663443"/>
-            </a:xfrm>
-            <a:prstGeom prst="rect">
-              <a:avLst/>
-            </a:prstGeom>
-          </p:spPr>
-        </p:pic>
-        <p:pic>
-          <p:nvPicPr>
-            <p:cNvPr id="58" name="Graphic 57" descr="Astronaut female outline">
-              <a:extLst>
-                <a:ext uri="{FF2B5EF4-FFF2-40B4-BE49-F238E27FC236}">
-                  <a16:creationId xmlns:a16="http://schemas.microsoft.com/office/drawing/2014/main" id="{3CBFB5AE-A057-FD82-14E0-3CFE06DDF985}"/>
-                </a:ext>
-              </a:extLst>
-            </p:cNvPr>
-            <p:cNvPicPr>
-              <a:picLocks noChangeAspect="1"/>
-            </p:cNvPicPr>
-            <p:nvPr/>
-          </p:nvPicPr>
-          <p:blipFill>
-            <a:blip r:embed="rId14">
-              <a:extLst>
-                <a:ext uri="{28A0092B-C50C-407E-A947-70E740481C1C}">
-                  <a14:useLocalDpi xmlns:a14="http://schemas.microsoft.com/office/drawing/2010/main" val="0"/>
-                </a:ext>
-                <a:ext uri="{96DAC541-7B7A-43D3-8B79-37D633B846F1}">
-                  <asvg:svgBlip xmlns:asvg="http://schemas.microsoft.com/office/drawing/2016/SVG/main" r:embed="rId15"/>
-                </a:ext>
-              </a:extLst>
-            </a:blip>
-            <a:stretch>
-              <a:fillRect/>
-            </a:stretch>
-          </p:blipFill>
-          <p:spPr>
-            <a:xfrm>
-              <a:off x="11330908" y="4419940"/>
-              <a:ext cx="565497" cy="565497"/>
-            </a:xfrm>
-            <a:prstGeom prst="rect">
-              <a:avLst/>
-            </a:prstGeom>
-          </p:spPr>
-        </p:pic>
-        <p:sp>
-          <p:nvSpPr>
-            <p:cNvPr id="60" name="Arrow: Right 59">
-              <a:extLst>
-                <a:ext uri="{FF2B5EF4-FFF2-40B4-BE49-F238E27FC236}">
-                  <a16:creationId xmlns:a16="http://schemas.microsoft.com/office/drawing/2014/main" id="{1BF3D90E-72B4-421B-9A15-A41320B701A5}"/>
-                </a:ext>
-              </a:extLst>
-            </p:cNvPr>
-            <p:cNvSpPr/>
-            <p:nvPr/>
-          </p:nvSpPr>
-          <p:spPr>
-            <a:xfrm>
-              <a:off x="10405866" y="4826615"/>
-              <a:ext cx="667096" cy="253700"/>
-            </a:xfrm>
-            <a:prstGeom prst="rightArrow">
-              <a:avLst/>
-            </a:prstGeom>
-            <a:solidFill>
-              <a:srgbClr val="002060"/>
-            </a:solidFill>
-            <a:ln>
-              <a:noFill/>
-            </a:ln>
-          </p:spPr>
-          <p:style>
-            <a:lnRef idx="2">
-              <a:schemeClr val="accent1">
-                <a:shade val="15000"/>
-              </a:schemeClr>
-            </a:lnRef>
-            <a:fillRef idx="1">
-              <a:schemeClr val="accent1"/>
-            </a:fillRef>
-            <a:effectRef idx="0">
-              <a:schemeClr val="accent1"/>
-            </a:effectRef>
-            <a:fontRef idx="minor">
-              <a:schemeClr val="lt1"/>
-            </a:fontRef>
-          </p:style>
-          <p:txBody>
-            <a:bodyPr rtlCol="0" anchor="ctr"/>
-            <a:lstStyle/>
-            <a:p>
-              <a:pPr algn="ctr"/>
-              <a:endParaRPr lang="en-US"/>
-            </a:p>
-          </p:txBody>
-        </p:sp>
-        <p:sp>
-          <p:nvSpPr>
-            <p:cNvPr id="61" name="TextBox 60">
-              <a:extLst>
-                <a:ext uri="{FF2B5EF4-FFF2-40B4-BE49-F238E27FC236}">
-                  <a16:creationId xmlns:a16="http://schemas.microsoft.com/office/drawing/2014/main" id="{91450536-B8F2-FB72-87F6-25E0E295FB6A}"/>
-                </a:ext>
-              </a:extLst>
-            </p:cNvPr>
-            <p:cNvSpPr txBox="1"/>
-            <p:nvPr/>
-          </p:nvSpPr>
-          <p:spPr>
-            <a:xfrm>
-              <a:off x="11072962" y="3578950"/>
-              <a:ext cx="981359" cy="369332"/>
-            </a:xfrm>
-            <a:prstGeom prst="rect">
-              <a:avLst/>
-            </a:prstGeom>
-            <a:noFill/>
-          </p:spPr>
-          <p:txBody>
-            <a:bodyPr wrap="none" rtlCol="0">
-              <a:spAutoFit/>
-            </a:bodyPr>
-            <a:lstStyle/>
-            <a:p>
-              <a:r>
-                <a:rPr lang="en-US" dirty="0"/>
-                <a:t>AI apps</a:t>
-              </a:r>
-            </a:p>
-          </p:txBody>
-        </p:sp>
-        <p:pic>
-          <p:nvPicPr>
-            <p:cNvPr id="65" name="Graphic 64" descr="Artificial Intelligence with solid fill">
-              <a:extLst>
-                <a:ext uri="{FF2B5EF4-FFF2-40B4-BE49-F238E27FC236}">
-                  <a16:creationId xmlns:a16="http://schemas.microsoft.com/office/drawing/2014/main" id="{870B25C3-A619-EAEE-4281-753370FB8555}"/>
-                </a:ext>
-              </a:extLst>
-            </p:cNvPr>
-            <p:cNvPicPr>
-              <a:picLocks noChangeAspect="1"/>
-            </p:cNvPicPr>
-            <p:nvPr/>
-          </p:nvPicPr>
-          <p:blipFill>
-            <a:blip r:embed="rId16">
-              <a:extLst>
-                <a:ext uri="{28A0092B-C50C-407E-A947-70E740481C1C}">
-                  <a14:useLocalDpi xmlns:a14="http://schemas.microsoft.com/office/drawing/2010/main" val="0"/>
-                </a:ext>
-                <a:ext uri="{96DAC541-7B7A-43D3-8B79-37D633B846F1}">
-                  <asvg:svgBlip xmlns:asvg="http://schemas.microsoft.com/office/drawing/2016/SVG/main" r:embed="rId17"/>
-                </a:ext>
-              </a:extLst>
-            </a:blip>
-            <a:stretch>
-              <a:fillRect/>
-            </a:stretch>
-          </p:blipFill>
-          <p:spPr>
-            <a:xfrm>
-              <a:off x="11352979" y="4997456"/>
-              <a:ext cx="521354" cy="521354"/>
-            </a:xfrm>
-            <a:prstGeom prst="rect">
-              <a:avLst/>
-            </a:prstGeom>
-          </p:spPr>
-        </p:pic>
-        <p:pic>
-          <p:nvPicPr>
-            <p:cNvPr id="67" name="Graphic 66" descr="Research with solid fill">
-              <a:extLst>
-                <a:ext uri="{FF2B5EF4-FFF2-40B4-BE49-F238E27FC236}">
-                  <a16:creationId xmlns:a16="http://schemas.microsoft.com/office/drawing/2014/main" id="{CF3F9AC6-7F36-B7CC-9118-38B5673B98C2}"/>
-                </a:ext>
-              </a:extLst>
-            </p:cNvPr>
-            <p:cNvPicPr>
-              <a:picLocks noChangeAspect="1"/>
-            </p:cNvPicPr>
-            <p:nvPr/>
-          </p:nvPicPr>
-          <p:blipFill>
-            <a:blip r:embed="rId18">
-              <a:extLst>
-                <a:ext uri="{28A0092B-C50C-407E-A947-70E740481C1C}">
-                  <a14:useLocalDpi xmlns:a14="http://schemas.microsoft.com/office/drawing/2010/main" val="0"/>
-                </a:ext>
-                <a:ext uri="{96DAC541-7B7A-43D3-8B79-37D633B846F1}">
-                  <asvg:svgBlip xmlns:asvg="http://schemas.microsoft.com/office/drawing/2016/SVG/main" r:embed="rId19"/>
-                </a:ext>
-              </a:extLst>
-            </a:blip>
-            <a:stretch>
-              <a:fillRect/>
-            </a:stretch>
-          </p:blipFill>
-          <p:spPr>
-            <a:xfrm>
-              <a:off x="11393876" y="5573678"/>
-              <a:ext cx="439561" cy="439561"/>
-            </a:xfrm>
-            <a:prstGeom prst="rect">
-              <a:avLst/>
-            </a:prstGeom>
-          </p:spPr>
-        </p:pic>
-        <p:sp>
-          <p:nvSpPr>
-            <p:cNvPr id="69" name="Subtitle 2">
-              <a:extLst>
-                <a:ext uri="{FF2B5EF4-FFF2-40B4-BE49-F238E27FC236}">
-                  <a16:creationId xmlns:a16="http://schemas.microsoft.com/office/drawing/2014/main" id="{8F6A0D52-BD55-D6C6-AB80-DEA810533CEF}"/>
-                </a:ext>
-              </a:extLst>
-            </p:cNvPr>
-            <p:cNvSpPr txBox="1">
-              <a:spLocks/>
-            </p:cNvSpPr>
-            <p:nvPr/>
-          </p:nvSpPr>
-          <p:spPr>
-            <a:xfrm>
-              <a:off x="4729672" y="5633060"/>
-              <a:ext cx="6307485" cy="453302"/>
-            </a:xfrm>
-            <a:prstGeom prst="rect">
-              <a:avLst/>
-            </a:prstGeom>
-            <a:noFill/>
-          </p:spPr>
-          <p:txBody>
-            <a:bodyPr vert="horz" lIns="91440" tIns="45720" rIns="91440" bIns="45720" rtlCol="0">
-              <a:noAutofit/>
-            </a:bodyPr>
-            <a:lstStyle>
-              <a:lvl1pPr marL="0" indent="0" algn="ctr" defTabSz="914400" rtl="0" eaLnBrk="1" latinLnBrk="0" hangingPunct="1">
-                <a:lnSpc>
-                  <a:spcPct val="90000"/>
-                </a:lnSpc>
-                <a:spcBef>
-                  <a:spcPts val="1000"/>
-                </a:spcBef>
-                <a:buFont typeface="Wingdings" panose="05000000000000000000" pitchFamily="2" charset="2"/>
-                <a:buNone/>
-                <a:defRPr sz="2400" kern="1200">
-                  <a:solidFill>
-                    <a:srgbClr val="002060"/>
-                  </a:solidFill>
-                  <a:latin typeface="Avenir Next LT Pro Light" panose="020B0304020202020204" pitchFamily="34" charset="0"/>
-                  <a:ea typeface="+mn-ea"/>
-                  <a:cs typeface="+mn-cs"/>
-                </a:defRPr>
-              </a:lvl1pPr>
-              <a:lvl2pPr marL="457200" indent="0" algn="ctr" defTabSz="914400" rtl="0" eaLnBrk="1" latinLnBrk="0" hangingPunct="1">
-                <a:lnSpc>
-                  <a:spcPct val="90000"/>
-                </a:lnSpc>
-                <a:spcBef>
-                  <a:spcPts val="500"/>
-                </a:spcBef>
-                <a:buFont typeface="Wingdings" panose="05000000000000000000" pitchFamily="2" charset="2"/>
-                <a:buNone/>
-                <a:defRPr sz="2000" kern="1200">
-                  <a:solidFill>
-                    <a:srgbClr val="002060"/>
-                  </a:solidFill>
-                  <a:latin typeface="Avenir Next LT Pro Light" panose="020B0304020202020204" pitchFamily="34" charset="0"/>
-                  <a:ea typeface="+mn-ea"/>
-                  <a:cs typeface="+mn-cs"/>
-                </a:defRPr>
-              </a:lvl2pPr>
-              <a:lvl3pPr marL="914400" indent="0" algn="ctr" defTabSz="914400" rtl="0" eaLnBrk="1" latinLnBrk="0" hangingPunct="1">
-                <a:lnSpc>
-                  <a:spcPct val="90000"/>
-                </a:lnSpc>
-                <a:spcBef>
-                  <a:spcPts val="500"/>
-                </a:spcBef>
-                <a:buFont typeface="Wingdings" panose="05000000000000000000" pitchFamily="2" charset="2"/>
-                <a:buNone/>
-                <a:defRPr sz="1800" kern="1200">
-                  <a:solidFill>
-                    <a:srgbClr val="002060"/>
-                  </a:solidFill>
-                  <a:latin typeface="Avenir Next LT Pro Light" panose="020B0304020202020204" pitchFamily="34" charset="0"/>
-                  <a:ea typeface="+mn-ea"/>
-                  <a:cs typeface="+mn-cs"/>
-                </a:defRPr>
-              </a:lvl3pPr>
-              <a:lvl4pPr marL="1371600" indent="0" algn="ctr" defTabSz="914400" rtl="0" eaLnBrk="1" latinLnBrk="0" hangingPunct="1">
-                <a:lnSpc>
-                  <a:spcPct val="90000"/>
-                </a:lnSpc>
-                <a:spcBef>
-                  <a:spcPts val="500"/>
-                </a:spcBef>
-                <a:buFont typeface="Wingdings" panose="05000000000000000000" pitchFamily="2" charset="2"/>
-                <a:buNone/>
-                <a:defRPr sz="1600" kern="1200">
-                  <a:solidFill>
-                    <a:srgbClr val="002060"/>
-                  </a:solidFill>
-                  <a:latin typeface="Avenir Next LT Pro Light" panose="020B0304020202020204" pitchFamily="34" charset="0"/>
-                  <a:ea typeface="+mn-ea"/>
-                  <a:cs typeface="+mn-cs"/>
-                </a:defRPr>
-              </a:lvl4pPr>
-              <a:lvl5pPr marL="1828800" indent="0" algn="ctr" defTabSz="914400" rtl="0" eaLnBrk="1" latinLnBrk="0" hangingPunct="1">
-                <a:lnSpc>
-                  <a:spcPct val="90000"/>
-                </a:lnSpc>
-                <a:spcBef>
-                  <a:spcPts val="500"/>
-                </a:spcBef>
-                <a:buFont typeface="Wingdings" panose="05000000000000000000" pitchFamily="2" charset="2"/>
-                <a:buNone/>
-                <a:defRPr sz="1600" kern="1200">
-                  <a:solidFill>
-                    <a:srgbClr val="002060"/>
-                  </a:solidFill>
-                  <a:latin typeface="Avenir Next LT Pro Light" panose="020B0304020202020204" pitchFamily="34" charset="0"/>
-                  <a:ea typeface="+mn-ea"/>
-                  <a:cs typeface="+mn-cs"/>
-                </a:defRPr>
-              </a:lvl5pPr>
-              <a:lvl6pPr marL="2286000" indent="0" algn="ctr" defTabSz="914400" rtl="0" eaLnBrk="1" latinLnBrk="0" hangingPunct="1">
-                <a:lnSpc>
-                  <a:spcPct val="90000"/>
-                </a:lnSpc>
-                <a:spcBef>
-                  <a:spcPts val="500"/>
-                </a:spcBef>
-                <a:buFont typeface="Arial" panose="020B0604020202020204" pitchFamily="34" charset="0"/>
-                <a:buNone/>
-                <a:defRPr sz="1600" kern="1200">
-                  <a:solidFill>
-                    <a:schemeClr val="tx1"/>
-                  </a:solidFill>
-                  <a:latin typeface="+mn-lt"/>
-                  <a:ea typeface="+mn-ea"/>
-                  <a:cs typeface="+mn-cs"/>
-                </a:defRPr>
-              </a:lvl6pPr>
-              <a:lvl7pPr marL="2743200" indent="0" algn="ctr" defTabSz="914400" rtl="0" eaLnBrk="1" latinLnBrk="0" hangingPunct="1">
-                <a:lnSpc>
-                  <a:spcPct val="90000"/>
-                </a:lnSpc>
-                <a:spcBef>
-                  <a:spcPts val="500"/>
-                </a:spcBef>
-                <a:buFont typeface="Arial" panose="020B0604020202020204" pitchFamily="34" charset="0"/>
-                <a:buNone/>
-                <a:defRPr sz="1600" kern="1200">
-                  <a:solidFill>
-                    <a:schemeClr val="tx1"/>
-                  </a:solidFill>
-                  <a:latin typeface="+mn-lt"/>
-                  <a:ea typeface="+mn-ea"/>
-                  <a:cs typeface="+mn-cs"/>
-                </a:defRPr>
-              </a:lvl7pPr>
-              <a:lvl8pPr marL="3200400" indent="0" algn="ctr" defTabSz="914400" rtl="0" eaLnBrk="1" latinLnBrk="0" hangingPunct="1">
-                <a:lnSpc>
-                  <a:spcPct val="90000"/>
-                </a:lnSpc>
-                <a:spcBef>
-                  <a:spcPts val="500"/>
-                </a:spcBef>
-                <a:buFont typeface="Arial" panose="020B0604020202020204" pitchFamily="34" charset="0"/>
-                <a:buNone/>
-                <a:defRPr sz="1600" kern="1200">
-                  <a:solidFill>
-                    <a:schemeClr val="tx1"/>
-                  </a:solidFill>
-                  <a:latin typeface="+mn-lt"/>
-                  <a:ea typeface="+mn-ea"/>
-                  <a:cs typeface="+mn-cs"/>
-                </a:defRPr>
-              </a:lvl8pPr>
-              <a:lvl9pPr marL="3657600" indent="0" algn="ctr" defTabSz="914400" rtl="0" eaLnBrk="1" latinLnBrk="0" hangingPunct="1">
-                <a:lnSpc>
-                  <a:spcPct val="90000"/>
-                </a:lnSpc>
-                <a:spcBef>
-                  <a:spcPts val="500"/>
-                </a:spcBef>
-                <a:buFont typeface="Arial" panose="020B0604020202020204" pitchFamily="34" charset="0"/>
-                <a:buNone/>
-                <a:defRPr sz="1600" kern="1200">
-                  <a:solidFill>
-                    <a:schemeClr val="tx1"/>
-                  </a:solidFill>
-                  <a:latin typeface="+mn-lt"/>
-                  <a:ea typeface="+mn-ea"/>
-                  <a:cs typeface="+mn-cs"/>
-                </a:defRPr>
-              </a:lvl9pPr>
-            </a:lstStyle>
-            <a:p>
-              <a:r>
-                <a:rPr lang="en-US" sz="3600" spc="500" dirty="0">
-                  <a:gradFill>
-                    <a:gsLst>
-                      <a:gs pos="29000">
-                        <a:srgbClr val="041462"/>
-                      </a:gs>
-                      <a:gs pos="85000">
-                        <a:srgbClr val="1B5CE0"/>
-                      </a:gs>
-                    </a:gsLst>
-                    <a:lin ang="2700000" scaled="0"/>
-                  </a:gradFill>
-                  <a:latin typeface="+mn-lt"/>
-                </a:rPr>
-                <a:t>Hands-on Engineering</a:t>
-              </a:r>
-            </a:p>
-          </p:txBody>
-        </p:sp>
-        <p:sp>
-          <p:nvSpPr>
-            <p:cNvPr id="70" name="TextBox 69">
-              <a:extLst>
-                <a:ext uri="{FF2B5EF4-FFF2-40B4-BE49-F238E27FC236}">
-                  <a16:creationId xmlns:a16="http://schemas.microsoft.com/office/drawing/2014/main" id="{E7E5B551-5CE8-7AA3-4F01-5007645F34AD}"/>
-                </a:ext>
-              </a:extLst>
-            </p:cNvPr>
-            <p:cNvSpPr txBox="1"/>
-            <p:nvPr/>
-          </p:nvSpPr>
-          <p:spPr>
-            <a:xfrm>
-              <a:off x="9944983" y="2054768"/>
-              <a:ext cx="415498" cy="369332"/>
-            </a:xfrm>
-            <a:prstGeom prst="rect">
-              <a:avLst/>
-            </a:prstGeom>
-            <a:noFill/>
-          </p:spPr>
-          <p:txBody>
-            <a:bodyPr wrap="none" rtlCol="0">
-              <a:spAutoFit/>
-            </a:bodyPr>
-            <a:lstStyle/>
-            <a:p>
-              <a:r>
-                <a:rPr lang="en-US" dirty="0"/>
-                <a:t>…</a:t>
-              </a:r>
-            </a:p>
-          </p:txBody>
-        </p:sp>
-        <p:sp>
-          <p:nvSpPr>
-            <p:cNvPr id="71" name="TextBox 70">
-              <a:extLst>
-                <a:ext uri="{FF2B5EF4-FFF2-40B4-BE49-F238E27FC236}">
-                  <a16:creationId xmlns:a16="http://schemas.microsoft.com/office/drawing/2014/main" id="{0C69629C-2AFD-BAB6-5676-A420ED96EE02}"/>
-                </a:ext>
-              </a:extLst>
-            </p:cNvPr>
-            <p:cNvSpPr txBox="1"/>
-            <p:nvPr/>
-          </p:nvSpPr>
-          <p:spPr>
-            <a:xfrm>
-              <a:off x="11405907" y="5824878"/>
-              <a:ext cx="415498" cy="369332"/>
-            </a:xfrm>
-            <a:prstGeom prst="rect">
-              <a:avLst/>
-            </a:prstGeom>
-            <a:noFill/>
-          </p:spPr>
-          <p:txBody>
-            <a:bodyPr wrap="none" rtlCol="0">
-              <a:spAutoFit/>
-            </a:bodyPr>
-            <a:lstStyle/>
-            <a:p>
-              <a:r>
-                <a:rPr lang="en-US" dirty="0"/>
-                <a:t>…</a:t>
-              </a:r>
-            </a:p>
-          </p:txBody>
-        </p:sp>
-        <p:sp>
-          <p:nvSpPr>
-            <p:cNvPr id="6" name="TextBox 5">
-              <a:extLst>
-                <a:ext uri="{FF2B5EF4-FFF2-40B4-BE49-F238E27FC236}">
-                  <a16:creationId xmlns:a16="http://schemas.microsoft.com/office/drawing/2014/main" id="{1ACDA742-C10D-8E51-8FD9-9021F579F337}"/>
-                </a:ext>
-              </a:extLst>
-            </p:cNvPr>
-            <p:cNvSpPr txBox="1"/>
-            <p:nvPr/>
-          </p:nvSpPr>
-          <p:spPr>
-            <a:xfrm>
-              <a:off x="833449" y="4076651"/>
-              <a:ext cx="1439625" cy="338554"/>
-            </a:xfrm>
-            <a:prstGeom prst="rect">
-              <a:avLst/>
-            </a:prstGeom>
-            <a:noFill/>
-          </p:spPr>
-          <p:txBody>
-            <a:bodyPr wrap="none" rtlCol="0">
-              <a:spAutoFit/>
-            </a:bodyPr>
-            <a:lstStyle/>
-            <a:p>
-              <a:r>
-                <a:rPr lang="en-US" sz="1600" i="1" dirty="0">
-                  <a:solidFill>
-                    <a:schemeClr val="bg1"/>
-                  </a:solidFill>
-                </a:rPr>
-                <a:t>Generative AI</a:t>
-              </a:r>
-            </a:p>
-          </p:txBody>
-        </p:sp>
-      </p:grpSp>
+          </a:ln>
+        </p:spPr>
+        <p:style>
+          <a:lnRef idx="2">
+            <a:schemeClr val="accent1"/>
+          </a:lnRef>
+          <a:fillRef idx="0">
+            <a:schemeClr val="accent1"/>
+          </a:fillRef>
+          <a:effectRef idx="1">
+            <a:schemeClr val="accent1"/>
+          </a:effectRef>
+          <a:fontRef idx="minor">
+            <a:schemeClr val="tx1"/>
+          </a:fontRef>
+        </p:style>
+        <p:txBody>
+          <a:bodyPr rtlCol="0" anchor="ctr"/>
+          <a:lstStyle/>
+          <a:p>
+            <a:pPr algn="ctr"/>
+            <a:endParaRPr lang="en-US"/>
+          </a:p>
+        </p:txBody>
+      </p:sp>
     </p:spTree>
     <p:extLst>
       <p:ext uri="{BB962C8B-B14F-4D97-AF65-F5344CB8AC3E}">
@@ -9351,18 +9023,30 @@
           <a:bodyPr/>
           <a:lstStyle/>
           <a:p>
+            <a:pPr>
+              <a:buFont typeface="Arial" panose="020B0604020202020204" pitchFamily="34" charset="0"/>
+              <a:buChar char="•"/>
+            </a:pPr>
             <a:r>
               <a:rPr lang="en-US" dirty="0"/>
               <a:t> Course objectives</a:t>
             </a:r>
           </a:p>
           <a:p>
+            <a:pPr>
+              <a:buFont typeface="Arial" panose="020B0604020202020204" pitchFamily="34" charset="0"/>
+              <a:buChar char="•"/>
+            </a:pPr>
             <a:r>
               <a:rPr lang="en-US" dirty="0"/>
               <a:t> Course structure</a:t>
             </a:r>
           </a:p>
           <a:p>
+            <a:pPr>
+              <a:buFont typeface="Arial" panose="020B0604020202020204" pitchFamily="34" charset="0"/>
+              <a:buChar char="•"/>
+            </a:pPr>
             <a:r>
               <a:rPr lang="en-US" dirty="0"/>
               <a:t> Learning paths</a:t>
@@ -10747,117 +10431,6 @@
           </a:p>
         </p:txBody>
       </p:sp>
-      <p:sp>
-        <p:nvSpPr>
-          <p:cNvPr id="24" name="Oval 23">
-            <a:extLst>
-              <a:ext uri="{FF2B5EF4-FFF2-40B4-BE49-F238E27FC236}">
-                <a16:creationId xmlns:a16="http://schemas.microsoft.com/office/drawing/2014/main" id="{9AEA7CF7-3D61-8681-54AF-203DDD850256}"/>
-              </a:ext>
-            </a:extLst>
-          </p:cNvPr>
-          <p:cNvSpPr/>
-          <p:nvPr/>
-        </p:nvSpPr>
-        <p:spPr>
-          <a:xfrm>
-            <a:off x="7131231" y="295362"/>
-            <a:ext cx="4238403" cy="1200329"/>
-          </a:xfrm>
-          <a:prstGeom prst="ellipse">
-            <a:avLst/>
-          </a:prstGeom>
-          <a:solidFill>
-            <a:schemeClr val="accent4">
-              <a:lumMod val="40000"/>
-              <a:lumOff val="60000"/>
-            </a:schemeClr>
-          </a:solidFill>
-          <a:ln>
-            <a:noFill/>
-          </a:ln>
-        </p:spPr>
-        <p:style>
-          <a:lnRef idx="2">
-            <a:schemeClr val="accent1">
-              <a:shade val="15000"/>
-            </a:schemeClr>
-          </a:lnRef>
-          <a:fillRef idx="1">
-            <a:schemeClr val="accent1"/>
-          </a:fillRef>
-          <a:effectRef idx="0">
-            <a:schemeClr val="accent1"/>
-          </a:effectRef>
-          <a:fontRef idx="minor">
-            <a:schemeClr val="lt1"/>
-          </a:fontRef>
-        </p:style>
-        <p:txBody>
-          <a:bodyPr rtlCol="0" anchor="ctr"/>
-          <a:lstStyle/>
-          <a:p>
-            <a:pPr algn="ctr"/>
-            <a:r>
-              <a:rPr lang="en-US" b="1" dirty="0">
-                <a:solidFill>
-                  <a:srgbClr val="002060"/>
-                </a:solidFill>
-              </a:rPr>
-              <a:t>Beyond the Course</a:t>
-            </a:r>
-            <a:r>
-              <a:rPr lang="en-US" dirty="0">
-                <a:solidFill>
-                  <a:srgbClr val="002060"/>
-                </a:solidFill>
-              </a:rPr>
-              <a:t> </a:t>
-            </a:r>
-          </a:p>
-        </p:txBody>
-      </p:sp>
-      <p:cxnSp>
-        <p:nvCxnSpPr>
-          <p:cNvPr id="26" name="Straight Arrow Connector 25">
-            <a:extLst>
-              <a:ext uri="{FF2B5EF4-FFF2-40B4-BE49-F238E27FC236}">
-                <a16:creationId xmlns:a16="http://schemas.microsoft.com/office/drawing/2014/main" id="{1D237BB7-BFBC-495A-CEAE-53EA23A5D90C}"/>
-              </a:ext>
-            </a:extLst>
-          </p:cNvPr>
-          <p:cNvCxnSpPr>
-            <a:cxnSpLocks/>
-          </p:cNvCxnSpPr>
-          <p:nvPr/>
-        </p:nvCxnSpPr>
-        <p:spPr>
-          <a:xfrm flipH="1" flipV="1">
-            <a:off x="9250178" y="1501824"/>
-            <a:ext cx="1" cy="289542"/>
-          </a:xfrm>
-          <a:prstGeom prst="straightConnector1">
-            <a:avLst/>
-          </a:prstGeom>
-          <a:ln>
-            <a:tailEnd type="triangle"/>
-          </a:ln>
-        </p:spPr>
-        <p:style>
-          <a:lnRef idx="2">
-            <a:schemeClr val="accent1"/>
-          </a:lnRef>
-          <a:fillRef idx="0">
-            <a:schemeClr val="accent1"/>
-          </a:fillRef>
-          <a:effectRef idx="1">
-            <a:schemeClr val="accent1"/>
-          </a:effectRef>
-          <a:fontRef idx="minor">
-            <a:schemeClr val="tx1"/>
-          </a:fontRef>
-        </p:style>
-      </p:cxnSp>
     </p:spTree>
     <p:extLst>
       <p:ext uri="{BB962C8B-B14F-4D97-AF65-F5344CB8AC3E}">
@@ -13331,4 +12904,319 @@
     </a:ext>
   </a:extLst>
 </a:theme>
+</file>
+
+<file path=ppt/theme/theme3.xml><?xml version="1.0" encoding="utf-8"?>
+<a:theme xmlns:a="http://schemas.openxmlformats.org/drawingml/2006/main" name="Office Theme">
+  <a:themeElements>
+    <a:clrScheme name="Office">
+      <a:dk1>
+        <a:sysClr val="windowText" lastClr="000000"/>
+      </a:dk1>
+      <a:lt1>
+        <a:sysClr val="window" lastClr="FFFFFF"/>
+      </a:lt1>
+      <a:dk2>
+        <a:srgbClr val="0E2841"/>
+      </a:dk2>
+      <a:lt2>
+        <a:srgbClr val="E8E8E8"/>
+      </a:lt2>
+      <a:accent1>
+        <a:srgbClr val="156082"/>
+      </a:accent1>
+      <a:accent2>
+        <a:srgbClr val="E97132"/>
+      </a:accent2>
+      <a:accent3>
+        <a:srgbClr val="196B24"/>
+      </a:accent3>
+      <a:accent4>
+        <a:srgbClr val="0F9ED5"/>
+      </a:accent4>
+      <a:accent5>
+        <a:srgbClr val="A02B93"/>
+      </a:accent5>
+      <a:accent6>
+        <a:srgbClr val="4EA72E"/>
+      </a:accent6>
+      <a:hlink>
+        <a:srgbClr val="467886"/>
+      </a:hlink>
+      <a:folHlink>
+        <a:srgbClr val="96607D"/>
+      </a:folHlink>
+    </a:clrScheme>
+    <a:fontScheme name="Office">
+      <a:majorFont>
+        <a:latin typeface="Aptos Display" panose="02110004020202020204"/>
+        <a:ea typeface=""/>
+        <a:cs typeface=""/>
+        <a:font script="Jpan" typeface="游ゴシック Light"/>
+        <a:font script="Hang" typeface="맑은 고딕"/>
+        <a:font script="Hans" typeface="等线 Light"/>
+        <a:font script="Hant" typeface="新細明體"/>
+        <a:font script="Arab" typeface="Times New Roman"/>
+        <a:font script="Hebr" typeface="Times New Roman"/>
+        <a:font script="Thai" typeface="Angsana New"/>
+        <a:font script="Ethi" typeface="Nyala"/>
+        <a:font script="Beng" typeface="Vrinda"/>
+        <a:font script="Gujr" typeface="Shruti"/>
+        <a:font script="Khmr" typeface="MoolBoran"/>
+        <a:font script="Knda" typeface="Tunga"/>
+        <a:font script="Guru" typeface="Raavi"/>
+        <a:font script="Cans" typeface="Euphemia"/>
+        <a:font script="Cher" typeface="Plantagenet Cherokee"/>
+        <a:font script="Yiii" typeface="Microsoft Yi Baiti"/>
+        <a:font script="Tibt" typeface="Microsoft Himalaya"/>
+        <a:font script="Thaa" typeface="MV Boli"/>
+        <a:font script="Deva" typeface="Mangal"/>
+        <a:font script="Telu" typeface="Gautami"/>
+        <a:font script="Taml" typeface="Latha"/>
+        <a:font script="Syrc" typeface="Estrangelo Edessa"/>
+        <a:font script="Orya" typeface="Kalinga"/>
+        <a:font script="Mlym" typeface="Kartika"/>
+        <a:font script="Laoo" typeface="DokChampa"/>
+        <a:font script="Sinh" typeface="Iskoola Pota"/>
+        <a:font script="Mong" typeface="Mongolian Baiti"/>
+        <a:font script="Viet" typeface="Times New Roman"/>
+        <a:font script="Uigh" typeface="Microsoft Uighur"/>
+        <a:font script="Geor" typeface="Sylfaen"/>
+        <a:font script="Armn" typeface="Arial"/>
+        <a:font script="Bugi" typeface="Leelawadee UI"/>
+        <a:font script="Bopo" typeface="Microsoft JhengHei"/>
+        <a:font script="Java" typeface="Javanese Text"/>
+        <a:font script="Lisu" typeface="Segoe UI"/>
+        <a:font script="Mymr" typeface="Myanmar Text"/>
+        <a:font script="Nkoo" typeface="Ebrima"/>
+        <a:font script="Olck" typeface="Nirmala UI"/>
+        <a:font script="Osma" typeface="Ebrima"/>
+        <a:font script="Phag" typeface="Phagspa"/>
+        <a:font script="Syrn" typeface="Estrangelo Edessa"/>
+        <a:font script="Syrj" typeface="Estrangelo Edessa"/>
+        <a:font script="Syre" typeface="Estrangelo Edessa"/>
+        <a:font script="Sora" typeface="Nirmala UI"/>
+        <a:font script="Tale" typeface="Microsoft Tai Le"/>
+        <a:font script="Talu" typeface="Microsoft New Tai Lue"/>
+        <a:font script="Tfng" typeface="Ebrima"/>
+      </a:majorFont>
+      <a:minorFont>
+        <a:latin typeface="Aptos" panose="02110004020202020204"/>
+        <a:ea typeface=""/>
+        <a:cs typeface=""/>
+        <a:font script="Jpan" typeface="游ゴシック"/>
+        <a:font script="Hang" typeface="맑은 고딕"/>
+        <a:font script="Hans" typeface="等线"/>
+        <a:font script="Hant" typeface="新細明體"/>
+        <a:font script="Arab" typeface="Arial"/>
+        <a:font script="Hebr" typeface="Arial"/>
+        <a:font script="Thai" typeface="Cordia New"/>
+        <a:font script="Ethi" typeface="Nyala"/>
+        <a:font script="Beng" typeface="Vrinda"/>
+        <a:font script="Gujr" typeface="Shruti"/>
+        <a:font script="Khmr" typeface="DaunPenh"/>
+        <a:font script="Knda" typeface="Tunga"/>
+        <a:font script="Guru" typeface="Raavi"/>
+        <a:font script="Cans" typeface="Euphemia"/>
+        <a:font script="Cher" typeface="Plantagenet Cherokee"/>
+        <a:font script="Yiii" typeface="Microsoft Yi Baiti"/>
+        <a:font script="Tibt" typeface="Microsoft Himalaya"/>
+        <a:font script="Thaa" typeface="MV Boli"/>
+        <a:font script="Deva" typeface="Mangal"/>
+        <a:font script="Telu" typeface="Gautami"/>
+        <a:font script="Taml" typeface="Latha"/>
+        <a:font script="Syrc" typeface="Estrangelo Edessa"/>
+        <a:font script="Orya" typeface="Kalinga"/>
+        <a:font script="Mlym" typeface="Kartika"/>
+        <a:font script="Laoo" typeface="DokChampa"/>
+        <a:font script="Sinh" typeface="Iskoola Pota"/>
+        <a:font script="Mong" typeface="Mongolian Baiti"/>
+        <a:font script="Viet" typeface="Arial"/>
+        <a:font script="Uigh" typeface="Microsoft Uighur"/>
+        <a:font script="Geor" typeface="Sylfaen"/>
+        <a:font script="Armn" typeface="Arial"/>
+        <a:font script="Bugi" typeface="Leelawadee UI"/>
+        <a:font script="Bopo" typeface="Microsoft JhengHei"/>
+        <a:font script="Java" typeface="Javanese Text"/>
+        <a:font script="Lisu" typeface="Segoe UI"/>
+        <a:font script="Mymr" typeface="Myanmar Text"/>
+        <a:font script="Nkoo" typeface="Ebrima"/>
+        <a:font script="Olck" typeface="Nirmala UI"/>
+        <a:font script="Osma" typeface="Ebrima"/>
+        <a:font script="Phag" typeface="Phagspa"/>
+        <a:font script="Syrn" typeface="Estrangelo Edessa"/>
+        <a:font script="Syrj" typeface="Estrangelo Edessa"/>
+        <a:font script="Syre" typeface="Estrangelo Edessa"/>
+        <a:font script="Sora" typeface="Nirmala UI"/>
+        <a:font script="Tale" typeface="Microsoft Tai Le"/>
+        <a:font script="Talu" typeface="Microsoft New Tai Lue"/>
+        <a:font script="Tfng" typeface="Ebrima"/>
+      </a:minorFont>
+    </a:fontScheme>
+    <a:fmtScheme name="Office">
+      <a:fillStyleLst>
+        <a:solidFill>
+          <a:schemeClr val="phClr"/>
+        </a:solidFill>
+        <a:gradFill rotWithShape="1">
+          <a:gsLst>
+            <a:gs pos="0">
+              <a:schemeClr val="phClr">
+                <a:lumMod val="110000"/>
+                <a:satMod val="105000"/>
+                <a:tint val="67000"/>
+              </a:schemeClr>
+            </a:gs>
+            <a:gs pos="50000">
+              <a:schemeClr val="phClr">
+                <a:lumMod val="105000"/>
+                <a:satMod val="103000"/>
+                <a:tint val="73000"/>
+              </a:schemeClr>
+            </a:gs>
+            <a:gs pos="100000">
+              <a:schemeClr val="phClr">
+                <a:lumMod val="105000"/>
+                <a:satMod val="109000"/>
+                <a:tint val="81000"/>
+              </a:schemeClr>
+            </a:gs>
+          </a:gsLst>
+          <a:lin ang="5400000" scaled="0"/>
+        </a:gradFill>
+        <a:gradFill rotWithShape="1">
+          <a:gsLst>
+            <a:gs pos="0">
+              <a:schemeClr val="phClr">
+                <a:satMod val="103000"/>
+                <a:lumMod val="102000"/>
+                <a:tint val="94000"/>
+              </a:schemeClr>
+            </a:gs>
+            <a:gs pos="50000">
+              <a:schemeClr val="phClr">
+                <a:satMod val="110000"/>
+                <a:lumMod val="100000"/>
+                <a:shade val="100000"/>
+              </a:schemeClr>
+            </a:gs>
+            <a:gs pos="100000">
+              <a:schemeClr val="phClr">
+                <a:lumMod val="99000"/>
+                <a:satMod val="120000"/>
+                <a:shade val="78000"/>
+              </a:schemeClr>
+            </a:gs>
+          </a:gsLst>
+          <a:lin ang="5400000" scaled="0"/>
+        </a:gradFill>
+      </a:fillStyleLst>
+      <a:lnStyleLst>
+        <a:ln w="12700" cap="flat" cmpd="sng" algn="ctr">
+          <a:solidFill>
+            <a:schemeClr val="phClr"/>
+          </a:solidFill>
+          <a:prstDash val="solid"/>
+          <a:miter lim="800000"/>
+        </a:ln>
+        <a:ln w="19050" cap="flat" cmpd="sng" algn="ctr">
+          <a:solidFill>
+            <a:schemeClr val="phClr"/>
+          </a:solidFill>
+          <a:prstDash val="solid"/>
+          <a:miter lim="800000"/>
+        </a:ln>
+        <a:ln w="25400" cap="flat" cmpd="sng" algn="ctr">
+          <a:solidFill>
+            <a:schemeClr val="phClr"/>
+          </a:solidFill>
+          <a:prstDash val="solid"/>
+          <a:miter lim="800000"/>
+        </a:ln>
+      </a:lnStyleLst>
+      <a:effectStyleLst>
+        <a:effectStyle>
+          <a:effectLst/>
+        </a:effectStyle>
+        <a:effectStyle>
+          <a:effectLst/>
+        </a:effectStyle>
+        <a:effectStyle>
+          <a:effectLst>
+            <a:outerShdw blurRad="57150" dist="19050" dir="5400000" algn="ctr" rotWithShape="0">
+              <a:srgbClr val="000000">
+                <a:alpha val="63000"/>
+              </a:srgbClr>
+            </a:outerShdw>
+          </a:effectLst>
+        </a:effectStyle>
+      </a:effectStyleLst>
+      <a:bgFillStyleLst>
+        <a:solidFill>
+          <a:schemeClr val="phClr"/>
+        </a:solidFill>
+        <a:solidFill>
+          <a:schemeClr val="phClr">
+            <a:tint val="95000"/>
+            <a:satMod val="170000"/>
+          </a:schemeClr>
+        </a:solidFill>
+        <a:gradFill rotWithShape="1">
+          <a:gsLst>
+            <a:gs pos="0">
+              <a:schemeClr val="phClr">
+                <a:tint val="93000"/>
+                <a:satMod val="150000"/>
+                <a:shade val="98000"/>
+                <a:lumMod val="102000"/>
+              </a:schemeClr>
+            </a:gs>
+            <a:gs pos="50000">
+              <a:schemeClr val="phClr">
+                <a:tint val="98000"/>
+                <a:satMod val="130000"/>
+                <a:shade val="90000"/>
+                <a:lumMod val="103000"/>
+              </a:schemeClr>
+            </a:gs>
+            <a:gs pos="100000">
+              <a:schemeClr val="phClr">
+                <a:shade val="63000"/>
+                <a:satMod val="120000"/>
+              </a:schemeClr>
+            </a:gs>
+          </a:gsLst>
+          <a:lin ang="5400000" scaled="0"/>
+        </a:gradFill>
+      </a:bgFillStyleLst>
+    </a:fmtScheme>
+  </a:themeElements>
+  <a:objectDefaults>
+    <a:lnDef>
+      <a:spPr/>
+      <a:bodyPr/>
+      <a:lstStyle/>
+      <a:style>
+        <a:lnRef idx="2">
+          <a:schemeClr val="accent1"/>
+        </a:lnRef>
+        <a:fillRef idx="0">
+          <a:schemeClr val="accent1"/>
+        </a:fillRef>
+        <a:effectRef idx="1">
+          <a:schemeClr val="accent1"/>
+        </a:effectRef>
+        <a:fontRef idx="minor">
+          <a:schemeClr val="tx1"/>
+        </a:fontRef>
+      </a:style>
+    </a:lnDef>
+  </a:objectDefaults>
+  <a:extraClrSchemeLst/>
+  <a:extLst>
+    <a:ext uri="{05A4C25C-085E-4340-85A3-A5531E510DB2}">
+      <thm15:themeFamily xmlns:thm15="http://schemas.microsoft.com/office/thememl/2012/main" name="Office Theme" id="{2E142A2C-CD16-42D6-873A-C26D2A0506FA}" vid="{1BDDFF52-6CD6-40A5-AB3C-68EB2F1E4D0A}"/>
+    </a:ext>
+  </a:extLst>
+</a:theme>
 </file>